--- a/teach/fall_22/slides/ds_7_new.pptx
+++ b/teach/fall_22/slides/ds_7_new.pptx
@@ -11979,7 +11979,7 @@
           <a:p>
             <a:fld id="{3B15A1CC-ACDD-704E-8698-C6E1792162B7}" type="datetimeFigureOut">
               <a:rPr lang="en-US" smtClean="0"/>
-              <a:t>9/26/22</a:t>
+              <a:t>9/28/22</a:t>
             </a:fld>
             <a:endParaRPr lang="en-US"/>
           </a:p>
@@ -12576,7 +12576,7 @@
             <a:fld id="{B61BEF0D-F0BB-DE4B-95CE-6DB70DBA9567}" type="datetimeFigureOut">
               <a:rPr lang="en-US"/>
               <a:pPr/>
-              <a:t>9/26/22</a:t>
+              <a:t>9/28/22</a:t>
             </a:fld>
             <a:endParaRPr lang="en-US"/>
           </a:p>
@@ -12835,7 +12835,7 @@
             <a:fld id="{B61BEF0D-F0BB-DE4B-95CE-6DB70DBA9567}" type="datetimeFigureOut">
               <a:rPr lang="en-US"/>
               <a:pPr/>
-              <a:t>9/26/22</a:t>
+              <a:t>9/28/22</a:t>
             </a:fld>
             <a:endParaRPr lang="en-US"/>
           </a:p>
@@ -13067,7 +13067,7 @@
             <a:fld id="{B61BEF0D-F0BB-DE4B-95CE-6DB70DBA9567}" type="datetimeFigureOut">
               <a:rPr lang="en-US"/>
               <a:pPr/>
-              <a:t>9/26/22</a:t>
+              <a:t>9/28/22</a:t>
             </a:fld>
             <a:endParaRPr lang="en-US"/>
           </a:p>
@@ -13304,7 +13304,7 @@
             <a:fld id="{B61BEF0D-F0BB-DE4B-95CE-6DB70DBA9567}" type="datetimeFigureOut">
               <a:rPr lang="en-US"/>
               <a:pPr/>
-              <a:t>9/26/22</a:t>
+              <a:t>9/28/22</a:t>
             </a:fld>
             <a:endParaRPr lang="en-US"/>
           </a:p>
@@ -13608,7 +13608,7 @@
             <a:fld id="{B61BEF0D-F0BB-DE4B-95CE-6DB70DBA9567}" type="datetimeFigureOut">
               <a:rPr lang="en-US"/>
               <a:pPr/>
-              <a:t>9/26/22</a:t>
+              <a:t>9/28/22</a:t>
             </a:fld>
             <a:endParaRPr lang="en-US"/>
           </a:p>
@@ -13907,7 +13907,7 @@
             <a:fld id="{B61BEF0D-F0BB-DE4B-95CE-6DB70DBA9567}" type="datetimeFigureOut">
               <a:rPr lang="en-US"/>
               <a:pPr/>
-              <a:t>9/26/22</a:t>
+              <a:t>9/28/22</a:t>
             </a:fld>
             <a:endParaRPr lang="en-US"/>
           </a:p>
@@ -14326,7 +14326,7 @@
             <a:fld id="{B61BEF0D-F0BB-DE4B-95CE-6DB70DBA9567}" type="datetimeFigureOut">
               <a:rPr lang="en-US"/>
               <a:pPr/>
-              <a:t>9/26/22</a:t>
+              <a:t>9/28/22</a:t>
             </a:fld>
             <a:endParaRPr lang="en-US"/>
           </a:p>
@@ -14485,7 +14485,7 @@
             <a:fld id="{B61BEF0D-F0BB-DE4B-95CE-6DB70DBA9567}" type="datetimeFigureOut">
               <a:rPr lang="en-US"/>
               <a:pPr/>
-              <a:t>9/26/22</a:t>
+              <a:t>9/28/22</a:t>
             </a:fld>
             <a:endParaRPr lang="en-US"/>
           </a:p>
@@ -14577,7 +14577,7 @@
             <a:fld id="{B61BEF0D-F0BB-DE4B-95CE-6DB70DBA9567}" type="datetimeFigureOut">
               <a:rPr lang="en-US"/>
               <a:pPr/>
-              <a:t>9/26/22</a:t>
+              <a:t>9/28/22</a:t>
             </a:fld>
             <a:endParaRPr lang="en-US"/>
           </a:p>
@@ -14952,7 +14952,7 @@
             <a:fld id="{B61BEF0D-F0BB-DE4B-95CE-6DB70DBA9567}" type="datetimeFigureOut">
               <a:rPr lang="en-US"/>
               <a:pPr/>
-              <a:t>9/26/22</a:t>
+              <a:t>9/28/22</a:t>
             </a:fld>
             <a:endParaRPr lang="en-US"/>
           </a:p>
@@ -15237,7 +15237,7 @@
             <a:fld id="{B61BEF0D-F0BB-DE4B-95CE-6DB70DBA9567}" type="datetimeFigureOut">
               <a:rPr lang="en-US"/>
               <a:pPr/>
-              <a:t>9/26/22</a:t>
+              <a:t>9/28/22</a:t>
             </a:fld>
             <a:endParaRPr lang="en-US"/>
           </a:p>
@@ -15445,7 +15445,7 @@
             <a:fld id="{B61BEF0D-F0BB-DE4B-95CE-6DB70DBA9567}" type="datetimeFigureOut">
               <a:rPr lang="en-US"/>
               <a:pPr/>
-              <a:t>9/26/22</a:t>
+              <a:t>9/28/22</a:t>
             </a:fld>
             <a:endParaRPr lang="en-US"/>
           </a:p>
@@ -17127,8 +17127,8 @@
           </a:p>
         </p:txBody>
       </p:sp>
-      <mc:AlternateContent xmlns:mc="http://schemas.openxmlformats.org/markup-compatibility/2006">
-        <mc:Choice xmlns:p14="http://schemas.microsoft.com/office/powerpoint/2010/main" Requires="p14">
+      <mc:AlternateContent xmlns:mc="http://schemas.openxmlformats.org/markup-compatibility/2006" xmlns:p14="http://schemas.microsoft.com/office/powerpoint/2010/main">
+        <mc:Choice Requires="p14">
           <p:contentPart p14:bwMode="auto" r:id="rId6">
             <p14:nvContentPartPr>
               <p14:cNvPr id="15426" name="Ink 15425">
@@ -17147,7 +17147,7 @@
             </p14:xfrm>
           </p:contentPart>
         </mc:Choice>
-        <mc:Fallback>
+        <mc:Fallback xmlns="">
           <p:pic>
             <p:nvPicPr>
               <p:cNvPr id="15426" name="Ink 15425">
@@ -17198,8 +17198,8 @@
             <a:chExt cx="477360" cy="286560"/>
           </a:xfrm>
         </p:grpSpPr>
-        <mc:AlternateContent xmlns:mc="http://schemas.openxmlformats.org/markup-compatibility/2006">
-          <mc:Choice xmlns:p14="http://schemas.microsoft.com/office/powerpoint/2010/main" Requires="p14">
+        <mc:AlternateContent xmlns:mc="http://schemas.openxmlformats.org/markup-compatibility/2006" xmlns:p14="http://schemas.microsoft.com/office/powerpoint/2010/main">
+          <mc:Choice Requires="p14">
             <p:contentPart p14:bwMode="auto" r:id="rId8">
               <p14:nvContentPartPr>
                 <p14:cNvPr id="28" name="Ink 27">
@@ -17218,7 +17218,7 @@
               </p14:xfrm>
             </p:contentPart>
           </mc:Choice>
-          <mc:Fallback>
+          <mc:Fallback xmlns="">
             <p:pic>
               <p:nvPicPr>
                 <p:cNvPr id="28" name="Ink 27">
@@ -17249,8 +17249,8 @@
             </p:pic>
           </mc:Fallback>
         </mc:AlternateContent>
-        <mc:AlternateContent xmlns:mc="http://schemas.openxmlformats.org/markup-compatibility/2006">
-          <mc:Choice xmlns:p14="http://schemas.microsoft.com/office/powerpoint/2010/main" Requires="p14">
+        <mc:AlternateContent xmlns:mc="http://schemas.openxmlformats.org/markup-compatibility/2006" xmlns:p14="http://schemas.microsoft.com/office/powerpoint/2010/main">
+          <mc:Choice Requires="p14">
             <p:contentPart p14:bwMode="auto" r:id="rId10">
               <p14:nvContentPartPr>
                 <p14:cNvPr id="29" name="Ink 28">
@@ -17269,7 +17269,7 @@
               </p14:xfrm>
             </p:contentPart>
           </mc:Choice>
-          <mc:Fallback>
+          <mc:Fallback xmlns="">
             <p:pic>
               <p:nvPicPr>
                 <p:cNvPr id="29" name="Ink 28">
@@ -17300,8 +17300,8 @@
             </p:pic>
           </mc:Fallback>
         </mc:AlternateContent>
-        <mc:AlternateContent xmlns:mc="http://schemas.openxmlformats.org/markup-compatibility/2006">
-          <mc:Choice xmlns:p14="http://schemas.microsoft.com/office/powerpoint/2010/main" Requires="p14">
+        <mc:AlternateContent xmlns:mc="http://schemas.openxmlformats.org/markup-compatibility/2006" xmlns:p14="http://schemas.microsoft.com/office/powerpoint/2010/main">
+          <mc:Choice Requires="p14">
             <p:contentPart p14:bwMode="auto" r:id="rId12">
               <p14:nvContentPartPr>
                 <p14:cNvPr id="58" name="Ink 57">
@@ -17320,7 +17320,7 @@
               </p14:xfrm>
             </p:contentPart>
           </mc:Choice>
-          <mc:Fallback>
+          <mc:Fallback xmlns="">
             <p:pic>
               <p:nvPicPr>
                 <p:cNvPr id="58" name="Ink 57">
@@ -17351,8 +17351,8 @@
             </p:pic>
           </mc:Fallback>
         </mc:AlternateContent>
-        <mc:AlternateContent xmlns:mc="http://schemas.openxmlformats.org/markup-compatibility/2006">
-          <mc:Choice xmlns:p14="http://schemas.microsoft.com/office/powerpoint/2010/main" Requires="p14">
+        <mc:AlternateContent xmlns:mc="http://schemas.openxmlformats.org/markup-compatibility/2006" xmlns:p14="http://schemas.microsoft.com/office/powerpoint/2010/main">
+          <mc:Choice Requires="p14">
             <p:contentPart p14:bwMode="auto" r:id="rId14">
               <p14:nvContentPartPr>
                 <p14:cNvPr id="15370" name="Ink 15369">
@@ -17371,7 +17371,7 @@
               </p14:xfrm>
             </p:contentPart>
           </mc:Choice>
-          <mc:Fallback>
+          <mc:Fallback xmlns="">
             <p:pic>
               <p:nvPicPr>
                 <p:cNvPr id="15370" name="Ink 15369">
@@ -17423,8 +17423,8 @@
             <a:chExt cx="242640" cy="171720"/>
           </a:xfrm>
         </p:grpSpPr>
-        <mc:AlternateContent xmlns:mc="http://schemas.openxmlformats.org/markup-compatibility/2006">
-          <mc:Choice xmlns:p14="http://schemas.microsoft.com/office/powerpoint/2010/main" Requires="p14">
+        <mc:AlternateContent xmlns:mc="http://schemas.openxmlformats.org/markup-compatibility/2006" xmlns:p14="http://schemas.microsoft.com/office/powerpoint/2010/main">
+          <mc:Choice Requires="p14">
             <p:contentPart p14:bwMode="auto" r:id="rId16">
               <p14:nvContentPartPr>
                 <p14:cNvPr id="15375" name="Ink 15374">
@@ -17443,7 +17443,7 @@
               </p14:xfrm>
             </p:contentPart>
           </mc:Choice>
-          <mc:Fallback>
+          <mc:Fallback xmlns="">
             <p:pic>
               <p:nvPicPr>
                 <p:cNvPr id="15375" name="Ink 15374">
@@ -17474,8 +17474,8 @@
             </p:pic>
           </mc:Fallback>
         </mc:AlternateContent>
-        <mc:AlternateContent xmlns:mc="http://schemas.openxmlformats.org/markup-compatibility/2006">
-          <mc:Choice xmlns:p14="http://schemas.microsoft.com/office/powerpoint/2010/main" Requires="p14">
+        <mc:AlternateContent xmlns:mc="http://schemas.openxmlformats.org/markup-compatibility/2006" xmlns:p14="http://schemas.microsoft.com/office/powerpoint/2010/main">
+          <mc:Choice Requires="p14">
             <p:contentPart p14:bwMode="auto" r:id="rId18">
               <p14:nvContentPartPr>
                 <p14:cNvPr id="15410" name="Ink 15409">
@@ -17494,7 +17494,7 @@
               </p14:xfrm>
             </p:contentPart>
           </mc:Choice>
-          <mc:Fallback>
+          <mc:Fallback xmlns="">
             <p:pic>
               <p:nvPicPr>
                 <p:cNvPr id="15410" name="Ink 15409">
@@ -17546,8 +17546,8 @@
             <a:chExt cx="710280" cy="652320"/>
           </a:xfrm>
         </p:grpSpPr>
-        <mc:AlternateContent xmlns:mc="http://schemas.openxmlformats.org/markup-compatibility/2006">
-          <mc:Choice xmlns:p14="http://schemas.microsoft.com/office/powerpoint/2010/main" Requires="p14">
+        <mc:AlternateContent xmlns:mc="http://schemas.openxmlformats.org/markup-compatibility/2006" xmlns:p14="http://schemas.microsoft.com/office/powerpoint/2010/main">
+          <mc:Choice Requires="p14">
             <p:contentPart p14:bwMode="auto" r:id="rId20">
               <p14:nvContentPartPr>
                 <p14:cNvPr id="15431" name="Ink 15430">
@@ -17566,7 +17566,7 @@
               </p14:xfrm>
             </p:contentPart>
           </mc:Choice>
-          <mc:Fallback>
+          <mc:Fallback xmlns="">
             <p:pic>
               <p:nvPicPr>
                 <p:cNvPr id="15431" name="Ink 15430">
@@ -17597,8 +17597,8 @@
             </p:pic>
           </mc:Fallback>
         </mc:AlternateContent>
-        <mc:AlternateContent xmlns:mc="http://schemas.openxmlformats.org/markup-compatibility/2006">
-          <mc:Choice xmlns:p14="http://schemas.microsoft.com/office/powerpoint/2010/main" Requires="p14">
+        <mc:AlternateContent xmlns:mc="http://schemas.openxmlformats.org/markup-compatibility/2006" xmlns:p14="http://schemas.microsoft.com/office/powerpoint/2010/main">
+          <mc:Choice Requires="p14">
             <p:contentPart p14:bwMode="auto" r:id="rId22">
               <p14:nvContentPartPr>
                 <p14:cNvPr id="15432" name="Ink 15431">
@@ -17617,7 +17617,7 @@
               </p14:xfrm>
             </p:contentPart>
           </mc:Choice>
-          <mc:Fallback>
+          <mc:Fallback xmlns="">
             <p:pic>
               <p:nvPicPr>
                 <p:cNvPr id="15432" name="Ink 15431">
@@ -17648,8 +17648,8 @@
             </p:pic>
           </mc:Fallback>
         </mc:AlternateContent>
-        <mc:AlternateContent xmlns:mc="http://schemas.openxmlformats.org/markup-compatibility/2006">
-          <mc:Choice xmlns:p14="http://schemas.microsoft.com/office/powerpoint/2010/main" Requires="p14">
+        <mc:AlternateContent xmlns:mc="http://schemas.openxmlformats.org/markup-compatibility/2006" xmlns:p14="http://schemas.microsoft.com/office/powerpoint/2010/main">
+          <mc:Choice Requires="p14">
             <p:contentPart p14:bwMode="auto" r:id="rId24">
               <p14:nvContentPartPr>
                 <p14:cNvPr id="15433" name="Ink 15432">
@@ -17668,7 +17668,7 @@
               </p14:xfrm>
             </p:contentPart>
           </mc:Choice>
-          <mc:Fallback>
+          <mc:Fallback xmlns="">
             <p:pic>
               <p:nvPicPr>
                 <p:cNvPr id="15433" name="Ink 15432">
@@ -17699,8 +17699,8 @@
             </p:pic>
           </mc:Fallback>
         </mc:AlternateContent>
-        <mc:AlternateContent xmlns:mc="http://schemas.openxmlformats.org/markup-compatibility/2006">
-          <mc:Choice xmlns:p14="http://schemas.microsoft.com/office/powerpoint/2010/main" Requires="p14">
+        <mc:AlternateContent xmlns:mc="http://schemas.openxmlformats.org/markup-compatibility/2006" xmlns:p14="http://schemas.microsoft.com/office/powerpoint/2010/main">
+          <mc:Choice Requires="p14">
             <p:contentPart p14:bwMode="auto" r:id="rId26">
               <p14:nvContentPartPr>
                 <p14:cNvPr id="15434" name="Ink 15433">
@@ -17719,7 +17719,7 @@
               </p14:xfrm>
             </p:contentPart>
           </mc:Choice>
-          <mc:Fallback>
+          <mc:Fallback xmlns="">
             <p:pic>
               <p:nvPicPr>
                 <p:cNvPr id="15434" name="Ink 15433">
@@ -17750,8 +17750,8 @@
             </p:pic>
           </mc:Fallback>
         </mc:AlternateContent>
-        <mc:AlternateContent xmlns:mc="http://schemas.openxmlformats.org/markup-compatibility/2006">
-          <mc:Choice xmlns:p14="http://schemas.microsoft.com/office/powerpoint/2010/main" Requires="p14">
+        <mc:AlternateContent xmlns:mc="http://schemas.openxmlformats.org/markup-compatibility/2006" xmlns:p14="http://schemas.microsoft.com/office/powerpoint/2010/main">
+          <mc:Choice Requires="p14">
             <p:contentPart p14:bwMode="auto" r:id="rId28">
               <p14:nvContentPartPr>
                 <p14:cNvPr id="15435" name="Ink 15434">
@@ -17770,7 +17770,7 @@
               </p14:xfrm>
             </p:contentPart>
           </mc:Choice>
-          <mc:Fallback>
+          <mc:Fallback xmlns="">
             <p:pic>
               <p:nvPicPr>
                 <p:cNvPr id="15435" name="Ink 15434">
@@ -17801,8 +17801,8 @@
             </p:pic>
           </mc:Fallback>
         </mc:AlternateContent>
-        <mc:AlternateContent xmlns:mc="http://schemas.openxmlformats.org/markup-compatibility/2006">
-          <mc:Choice xmlns:p14="http://schemas.microsoft.com/office/powerpoint/2010/main" Requires="p14">
+        <mc:AlternateContent xmlns:mc="http://schemas.openxmlformats.org/markup-compatibility/2006" xmlns:p14="http://schemas.microsoft.com/office/powerpoint/2010/main">
+          <mc:Choice Requires="p14">
             <p:contentPart p14:bwMode="auto" r:id="rId30">
               <p14:nvContentPartPr>
                 <p14:cNvPr id="15436" name="Ink 15435">
@@ -17821,7 +17821,7 @@
               </p14:xfrm>
             </p:contentPart>
           </mc:Choice>
-          <mc:Fallback>
+          <mc:Fallback xmlns="">
             <p:pic>
               <p:nvPicPr>
                 <p:cNvPr id="15436" name="Ink 15435">
@@ -17873,8 +17873,8 @@
             <a:chExt cx="158400" cy="193680"/>
           </a:xfrm>
         </p:grpSpPr>
-        <mc:AlternateContent xmlns:mc="http://schemas.openxmlformats.org/markup-compatibility/2006">
-          <mc:Choice xmlns:p14="http://schemas.microsoft.com/office/powerpoint/2010/main" Requires="p14">
+        <mc:AlternateContent xmlns:mc="http://schemas.openxmlformats.org/markup-compatibility/2006" xmlns:p14="http://schemas.microsoft.com/office/powerpoint/2010/main">
+          <mc:Choice Requires="p14">
             <p:contentPart p14:bwMode="auto" r:id="rId32">
               <p14:nvContentPartPr>
                 <p14:cNvPr id="15438" name="Ink 15437">
@@ -17893,7 +17893,7 @@
               </p14:xfrm>
             </p:contentPart>
           </mc:Choice>
-          <mc:Fallback>
+          <mc:Fallback xmlns="">
             <p:pic>
               <p:nvPicPr>
                 <p:cNvPr id="15438" name="Ink 15437">
@@ -17924,8 +17924,8 @@
             </p:pic>
           </mc:Fallback>
         </mc:AlternateContent>
-        <mc:AlternateContent xmlns:mc="http://schemas.openxmlformats.org/markup-compatibility/2006">
-          <mc:Choice xmlns:p14="http://schemas.microsoft.com/office/powerpoint/2010/main" Requires="p14">
+        <mc:AlternateContent xmlns:mc="http://schemas.openxmlformats.org/markup-compatibility/2006" xmlns:p14="http://schemas.microsoft.com/office/powerpoint/2010/main">
+          <mc:Choice Requires="p14">
             <p:contentPart p14:bwMode="auto" r:id="rId34">
               <p14:nvContentPartPr>
                 <p14:cNvPr id="15439" name="Ink 15438">
@@ -17944,7 +17944,7 @@
               </p14:xfrm>
             </p:contentPart>
           </mc:Choice>
-          <mc:Fallback>
+          <mc:Fallback xmlns="">
             <p:pic>
               <p:nvPicPr>
                 <p:cNvPr id="15439" name="Ink 15438">
@@ -17996,8 +17996,8 @@
             <a:chExt cx="681480" cy="381600"/>
           </a:xfrm>
         </p:grpSpPr>
-        <mc:AlternateContent xmlns:mc="http://schemas.openxmlformats.org/markup-compatibility/2006">
-          <mc:Choice xmlns:p14="http://schemas.microsoft.com/office/powerpoint/2010/main" Requires="p14">
+        <mc:AlternateContent xmlns:mc="http://schemas.openxmlformats.org/markup-compatibility/2006" xmlns:p14="http://schemas.microsoft.com/office/powerpoint/2010/main">
+          <mc:Choice Requires="p14">
             <p:contentPart p14:bwMode="auto" r:id="rId36">
               <p14:nvContentPartPr>
                 <p14:cNvPr id="15440" name="Ink 15439">
@@ -18016,7 +18016,7 @@
               </p14:xfrm>
             </p:contentPart>
           </mc:Choice>
-          <mc:Fallback>
+          <mc:Fallback xmlns="">
             <p:pic>
               <p:nvPicPr>
                 <p:cNvPr id="15440" name="Ink 15439">
@@ -18047,8 +18047,8 @@
             </p:pic>
           </mc:Fallback>
         </mc:AlternateContent>
-        <mc:AlternateContent xmlns:mc="http://schemas.openxmlformats.org/markup-compatibility/2006">
-          <mc:Choice xmlns:p14="http://schemas.microsoft.com/office/powerpoint/2010/main" Requires="p14">
+        <mc:AlternateContent xmlns:mc="http://schemas.openxmlformats.org/markup-compatibility/2006" xmlns:p14="http://schemas.microsoft.com/office/powerpoint/2010/main">
+          <mc:Choice Requires="p14">
             <p:contentPart p14:bwMode="auto" r:id="rId38">
               <p14:nvContentPartPr>
                 <p14:cNvPr id="15441" name="Ink 15440">
@@ -18067,7 +18067,7 @@
               </p14:xfrm>
             </p:contentPart>
           </mc:Choice>
-          <mc:Fallback>
+          <mc:Fallback xmlns="">
             <p:pic>
               <p:nvPicPr>
                 <p:cNvPr id="15441" name="Ink 15440">
@@ -18098,8 +18098,8 @@
             </p:pic>
           </mc:Fallback>
         </mc:AlternateContent>
-        <mc:AlternateContent xmlns:mc="http://schemas.openxmlformats.org/markup-compatibility/2006">
-          <mc:Choice xmlns:p14="http://schemas.microsoft.com/office/powerpoint/2010/main" Requires="p14">
+        <mc:AlternateContent xmlns:mc="http://schemas.openxmlformats.org/markup-compatibility/2006" xmlns:p14="http://schemas.microsoft.com/office/powerpoint/2010/main">
+          <mc:Choice Requires="p14">
             <p:contentPart p14:bwMode="auto" r:id="rId40">
               <p14:nvContentPartPr>
                 <p14:cNvPr id="15442" name="Ink 15441">
@@ -18118,7 +18118,7 @@
               </p14:xfrm>
             </p:contentPart>
           </mc:Choice>
-          <mc:Fallback>
+          <mc:Fallback xmlns="">
             <p:pic>
               <p:nvPicPr>
                 <p:cNvPr id="15442" name="Ink 15441">
@@ -18149,8 +18149,8 @@
             </p:pic>
           </mc:Fallback>
         </mc:AlternateContent>
-        <mc:AlternateContent xmlns:mc="http://schemas.openxmlformats.org/markup-compatibility/2006">
-          <mc:Choice xmlns:p14="http://schemas.microsoft.com/office/powerpoint/2010/main" Requires="p14">
+        <mc:AlternateContent xmlns:mc="http://schemas.openxmlformats.org/markup-compatibility/2006" xmlns:p14="http://schemas.microsoft.com/office/powerpoint/2010/main">
+          <mc:Choice Requires="p14">
             <p:contentPart p14:bwMode="auto" r:id="rId42">
               <p14:nvContentPartPr>
                 <p14:cNvPr id="15443" name="Ink 15442">
@@ -18169,7 +18169,7 @@
               </p14:xfrm>
             </p:contentPart>
           </mc:Choice>
-          <mc:Fallback>
+          <mc:Fallback xmlns="">
             <p:pic>
               <p:nvPicPr>
                 <p:cNvPr id="15443" name="Ink 15442">
@@ -18221,8 +18221,8 @@
             <a:chExt cx="1839960" cy="291600"/>
           </a:xfrm>
         </p:grpSpPr>
-        <mc:AlternateContent xmlns:mc="http://schemas.openxmlformats.org/markup-compatibility/2006">
-          <mc:Choice xmlns:p14="http://schemas.microsoft.com/office/powerpoint/2010/main" Requires="p14">
+        <mc:AlternateContent xmlns:mc="http://schemas.openxmlformats.org/markup-compatibility/2006" xmlns:p14="http://schemas.microsoft.com/office/powerpoint/2010/main">
+          <mc:Choice Requires="p14">
             <p:contentPart p14:bwMode="auto" r:id="rId44">
               <p14:nvContentPartPr>
                 <p14:cNvPr id="15448" name="Ink 15447">
@@ -18241,7 +18241,7 @@
               </p14:xfrm>
             </p:contentPart>
           </mc:Choice>
-          <mc:Fallback>
+          <mc:Fallback xmlns="">
             <p:pic>
               <p:nvPicPr>
                 <p:cNvPr id="15448" name="Ink 15447">
@@ -18272,8 +18272,8 @@
             </p:pic>
           </mc:Fallback>
         </mc:AlternateContent>
-        <mc:AlternateContent xmlns:mc="http://schemas.openxmlformats.org/markup-compatibility/2006">
-          <mc:Choice xmlns:p14="http://schemas.microsoft.com/office/powerpoint/2010/main" Requires="p14">
+        <mc:AlternateContent xmlns:mc="http://schemas.openxmlformats.org/markup-compatibility/2006" xmlns:p14="http://schemas.microsoft.com/office/powerpoint/2010/main">
+          <mc:Choice Requires="p14">
             <p:contentPart p14:bwMode="auto" r:id="rId46">
               <p14:nvContentPartPr>
                 <p14:cNvPr id="15449" name="Ink 15448">
@@ -18292,7 +18292,7 @@
               </p14:xfrm>
             </p:contentPart>
           </mc:Choice>
-          <mc:Fallback>
+          <mc:Fallback xmlns="">
             <p:pic>
               <p:nvPicPr>
                 <p:cNvPr id="15449" name="Ink 15448">
@@ -18323,8 +18323,8 @@
             </p:pic>
           </mc:Fallback>
         </mc:AlternateContent>
-        <mc:AlternateContent xmlns:mc="http://schemas.openxmlformats.org/markup-compatibility/2006">
-          <mc:Choice xmlns:p14="http://schemas.microsoft.com/office/powerpoint/2010/main" Requires="p14">
+        <mc:AlternateContent xmlns:mc="http://schemas.openxmlformats.org/markup-compatibility/2006" xmlns:p14="http://schemas.microsoft.com/office/powerpoint/2010/main">
+          <mc:Choice Requires="p14">
             <p:contentPart p14:bwMode="auto" r:id="rId48">
               <p14:nvContentPartPr>
                 <p14:cNvPr id="15450" name="Ink 15449">
@@ -18343,7 +18343,7 @@
               </p14:xfrm>
             </p:contentPart>
           </mc:Choice>
-          <mc:Fallback>
+          <mc:Fallback xmlns="">
             <p:pic>
               <p:nvPicPr>
                 <p:cNvPr id="15450" name="Ink 15449">
@@ -18374,8 +18374,8 @@
             </p:pic>
           </mc:Fallback>
         </mc:AlternateContent>
-        <mc:AlternateContent xmlns:mc="http://schemas.openxmlformats.org/markup-compatibility/2006">
-          <mc:Choice xmlns:p14="http://schemas.microsoft.com/office/powerpoint/2010/main" Requires="p14">
+        <mc:AlternateContent xmlns:mc="http://schemas.openxmlformats.org/markup-compatibility/2006" xmlns:p14="http://schemas.microsoft.com/office/powerpoint/2010/main">
+          <mc:Choice Requires="p14">
             <p:contentPart p14:bwMode="auto" r:id="rId50">
               <p14:nvContentPartPr>
                 <p14:cNvPr id="15451" name="Ink 15450">
@@ -18394,7 +18394,7 @@
               </p14:xfrm>
             </p:contentPart>
           </mc:Choice>
-          <mc:Fallback>
+          <mc:Fallback xmlns="">
             <p:pic>
               <p:nvPicPr>
                 <p:cNvPr id="15451" name="Ink 15450">
@@ -18425,8 +18425,8 @@
             </p:pic>
           </mc:Fallback>
         </mc:AlternateContent>
-        <mc:AlternateContent xmlns:mc="http://schemas.openxmlformats.org/markup-compatibility/2006">
-          <mc:Choice xmlns:p14="http://schemas.microsoft.com/office/powerpoint/2010/main" Requires="p14">
+        <mc:AlternateContent xmlns:mc="http://schemas.openxmlformats.org/markup-compatibility/2006" xmlns:p14="http://schemas.microsoft.com/office/powerpoint/2010/main">
+          <mc:Choice Requires="p14">
             <p:contentPart p14:bwMode="auto" r:id="rId52">
               <p14:nvContentPartPr>
                 <p14:cNvPr id="15452" name="Ink 15451">
@@ -18445,7 +18445,7 @@
               </p14:xfrm>
             </p:contentPart>
           </mc:Choice>
-          <mc:Fallback>
+          <mc:Fallback xmlns="">
             <p:pic>
               <p:nvPicPr>
                 <p:cNvPr id="15452" name="Ink 15451">
@@ -18476,8 +18476,8 @@
             </p:pic>
           </mc:Fallback>
         </mc:AlternateContent>
-        <mc:AlternateContent xmlns:mc="http://schemas.openxmlformats.org/markup-compatibility/2006">
-          <mc:Choice xmlns:p14="http://schemas.microsoft.com/office/powerpoint/2010/main" Requires="p14">
+        <mc:AlternateContent xmlns:mc="http://schemas.openxmlformats.org/markup-compatibility/2006" xmlns:p14="http://schemas.microsoft.com/office/powerpoint/2010/main">
+          <mc:Choice Requires="p14">
             <p:contentPart p14:bwMode="auto" r:id="rId54">
               <p14:nvContentPartPr>
                 <p14:cNvPr id="15453" name="Ink 15452">
@@ -18496,7 +18496,7 @@
               </p14:xfrm>
             </p:contentPart>
           </mc:Choice>
-          <mc:Fallback>
+          <mc:Fallback xmlns="">
             <p:pic>
               <p:nvPicPr>
                 <p:cNvPr id="15453" name="Ink 15452">
@@ -18527,8 +18527,8 @@
             </p:pic>
           </mc:Fallback>
         </mc:AlternateContent>
-        <mc:AlternateContent xmlns:mc="http://schemas.openxmlformats.org/markup-compatibility/2006">
-          <mc:Choice xmlns:p14="http://schemas.microsoft.com/office/powerpoint/2010/main" Requires="p14">
+        <mc:AlternateContent xmlns:mc="http://schemas.openxmlformats.org/markup-compatibility/2006" xmlns:p14="http://schemas.microsoft.com/office/powerpoint/2010/main">
+          <mc:Choice Requires="p14">
             <p:contentPart p14:bwMode="auto" r:id="rId56">
               <p14:nvContentPartPr>
                 <p14:cNvPr id="15454" name="Ink 15453">
@@ -18547,7 +18547,7 @@
               </p14:xfrm>
             </p:contentPart>
           </mc:Choice>
-          <mc:Fallback>
+          <mc:Fallback xmlns="">
             <p:pic>
               <p:nvPicPr>
                 <p:cNvPr id="15454" name="Ink 15453">
@@ -18578,8 +18578,8 @@
             </p:pic>
           </mc:Fallback>
         </mc:AlternateContent>
-        <mc:AlternateContent xmlns:mc="http://schemas.openxmlformats.org/markup-compatibility/2006">
-          <mc:Choice xmlns:p14="http://schemas.microsoft.com/office/powerpoint/2010/main" Requires="p14">
+        <mc:AlternateContent xmlns:mc="http://schemas.openxmlformats.org/markup-compatibility/2006" xmlns:p14="http://schemas.microsoft.com/office/powerpoint/2010/main">
+          <mc:Choice Requires="p14">
             <p:contentPart p14:bwMode="auto" r:id="rId58">
               <p14:nvContentPartPr>
                 <p14:cNvPr id="15455" name="Ink 15454">
@@ -18598,7 +18598,7 @@
               </p14:xfrm>
             </p:contentPart>
           </mc:Choice>
-          <mc:Fallback>
+          <mc:Fallback xmlns="">
             <p:pic>
               <p:nvPicPr>
                 <p:cNvPr id="15455" name="Ink 15454">
@@ -18629,8 +18629,8 @@
             </p:pic>
           </mc:Fallback>
         </mc:AlternateContent>
-        <mc:AlternateContent xmlns:mc="http://schemas.openxmlformats.org/markup-compatibility/2006">
-          <mc:Choice xmlns:p14="http://schemas.microsoft.com/office/powerpoint/2010/main" Requires="p14">
+        <mc:AlternateContent xmlns:mc="http://schemas.openxmlformats.org/markup-compatibility/2006" xmlns:p14="http://schemas.microsoft.com/office/powerpoint/2010/main">
+          <mc:Choice Requires="p14">
             <p:contentPart p14:bwMode="auto" r:id="rId60">
               <p14:nvContentPartPr>
                 <p14:cNvPr id="15456" name="Ink 15455">
@@ -18649,7 +18649,7 @@
               </p14:xfrm>
             </p:contentPart>
           </mc:Choice>
-          <mc:Fallback>
+          <mc:Fallback xmlns="">
             <p:pic>
               <p:nvPicPr>
                 <p:cNvPr id="15456" name="Ink 15455">
@@ -18680,8 +18680,8 @@
             </p:pic>
           </mc:Fallback>
         </mc:AlternateContent>
-        <mc:AlternateContent xmlns:mc="http://schemas.openxmlformats.org/markup-compatibility/2006">
-          <mc:Choice xmlns:p14="http://schemas.microsoft.com/office/powerpoint/2010/main" Requires="p14">
+        <mc:AlternateContent xmlns:mc="http://schemas.openxmlformats.org/markup-compatibility/2006" xmlns:p14="http://schemas.microsoft.com/office/powerpoint/2010/main">
+          <mc:Choice Requires="p14">
             <p:contentPart p14:bwMode="auto" r:id="rId62">
               <p14:nvContentPartPr>
                 <p14:cNvPr id="15457" name="Ink 15456">
@@ -18700,7 +18700,7 @@
               </p14:xfrm>
             </p:contentPart>
           </mc:Choice>
-          <mc:Fallback>
+          <mc:Fallback xmlns="">
             <p:pic>
               <p:nvPicPr>
                 <p:cNvPr id="15457" name="Ink 15456">
@@ -18731,8 +18731,8 @@
             </p:pic>
           </mc:Fallback>
         </mc:AlternateContent>
-        <mc:AlternateContent xmlns:mc="http://schemas.openxmlformats.org/markup-compatibility/2006">
-          <mc:Choice xmlns:p14="http://schemas.microsoft.com/office/powerpoint/2010/main" Requires="p14">
+        <mc:AlternateContent xmlns:mc="http://schemas.openxmlformats.org/markup-compatibility/2006" xmlns:p14="http://schemas.microsoft.com/office/powerpoint/2010/main">
+          <mc:Choice Requires="p14">
             <p:contentPart p14:bwMode="auto" r:id="rId64">
               <p14:nvContentPartPr>
                 <p14:cNvPr id="15458" name="Ink 15457">
@@ -18751,7 +18751,7 @@
               </p14:xfrm>
             </p:contentPart>
           </mc:Choice>
-          <mc:Fallback>
+          <mc:Fallback xmlns="">
             <p:pic>
               <p:nvPicPr>
                 <p:cNvPr id="15458" name="Ink 15457">
@@ -18782,8 +18782,8 @@
             </p:pic>
           </mc:Fallback>
         </mc:AlternateContent>
-        <mc:AlternateContent xmlns:mc="http://schemas.openxmlformats.org/markup-compatibility/2006">
-          <mc:Choice xmlns:p14="http://schemas.microsoft.com/office/powerpoint/2010/main" Requires="p14">
+        <mc:AlternateContent xmlns:mc="http://schemas.openxmlformats.org/markup-compatibility/2006" xmlns:p14="http://schemas.microsoft.com/office/powerpoint/2010/main">
+          <mc:Choice Requires="p14">
             <p:contentPart p14:bwMode="auto" r:id="rId66">
               <p14:nvContentPartPr>
                 <p14:cNvPr id="15459" name="Ink 15458">
@@ -18802,7 +18802,7 @@
               </p14:xfrm>
             </p:contentPart>
           </mc:Choice>
-          <mc:Fallback>
+          <mc:Fallback xmlns="">
             <p:pic>
               <p:nvPicPr>
                 <p:cNvPr id="15459" name="Ink 15458">
@@ -18854,8 +18854,8 @@
             <a:chExt cx="1917720" cy="613800"/>
           </a:xfrm>
         </p:grpSpPr>
-        <mc:AlternateContent xmlns:mc="http://schemas.openxmlformats.org/markup-compatibility/2006">
-          <mc:Choice xmlns:p14="http://schemas.microsoft.com/office/powerpoint/2010/main" Requires="p14">
+        <mc:AlternateContent xmlns:mc="http://schemas.openxmlformats.org/markup-compatibility/2006" xmlns:p14="http://schemas.microsoft.com/office/powerpoint/2010/main">
+          <mc:Choice Requires="p14">
             <p:contentPart p14:bwMode="auto" r:id="rId68">
               <p14:nvContentPartPr>
                 <p14:cNvPr id="15461" name="Ink 15460">
@@ -18874,7 +18874,7 @@
               </p14:xfrm>
             </p:contentPart>
           </mc:Choice>
-          <mc:Fallback>
+          <mc:Fallback xmlns="">
             <p:pic>
               <p:nvPicPr>
                 <p:cNvPr id="15461" name="Ink 15460">
@@ -18905,8 +18905,8 @@
             </p:pic>
           </mc:Fallback>
         </mc:AlternateContent>
-        <mc:AlternateContent xmlns:mc="http://schemas.openxmlformats.org/markup-compatibility/2006">
-          <mc:Choice xmlns:p14="http://schemas.microsoft.com/office/powerpoint/2010/main" Requires="p14">
+        <mc:AlternateContent xmlns:mc="http://schemas.openxmlformats.org/markup-compatibility/2006" xmlns:p14="http://schemas.microsoft.com/office/powerpoint/2010/main">
+          <mc:Choice Requires="p14">
             <p:contentPart p14:bwMode="auto" r:id="rId70">
               <p14:nvContentPartPr>
                 <p14:cNvPr id="15462" name="Ink 15461">
@@ -18925,7 +18925,7 @@
               </p14:xfrm>
             </p:contentPart>
           </mc:Choice>
-          <mc:Fallback>
+          <mc:Fallback xmlns="">
             <p:pic>
               <p:nvPicPr>
                 <p:cNvPr id="15462" name="Ink 15461">
@@ -18956,8 +18956,8 @@
             </p:pic>
           </mc:Fallback>
         </mc:AlternateContent>
-        <mc:AlternateContent xmlns:mc="http://schemas.openxmlformats.org/markup-compatibility/2006">
-          <mc:Choice xmlns:p14="http://schemas.microsoft.com/office/powerpoint/2010/main" Requires="p14">
+        <mc:AlternateContent xmlns:mc="http://schemas.openxmlformats.org/markup-compatibility/2006" xmlns:p14="http://schemas.microsoft.com/office/powerpoint/2010/main">
+          <mc:Choice Requires="p14">
             <p:contentPart p14:bwMode="auto" r:id="rId72">
               <p14:nvContentPartPr>
                 <p14:cNvPr id="15463" name="Ink 15462">
@@ -18976,7 +18976,7 @@
               </p14:xfrm>
             </p:contentPart>
           </mc:Choice>
-          <mc:Fallback>
+          <mc:Fallback xmlns="">
             <p:pic>
               <p:nvPicPr>
                 <p:cNvPr id="15463" name="Ink 15462">
@@ -19007,8 +19007,8 @@
             </p:pic>
           </mc:Fallback>
         </mc:AlternateContent>
-        <mc:AlternateContent xmlns:mc="http://schemas.openxmlformats.org/markup-compatibility/2006">
-          <mc:Choice xmlns:p14="http://schemas.microsoft.com/office/powerpoint/2010/main" Requires="p14">
+        <mc:AlternateContent xmlns:mc="http://schemas.openxmlformats.org/markup-compatibility/2006" xmlns:p14="http://schemas.microsoft.com/office/powerpoint/2010/main">
+          <mc:Choice Requires="p14">
             <p:contentPart p14:bwMode="auto" r:id="rId74">
               <p14:nvContentPartPr>
                 <p14:cNvPr id="15464" name="Ink 15463">
@@ -19027,7 +19027,7 @@
               </p14:xfrm>
             </p:contentPart>
           </mc:Choice>
-          <mc:Fallback>
+          <mc:Fallback xmlns="">
             <p:pic>
               <p:nvPicPr>
                 <p:cNvPr id="15464" name="Ink 15463">
@@ -19058,8 +19058,8 @@
             </p:pic>
           </mc:Fallback>
         </mc:AlternateContent>
-        <mc:AlternateContent xmlns:mc="http://schemas.openxmlformats.org/markup-compatibility/2006">
-          <mc:Choice xmlns:p14="http://schemas.microsoft.com/office/powerpoint/2010/main" Requires="p14">
+        <mc:AlternateContent xmlns:mc="http://schemas.openxmlformats.org/markup-compatibility/2006" xmlns:p14="http://schemas.microsoft.com/office/powerpoint/2010/main">
+          <mc:Choice Requires="p14">
             <p:contentPart p14:bwMode="auto" r:id="rId76">
               <p14:nvContentPartPr>
                 <p14:cNvPr id="15465" name="Ink 15464">
@@ -19078,7 +19078,7 @@
               </p14:xfrm>
             </p:contentPart>
           </mc:Choice>
-          <mc:Fallback>
+          <mc:Fallback xmlns="">
             <p:pic>
               <p:nvPicPr>
                 <p:cNvPr id="15465" name="Ink 15464">
@@ -19109,8 +19109,8 @@
             </p:pic>
           </mc:Fallback>
         </mc:AlternateContent>
-        <mc:AlternateContent xmlns:mc="http://schemas.openxmlformats.org/markup-compatibility/2006">
-          <mc:Choice xmlns:p14="http://schemas.microsoft.com/office/powerpoint/2010/main" Requires="p14">
+        <mc:AlternateContent xmlns:mc="http://schemas.openxmlformats.org/markup-compatibility/2006" xmlns:p14="http://schemas.microsoft.com/office/powerpoint/2010/main">
+          <mc:Choice Requires="p14">
             <p:contentPart p14:bwMode="auto" r:id="rId78">
               <p14:nvContentPartPr>
                 <p14:cNvPr id="15466" name="Ink 15465">
@@ -19129,7 +19129,7 @@
               </p14:xfrm>
             </p:contentPart>
           </mc:Choice>
-          <mc:Fallback>
+          <mc:Fallback xmlns="">
             <p:pic>
               <p:nvPicPr>
                 <p:cNvPr id="15466" name="Ink 15465">
@@ -19160,8 +19160,8 @@
             </p:pic>
           </mc:Fallback>
         </mc:AlternateContent>
-        <mc:AlternateContent xmlns:mc="http://schemas.openxmlformats.org/markup-compatibility/2006">
-          <mc:Choice xmlns:p14="http://schemas.microsoft.com/office/powerpoint/2010/main" Requires="p14">
+        <mc:AlternateContent xmlns:mc="http://schemas.openxmlformats.org/markup-compatibility/2006" xmlns:p14="http://schemas.microsoft.com/office/powerpoint/2010/main">
+          <mc:Choice Requires="p14">
             <p:contentPart p14:bwMode="auto" r:id="rId80">
               <p14:nvContentPartPr>
                 <p14:cNvPr id="15467" name="Ink 15466">
@@ -19180,7 +19180,7 @@
               </p14:xfrm>
             </p:contentPart>
           </mc:Choice>
-          <mc:Fallback>
+          <mc:Fallback xmlns="">
             <p:pic>
               <p:nvPicPr>
                 <p:cNvPr id="15467" name="Ink 15466">
@@ -19211,8 +19211,8 @@
             </p:pic>
           </mc:Fallback>
         </mc:AlternateContent>
-        <mc:AlternateContent xmlns:mc="http://schemas.openxmlformats.org/markup-compatibility/2006">
-          <mc:Choice xmlns:p14="http://schemas.microsoft.com/office/powerpoint/2010/main" Requires="p14">
+        <mc:AlternateContent xmlns:mc="http://schemas.openxmlformats.org/markup-compatibility/2006" xmlns:p14="http://schemas.microsoft.com/office/powerpoint/2010/main">
+          <mc:Choice Requires="p14">
             <p:contentPart p14:bwMode="auto" r:id="rId82">
               <p14:nvContentPartPr>
                 <p14:cNvPr id="15468" name="Ink 15467">
@@ -19231,7 +19231,7 @@
               </p14:xfrm>
             </p:contentPart>
           </mc:Choice>
-          <mc:Fallback>
+          <mc:Fallback xmlns="">
             <p:pic>
               <p:nvPicPr>
                 <p:cNvPr id="15468" name="Ink 15467">
@@ -19262,8 +19262,8 @@
             </p:pic>
           </mc:Fallback>
         </mc:AlternateContent>
-        <mc:AlternateContent xmlns:mc="http://schemas.openxmlformats.org/markup-compatibility/2006">
-          <mc:Choice xmlns:p14="http://schemas.microsoft.com/office/powerpoint/2010/main" Requires="p14">
+        <mc:AlternateContent xmlns:mc="http://schemas.openxmlformats.org/markup-compatibility/2006" xmlns:p14="http://schemas.microsoft.com/office/powerpoint/2010/main">
+          <mc:Choice Requires="p14">
             <p:contentPart p14:bwMode="auto" r:id="rId84">
               <p14:nvContentPartPr>
                 <p14:cNvPr id="15469" name="Ink 15468">
@@ -19282,7 +19282,7 @@
               </p14:xfrm>
             </p:contentPart>
           </mc:Choice>
-          <mc:Fallback>
+          <mc:Fallback xmlns="">
             <p:pic>
               <p:nvPicPr>
                 <p:cNvPr id="15469" name="Ink 15468">
@@ -19313,8 +19313,8 @@
             </p:pic>
           </mc:Fallback>
         </mc:AlternateContent>
-        <mc:AlternateContent xmlns:mc="http://schemas.openxmlformats.org/markup-compatibility/2006">
-          <mc:Choice xmlns:p14="http://schemas.microsoft.com/office/powerpoint/2010/main" Requires="p14">
+        <mc:AlternateContent xmlns:mc="http://schemas.openxmlformats.org/markup-compatibility/2006" xmlns:p14="http://schemas.microsoft.com/office/powerpoint/2010/main">
+          <mc:Choice Requires="p14">
             <p:contentPart p14:bwMode="auto" r:id="rId86">
               <p14:nvContentPartPr>
                 <p14:cNvPr id="15470" name="Ink 15469">
@@ -19333,7 +19333,7 @@
               </p14:xfrm>
             </p:contentPart>
           </mc:Choice>
-          <mc:Fallback>
+          <mc:Fallback xmlns="">
             <p:pic>
               <p:nvPicPr>
                 <p:cNvPr id="15470" name="Ink 15469">
@@ -19364,8 +19364,8 @@
             </p:pic>
           </mc:Fallback>
         </mc:AlternateContent>
-        <mc:AlternateContent xmlns:mc="http://schemas.openxmlformats.org/markup-compatibility/2006">
-          <mc:Choice xmlns:p14="http://schemas.microsoft.com/office/powerpoint/2010/main" Requires="p14">
+        <mc:AlternateContent xmlns:mc="http://schemas.openxmlformats.org/markup-compatibility/2006" xmlns:p14="http://schemas.microsoft.com/office/powerpoint/2010/main">
+          <mc:Choice Requires="p14">
             <p:contentPart p14:bwMode="auto" r:id="rId88">
               <p14:nvContentPartPr>
                 <p14:cNvPr id="15471" name="Ink 15470">
@@ -19384,7 +19384,7 @@
               </p14:xfrm>
             </p:contentPart>
           </mc:Choice>
-          <mc:Fallback>
+          <mc:Fallback xmlns="">
             <p:pic>
               <p:nvPicPr>
                 <p:cNvPr id="15471" name="Ink 15470">
@@ -19415,8 +19415,8 @@
             </p:pic>
           </mc:Fallback>
         </mc:AlternateContent>
-        <mc:AlternateContent xmlns:mc="http://schemas.openxmlformats.org/markup-compatibility/2006">
-          <mc:Choice xmlns:p14="http://schemas.microsoft.com/office/powerpoint/2010/main" Requires="p14">
+        <mc:AlternateContent xmlns:mc="http://schemas.openxmlformats.org/markup-compatibility/2006" xmlns:p14="http://schemas.microsoft.com/office/powerpoint/2010/main">
+          <mc:Choice Requires="p14">
             <p:contentPart p14:bwMode="auto" r:id="rId90">
               <p14:nvContentPartPr>
                 <p14:cNvPr id="15472" name="Ink 15471">
@@ -19435,7 +19435,7 @@
               </p14:xfrm>
             </p:contentPart>
           </mc:Choice>
-          <mc:Fallback>
+          <mc:Fallback xmlns="">
             <p:pic>
               <p:nvPicPr>
                 <p:cNvPr id="15472" name="Ink 15471">
@@ -19466,8 +19466,8 @@
             </p:pic>
           </mc:Fallback>
         </mc:AlternateContent>
-        <mc:AlternateContent xmlns:mc="http://schemas.openxmlformats.org/markup-compatibility/2006">
-          <mc:Choice xmlns:p14="http://schemas.microsoft.com/office/powerpoint/2010/main" Requires="p14">
+        <mc:AlternateContent xmlns:mc="http://schemas.openxmlformats.org/markup-compatibility/2006" xmlns:p14="http://schemas.microsoft.com/office/powerpoint/2010/main">
+          <mc:Choice Requires="p14">
             <p:contentPart p14:bwMode="auto" r:id="rId92">
               <p14:nvContentPartPr>
                 <p14:cNvPr id="15473" name="Ink 15472">
@@ -19486,7 +19486,7 @@
               </p14:xfrm>
             </p:contentPart>
           </mc:Choice>
-          <mc:Fallback>
+          <mc:Fallback xmlns="">
             <p:pic>
               <p:nvPicPr>
                 <p:cNvPr id="15473" name="Ink 15472">
@@ -19517,8 +19517,8 @@
             </p:pic>
           </mc:Fallback>
         </mc:AlternateContent>
-        <mc:AlternateContent xmlns:mc="http://schemas.openxmlformats.org/markup-compatibility/2006">
-          <mc:Choice xmlns:p14="http://schemas.microsoft.com/office/powerpoint/2010/main" Requires="p14">
+        <mc:AlternateContent xmlns:mc="http://schemas.openxmlformats.org/markup-compatibility/2006" xmlns:p14="http://schemas.microsoft.com/office/powerpoint/2010/main">
+          <mc:Choice Requires="p14">
             <p:contentPart p14:bwMode="auto" r:id="rId94">
               <p14:nvContentPartPr>
                 <p14:cNvPr id="15474" name="Ink 15473">
@@ -19537,7 +19537,7 @@
               </p14:xfrm>
             </p:contentPart>
           </mc:Choice>
-          <mc:Fallback>
+          <mc:Fallback xmlns="">
             <p:pic>
               <p:nvPicPr>
                 <p:cNvPr id="15474" name="Ink 15473">
@@ -19568,8 +19568,8 @@
             </p:pic>
           </mc:Fallback>
         </mc:AlternateContent>
-        <mc:AlternateContent xmlns:mc="http://schemas.openxmlformats.org/markup-compatibility/2006">
-          <mc:Choice xmlns:p14="http://schemas.microsoft.com/office/powerpoint/2010/main" Requires="p14">
+        <mc:AlternateContent xmlns:mc="http://schemas.openxmlformats.org/markup-compatibility/2006" xmlns:p14="http://schemas.microsoft.com/office/powerpoint/2010/main">
+          <mc:Choice Requires="p14">
             <p:contentPart p14:bwMode="auto" r:id="rId96">
               <p14:nvContentPartPr>
                 <p14:cNvPr id="15475" name="Ink 15474">
@@ -19588,7 +19588,7 @@
               </p14:xfrm>
             </p:contentPart>
           </mc:Choice>
-          <mc:Fallback>
+          <mc:Fallback xmlns="">
             <p:pic>
               <p:nvPicPr>
                 <p:cNvPr id="15475" name="Ink 15474">
@@ -19619,8 +19619,8 @@
             </p:pic>
           </mc:Fallback>
         </mc:AlternateContent>
-        <mc:AlternateContent xmlns:mc="http://schemas.openxmlformats.org/markup-compatibility/2006">
-          <mc:Choice xmlns:p14="http://schemas.microsoft.com/office/powerpoint/2010/main" Requires="p14">
+        <mc:AlternateContent xmlns:mc="http://schemas.openxmlformats.org/markup-compatibility/2006" xmlns:p14="http://schemas.microsoft.com/office/powerpoint/2010/main">
+          <mc:Choice Requires="p14">
             <p:contentPart p14:bwMode="auto" r:id="rId98">
               <p14:nvContentPartPr>
                 <p14:cNvPr id="15476" name="Ink 15475">
@@ -19639,7 +19639,7 @@
               </p14:xfrm>
             </p:contentPart>
           </mc:Choice>
-          <mc:Fallback>
+          <mc:Fallback xmlns="">
             <p:pic>
               <p:nvPicPr>
                 <p:cNvPr id="15476" name="Ink 15475">
@@ -19670,8 +19670,8 @@
             </p:pic>
           </mc:Fallback>
         </mc:AlternateContent>
-        <mc:AlternateContent xmlns:mc="http://schemas.openxmlformats.org/markup-compatibility/2006">
-          <mc:Choice xmlns:p14="http://schemas.microsoft.com/office/powerpoint/2010/main" Requires="p14">
+        <mc:AlternateContent xmlns:mc="http://schemas.openxmlformats.org/markup-compatibility/2006" xmlns:p14="http://schemas.microsoft.com/office/powerpoint/2010/main">
+          <mc:Choice Requires="p14">
             <p:contentPart p14:bwMode="auto" r:id="rId100">
               <p14:nvContentPartPr>
                 <p14:cNvPr id="15477" name="Ink 15476">
@@ -19690,7 +19690,7 @@
               </p14:xfrm>
             </p:contentPart>
           </mc:Choice>
-          <mc:Fallback>
+          <mc:Fallback xmlns="">
             <p:pic>
               <p:nvPicPr>
                 <p:cNvPr id="15477" name="Ink 15476">
@@ -19721,8 +19721,8 @@
             </p:pic>
           </mc:Fallback>
         </mc:AlternateContent>
-        <mc:AlternateContent xmlns:mc="http://schemas.openxmlformats.org/markup-compatibility/2006">
-          <mc:Choice xmlns:p14="http://schemas.microsoft.com/office/powerpoint/2010/main" Requires="p14">
+        <mc:AlternateContent xmlns:mc="http://schemas.openxmlformats.org/markup-compatibility/2006" xmlns:p14="http://schemas.microsoft.com/office/powerpoint/2010/main">
+          <mc:Choice Requires="p14">
             <p:contentPart p14:bwMode="auto" r:id="rId102">
               <p14:nvContentPartPr>
                 <p14:cNvPr id="15478" name="Ink 15477">
@@ -19741,7 +19741,7 @@
               </p14:xfrm>
             </p:contentPart>
           </mc:Choice>
-          <mc:Fallback>
+          <mc:Fallback xmlns="">
             <p:pic>
               <p:nvPicPr>
                 <p:cNvPr id="15478" name="Ink 15477">
@@ -19793,8 +19793,8 @@
             <a:chExt cx="938520" cy="286200"/>
           </a:xfrm>
         </p:grpSpPr>
-        <mc:AlternateContent xmlns:mc="http://schemas.openxmlformats.org/markup-compatibility/2006">
-          <mc:Choice xmlns:p14="http://schemas.microsoft.com/office/powerpoint/2010/main" Requires="p14">
+        <mc:AlternateContent xmlns:mc="http://schemas.openxmlformats.org/markup-compatibility/2006" xmlns:p14="http://schemas.microsoft.com/office/powerpoint/2010/main">
+          <mc:Choice Requires="p14">
             <p:contentPart p14:bwMode="auto" r:id="rId104">
               <p14:nvContentPartPr>
                 <p14:cNvPr id="15480" name="Ink 15479">
@@ -19813,7 +19813,7 @@
               </p14:xfrm>
             </p:contentPart>
           </mc:Choice>
-          <mc:Fallback>
+          <mc:Fallback xmlns="">
             <p:pic>
               <p:nvPicPr>
                 <p:cNvPr id="15480" name="Ink 15479">
@@ -19844,8 +19844,8 @@
             </p:pic>
           </mc:Fallback>
         </mc:AlternateContent>
-        <mc:AlternateContent xmlns:mc="http://schemas.openxmlformats.org/markup-compatibility/2006">
-          <mc:Choice xmlns:p14="http://schemas.microsoft.com/office/powerpoint/2010/main" Requires="p14">
+        <mc:AlternateContent xmlns:mc="http://schemas.openxmlformats.org/markup-compatibility/2006" xmlns:p14="http://schemas.microsoft.com/office/powerpoint/2010/main">
+          <mc:Choice Requires="p14">
             <p:contentPart p14:bwMode="auto" r:id="rId106">
               <p14:nvContentPartPr>
                 <p14:cNvPr id="15481" name="Ink 15480">
@@ -19864,7 +19864,7 @@
               </p14:xfrm>
             </p:contentPart>
           </mc:Choice>
-          <mc:Fallback>
+          <mc:Fallback xmlns="">
             <p:pic>
               <p:nvPicPr>
                 <p:cNvPr id="15481" name="Ink 15480">
@@ -19895,8 +19895,8 @@
             </p:pic>
           </mc:Fallback>
         </mc:AlternateContent>
-        <mc:AlternateContent xmlns:mc="http://schemas.openxmlformats.org/markup-compatibility/2006">
-          <mc:Choice xmlns:p14="http://schemas.microsoft.com/office/powerpoint/2010/main" Requires="p14">
+        <mc:AlternateContent xmlns:mc="http://schemas.openxmlformats.org/markup-compatibility/2006" xmlns:p14="http://schemas.microsoft.com/office/powerpoint/2010/main">
+          <mc:Choice Requires="p14">
             <p:contentPart p14:bwMode="auto" r:id="rId108">
               <p14:nvContentPartPr>
                 <p14:cNvPr id="15482" name="Ink 15481">
@@ -19915,7 +19915,7 @@
               </p14:xfrm>
             </p:contentPart>
           </mc:Choice>
-          <mc:Fallback>
+          <mc:Fallback xmlns="">
             <p:pic>
               <p:nvPicPr>
                 <p:cNvPr id="15482" name="Ink 15481">
@@ -19946,8 +19946,8 @@
             </p:pic>
           </mc:Fallback>
         </mc:AlternateContent>
-        <mc:AlternateContent xmlns:mc="http://schemas.openxmlformats.org/markup-compatibility/2006">
-          <mc:Choice xmlns:p14="http://schemas.microsoft.com/office/powerpoint/2010/main" Requires="p14">
+        <mc:AlternateContent xmlns:mc="http://schemas.openxmlformats.org/markup-compatibility/2006" xmlns:p14="http://schemas.microsoft.com/office/powerpoint/2010/main">
+          <mc:Choice Requires="p14">
             <p:contentPart p14:bwMode="auto" r:id="rId110">
               <p14:nvContentPartPr>
                 <p14:cNvPr id="15483" name="Ink 15482">
@@ -19966,7 +19966,7 @@
               </p14:xfrm>
             </p:contentPart>
           </mc:Choice>
-          <mc:Fallback>
+          <mc:Fallback xmlns="">
             <p:pic>
               <p:nvPicPr>
                 <p:cNvPr id="15483" name="Ink 15482">
@@ -19997,8 +19997,8 @@
             </p:pic>
           </mc:Fallback>
         </mc:AlternateContent>
-        <mc:AlternateContent xmlns:mc="http://schemas.openxmlformats.org/markup-compatibility/2006">
-          <mc:Choice xmlns:p14="http://schemas.microsoft.com/office/powerpoint/2010/main" Requires="p14">
+        <mc:AlternateContent xmlns:mc="http://schemas.openxmlformats.org/markup-compatibility/2006" xmlns:p14="http://schemas.microsoft.com/office/powerpoint/2010/main">
+          <mc:Choice Requires="p14">
             <p:contentPart p14:bwMode="auto" r:id="rId112">
               <p14:nvContentPartPr>
                 <p14:cNvPr id="15484" name="Ink 15483">
@@ -20017,7 +20017,7 @@
               </p14:xfrm>
             </p:contentPart>
           </mc:Choice>
-          <mc:Fallback>
+          <mc:Fallback xmlns="">
             <p:pic>
               <p:nvPicPr>
                 <p:cNvPr id="15484" name="Ink 15483">
@@ -20048,8 +20048,8 @@
             </p:pic>
           </mc:Fallback>
         </mc:AlternateContent>
-        <mc:AlternateContent xmlns:mc="http://schemas.openxmlformats.org/markup-compatibility/2006">
-          <mc:Choice xmlns:p14="http://schemas.microsoft.com/office/powerpoint/2010/main" Requires="p14">
+        <mc:AlternateContent xmlns:mc="http://schemas.openxmlformats.org/markup-compatibility/2006" xmlns:p14="http://schemas.microsoft.com/office/powerpoint/2010/main">
+          <mc:Choice Requires="p14">
             <p:contentPart p14:bwMode="auto" r:id="rId114">
               <p14:nvContentPartPr>
                 <p14:cNvPr id="15485" name="Ink 15484">
@@ -20068,7 +20068,7 @@
               </p14:xfrm>
             </p:contentPart>
           </mc:Choice>
-          <mc:Fallback>
+          <mc:Fallback xmlns="">
             <p:pic>
               <p:nvPicPr>
                 <p:cNvPr id="15485" name="Ink 15484">
@@ -20099,8 +20099,8 @@
             </p:pic>
           </mc:Fallback>
         </mc:AlternateContent>
-        <mc:AlternateContent xmlns:mc="http://schemas.openxmlformats.org/markup-compatibility/2006">
-          <mc:Choice xmlns:p14="http://schemas.microsoft.com/office/powerpoint/2010/main" Requires="p14">
+        <mc:AlternateContent xmlns:mc="http://schemas.openxmlformats.org/markup-compatibility/2006" xmlns:p14="http://schemas.microsoft.com/office/powerpoint/2010/main">
+          <mc:Choice Requires="p14">
             <p:contentPart p14:bwMode="auto" r:id="rId116">
               <p14:nvContentPartPr>
                 <p14:cNvPr id="15486" name="Ink 15485">
@@ -20119,7 +20119,7 @@
               </p14:xfrm>
             </p:contentPart>
           </mc:Choice>
-          <mc:Fallback>
+          <mc:Fallback xmlns="">
             <p:pic>
               <p:nvPicPr>
                 <p:cNvPr id="15486" name="Ink 15485">
@@ -20171,8 +20171,8 @@
             <a:chExt cx="815040" cy="537120"/>
           </a:xfrm>
         </p:grpSpPr>
-        <mc:AlternateContent xmlns:mc="http://schemas.openxmlformats.org/markup-compatibility/2006">
-          <mc:Choice xmlns:p14="http://schemas.microsoft.com/office/powerpoint/2010/main" Requires="p14">
+        <mc:AlternateContent xmlns:mc="http://schemas.openxmlformats.org/markup-compatibility/2006" xmlns:p14="http://schemas.microsoft.com/office/powerpoint/2010/main">
+          <mc:Choice Requires="p14">
             <p:contentPart p14:bwMode="auto" r:id="rId118">
               <p14:nvContentPartPr>
                 <p14:cNvPr id="15487" name="Ink 15486">
@@ -20191,7 +20191,7 @@
               </p14:xfrm>
             </p:contentPart>
           </mc:Choice>
-          <mc:Fallback>
+          <mc:Fallback xmlns="">
             <p:pic>
               <p:nvPicPr>
                 <p:cNvPr id="15487" name="Ink 15486">
@@ -20222,8 +20222,8 @@
             </p:pic>
           </mc:Fallback>
         </mc:AlternateContent>
-        <mc:AlternateContent xmlns:mc="http://schemas.openxmlformats.org/markup-compatibility/2006">
-          <mc:Choice xmlns:p14="http://schemas.microsoft.com/office/powerpoint/2010/main" Requires="p14">
+        <mc:AlternateContent xmlns:mc="http://schemas.openxmlformats.org/markup-compatibility/2006" xmlns:p14="http://schemas.microsoft.com/office/powerpoint/2010/main">
+          <mc:Choice Requires="p14">
             <p:contentPart p14:bwMode="auto" r:id="rId120">
               <p14:nvContentPartPr>
                 <p14:cNvPr id="15488" name="Ink 15487">
@@ -20242,7 +20242,7 @@
               </p14:xfrm>
             </p:contentPart>
           </mc:Choice>
-          <mc:Fallback>
+          <mc:Fallback xmlns="">
             <p:pic>
               <p:nvPicPr>
                 <p:cNvPr id="15488" name="Ink 15487">
@@ -20273,8 +20273,8 @@
             </p:pic>
           </mc:Fallback>
         </mc:AlternateContent>
-        <mc:AlternateContent xmlns:mc="http://schemas.openxmlformats.org/markup-compatibility/2006">
-          <mc:Choice xmlns:p14="http://schemas.microsoft.com/office/powerpoint/2010/main" Requires="p14">
+        <mc:AlternateContent xmlns:mc="http://schemas.openxmlformats.org/markup-compatibility/2006" xmlns:p14="http://schemas.microsoft.com/office/powerpoint/2010/main">
+          <mc:Choice Requires="p14">
             <p:contentPart p14:bwMode="auto" r:id="rId122">
               <p14:nvContentPartPr>
                 <p14:cNvPr id="15489" name="Ink 15488">
@@ -20293,7 +20293,7 @@
               </p14:xfrm>
             </p:contentPart>
           </mc:Choice>
-          <mc:Fallback>
+          <mc:Fallback xmlns="">
             <p:pic>
               <p:nvPicPr>
                 <p:cNvPr id="15489" name="Ink 15488">
@@ -20324,8 +20324,8 @@
             </p:pic>
           </mc:Fallback>
         </mc:AlternateContent>
-        <mc:AlternateContent xmlns:mc="http://schemas.openxmlformats.org/markup-compatibility/2006">
-          <mc:Choice xmlns:p14="http://schemas.microsoft.com/office/powerpoint/2010/main" Requires="p14">
+        <mc:AlternateContent xmlns:mc="http://schemas.openxmlformats.org/markup-compatibility/2006" xmlns:p14="http://schemas.microsoft.com/office/powerpoint/2010/main">
+          <mc:Choice Requires="p14">
             <p:contentPart p14:bwMode="auto" r:id="rId124">
               <p14:nvContentPartPr>
                 <p14:cNvPr id="15490" name="Ink 15489">
@@ -20344,7 +20344,7 @@
               </p14:xfrm>
             </p:contentPart>
           </mc:Choice>
-          <mc:Fallback>
+          <mc:Fallback xmlns="">
             <p:pic>
               <p:nvPicPr>
                 <p:cNvPr id="15490" name="Ink 15489">
@@ -20375,8 +20375,8 @@
             </p:pic>
           </mc:Fallback>
         </mc:AlternateContent>
-        <mc:AlternateContent xmlns:mc="http://schemas.openxmlformats.org/markup-compatibility/2006">
-          <mc:Choice xmlns:p14="http://schemas.microsoft.com/office/powerpoint/2010/main" Requires="p14">
+        <mc:AlternateContent xmlns:mc="http://schemas.openxmlformats.org/markup-compatibility/2006" xmlns:p14="http://schemas.microsoft.com/office/powerpoint/2010/main">
+          <mc:Choice Requires="p14">
             <p:contentPart p14:bwMode="auto" r:id="rId126">
               <p14:nvContentPartPr>
                 <p14:cNvPr id="15491" name="Ink 15490">
@@ -20395,7 +20395,7 @@
               </p14:xfrm>
             </p:contentPart>
           </mc:Choice>
-          <mc:Fallback>
+          <mc:Fallback xmlns="">
             <p:pic>
               <p:nvPicPr>
                 <p:cNvPr id="15491" name="Ink 15490">
@@ -20426,8 +20426,8 @@
             </p:pic>
           </mc:Fallback>
         </mc:AlternateContent>
-        <mc:AlternateContent xmlns:mc="http://schemas.openxmlformats.org/markup-compatibility/2006">
-          <mc:Choice xmlns:p14="http://schemas.microsoft.com/office/powerpoint/2010/main" Requires="p14">
+        <mc:AlternateContent xmlns:mc="http://schemas.openxmlformats.org/markup-compatibility/2006" xmlns:p14="http://schemas.microsoft.com/office/powerpoint/2010/main">
+          <mc:Choice Requires="p14">
             <p:contentPart p14:bwMode="auto" r:id="rId128">
               <p14:nvContentPartPr>
                 <p14:cNvPr id="15492" name="Ink 15491">
@@ -20446,7 +20446,7 @@
               </p14:xfrm>
             </p:contentPart>
           </mc:Choice>
-          <mc:Fallback>
+          <mc:Fallback xmlns="">
             <p:pic>
               <p:nvPicPr>
                 <p:cNvPr id="15492" name="Ink 15491">
@@ -20477,8 +20477,8 @@
             </p:pic>
           </mc:Fallback>
         </mc:AlternateContent>
-        <mc:AlternateContent xmlns:mc="http://schemas.openxmlformats.org/markup-compatibility/2006">
-          <mc:Choice xmlns:p14="http://schemas.microsoft.com/office/powerpoint/2010/main" Requires="p14">
+        <mc:AlternateContent xmlns:mc="http://schemas.openxmlformats.org/markup-compatibility/2006" xmlns:p14="http://schemas.microsoft.com/office/powerpoint/2010/main">
+          <mc:Choice Requires="p14">
             <p:contentPart p14:bwMode="auto" r:id="rId130">
               <p14:nvContentPartPr>
                 <p14:cNvPr id="15493" name="Ink 15492">
@@ -20497,7 +20497,7 @@
               </p14:xfrm>
             </p:contentPart>
           </mc:Choice>
-          <mc:Fallback>
+          <mc:Fallback xmlns="">
             <p:pic>
               <p:nvPicPr>
                 <p:cNvPr id="15493" name="Ink 15492">
@@ -20528,8 +20528,8 @@
             </p:pic>
           </mc:Fallback>
         </mc:AlternateContent>
-        <mc:AlternateContent xmlns:mc="http://schemas.openxmlformats.org/markup-compatibility/2006">
-          <mc:Choice xmlns:p14="http://schemas.microsoft.com/office/powerpoint/2010/main" Requires="p14">
+        <mc:AlternateContent xmlns:mc="http://schemas.openxmlformats.org/markup-compatibility/2006" xmlns:p14="http://schemas.microsoft.com/office/powerpoint/2010/main">
+          <mc:Choice Requires="p14">
             <p:contentPart p14:bwMode="auto" r:id="rId132">
               <p14:nvContentPartPr>
                 <p14:cNvPr id="15494" name="Ink 15493">
@@ -20548,7 +20548,7 @@
               </p14:xfrm>
             </p:contentPart>
           </mc:Choice>
-          <mc:Fallback>
+          <mc:Fallback xmlns="">
             <p:pic>
               <p:nvPicPr>
                 <p:cNvPr id="15494" name="Ink 15493">
@@ -20579,8 +20579,8 @@
             </p:pic>
           </mc:Fallback>
         </mc:AlternateContent>
-        <mc:AlternateContent xmlns:mc="http://schemas.openxmlformats.org/markup-compatibility/2006">
-          <mc:Choice xmlns:p14="http://schemas.microsoft.com/office/powerpoint/2010/main" Requires="p14">
+        <mc:AlternateContent xmlns:mc="http://schemas.openxmlformats.org/markup-compatibility/2006" xmlns:p14="http://schemas.microsoft.com/office/powerpoint/2010/main">
+          <mc:Choice Requires="p14">
             <p:contentPart p14:bwMode="auto" r:id="rId134">
               <p14:nvContentPartPr>
                 <p14:cNvPr id="15495" name="Ink 15494">
@@ -20599,7 +20599,7 @@
               </p14:xfrm>
             </p:contentPart>
           </mc:Choice>
-          <mc:Fallback>
+          <mc:Fallback xmlns="">
             <p:pic>
               <p:nvPicPr>
                 <p:cNvPr id="15495" name="Ink 15494">
@@ -20630,8 +20630,8 @@
             </p:pic>
           </mc:Fallback>
         </mc:AlternateContent>
-        <mc:AlternateContent xmlns:mc="http://schemas.openxmlformats.org/markup-compatibility/2006">
-          <mc:Choice xmlns:p14="http://schemas.microsoft.com/office/powerpoint/2010/main" Requires="p14">
+        <mc:AlternateContent xmlns:mc="http://schemas.openxmlformats.org/markup-compatibility/2006" xmlns:p14="http://schemas.microsoft.com/office/powerpoint/2010/main">
+          <mc:Choice Requires="p14">
             <p:contentPart p14:bwMode="auto" r:id="rId136">
               <p14:nvContentPartPr>
                 <p14:cNvPr id="15496" name="Ink 15495">
@@ -20650,7 +20650,7 @@
               </p14:xfrm>
             </p:contentPart>
           </mc:Choice>
-          <mc:Fallback>
+          <mc:Fallback xmlns="">
             <p:pic>
               <p:nvPicPr>
                 <p:cNvPr id="15496" name="Ink 15495">
@@ -20702,8 +20702,8 @@
             <a:chExt cx="1082160" cy="628200"/>
           </a:xfrm>
         </p:grpSpPr>
-        <mc:AlternateContent xmlns:mc="http://schemas.openxmlformats.org/markup-compatibility/2006">
-          <mc:Choice xmlns:p14="http://schemas.microsoft.com/office/powerpoint/2010/main" Requires="p14">
+        <mc:AlternateContent xmlns:mc="http://schemas.openxmlformats.org/markup-compatibility/2006" xmlns:p14="http://schemas.microsoft.com/office/powerpoint/2010/main">
+          <mc:Choice Requires="p14">
             <p:contentPart p14:bwMode="auto" r:id="rId138">
               <p14:nvContentPartPr>
                 <p14:cNvPr id="15497" name="Ink 15496">
@@ -20722,7 +20722,7 @@
               </p14:xfrm>
             </p:contentPart>
           </mc:Choice>
-          <mc:Fallback>
+          <mc:Fallback xmlns="">
             <p:pic>
               <p:nvPicPr>
                 <p:cNvPr id="15497" name="Ink 15496">
@@ -20753,8 +20753,8 @@
             </p:pic>
           </mc:Fallback>
         </mc:AlternateContent>
-        <mc:AlternateContent xmlns:mc="http://schemas.openxmlformats.org/markup-compatibility/2006">
-          <mc:Choice xmlns:p14="http://schemas.microsoft.com/office/powerpoint/2010/main" Requires="p14">
+        <mc:AlternateContent xmlns:mc="http://schemas.openxmlformats.org/markup-compatibility/2006" xmlns:p14="http://schemas.microsoft.com/office/powerpoint/2010/main">
+          <mc:Choice Requires="p14">
             <p:contentPart p14:bwMode="auto" r:id="rId140">
               <p14:nvContentPartPr>
                 <p14:cNvPr id="15498" name="Ink 15497">
@@ -20773,7 +20773,7 @@
               </p14:xfrm>
             </p:contentPart>
           </mc:Choice>
-          <mc:Fallback>
+          <mc:Fallback xmlns="">
             <p:pic>
               <p:nvPicPr>
                 <p:cNvPr id="15498" name="Ink 15497">
@@ -20804,8 +20804,8 @@
             </p:pic>
           </mc:Fallback>
         </mc:AlternateContent>
-        <mc:AlternateContent xmlns:mc="http://schemas.openxmlformats.org/markup-compatibility/2006">
-          <mc:Choice xmlns:p14="http://schemas.microsoft.com/office/powerpoint/2010/main" Requires="p14">
+        <mc:AlternateContent xmlns:mc="http://schemas.openxmlformats.org/markup-compatibility/2006" xmlns:p14="http://schemas.microsoft.com/office/powerpoint/2010/main">
+          <mc:Choice Requires="p14">
             <p:contentPart p14:bwMode="auto" r:id="rId142">
               <p14:nvContentPartPr>
                 <p14:cNvPr id="15502" name="Ink 15501">
@@ -20824,7 +20824,7 @@
               </p14:xfrm>
             </p:contentPart>
           </mc:Choice>
-          <mc:Fallback>
+          <mc:Fallback xmlns="">
             <p:pic>
               <p:nvPicPr>
                 <p:cNvPr id="15502" name="Ink 15501">
@@ -20855,8 +20855,8 @@
             </p:pic>
           </mc:Fallback>
         </mc:AlternateContent>
-        <mc:AlternateContent xmlns:mc="http://schemas.openxmlformats.org/markup-compatibility/2006">
-          <mc:Choice xmlns:p14="http://schemas.microsoft.com/office/powerpoint/2010/main" Requires="p14">
+        <mc:AlternateContent xmlns:mc="http://schemas.openxmlformats.org/markup-compatibility/2006" xmlns:p14="http://schemas.microsoft.com/office/powerpoint/2010/main">
+          <mc:Choice Requires="p14">
             <p:contentPart p14:bwMode="auto" r:id="rId144">
               <p14:nvContentPartPr>
                 <p14:cNvPr id="15503" name="Ink 15502">
@@ -20875,7 +20875,7 @@
               </p14:xfrm>
             </p:contentPart>
           </mc:Choice>
-          <mc:Fallback>
+          <mc:Fallback xmlns="">
             <p:pic>
               <p:nvPicPr>
                 <p:cNvPr id="15503" name="Ink 15502">
@@ -20906,8 +20906,8 @@
             </p:pic>
           </mc:Fallback>
         </mc:AlternateContent>
-        <mc:AlternateContent xmlns:mc="http://schemas.openxmlformats.org/markup-compatibility/2006">
-          <mc:Choice xmlns:p14="http://schemas.microsoft.com/office/powerpoint/2010/main" Requires="p14">
+        <mc:AlternateContent xmlns:mc="http://schemas.openxmlformats.org/markup-compatibility/2006" xmlns:p14="http://schemas.microsoft.com/office/powerpoint/2010/main">
+          <mc:Choice Requires="p14">
             <p:contentPart p14:bwMode="auto" r:id="rId146">
               <p14:nvContentPartPr>
                 <p14:cNvPr id="15504" name="Ink 15503">
@@ -20926,7 +20926,7 @@
               </p14:xfrm>
             </p:contentPart>
           </mc:Choice>
-          <mc:Fallback>
+          <mc:Fallback xmlns="">
             <p:pic>
               <p:nvPicPr>
                 <p:cNvPr id="15504" name="Ink 15503">
@@ -20957,8 +20957,8 @@
             </p:pic>
           </mc:Fallback>
         </mc:AlternateContent>
-        <mc:AlternateContent xmlns:mc="http://schemas.openxmlformats.org/markup-compatibility/2006">
-          <mc:Choice xmlns:p14="http://schemas.microsoft.com/office/powerpoint/2010/main" Requires="p14">
+        <mc:AlternateContent xmlns:mc="http://schemas.openxmlformats.org/markup-compatibility/2006" xmlns:p14="http://schemas.microsoft.com/office/powerpoint/2010/main">
+          <mc:Choice Requires="p14">
             <p:contentPart p14:bwMode="auto" r:id="rId148">
               <p14:nvContentPartPr>
                 <p14:cNvPr id="15505" name="Ink 15504">
@@ -20977,7 +20977,7 @@
               </p14:xfrm>
             </p:contentPart>
           </mc:Choice>
-          <mc:Fallback>
+          <mc:Fallback xmlns="">
             <p:pic>
               <p:nvPicPr>
                 <p:cNvPr id="15505" name="Ink 15504">
@@ -21008,8 +21008,8 @@
             </p:pic>
           </mc:Fallback>
         </mc:AlternateContent>
-        <mc:AlternateContent xmlns:mc="http://schemas.openxmlformats.org/markup-compatibility/2006">
-          <mc:Choice xmlns:p14="http://schemas.microsoft.com/office/powerpoint/2010/main" Requires="p14">
+        <mc:AlternateContent xmlns:mc="http://schemas.openxmlformats.org/markup-compatibility/2006" xmlns:p14="http://schemas.microsoft.com/office/powerpoint/2010/main">
+          <mc:Choice Requires="p14">
             <p:contentPart p14:bwMode="auto" r:id="rId150">
               <p14:nvContentPartPr>
                 <p14:cNvPr id="15506" name="Ink 15505">
@@ -21028,7 +21028,7 @@
               </p14:xfrm>
             </p:contentPart>
           </mc:Choice>
-          <mc:Fallback>
+          <mc:Fallback xmlns="">
             <p:pic>
               <p:nvPicPr>
                 <p:cNvPr id="15506" name="Ink 15505">
@@ -21059,8 +21059,8 @@
             </p:pic>
           </mc:Fallback>
         </mc:AlternateContent>
-        <mc:AlternateContent xmlns:mc="http://schemas.openxmlformats.org/markup-compatibility/2006">
-          <mc:Choice xmlns:p14="http://schemas.microsoft.com/office/powerpoint/2010/main" Requires="p14">
+        <mc:AlternateContent xmlns:mc="http://schemas.openxmlformats.org/markup-compatibility/2006" xmlns:p14="http://schemas.microsoft.com/office/powerpoint/2010/main">
+          <mc:Choice Requires="p14">
             <p:contentPart p14:bwMode="auto" r:id="rId152">
               <p14:nvContentPartPr>
                 <p14:cNvPr id="15507" name="Ink 15506">
@@ -21079,7 +21079,7 @@
               </p14:xfrm>
             </p:contentPart>
           </mc:Choice>
-          <mc:Fallback>
+          <mc:Fallback xmlns="">
             <p:pic>
               <p:nvPicPr>
                 <p:cNvPr id="15507" name="Ink 15506">
@@ -21110,8 +21110,8 @@
             </p:pic>
           </mc:Fallback>
         </mc:AlternateContent>
-        <mc:AlternateContent xmlns:mc="http://schemas.openxmlformats.org/markup-compatibility/2006">
-          <mc:Choice xmlns:p14="http://schemas.microsoft.com/office/powerpoint/2010/main" Requires="p14">
+        <mc:AlternateContent xmlns:mc="http://schemas.openxmlformats.org/markup-compatibility/2006" xmlns:p14="http://schemas.microsoft.com/office/powerpoint/2010/main">
+          <mc:Choice Requires="p14">
             <p:contentPart p14:bwMode="auto" r:id="rId154">
               <p14:nvContentPartPr>
                 <p14:cNvPr id="15508" name="Ink 15507">
@@ -21130,7 +21130,7 @@
               </p14:xfrm>
             </p:contentPart>
           </mc:Choice>
-          <mc:Fallback>
+          <mc:Fallback xmlns="">
             <p:pic>
               <p:nvPicPr>
                 <p:cNvPr id="15508" name="Ink 15507">
@@ -21161,8 +21161,8 @@
             </p:pic>
           </mc:Fallback>
         </mc:AlternateContent>
-        <mc:AlternateContent xmlns:mc="http://schemas.openxmlformats.org/markup-compatibility/2006">
-          <mc:Choice xmlns:p14="http://schemas.microsoft.com/office/powerpoint/2010/main" Requires="p14">
+        <mc:AlternateContent xmlns:mc="http://schemas.openxmlformats.org/markup-compatibility/2006" xmlns:p14="http://schemas.microsoft.com/office/powerpoint/2010/main">
+          <mc:Choice Requires="p14">
             <p:contentPart p14:bwMode="auto" r:id="rId156">
               <p14:nvContentPartPr>
                 <p14:cNvPr id="15509" name="Ink 15508">
@@ -21181,7 +21181,7 @@
               </p14:xfrm>
             </p:contentPart>
           </mc:Choice>
-          <mc:Fallback>
+          <mc:Fallback xmlns="">
             <p:pic>
               <p:nvPicPr>
                 <p:cNvPr id="15509" name="Ink 15508">
@@ -21212,8 +21212,8 @@
             </p:pic>
           </mc:Fallback>
         </mc:AlternateContent>
-        <mc:AlternateContent xmlns:mc="http://schemas.openxmlformats.org/markup-compatibility/2006">
-          <mc:Choice xmlns:p14="http://schemas.microsoft.com/office/powerpoint/2010/main" Requires="p14">
+        <mc:AlternateContent xmlns:mc="http://schemas.openxmlformats.org/markup-compatibility/2006" xmlns:p14="http://schemas.microsoft.com/office/powerpoint/2010/main">
+          <mc:Choice Requires="p14">
             <p:contentPart p14:bwMode="auto" r:id="rId158">
               <p14:nvContentPartPr>
                 <p14:cNvPr id="15510" name="Ink 15509">
@@ -21232,7 +21232,7 @@
               </p14:xfrm>
             </p:contentPart>
           </mc:Choice>
-          <mc:Fallback>
+          <mc:Fallback xmlns="">
             <p:pic>
               <p:nvPicPr>
                 <p:cNvPr id="15510" name="Ink 15509">
@@ -21263,8 +21263,8 @@
             </p:pic>
           </mc:Fallback>
         </mc:AlternateContent>
-        <mc:AlternateContent xmlns:mc="http://schemas.openxmlformats.org/markup-compatibility/2006">
-          <mc:Choice xmlns:p14="http://schemas.microsoft.com/office/powerpoint/2010/main" Requires="p14">
+        <mc:AlternateContent xmlns:mc="http://schemas.openxmlformats.org/markup-compatibility/2006" xmlns:p14="http://schemas.microsoft.com/office/powerpoint/2010/main">
+          <mc:Choice Requires="p14">
             <p:contentPart p14:bwMode="auto" r:id="rId160">
               <p14:nvContentPartPr>
                 <p14:cNvPr id="15511" name="Ink 15510">
@@ -21283,7 +21283,7 @@
               </p14:xfrm>
             </p:contentPart>
           </mc:Choice>
-          <mc:Fallback>
+          <mc:Fallback xmlns="">
             <p:pic>
               <p:nvPicPr>
                 <p:cNvPr id="15511" name="Ink 15510">
@@ -21335,8 +21335,8 @@
             <a:chExt cx="133200" cy="96120"/>
           </a:xfrm>
         </p:grpSpPr>
-        <mc:AlternateContent xmlns:mc="http://schemas.openxmlformats.org/markup-compatibility/2006">
-          <mc:Choice xmlns:p14="http://schemas.microsoft.com/office/powerpoint/2010/main" Requires="p14">
+        <mc:AlternateContent xmlns:mc="http://schemas.openxmlformats.org/markup-compatibility/2006" xmlns:p14="http://schemas.microsoft.com/office/powerpoint/2010/main">
+          <mc:Choice Requires="p14">
             <p:contentPart p14:bwMode="auto" r:id="rId162">
               <p14:nvContentPartPr>
                 <p14:cNvPr id="15512" name="Ink 15511">
@@ -21355,7 +21355,7 @@
               </p14:xfrm>
             </p:contentPart>
           </mc:Choice>
-          <mc:Fallback>
+          <mc:Fallback xmlns="">
             <p:pic>
               <p:nvPicPr>
                 <p:cNvPr id="15512" name="Ink 15511">
@@ -21386,8 +21386,8 @@
             </p:pic>
           </mc:Fallback>
         </mc:AlternateContent>
-        <mc:AlternateContent xmlns:mc="http://schemas.openxmlformats.org/markup-compatibility/2006">
-          <mc:Choice xmlns:p14="http://schemas.microsoft.com/office/powerpoint/2010/main" Requires="p14">
+        <mc:AlternateContent xmlns:mc="http://schemas.openxmlformats.org/markup-compatibility/2006" xmlns:p14="http://schemas.microsoft.com/office/powerpoint/2010/main">
+          <mc:Choice Requires="p14">
             <p:contentPart p14:bwMode="auto" r:id="rId164">
               <p14:nvContentPartPr>
                 <p14:cNvPr id="15513" name="Ink 15512">
@@ -21406,7 +21406,7 @@
               </p14:xfrm>
             </p:contentPart>
           </mc:Choice>
-          <mc:Fallback>
+          <mc:Fallback xmlns="">
             <p:pic>
               <p:nvPicPr>
                 <p:cNvPr id="15513" name="Ink 15512">
@@ -21458,8 +21458,8 @@
             <a:chExt cx="1278360" cy="549000"/>
           </a:xfrm>
         </p:grpSpPr>
-        <mc:AlternateContent xmlns:mc="http://schemas.openxmlformats.org/markup-compatibility/2006">
-          <mc:Choice xmlns:p14="http://schemas.microsoft.com/office/powerpoint/2010/main" Requires="p14">
+        <mc:AlternateContent xmlns:mc="http://schemas.openxmlformats.org/markup-compatibility/2006" xmlns:p14="http://schemas.microsoft.com/office/powerpoint/2010/main">
+          <mc:Choice Requires="p14">
             <p:contentPart p14:bwMode="auto" r:id="rId166">
               <p14:nvContentPartPr>
                 <p14:cNvPr id="15516" name="Ink 15515">
@@ -21478,7 +21478,7 @@
               </p14:xfrm>
             </p:contentPart>
           </mc:Choice>
-          <mc:Fallback>
+          <mc:Fallback xmlns="">
             <p:pic>
               <p:nvPicPr>
                 <p:cNvPr id="15516" name="Ink 15515">
@@ -21509,8 +21509,8 @@
             </p:pic>
           </mc:Fallback>
         </mc:AlternateContent>
-        <mc:AlternateContent xmlns:mc="http://schemas.openxmlformats.org/markup-compatibility/2006">
-          <mc:Choice xmlns:p14="http://schemas.microsoft.com/office/powerpoint/2010/main" Requires="p14">
+        <mc:AlternateContent xmlns:mc="http://schemas.openxmlformats.org/markup-compatibility/2006" xmlns:p14="http://schemas.microsoft.com/office/powerpoint/2010/main">
+          <mc:Choice Requires="p14">
             <p:contentPart p14:bwMode="auto" r:id="rId168">
               <p14:nvContentPartPr>
                 <p14:cNvPr id="15517" name="Ink 15516">
@@ -21529,7 +21529,7 @@
               </p14:xfrm>
             </p:contentPart>
           </mc:Choice>
-          <mc:Fallback>
+          <mc:Fallback xmlns="">
             <p:pic>
               <p:nvPicPr>
                 <p:cNvPr id="15517" name="Ink 15516">
@@ -21560,8 +21560,8 @@
             </p:pic>
           </mc:Fallback>
         </mc:AlternateContent>
-        <mc:AlternateContent xmlns:mc="http://schemas.openxmlformats.org/markup-compatibility/2006">
-          <mc:Choice xmlns:p14="http://schemas.microsoft.com/office/powerpoint/2010/main" Requires="p14">
+        <mc:AlternateContent xmlns:mc="http://schemas.openxmlformats.org/markup-compatibility/2006" xmlns:p14="http://schemas.microsoft.com/office/powerpoint/2010/main">
+          <mc:Choice Requires="p14">
             <p:contentPart p14:bwMode="auto" r:id="rId170">
               <p14:nvContentPartPr>
                 <p14:cNvPr id="15518" name="Ink 15517">
@@ -21580,7 +21580,7 @@
               </p14:xfrm>
             </p:contentPart>
           </mc:Choice>
-          <mc:Fallback>
+          <mc:Fallback xmlns="">
             <p:pic>
               <p:nvPicPr>
                 <p:cNvPr id="15518" name="Ink 15517">
@@ -21611,8 +21611,8 @@
             </p:pic>
           </mc:Fallback>
         </mc:AlternateContent>
-        <mc:AlternateContent xmlns:mc="http://schemas.openxmlformats.org/markup-compatibility/2006">
-          <mc:Choice xmlns:p14="http://schemas.microsoft.com/office/powerpoint/2010/main" Requires="p14">
+        <mc:AlternateContent xmlns:mc="http://schemas.openxmlformats.org/markup-compatibility/2006" xmlns:p14="http://schemas.microsoft.com/office/powerpoint/2010/main">
+          <mc:Choice Requires="p14">
             <p:contentPart p14:bwMode="auto" r:id="rId172">
               <p14:nvContentPartPr>
                 <p14:cNvPr id="15519" name="Ink 15518">
@@ -21631,7 +21631,7 @@
               </p14:xfrm>
             </p:contentPart>
           </mc:Choice>
-          <mc:Fallback>
+          <mc:Fallback xmlns="">
             <p:pic>
               <p:nvPicPr>
                 <p:cNvPr id="15519" name="Ink 15518">
@@ -21662,8 +21662,8 @@
             </p:pic>
           </mc:Fallback>
         </mc:AlternateContent>
-        <mc:AlternateContent xmlns:mc="http://schemas.openxmlformats.org/markup-compatibility/2006">
-          <mc:Choice xmlns:p14="http://schemas.microsoft.com/office/powerpoint/2010/main" Requires="p14">
+        <mc:AlternateContent xmlns:mc="http://schemas.openxmlformats.org/markup-compatibility/2006" xmlns:p14="http://schemas.microsoft.com/office/powerpoint/2010/main">
+          <mc:Choice Requires="p14">
             <p:contentPart p14:bwMode="auto" r:id="rId174">
               <p14:nvContentPartPr>
                 <p14:cNvPr id="15520" name="Ink 15519">
@@ -21682,7 +21682,7 @@
               </p14:xfrm>
             </p:contentPart>
           </mc:Choice>
-          <mc:Fallback>
+          <mc:Fallback xmlns="">
             <p:pic>
               <p:nvPicPr>
                 <p:cNvPr id="15520" name="Ink 15519">
@@ -21713,8 +21713,8 @@
             </p:pic>
           </mc:Fallback>
         </mc:AlternateContent>
-        <mc:AlternateContent xmlns:mc="http://schemas.openxmlformats.org/markup-compatibility/2006">
-          <mc:Choice xmlns:p14="http://schemas.microsoft.com/office/powerpoint/2010/main" Requires="p14">
+        <mc:AlternateContent xmlns:mc="http://schemas.openxmlformats.org/markup-compatibility/2006" xmlns:p14="http://schemas.microsoft.com/office/powerpoint/2010/main">
+          <mc:Choice Requires="p14">
             <p:contentPart p14:bwMode="auto" r:id="rId176">
               <p14:nvContentPartPr>
                 <p14:cNvPr id="15521" name="Ink 15520">
@@ -21733,7 +21733,7 @@
               </p14:xfrm>
             </p:contentPart>
           </mc:Choice>
-          <mc:Fallback>
+          <mc:Fallback xmlns="">
             <p:pic>
               <p:nvPicPr>
                 <p:cNvPr id="15521" name="Ink 15520">
@@ -21764,8 +21764,8 @@
             </p:pic>
           </mc:Fallback>
         </mc:AlternateContent>
-        <mc:AlternateContent xmlns:mc="http://schemas.openxmlformats.org/markup-compatibility/2006">
-          <mc:Choice xmlns:p14="http://schemas.microsoft.com/office/powerpoint/2010/main" Requires="p14">
+        <mc:AlternateContent xmlns:mc="http://schemas.openxmlformats.org/markup-compatibility/2006" xmlns:p14="http://schemas.microsoft.com/office/powerpoint/2010/main">
+          <mc:Choice Requires="p14">
             <p:contentPart p14:bwMode="auto" r:id="rId178">
               <p14:nvContentPartPr>
                 <p14:cNvPr id="15522" name="Ink 15521">
@@ -21784,7 +21784,7 @@
               </p14:xfrm>
             </p:contentPart>
           </mc:Choice>
-          <mc:Fallback>
+          <mc:Fallback xmlns="">
             <p:pic>
               <p:nvPicPr>
                 <p:cNvPr id="15522" name="Ink 15521">
@@ -21815,8 +21815,8 @@
             </p:pic>
           </mc:Fallback>
         </mc:AlternateContent>
-        <mc:AlternateContent xmlns:mc="http://schemas.openxmlformats.org/markup-compatibility/2006">
-          <mc:Choice xmlns:p14="http://schemas.microsoft.com/office/powerpoint/2010/main" Requires="p14">
+        <mc:AlternateContent xmlns:mc="http://schemas.openxmlformats.org/markup-compatibility/2006" xmlns:p14="http://schemas.microsoft.com/office/powerpoint/2010/main">
+          <mc:Choice Requires="p14">
             <p:contentPart p14:bwMode="auto" r:id="rId180">
               <p14:nvContentPartPr>
                 <p14:cNvPr id="15523" name="Ink 15522">
@@ -21835,7 +21835,7 @@
               </p14:xfrm>
             </p:contentPart>
           </mc:Choice>
-          <mc:Fallback>
+          <mc:Fallback xmlns="">
             <p:pic>
               <p:nvPicPr>
                 <p:cNvPr id="15523" name="Ink 15522">
@@ -21866,8 +21866,8 @@
             </p:pic>
           </mc:Fallback>
         </mc:AlternateContent>
-        <mc:AlternateContent xmlns:mc="http://schemas.openxmlformats.org/markup-compatibility/2006">
-          <mc:Choice xmlns:p14="http://schemas.microsoft.com/office/powerpoint/2010/main" Requires="p14">
+        <mc:AlternateContent xmlns:mc="http://schemas.openxmlformats.org/markup-compatibility/2006" xmlns:p14="http://schemas.microsoft.com/office/powerpoint/2010/main">
+          <mc:Choice Requires="p14">
             <p:contentPart p14:bwMode="auto" r:id="rId182">
               <p14:nvContentPartPr>
                 <p14:cNvPr id="15524" name="Ink 15523">
@@ -21886,7 +21886,7 @@
               </p14:xfrm>
             </p:contentPart>
           </mc:Choice>
-          <mc:Fallback>
+          <mc:Fallback xmlns="">
             <p:pic>
               <p:nvPicPr>
                 <p:cNvPr id="15524" name="Ink 15523">
@@ -21917,8 +21917,8 @@
             </p:pic>
           </mc:Fallback>
         </mc:AlternateContent>
-        <mc:AlternateContent xmlns:mc="http://schemas.openxmlformats.org/markup-compatibility/2006">
-          <mc:Choice xmlns:p14="http://schemas.microsoft.com/office/powerpoint/2010/main" Requires="p14">
+        <mc:AlternateContent xmlns:mc="http://schemas.openxmlformats.org/markup-compatibility/2006" xmlns:p14="http://schemas.microsoft.com/office/powerpoint/2010/main">
+          <mc:Choice Requires="p14">
             <p:contentPart p14:bwMode="auto" r:id="rId184">
               <p14:nvContentPartPr>
                 <p14:cNvPr id="15525" name="Ink 15524">
@@ -21937,7 +21937,7 @@
               </p14:xfrm>
             </p:contentPart>
           </mc:Choice>
-          <mc:Fallback>
+          <mc:Fallback xmlns="">
             <p:pic>
               <p:nvPicPr>
                 <p:cNvPr id="15525" name="Ink 15524">
@@ -21968,8 +21968,8 @@
             </p:pic>
           </mc:Fallback>
         </mc:AlternateContent>
-        <mc:AlternateContent xmlns:mc="http://schemas.openxmlformats.org/markup-compatibility/2006">
-          <mc:Choice xmlns:p14="http://schemas.microsoft.com/office/powerpoint/2010/main" Requires="p14">
+        <mc:AlternateContent xmlns:mc="http://schemas.openxmlformats.org/markup-compatibility/2006" xmlns:p14="http://schemas.microsoft.com/office/powerpoint/2010/main">
+          <mc:Choice Requires="p14">
             <p:contentPart p14:bwMode="auto" r:id="rId186">
               <p14:nvContentPartPr>
                 <p14:cNvPr id="15526" name="Ink 15525">
@@ -21988,7 +21988,7 @@
               </p14:xfrm>
             </p:contentPart>
           </mc:Choice>
-          <mc:Fallback>
+          <mc:Fallback xmlns="">
             <p:pic>
               <p:nvPicPr>
                 <p:cNvPr id="15526" name="Ink 15525">
@@ -22019,8 +22019,8 @@
             </p:pic>
           </mc:Fallback>
         </mc:AlternateContent>
-        <mc:AlternateContent xmlns:mc="http://schemas.openxmlformats.org/markup-compatibility/2006">
-          <mc:Choice xmlns:p14="http://schemas.microsoft.com/office/powerpoint/2010/main" Requires="p14">
+        <mc:AlternateContent xmlns:mc="http://schemas.openxmlformats.org/markup-compatibility/2006" xmlns:p14="http://schemas.microsoft.com/office/powerpoint/2010/main">
+          <mc:Choice Requires="p14">
             <p:contentPart p14:bwMode="auto" r:id="rId188">
               <p14:nvContentPartPr>
                 <p14:cNvPr id="15527" name="Ink 15526">
@@ -22039,7 +22039,7 @@
               </p14:xfrm>
             </p:contentPart>
           </mc:Choice>
-          <mc:Fallback>
+          <mc:Fallback xmlns="">
             <p:pic>
               <p:nvPicPr>
                 <p:cNvPr id="15527" name="Ink 15526">
@@ -22070,8 +22070,8 @@
             </p:pic>
           </mc:Fallback>
         </mc:AlternateContent>
-        <mc:AlternateContent xmlns:mc="http://schemas.openxmlformats.org/markup-compatibility/2006">
-          <mc:Choice xmlns:p14="http://schemas.microsoft.com/office/powerpoint/2010/main" Requires="p14">
+        <mc:AlternateContent xmlns:mc="http://schemas.openxmlformats.org/markup-compatibility/2006" xmlns:p14="http://schemas.microsoft.com/office/powerpoint/2010/main">
+          <mc:Choice Requires="p14">
             <p:contentPart p14:bwMode="auto" r:id="rId190">
               <p14:nvContentPartPr>
                 <p14:cNvPr id="15528" name="Ink 15527">
@@ -22090,7 +22090,7 @@
               </p14:xfrm>
             </p:contentPart>
           </mc:Choice>
-          <mc:Fallback>
+          <mc:Fallback xmlns="">
             <p:pic>
               <p:nvPicPr>
                 <p:cNvPr id="15528" name="Ink 15527">
@@ -22142,8 +22142,8 @@
             <a:chExt cx="1703520" cy="546480"/>
           </a:xfrm>
         </p:grpSpPr>
-        <mc:AlternateContent xmlns:mc="http://schemas.openxmlformats.org/markup-compatibility/2006">
-          <mc:Choice xmlns:p14="http://schemas.microsoft.com/office/powerpoint/2010/main" Requires="p14">
+        <mc:AlternateContent xmlns:mc="http://schemas.openxmlformats.org/markup-compatibility/2006" xmlns:p14="http://schemas.microsoft.com/office/powerpoint/2010/main">
+          <mc:Choice Requires="p14">
             <p:contentPart p14:bwMode="auto" r:id="rId192">
               <p14:nvContentPartPr>
                 <p14:cNvPr id="15567" name="Ink 15566">
@@ -22162,7 +22162,7 @@
               </p14:xfrm>
             </p:contentPart>
           </mc:Choice>
-          <mc:Fallback>
+          <mc:Fallback xmlns="">
             <p:pic>
               <p:nvPicPr>
                 <p:cNvPr id="15567" name="Ink 15566">
@@ -22193,8 +22193,8 @@
             </p:pic>
           </mc:Fallback>
         </mc:AlternateContent>
-        <mc:AlternateContent xmlns:mc="http://schemas.openxmlformats.org/markup-compatibility/2006">
-          <mc:Choice xmlns:p14="http://schemas.microsoft.com/office/powerpoint/2010/main" Requires="p14">
+        <mc:AlternateContent xmlns:mc="http://schemas.openxmlformats.org/markup-compatibility/2006" xmlns:p14="http://schemas.microsoft.com/office/powerpoint/2010/main">
+          <mc:Choice Requires="p14">
             <p:contentPart p14:bwMode="auto" r:id="rId194">
               <p14:nvContentPartPr>
                 <p14:cNvPr id="15568" name="Ink 15567">
@@ -22213,7 +22213,7 @@
               </p14:xfrm>
             </p:contentPart>
           </mc:Choice>
-          <mc:Fallback>
+          <mc:Fallback xmlns="">
             <p:pic>
               <p:nvPicPr>
                 <p:cNvPr id="15568" name="Ink 15567">
@@ -22244,8 +22244,8 @@
             </p:pic>
           </mc:Fallback>
         </mc:AlternateContent>
-        <mc:AlternateContent xmlns:mc="http://schemas.openxmlformats.org/markup-compatibility/2006">
-          <mc:Choice xmlns:p14="http://schemas.microsoft.com/office/powerpoint/2010/main" Requires="p14">
+        <mc:AlternateContent xmlns:mc="http://schemas.openxmlformats.org/markup-compatibility/2006" xmlns:p14="http://schemas.microsoft.com/office/powerpoint/2010/main">
+          <mc:Choice Requires="p14">
             <p:contentPart p14:bwMode="auto" r:id="rId196">
               <p14:nvContentPartPr>
                 <p14:cNvPr id="15569" name="Ink 15568">
@@ -22264,7 +22264,7 @@
               </p14:xfrm>
             </p:contentPart>
           </mc:Choice>
-          <mc:Fallback>
+          <mc:Fallback xmlns="">
             <p:pic>
               <p:nvPicPr>
                 <p:cNvPr id="15569" name="Ink 15568">
@@ -22295,8 +22295,8 @@
             </p:pic>
           </mc:Fallback>
         </mc:AlternateContent>
-        <mc:AlternateContent xmlns:mc="http://schemas.openxmlformats.org/markup-compatibility/2006">
-          <mc:Choice xmlns:p14="http://schemas.microsoft.com/office/powerpoint/2010/main" Requires="p14">
+        <mc:AlternateContent xmlns:mc="http://schemas.openxmlformats.org/markup-compatibility/2006" xmlns:p14="http://schemas.microsoft.com/office/powerpoint/2010/main">
+          <mc:Choice Requires="p14">
             <p:contentPart p14:bwMode="auto" r:id="rId198">
               <p14:nvContentPartPr>
                 <p14:cNvPr id="15570" name="Ink 15569">
@@ -22315,7 +22315,7 @@
               </p14:xfrm>
             </p:contentPart>
           </mc:Choice>
-          <mc:Fallback>
+          <mc:Fallback xmlns="">
             <p:pic>
               <p:nvPicPr>
                 <p:cNvPr id="15570" name="Ink 15569">
@@ -22346,8 +22346,8 @@
             </p:pic>
           </mc:Fallback>
         </mc:AlternateContent>
-        <mc:AlternateContent xmlns:mc="http://schemas.openxmlformats.org/markup-compatibility/2006">
-          <mc:Choice xmlns:p14="http://schemas.microsoft.com/office/powerpoint/2010/main" Requires="p14">
+        <mc:AlternateContent xmlns:mc="http://schemas.openxmlformats.org/markup-compatibility/2006" xmlns:p14="http://schemas.microsoft.com/office/powerpoint/2010/main">
+          <mc:Choice Requires="p14">
             <p:contentPart p14:bwMode="auto" r:id="rId200">
               <p14:nvContentPartPr>
                 <p14:cNvPr id="15571" name="Ink 15570">
@@ -22366,7 +22366,7 @@
               </p14:xfrm>
             </p:contentPart>
           </mc:Choice>
-          <mc:Fallback>
+          <mc:Fallback xmlns="">
             <p:pic>
               <p:nvPicPr>
                 <p:cNvPr id="15571" name="Ink 15570">
@@ -22397,8 +22397,8 @@
             </p:pic>
           </mc:Fallback>
         </mc:AlternateContent>
-        <mc:AlternateContent xmlns:mc="http://schemas.openxmlformats.org/markup-compatibility/2006">
-          <mc:Choice xmlns:p14="http://schemas.microsoft.com/office/powerpoint/2010/main" Requires="p14">
+        <mc:AlternateContent xmlns:mc="http://schemas.openxmlformats.org/markup-compatibility/2006" xmlns:p14="http://schemas.microsoft.com/office/powerpoint/2010/main">
+          <mc:Choice Requires="p14">
             <p:contentPart p14:bwMode="auto" r:id="rId202">
               <p14:nvContentPartPr>
                 <p14:cNvPr id="15572" name="Ink 15571">
@@ -22417,7 +22417,7 @@
               </p14:xfrm>
             </p:contentPart>
           </mc:Choice>
-          <mc:Fallback>
+          <mc:Fallback xmlns="">
             <p:pic>
               <p:nvPicPr>
                 <p:cNvPr id="15572" name="Ink 15571">
@@ -22448,8 +22448,8 @@
             </p:pic>
           </mc:Fallback>
         </mc:AlternateContent>
-        <mc:AlternateContent xmlns:mc="http://schemas.openxmlformats.org/markup-compatibility/2006">
-          <mc:Choice xmlns:p14="http://schemas.microsoft.com/office/powerpoint/2010/main" Requires="p14">
+        <mc:AlternateContent xmlns:mc="http://schemas.openxmlformats.org/markup-compatibility/2006" xmlns:p14="http://schemas.microsoft.com/office/powerpoint/2010/main">
+          <mc:Choice Requires="p14">
             <p:contentPart p14:bwMode="auto" r:id="rId204">
               <p14:nvContentPartPr>
                 <p14:cNvPr id="15573" name="Ink 15572">
@@ -22468,7 +22468,7 @@
               </p14:xfrm>
             </p:contentPart>
           </mc:Choice>
-          <mc:Fallback>
+          <mc:Fallback xmlns="">
             <p:pic>
               <p:nvPicPr>
                 <p:cNvPr id="15573" name="Ink 15572">
@@ -22499,8 +22499,8 @@
             </p:pic>
           </mc:Fallback>
         </mc:AlternateContent>
-        <mc:AlternateContent xmlns:mc="http://schemas.openxmlformats.org/markup-compatibility/2006">
-          <mc:Choice xmlns:p14="http://schemas.microsoft.com/office/powerpoint/2010/main" Requires="p14">
+        <mc:AlternateContent xmlns:mc="http://schemas.openxmlformats.org/markup-compatibility/2006" xmlns:p14="http://schemas.microsoft.com/office/powerpoint/2010/main">
+          <mc:Choice Requires="p14">
             <p:contentPart p14:bwMode="auto" r:id="rId206">
               <p14:nvContentPartPr>
                 <p14:cNvPr id="15574" name="Ink 15573">
@@ -22519,7 +22519,7 @@
               </p14:xfrm>
             </p:contentPart>
           </mc:Choice>
-          <mc:Fallback>
+          <mc:Fallback xmlns="">
             <p:pic>
               <p:nvPicPr>
                 <p:cNvPr id="15574" name="Ink 15573">
@@ -22550,8 +22550,8 @@
             </p:pic>
           </mc:Fallback>
         </mc:AlternateContent>
-        <mc:AlternateContent xmlns:mc="http://schemas.openxmlformats.org/markup-compatibility/2006">
-          <mc:Choice xmlns:p14="http://schemas.microsoft.com/office/powerpoint/2010/main" Requires="p14">
+        <mc:AlternateContent xmlns:mc="http://schemas.openxmlformats.org/markup-compatibility/2006" xmlns:p14="http://schemas.microsoft.com/office/powerpoint/2010/main">
+          <mc:Choice Requires="p14">
             <p:contentPart p14:bwMode="auto" r:id="rId208">
               <p14:nvContentPartPr>
                 <p14:cNvPr id="15575" name="Ink 15574">
@@ -22570,7 +22570,7 @@
               </p14:xfrm>
             </p:contentPart>
           </mc:Choice>
-          <mc:Fallback>
+          <mc:Fallback xmlns="">
             <p:pic>
               <p:nvPicPr>
                 <p:cNvPr id="15575" name="Ink 15574">
@@ -22601,8 +22601,8 @@
             </p:pic>
           </mc:Fallback>
         </mc:AlternateContent>
-        <mc:AlternateContent xmlns:mc="http://schemas.openxmlformats.org/markup-compatibility/2006">
-          <mc:Choice xmlns:p14="http://schemas.microsoft.com/office/powerpoint/2010/main" Requires="p14">
+        <mc:AlternateContent xmlns:mc="http://schemas.openxmlformats.org/markup-compatibility/2006" xmlns:p14="http://schemas.microsoft.com/office/powerpoint/2010/main">
+          <mc:Choice Requires="p14">
             <p:contentPart p14:bwMode="auto" r:id="rId210">
               <p14:nvContentPartPr>
                 <p14:cNvPr id="15576" name="Ink 15575">
@@ -22621,7 +22621,7 @@
               </p14:xfrm>
             </p:contentPart>
           </mc:Choice>
-          <mc:Fallback>
+          <mc:Fallback xmlns="">
             <p:pic>
               <p:nvPicPr>
                 <p:cNvPr id="15576" name="Ink 15575">
@@ -22652,8 +22652,8 @@
             </p:pic>
           </mc:Fallback>
         </mc:AlternateContent>
-        <mc:AlternateContent xmlns:mc="http://schemas.openxmlformats.org/markup-compatibility/2006">
-          <mc:Choice xmlns:p14="http://schemas.microsoft.com/office/powerpoint/2010/main" Requires="p14">
+        <mc:AlternateContent xmlns:mc="http://schemas.openxmlformats.org/markup-compatibility/2006" xmlns:p14="http://schemas.microsoft.com/office/powerpoint/2010/main">
+          <mc:Choice Requires="p14">
             <p:contentPart p14:bwMode="auto" r:id="rId212">
               <p14:nvContentPartPr>
                 <p14:cNvPr id="15577" name="Ink 15576">
@@ -22672,7 +22672,7 @@
               </p14:xfrm>
             </p:contentPart>
           </mc:Choice>
-          <mc:Fallback>
+          <mc:Fallback xmlns="">
             <p:pic>
               <p:nvPicPr>
                 <p:cNvPr id="15577" name="Ink 15576">
@@ -22703,8 +22703,8 @@
             </p:pic>
           </mc:Fallback>
         </mc:AlternateContent>
-        <mc:AlternateContent xmlns:mc="http://schemas.openxmlformats.org/markup-compatibility/2006">
-          <mc:Choice xmlns:p14="http://schemas.microsoft.com/office/powerpoint/2010/main" Requires="p14">
+        <mc:AlternateContent xmlns:mc="http://schemas.openxmlformats.org/markup-compatibility/2006" xmlns:p14="http://schemas.microsoft.com/office/powerpoint/2010/main">
+          <mc:Choice Requires="p14">
             <p:contentPart p14:bwMode="auto" r:id="rId214">
               <p14:nvContentPartPr>
                 <p14:cNvPr id="15579" name="Ink 15578">
@@ -22723,7 +22723,7 @@
               </p14:xfrm>
             </p:contentPart>
           </mc:Choice>
-          <mc:Fallback>
+          <mc:Fallback xmlns="">
             <p:pic>
               <p:nvPicPr>
                 <p:cNvPr id="15579" name="Ink 15578">
@@ -22754,8 +22754,8 @@
             </p:pic>
           </mc:Fallback>
         </mc:AlternateContent>
-        <mc:AlternateContent xmlns:mc="http://schemas.openxmlformats.org/markup-compatibility/2006">
-          <mc:Choice xmlns:p14="http://schemas.microsoft.com/office/powerpoint/2010/main" Requires="p14">
+        <mc:AlternateContent xmlns:mc="http://schemas.openxmlformats.org/markup-compatibility/2006" xmlns:p14="http://schemas.microsoft.com/office/powerpoint/2010/main">
+          <mc:Choice Requires="p14">
             <p:contentPart p14:bwMode="auto" r:id="rId216">
               <p14:nvContentPartPr>
                 <p14:cNvPr id="15580" name="Ink 15579">
@@ -22774,7 +22774,7 @@
               </p14:xfrm>
             </p:contentPart>
           </mc:Choice>
-          <mc:Fallback>
+          <mc:Fallback xmlns="">
             <p:pic>
               <p:nvPicPr>
                 <p:cNvPr id="15580" name="Ink 15579">
@@ -22805,8 +22805,8 @@
             </p:pic>
           </mc:Fallback>
         </mc:AlternateContent>
-        <mc:AlternateContent xmlns:mc="http://schemas.openxmlformats.org/markup-compatibility/2006">
-          <mc:Choice xmlns:p14="http://schemas.microsoft.com/office/powerpoint/2010/main" Requires="p14">
+        <mc:AlternateContent xmlns:mc="http://schemas.openxmlformats.org/markup-compatibility/2006" xmlns:p14="http://schemas.microsoft.com/office/powerpoint/2010/main">
+          <mc:Choice Requires="p14">
             <p:contentPart p14:bwMode="auto" r:id="rId218">
               <p14:nvContentPartPr>
                 <p14:cNvPr id="15581" name="Ink 15580">
@@ -22825,7 +22825,7 @@
               </p14:xfrm>
             </p:contentPart>
           </mc:Choice>
-          <mc:Fallback>
+          <mc:Fallback xmlns="">
             <p:pic>
               <p:nvPicPr>
                 <p:cNvPr id="15581" name="Ink 15580">
@@ -22856,8 +22856,8 @@
             </p:pic>
           </mc:Fallback>
         </mc:AlternateContent>
-        <mc:AlternateContent xmlns:mc="http://schemas.openxmlformats.org/markup-compatibility/2006">
-          <mc:Choice xmlns:p14="http://schemas.microsoft.com/office/powerpoint/2010/main" Requires="p14">
+        <mc:AlternateContent xmlns:mc="http://schemas.openxmlformats.org/markup-compatibility/2006" xmlns:p14="http://schemas.microsoft.com/office/powerpoint/2010/main">
+          <mc:Choice Requires="p14">
             <p:contentPart p14:bwMode="auto" r:id="rId220">
               <p14:nvContentPartPr>
                 <p14:cNvPr id="15582" name="Ink 15581">
@@ -22876,7 +22876,7 @@
               </p14:xfrm>
             </p:contentPart>
           </mc:Choice>
-          <mc:Fallback>
+          <mc:Fallback xmlns="">
             <p:pic>
               <p:nvPicPr>
                 <p:cNvPr id="15582" name="Ink 15581">
@@ -22928,8 +22928,8 @@
             <a:chExt cx="1486080" cy="228600"/>
           </a:xfrm>
         </p:grpSpPr>
-        <mc:AlternateContent xmlns:mc="http://schemas.openxmlformats.org/markup-compatibility/2006">
-          <mc:Choice xmlns:p14="http://schemas.microsoft.com/office/powerpoint/2010/main" Requires="p14">
+        <mc:AlternateContent xmlns:mc="http://schemas.openxmlformats.org/markup-compatibility/2006" xmlns:p14="http://schemas.microsoft.com/office/powerpoint/2010/main">
+          <mc:Choice Requires="p14">
             <p:contentPart p14:bwMode="auto" r:id="rId222">
               <p14:nvContentPartPr>
                 <p14:cNvPr id="15585" name="Ink 15584">
@@ -22948,7 +22948,7 @@
               </p14:xfrm>
             </p:contentPart>
           </mc:Choice>
-          <mc:Fallback>
+          <mc:Fallback xmlns="">
             <p:pic>
               <p:nvPicPr>
                 <p:cNvPr id="15585" name="Ink 15584">
@@ -22979,8 +22979,8 @@
             </p:pic>
           </mc:Fallback>
         </mc:AlternateContent>
-        <mc:AlternateContent xmlns:mc="http://schemas.openxmlformats.org/markup-compatibility/2006">
-          <mc:Choice xmlns:p14="http://schemas.microsoft.com/office/powerpoint/2010/main" Requires="p14">
+        <mc:AlternateContent xmlns:mc="http://schemas.openxmlformats.org/markup-compatibility/2006" xmlns:p14="http://schemas.microsoft.com/office/powerpoint/2010/main">
+          <mc:Choice Requires="p14">
             <p:contentPart p14:bwMode="auto" r:id="rId224">
               <p14:nvContentPartPr>
                 <p14:cNvPr id="15586" name="Ink 15585">
@@ -22999,7 +22999,7 @@
               </p14:xfrm>
             </p:contentPart>
           </mc:Choice>
-          <mc:Fallback>
+          <mc:Fallback xmlns="">
             <p:pic>
               <p:nvPicPr>
                 <p:cNvPr id="15586" name="Ink 15585">
@@ -23030,8 +23030,8 @@
             </p:pic>
           </mc:Fallback>
         </mc:AlternateContent>
-        <mc:AlternateContent xmlns:mc="http://schemas.openxmlformats.org/markup-compatibility/2006">
-          <mc:Choice xmlns:p14="http://schemas.microsoft.com/office/powerpoint/2010/main" Requires="p14">
+        <mc:AlternateContent xmlns:mc="http://schemas.openxmlformats.org/markup-compatibility/2006" xmlns:p14="http://schemas.microsoft.com/office/powerpoint/2010/main">
+          <mc:Choice Requires="p14">
             <p:contentPart p14:bwMode="auto" r:id="rId226">
               <p14:nvContentPartPr>
                 <p14:cNvPr id="15587" name="Ink 15586">
@@ -23050,7 +23050,7 @@
               </p14:xfrm>
             </p:contentPart>
           </mc:Choice>
-          <mc:Fallback>
+          <mc:Fallback xmlns="">
             <p:pic>
               <p:nvPicPr>
                 <p:cNvPr id="15587" name="Ink 15586">
@@ -23081,8 +23081,8 @@
             </p:pic>
           </mc:Fallback>
         </mc:AlternateContent>
-        <mc:AlternateContent xmlns:mc="http://schemas.openxmlformats.org/markup-compatibility/2006">
-          <mc:Choice xmlns:p14="http://schemas.microsoft.com/office/powerpoint/2010/main" Requires="p14">
+        <mc:AlternateContent xmlns:mc="http://schemas.openxmlformats.org/markup-compatibility/2006" xmlns:p14="http://schemas.microsoft.com/office/powerpoint/2010/main">
+          <mc:Choice Requires="p14">
             <p:contentPart p14:bwMode="auto" r:id="rId228">
               <p14:nvContentPartPr>
                 <p14:cNvPr id="15588" name="Ink 15587">
@@ -23101,7 +23101,7 @@
               </p14:xfrm>
             </p:contentPart>
           </mc:Choice>
-          <mc:Fallback>
+          <mc:Fallback xmlns="">
             <p:pic>
               <p:nvPicPr>
                 <p:cNvPr id="15588" name="Ink 15587">
@@ -23132,8 +23132,8 @@
             </p:pic>
           </mc:Fallback>
         </mc:AlternateContent>
-        <mc:AlternateContent xmlns:mc="http://schemas.openxmlformats.org/markup-compatibility/2006">
-          <mc:Choice xmlns:p14="http://schemas.microsoft.com/office/powerpoint/2010/main" Requires="p14">
+        <mc:AlternateContent xmlns:mc="http://schemas.openxmlformats.org/markup-compatibility/2006" xmlns:p14="http://schemas.microsoft.com/office/powerpoint/2010/main">
+          <mc:Choice Requires="p14">
             <p:contentPart p14:bwMode="auto" r:id="rId230">
               <p14:nvContentPartPr>
                 <p14:cNvPr id="15589" name="Ink 15588">
@@ -23152,7 +23152,7 @@
               </p14:xfrm>
             </p:contentPart>
           </mc:Choice>
-          <mc:Fallback>
+          <mc:Fallback xmlns="">
             <p:pic>
               <p:nvPicPr>
                 <p:cNvPr id="15589" name="Ink 15588">
@@ -23183,8 +23183,8 @@
             </p:pic>
           </mc:Fallback>
         </mc:AlternateContent>
-        <mc:AlternateContent xmlns:mc="http://schemas.openxmlformats.org/markup-compatibility/2006">
-          <mc:Choice xmlns:p14="http://schemas.microsoft.com/office/powerpoint/2010/main" Requires="p14">
+        <mc:AlternateContent xmlns:mc="http://schemas.openxmlformats.org/markup-compatibility/2006" xmlns:p14="http://schemas.microsoft.com/office/powerpoint/2010/main">
+          <mc:Choice Requires="p14">
             <p:contentPart p14:bwMode="auto" r:id="rId232">
               <p14:nvContentPartPr>
                 <p14:cNvPr id="15590" name="Ink 15589">
@@ -23203,7 +23203,7 @@
               </p14:xfrm>
             </p:contentPart>
           </mc:Choice>
-          <mc:Fallback>
+          <mc:Fallback xmlns="">
             <p:pic>
               <p:nvPicPr>
                 <p:cNvPr id="15590" name="Ink 15589">
@@ -23234,8 +23234,8 @@
             </p:pic>
           </mc:Fallback>
         </mc:AlternateContent>
-        <mc:AlternateContent xmlns:mc="http://schemas.openxmlformats.org/markup-compatibility/2006">
-          <mc:Choice xmlns:p14="http://schemas.microsoft.com/office/powerpoint/2010/main" Requires="p14">
+        <mc:AlternateContent xmlns:mc="http://schemas.openxmlformats.org/markup-compatibility/2006" xmlns:p14="http://schemas.microsoft.com/office/powerpoint/2010/main">
+          <mc:Choice Requires="p14">
             <p:contentPart p14:bwMode="auto" r:id="rId234">
               <p14:nvContentPartPr>
                 <p14:cNvPr id="15591" name="Ink 15590">
@@ -23254,7 +23254,7 @@
               </p14:xfrm>
             </p:contentPart>
           </mc:Choice>
-          <mc:Fallback>
+          <mc:Fallback xmlns="">
             <p:pic>
               <p:nvPicPr>
                 <p:cNvPr id="15591" name="Ink 15590">
@@ -23285,8 +23285,8 @@
             </p:pic>
           </mc:Fallback>
         </mc:AlternateContent>
-        <mc:AlternateContent xmlns:mc="http://schemas.openxmlformats.org/markup-compatibility/2006">
-          <mc:Choice xmlns:p14="http://schemas.microsoft.com/office/powerpoint/2010/main" Requires="p14">
+        <mc:AlternateContent xmlns:mc="http://schemas.openxmlformats.org/markup-compatibility/2006" xmlns:p14="http://schemas.microsoft.com/office/powerpoint/2010/main">
+          <mc:Choice Requires="p14">
             <p:contentPart p14:bwMode="auto" r:id="rId236">
               <p14:nvContentPartPr>
                 <p14:cNvPr id="15592" name="Ink 15591">
@@ -23305,7 +23305,7 @@
               </p14:xfrm>
             </p:contentPart>
           </mc:Choice>
-          <mc:Fallback>
+          <mc:Fallback xmlns="">
             <p:pic>
               <p:nvPicPr>
                 <p:cNvPr id="15592" name="Ink 15591">
@@ -23336,8 +23336,8 @@
             </p:pic>
           </mc:Fallback>
         </mc:AlternateContent>
-        <mc:AlternateContent xmlns:mc="http://schemas.openxmlformats.org/markup-compatibility/2006">
-          <mc:Choice xmlns:p14="http://schemas.microsoft.com/office/powerpoint/2010/main" Requires="p14">
+        <mc:AlternateContent xmlns:mc="http://schemas.openxmlformats.org/markup-compatibility/2006" xmlns:p14="http://schemas.microsoft.com/office/powerpoint/2010/main">
+          <mc:Choice Requires="p14">
             <p:contentPart p14:bwMode="auto" r:id="rId238">
               <p14:nvContentPartPr>
                 <p14:cNvPr id="15593" name="Ink 15592">
@@ -23356,7 +23356,7 @@
               </p14:xfrm>
             </p:contentPart>
           </mc:Choice>
-          <mc:Fallback>
+          <mc:Fallback xmlns="">
             <p:pic>
               <p:nvPicPr>
                 <p:cNvPr id="15593" name="Ink 15592">
@@ -23387,8 +23387,8 @@
             </p:pic>
           </mc:Fallback>
         </mc:AlternateContent>
-        <mc:AlternateContent xmlns:mc="http://schemas.openxmlformats.org/markup-compatibility/2006">
-          <mc:Choice xmlns:p14="http://schemas.microsoft.com/office/powerpoint/2010/main" Requires="p14">
+        <mc:AlternateContent xmlns:mc="http://schemas.openxmlformats.org/markup-compatibility/2006" xmlns:p14="http://schemas.microsoft.com/office/powerpoint/2010/main">
+          <mc:Choice Requires="p14">
             <p:contentPart p14:bwMode="auto" r:id="rId240">
               <p14:nvContentPartPr>
                 <p14:cNvPr id="15594" name="Ink 15593">
@@ -23407,7 +23407,7 @@
               </p14:xfrm>
             </p:contentPart>
           </mc:Choice>
-          <mc:Fallback>
+          <mc:Fallback xmlns="">
             <p:pic>
               <p:nvPicPr>
                 <p:cNvPr id="15594" name="Ink 15593">
@@ -23438,8 +23438,8 @@
             </p:pic>
           </mc:Fallback>
         </mc:AlternateContent>
-        <mc:AlternateContent xmlns:mc="http://schemas.openxmlformats.org/markup-compatibility/2006">
-          <mc:Choice xmlns:p14="http://schemas.microsoft.com/office/powerpoint/2010/main" Requires="p14">
+        <mc:AlternateContent xmlns:mc="http://schemas.openxmlformats.org/markup-compatibility/2006" xmlns:p14="http://schemas.microsoft.com/office/powerpoint/2010/main">
+          <mc:Choice Requires="p14">
             <p:contentPart p14:bwMode="auto" r:id="rId242">
               <p14:nvContentPartPr>
                 <p14:cNvPr id="15595" name="Ink 15594">
@@ -23458,7 +23458,7 @@
               </p14:xfrm>
             </p:contentPart>
           </mc:Choice>
-          <mc:Fallback>
+          <mc:Fallback xmlns="">
             <p:pic>
               <p:nvPicPr>
                 <p:cNvPr id="15595" name="Ink 15594">
@@ -23510,8 +23510,8 @@
             <a:chExt cx="1090800" cy="614520"/>
           </a:xfrm>
         </p:grpSpPr>
-        <mc:AlternateContent xmlns:mc="http://schemas.openxmlformats.org/markup-compatibility/2006">
-          <mc:Choice xmlns:p14="http://schemas.microsoft.com/office/powerpoint/2010/main" Requires="p14">
+        <mc:AlternateContent xmlns:mc="http://schemas.openxmlformats.org/markup-compatibility/2006" xmlns:p14="http://schemas.microsoft.com/office/powerpoint/2010/main">
+          <mc:Choice Requires="p14">
             <p:contentPart p14:bwMode="auto" r:id="rId244">
               <p14:nvContentPartPr>
                 <p14:cNvPr id="15597" name="Ink 15596">
@@ -23530,7 +23530,7 @@
               </p14:xfrm>
             </p:contentPart>
           </mc:Choice>
-          <mc:Fallback>
+          <mc:Fallback xmlns="">
             <p:pic>
               <p:nvPicPr>
                 <p:cNvPr id="15597" name="Ink 15596">
@@ -23561,8 +23561,8 @@
             </p:pic>
           </mc:Fallback>
         </mc:AlternateContent>
-        <mc:AlternateContent xmlns:mc="http://schemas.openxmlformats.org/markup-compatibility/2006">
-          <mc:Choice xmlns:p14="http://schemas.microsoft.com/office/powerpoint/2010/main" Requires="p14">
+        <mc:AlternateContent xmlns:mc="http://schemas.openxmlformats.org/markup-compatibility/2006" xmlns:p14="http://schemas.microsoft.com/office/powerpoint/2010/main">
+          <mc:Choice Requires="p14">
             <p:contentPart p14:bwMode="auto" r:id="rId246">
               <p14:nvContentPartPr>
                 <p14:cNvPr id="15598" name="Ink 15597">
@@ -23581,7 +23581,7 @@
               </p14:xfrm>
             </p:contentPart>
           </mc:Choice>
-          <mc:Fallback>
+          <mc:Fallback xmlns="">
             <p:pic>
               <p:nvPicPr>
                 <p:cNvPr id="15598" name="Ink 15597">
@@ -23612,8 +23612,8 @@
             </p:pic>
           </mc:Fallback>
         </mc:AlternateContent>
-        <mc:AlternateContent xmlns:mc="http://schemas.openxmlformats.org/markup-compatibility/2006">
-          <mc:Choice xmlns:p14="http://schemas.microsoft.com/office/powerpoint/2010/main" Requires="p14">
+        <mc:AlternateContent xmlns:mc="http://schemas.openxmlformats.org/markup-compatibility/2006" xmlns:p14="http://schemas.microsoft.com/office/powerpoint/2010/main">
+          <mc:Choice Requires="p14">
             <p:contentPart p14:bwMode="auto" r:id="rId248">
               <p14:nvContentPartPr>
                 <p14:cNvPr id="15599" name="Ink 15598">
@@ -23632,7 +23632,7 @@
               </p14:xfrm>
             </p:contentPart>
           </mc:Choice>
-          <mc:Fallback>
+          <mc:Fallback xmlns="">
             <p:pic>
               <p:nvPicPr>
                 <p:cNvPr id="15599" name="Ink 15598">
@@ -23663,8 +23663,8 @@
             </p:pic>
           </mc:Fallback>
         </mc:AlternateContent>
-        <mc:AlternateContent xmlns:mc="http://schemas.openxmlformats.org/markup-compatibility/2006">
-          <mc:Choice xmlns:p14="http://schemas.microsoft.com/office/powerpoint/2010/main" Requires="p14">
+        <mc:AlternateContent xmlns:mc="http://schemas.openxmlformats.org/markup-compatibility/2006" xmlns:p14="http://schemas.microsoft.com/office/powerpoint/2010/main">
+          <mc:Choice Requires="p14">
             <p:contentPart p14:bwMode="auto" r:id="rId250">
               <p14:nvContentPartPr>
                 <p14:cNvPr id="15600" name="Ink 15599">
@@ -23683,7 +23683,7 @@
               </p14:xfrm>
             </p:contentPart>
           </mc:Choice>
-          <mc:Fallback>
+          <mc:Fallback xmlns="">
             <p:pic>
               <p:nvPicPr>
                 <p:cNvPr id="15600" name="Ink 15599">
@@ -23714,8 +23714,8 @@
             </p:pic>
           </mc:Fallback>
         </mc:AlternateContent>
-        <mc:AlternateContent xmlns:mc="http://schemas.openxmlformats.org/markup-compatibility/2006">
-          <mc:Choice xmlns:p14="http://schemas.microsoft.com/office/powerpoint/2010/main" Requires="p14">
+        <mc:AlternateContent xmlns:mc="http://schemas.openxmlformats.org/markup-compatibility/2006" xmlns:p14="http://schemas.microsoft.com/office/powerpoint/2010/main">
+          <mc:Choice Requires="p14">
             <p:contentPart p14:bwMode="auto" r:id="rId252">
               <p14:nvContentPartPr>
                 <p14:cNvPr id="15601" name="Ink 15600">
@@ -23734,7 +23734,7 @@
               </p14:xfrm>
             </p:contentPart>
           </mc:Choice>
-          <mc:Fallback>
+          <mc:Fallback xmlns="">
             <p:pic>
               <p:nvPicPr>
                 <p:cNvPr id="15601" name="Ink 15600">
@@ -23765,8 +23765,8 @@
             </p:pic>
           </mc:Fallback>
         </mc:AlternateContent>
-        <mc:AlternateContent xmlns:mc="http://schemas.openxmlformats.org/markup-compatibility/2006">
-          <mc:Choice xmlns:p14="http://schemas.microsoft.com/office/powerpoint/2010/main" Requires="p14">
+        <mc:AlternateContent xmlns:mc="http://schemas.openxmlformats.org/markup-compatibility/2006" xmlns:p14="http://schemas.microsoft.com/office/powerpoint/2010/main">
+          <mc:Choice Requires="p14">
             <p:contentPart p14:bwMode="auto" r:id="rId254">
               <p14:nvContentPartPr>
                 <p14:cNvPr id="15602" name="Ink 15601">
@@ -23785,7 +23785,7 @@
               </p14:xfrm>
             </p:contentPart>
           </mc:Choice>
-          <mc:Fallback>
+          <mc:Fallback xmlns="">
             <p:pic>
               <p:nvPicPr>
                 <p:cNvPr id="15602" name="Ink 15601">
@@ -23816,8 +23816,8 @@
             </p:pic>
           </mc:Fallback>
         </mc:AlternateContent>
-        <mc:AlternateContent xmlns:mc="http://schemas.openxmlformats.org/markup-compatibility/2006">
-          <mc:Choice xmlns:p14="http://schemas.microsoft.com/office/powerpoint/2010/main" Requires="p14">
+        <mc:AlternateContent xmlns:mc="http://schemas.openxmlformats.org/markup-compatibility/2006" xmlns:p14="http://schemas.microsoft.com/office/powerpoint/2010/main">
+          <mc:Choice Requires="p14">
             <p:contentPart p14:bwMode="auto" r:id="rId256">
               <p14:nvContentPartPr>
                 <p14:cNvPr id="15603" name="Ink 15602">
@@ -23836,7 +23836,7 @@
               </p14:xfrm>
             </p:contentPart>
           </mc:Choice>
-          <mc:Fallback>
+          <mc:Fallback xmlns="">
             <p:pic>
               <p:nvPicPr>
                 <p:cNvPr id="15603" name="Ink 15602">
@@ -23867,8 +23867,8 @@
             </p:pic>
           </mc:Fallback>
         </mc:AlternateContent>
-        <mc:AlternateContent xmlns:mc="http://schemas.openxmlformats.org/markup-compatibility/2006">
-          <mc:Choice xmlns:p14="http://schemas.microsoft.com/office/powerpoint/2010/main" Requires="p14">
+        <mc:AlternateContent xmlns:mc="http://schemas.openxmlformats.org/markup-compatibility/2006" xmlns:p14="http://schemas.microsoft.com/office/powerpoint/2010/main">
+          <mc:Choice Requires="p14">
             <p:contentPart p14:bwMode="auto" r:id="rId258">
               <p14:nvContentPartPr>
                 <p14:cNvPr id="15604" name="Ink 15603">
@@ -23887,7 +23887,7 @@
               </p14:xfrm>
             </p:contentPart>
           </mc:Choice>
-          <mc:Fallback>
+          <mc:Fallback xmlns="">
             <p:pic>
               <p:nvPicPr>
                 <p:cNvPr id="15604" name="Ink 15603">
@@ -23918,8 +23918,8 @@
             </p:pic>
           </mc:Fallback>
         </mc:AlternateContent>
-        <mc:AlternateContent xmlns:mc="http://schemas.openxmlformats.org/markup-compatibility/2006">
-          <mc:Choice xmlns:p14="http://schemas.microsoft.com/office/powerpoint/2010/main" Requires="p14">
+        <mc:AlternateContent xmlns:mc="http://schemas.openxmlformats.org/markup-compatibility/2006" xmlns:p14="http://schemas.microsoft.com/office/powerpoint/2010/main">
+          <mc:Choice Requires="p14">
             <p:contentPart p14:bwMode="auto" r:id="rId260">
               <p14:nvContentPartPr>
                 <p14:cNvPr id="15605" name="Ink 15604">
@@ -23938,7 +23938,7 @@
               </p14:xfrm>
             </p:contentPart>
           </mc:Choice>
-          <mc:Fallback>
+          <mc:Fallback xmlns="">
             <p:pic>
               <p:nvPicPr>
                 <p:cNvPr id="15605" name="Ink 15604">
@@ -23969,8 +23969,8 @@
             </p:pic>
           </mc:Fallback>
         </mc:AlternateContent>
-        <mc:AlternateContent xmlns:mc="http://schemas.openxmlformats.org/markup-compatibility/2006">
-          <mc:Choice xmlns:p14="http://schemas.microsoft.com/office/powerpoint/2010/main" Requires="p14">
+        <mc:AlternateContent xmlns:mc="http://schemas.openxmlformats.org/markup-compatibility/2006" xmlns:p14="http://schemas.microsoft.com/office/powerpoint/2010/main">
+          <mc:Choice Requires="p14">
             <p:contentPart p14:bwMode="auto" r:id="rId262">
               <p14:nvContentPartPr>
                 <p14:cNvPr id="15606" name="Ink 15605">
@@ -23989,7 +23989,7 @@
               </p14:xfrm>
             </p:contentPart>
           </mc:Choice>
-          <mc:Fallback>
+          <mc:Fallback xmlns="">
             <p:pic>
               <p:nvPicPr>
                 <p:cNvPr id="15606" name="Ink 15605">
@@ -24020,8 +24020,8 @@
             </p:pic>
           </mc:Fallback>
         </mc:AlternateContent>
-        <mc:AlternateContent xmlns:mc="http://schemas.openxmlformats.org/markup-compatibility/2006">
-          <mc:Choice xmlns:p14="http://schemas.microsoft.com/office/powerpoint/2010/main" Requires="p14">
+        <mc:AlternateContent xmlns:mc="http://schemas.openxmlformats.org/markup-compatibility/2006" xmlns:p14="http://schemas.microsoft.com/office/powerpoint/2010/main">
+          <mc:Choice Requires="p14">
             <p:contentPart p14:bwMode="auto" r:id="rId264">
               <p14:nvContentPartPr>
                 <p14:cNvPr id="15607" name="Ink 15606">
@@ -24040,7 +24040,7 @@
               </p14:xfrm>
             </p:contentPart>
           </mc:Choice>
-          <mc:Fallback>
+          <mc:Fallback xmlns="">
             <p:pic>
               <p:nvPicPr>
                 <p:cNvPr id="15607" name="Ink 15606">
@@ -24071,8 +24071,8 @@
             </p:pic>
           </mc:Fallback>
         </mc:AlternateContent>
-        <mc:AlternateContent xmlns:mc="http://schemas.openxmlformats.org/markup-compatibility/2006">
-          <mc:Choice xmlns:p14="http://schemas.microsoft.com/office/powerpoint/2010/main" Requires="p14">
+        <mc:AlternateContent xmlns:mc="http://schemas.openxmlformats.org/markup-compatibility/2006" xmlns:p14="http://schemas.microsoft.com/office/powerpoint/2010/main">
+          <mc:Choice Requires="p14">
             <p:contentPart p14:bwMode="auto" r:id="rId266">
               <p14:nvContentPartPr>
                 <p14:cNvPr id="15608" name="Ink 15607">
@@ -24091,7 +24091,7 @@
               </p14:xfrm>
             </p:contentPart>
           </mc:Choice>
-          <mc:Fallback>
+          <mc:Fallback xmlns="">
             <p:pic>
               <p:nvPicPr>
                 <p:cNvPr id="15608" name="Ink 15607">
@@ -24122,8 +24122,8 @@
             </p:pic>
           </mc:Fallback>
         </mc:AlternateContent>
-        <mc:AlternateContent xmlns:mc="http://schemas.openxmlformats.org/markup-compatibility/2006">
-          <mc:Choice xmlns:p14="http://schemas.microsoft.com/office/powerpoint/2010/main" Requires="p14">
+        <mc:AlternateContent xmlns:mc="http://schemas.openxmlformats.org/markup-compatibility/2006" xmlns:p14="http://schemas.microsoft.com/office/powerpoint/2010/main">
+          <mc:Choice Requires="p14">
             <p:contentPart p14:bwMode="auto" r:id="rId268">
               <p14:nvContentPartPr>
                 <p14:cNvPr id="15609" name="Ink 15608">
@@ -24142,7 +24142,7 @@
               </p14:xfrm>
             </p:contentPart>
           </mc:Choice>
-          <mc:Fallback>
+          <mc:Fallback xmlns="">
             <p:pic>
               <p:nvPicPr>
                 <p:cNvPr id="15609" name="Ink 15608">
@@ -24173,8 +24173,8 @@
             </p:pic>
           </mc:Fallback>
         </mc:AlternateContent>
-        <mc:AlternateContent xmlns:mc="http://schemas.openxmlformats.org/markup-compatibility/2006">
-          <mc:Choice xmlns:p14="http://schemas.microsoft.com/office/powerpoint/2010/main" Requires="p14">
+        <mc:AlternateContent xmlns:mc="http://schemas.openxmlformats.org/markup-compatibility/2006" xmlns:p14="http://schemas.microsoft.com/office/powerpoint/2010/main">
+          <mc:Choice Requires="p14">
             <p:contentPart p14:bwMode="auto" r:id="rId270">
               <p14:nvContentPartPr>
                 <p14:cNvPr id="15610" name="Ink 15609">
@@ -24193,7 +24193,7 @@
               </p14:xfrm>
             </p:contentPart>
           </mc:Choice>
-          <mc:Fallback>
+          <mc:Fallback xmlns="">
             <p:pic>
               <p:nvPicPr>
                 <p:cNvPr id="15610" name="Ink 15609">
@@ -24245,8 +24245,8 @@
             <a:chExt cx="402120" cy="289440"/>
           </a:xfrm>
         </p:grpSpPr>
-        <mc:AlternateContent xmlns:mc="http://schemas.openxmlformats.org/markup-compatibility/2006">
-          <mc:Choice xmlns:p14="http://schemas.microsoft.com/office/powerpoint/2010/main" Requires="p14">
+        <mc:AlternateContent xmlns:mc="http://schemas.openxmlformats.org/markup-compatibility/2006" xmlns:p14="http://schemas.microsoft.com/office/powerpoint/2010/main">
+          <mc:Choice Requires="p14">
             <p:contentPart p14:bwMode="auto" r:id="rId272">
               <p14:nvContentPartPr>
                 <p14:cNvPr id="15612" name="Ink 15611">
@@ -24265,7 +24265,7 @@
               </p14:xfrm>
             </p:contentPart>
           </mc:Choice>
-          <mc:Fallback>
+          <mc:Fallback xmlns="">
             <p:pic>
               <p:nvPicPr>
                 <p:cNvPr id="15612" name="Ink 15611">
@@ -24296,8 +24296,8 @@
             </p:pic>
           </mc:Fallback>
         </mc:AlternateContent>
-        <mc:AlternateContent xmlns:mc="http://schemas.openxmlformats.org/markup-compatibility/2006">
-          <mc:Choice xmlns:p14="http://schemas.microsoft.com/office/powerpoint/2010/main" Requires="p14">
+        <mc:AlternateContent xmlns:mc="http://schemas.openxmlformats.org/markup-compatibility/2006" xmlns:p14="http://schemas.microsoft.com/office/powerpoint/2010/main">
+          <mc:Choice Requires="p14">
             <p:contentPart p14:bwMode="auto" r:id="rId274">
               <p14:nvContentPartPr>
                 <p14:cNvPr id="15613" name="Ink 15612">
@@ -24316,7 +24316,7 @@
               </p14:xfrm>
             </p:contentPart>
           </mc:Choice>
-          <mc:Fallback>
+          <mc:Fallback xmlns="">
             <p:pic>
               <p:nvPicPr>
                 <p:cNvPr id="15613" name="Ink 15612">
@@ -24347,8 +24347,8 @@
             </p:pic>
           </mc:Fallback>
         </mc:AlternateContent>
-        <mc:AlternateContent xmlns:mc="http://schemas.openxmlformats.org/markup-compatibility/2006">
-          <mc:Choice xmlns:p14="http://schemas.microsoft.com/office/powerpoint/2010/main" Requires="p14">
+        <mc:AlternateContent xmlns:mc="http://schemas.openxmlformats.org/markup-compatibility/2006" xmlns:p14="http://schemas.microsoft.com/office/powerpoint/2010/main">
+          <mc:Choice Requires="p14">
             <p:contentPart p14:bwMode="auto" r:id="rId276">
               <p14:nvContentPartPr>
                 <p14:cNvPr id="15614" name="Ink 15613">
@@ -24367,7 +24367,7 @@
               </p14:xfrm>
             </p:contentPart>
           </mc:Choice>
-          <mc:Fallback>
+          <mc:Fallback xmlns="">
             <p:pic>
               <p:nvPicPr>
                 <p:cNvPr id="15614" name="Ink 15613">
@@ -24419,8 +24419,8 @@
             <a:chExt cx="1436760" cy="272160"/>
           </a:xfrm>
         </p:grpSpPr>
-        <mc:AlternateContent xmlns:mc="http://schemas.openxmlformats.org/markup-compatibility/2006">
-          <mc:Choice xmlns:p14="http://schemas.microsoft.com/office/powerpoint/2010/main" Requires="p14">
+        <mc:AlternateContent xmlns:mc="http://schemas.openxmlformats.org/markup-compatibility/2006" xmlns:p14="http://schemas.microsoft.com/office/powerpoint/2010/main">
+          <mc:Choice Requires="p14">
             <p:contentPart p14:bwMode="auto" r:id="rId278">
               <p14:nvContentPartPr>
                 <p14:cNvPr id="15616" name="Ink 15615">
@@ -24439,7 +24439,7 @@
               </p14:xfrm>
             </p:contentPart>
           </mc:Choice>
-          <mc:Fallback>
+          <mc:Fallback xmlns="">
             <p:pic>
               <p:nvPicPr>
                 <p:cNvPr id="15616" name="Ink 15615">
@@ -24470,8 +24470,8 @@
             </p:pic>
           </mc:Fallback>
         </mc:AlternateContent>
-        <mc:AlternateContent xmlns:mc="http://schemas.openxmlformats.org/markup-compatibility/2006">
-          <mc:Choice xmlns:p14="http://schemas.microsoft.com/office/powerpoint/2010/main" Requires="p14">
+        <mc:AlternateContent xmlns:mc="http://schemas.openxmlformats.org/markup-compatibility/2006" xmlns:p14="http://schemas.microsoft.com/office/powerpoint/2010/main">
+          <mc:Choice Requires="p14">
             <p:contentPart p14:bwMode="auto" r:id="rId280">
               <p14:nvContentPartPr>
                 <p14:cNvPr id="15617" name="Ink 15616">
@@ -24490,7 +24490,7 @@
               </p14:xfrm>
             </p:contentPart>
           </mc:Choice>
-          <mc:Fallback>
+          <mc:Fallback xmlns="">
             <p:pic>
               <p:nvPicPr>
                 <p:cNvPr id="15617" name="Ink 15616">
@@ -24521,8 +24521,8 @@
             </p:pic>
           </mc:Fallback>
         </mc:AlternateContent>
-        <mc:AlternateContent xmlns:mc="http://schemas.openxmlformats.org/markup-compatibility/2006">
-          <mc:Choice xmlns:p14="http://schemas.microsoft.com/office/powerpoint/2010/main" Requires="p14">
+        <mc:AlternateContent xmlns:mc="http://schemas.openxmlformats.org/markup-compatibility/2006" xmlns:p14="http://schemas.microsoft.com/office/powerpoint/2010/main">
+          <mc:Choice Requires="p14">
             <p:contentPart p14:bwMode="auto" r:id="rId282">
               <p14:nvContentPartPr>
                 <p14:cNvPr id="15618" name="Ink 15617">
@@ -24541,7 +24541,7 @@
               </p14:xfrm>
             </p:contentPart>
           </mc:Choice>
-          <mc:Fallback>
+          <mc:Fallback xmlns="">
             <p:pic>
               <p:nvPicPr>
                 <p:cNvPr id="15618" name="Ink 15617">
@@ -24572,8 +24572,8 @@
             </p:pic>
           </mc:Fallback>
         </mc:AlternateContent>
-        <mc:AlternateContent xmlns:mc="http://schemas.openxmlformats.org/markup-compatibility/2006">
-          <mc:Choice xmlns:p14="http://schemas.microsoft.com/office/powerpoint/2010/main" Requires="p14">
+        <mc:AlternateContent xmlns:mc="http://schemas.openxmlformats.org/markup-compatibility/2006" xmlns:p14="http://schemas.microsoft.com/office/powerpoint/2010/main">
+          <mc:Choice Requires="p14">
             <p:contentPart p14:bwMode="auto" r:id="rId284">
               <p14:nvContentPartPr>
                 <p14:cNvPr id="15619" name="Ink 15618">
@@ -24592,7 +24592,7 @@
               </p14:xfrm>
             </p:contentPart>
           </mc:Choice>
-          <mc:Fallback>
+          <mc:Fallback xmlns="">
             <p:pic>
               <p:nvPicPr>
                 <p:cNvPr id="15619" name="Ink 15618">
@@ -24623,8 +24623,8 @@
             </p:pic>
           </mc:Fallback>
         </mc:AlternateContent>
-        <mc:AlternateContent xmlns:mc="http://schemas.openxmlformats.org/markup-compatibility/2006">
-          <mc:Choice xmlns:p14="http://schemas.microsoft.com/office/powerpoint/2010/main" Requires="p14">
+        <mc:AlternateContent xmlns:mc="http://schemas.openxmlformats.org/markup-compatibility/2006" xmlns:p14="http://schemas.microsoft.com/office/powerpoint/2010/main">
+          <mc:Choice Requires="p14">
             <p:contentPart p14:bwMode="auto" r:id="rId286">
               <p14:nvContentPartPr>
                 <p14:cNvPr id="15620" name="Ink 15619">
@@ -24643,7 +24643,7 @@
               </p14:xfrm>
             </p:contentPart>
           </mc:Choice>
-          <mc:Fallback>
+          <mc:Fallback xmlns="">
             <p:pic>
               <p:nvPicPr>
                 <p:cNvPr id="15620" name="Ink 15619">
@@ -24674,8 +24674,8 @@
             </p:pic>
           </mc:Fallback>
         </mc:AlternateContent>
-        <mc:AlternateContent xmlns:mc="http://schemas.openxmlformats.org/markup-compatibility/2006">
-          <mc:Choice xmlns:p14="http://schemas.microsoft.com/office/powerpoint/2010/main" Requires="p14">
+        <mc:AlternateContent xmlns:mc="http://schemas.openxmlformats.org/markup-compatibility/2006" xmlns:p14="http://schemas.microsoft.com/office/powerpoint/2010/main">
+          <mc:Choice Requires="p14">
             <p:contentPart p14:bwMode="auto" r:id="rId288">
               <p14:nvContentPartPr>
                 <p14:cNvPr id="15621" name="Ink 15620">
@@ -24694,7 +24694,7 @@
               </p14:xfrm>
             </p:contentPart>
           </mc:Choice>
-          <mc:Fallback>
+          <mc:Fallback xmlns="">
             <p:pic>
               <p:nvPicPr>
                 <p:cNvPr id="15621" name="Ink 15620">
@@ -24725,8 +24725,8 @@
             </p:pic>
           </mc:Fallback>
         </mc:AlternateContent>
-        <mc:AlternateContent xmlns:mc="http://schemas.openxmlformats.org/markup-compatibility/2006">
-          <mc:Choice xmlns:p14="http://schemas.microsoft.com/office/powerpoint/2010/main" Requires="p14">
+        <mc:AlternateContent xmlns:mc="http://schemas.openxmlformats.org/markup-compatibility/2006" xmlns:p14="http://schemas.microsoft.com/office/powerpoint/2010/main">
+          <mc:Choice Requires="p14">
             <p:contentPart p14:bwMode="auto" r:id="rId290">
               <p14:nvContentPartPr>
                 <p14:cNvPr id="15622" name="Ink 15621">
@@ -24745,7 +24745,7 @@
               </p14:xfrm>
             </p:contentPart>
           </mc:Choice>
-          <mc:Fallback>
+          <mc:Fallback xmlns="">
             <p:pic>
               <p:nvPicPr>
                 <p:cNvPr id="15622" name="Ink 15621">
@@ -24776,8 +24776,8 @@
             </p:pic>
           </mc:Fallback>
         </mc:AlternateContent>
-        <mc:AlternateContent xmlns:mc="http://schemas.openxmlformats.org/markup-compatibility/2006">
-          <mc:Choice xmlns:p14="http://schemas.microsoft.com/office/powerpoint/2010/main" Requires="p14">
+        <mc:AlternateContent xmlns:mc="http://schemas.openxmlformats.org/markup-compatibility/2006" xmlns:p14="http://schemas.microsoft.com/office/powerpoint/2010/main">
+          <mc:Choice Requires="p14">
             <p:contentPart p14:bwMode="auto" r:id="rId292">
               <p14:nvContentPartPr>
                 <p14:cNvPr id="15623" name="Ink 15622">
@@ -24796,7 +24796,7 @@
               </p14:xfrm>
             </p:contentPart>
           </mc:Choice>
-          <mc:Fallback>
+          <mc:Fallback xmlns="">
             <p:pic>
               <p:nvPicPr>
                 <p:cNvPr id="15623" name="Ink 15622">
@@ -24827,8 +24827,8 @@
             </p:pic>
           </mc:Fallback>
         </mc:AlternateContent>
-        <mc:AlternateContent xmlns:mc="http://schemas.openxmlformats.org/markup-compatibility/2006">
-          <mc:Choice xmlns:p14="http://schemas.microsoft.com/office/powerpoint/2010/main" Requires="p14">
+        <mc:AlternateContent xmlns:mc="http://schemas.openxmlformats.org/markup-compatibility/2006" xmlns:p14="http://schemas.microsoft.com/office/powerpoint/2010/main">
+          <mc:Choice Requires="p14">
             <p:contentPart p14:bwMode="auto" r:id="rId294">
               <p14:nvContentPartPr>
                 <p14:cNvPr id="15624" name="Ink 15623">
@@ -24847,7 +24847,7 @@
               </p14:xfrm>
             </p:contentPart>
           </mc:Choice>
-          <mc:Fallback>
+          <mc:Fallback xmlns="">
             <p:pic>
               <p:nvPicPr>
                 <p:cNvPr id="15624" name="Ink 15623">
@@ -24899,8 +24899,8 @@
             <a:chExt cx="1309320" cy="648000"/>
           </a:xfrm>
         </p:grpSpPr>
-        <mc:AlternateContent xmlns:mc="http://schemas.openxmlformats.org/markup-compatibility/2006">
-          <mc:Choice xmlns:p14="http://schemas.microsoft.com/office/powerpoint/2010/main" Requires="p14">
+        <mc:AlternateContent xmlns:mc="http://schemas.openxmlformats.org/markup-compatibility/2006" xmlns:p14="http://schemas.microsoft.com/office/powerpoint/2010/main">
+          <mc:Choice Requires="p14">
             <p:contentPart p14:bwMode="auto" r:id="rId296">
               <p14:nvContentPartPr>
                 <p14:cNvPr id="15625" name="Ink 15624">
@@ -24919,7 +24919,7 @@
               </p14:xfrm>
             </p:contentPart>
           </mc:Choice>
-          <mc:Fallback>
+          <mc:Fallback xmlns="">
             <p:pic>
               <p:nvPicPr>
                 <p:cNvPr id="15625" name="Ink 15624">
@@ -24950,8 +24950,8 @@
             </p:pic>
           </mc:Fallback>
         </mc:AlternateContent>
-        <mc:AlternateContent xmlns:mc="http://schemas.openxmlformats.org/markup-compatibility/2006">
-          <mc:Choice xmlns:p14="http://schemas.microsoft.com/office/powerpoint/2010/main" Requires="p14">
+        <mc:AlternateContent xmlns:mc="http://schemas.openxmlformats.org/markup-compatibility/2006" xmlns:p14="http://schemas.microsoft.com/office/powerpoint/2010/main">
+          <mc:Choice Requires="p14">
             <p:contentPart p14:bwMode="auto" r:id="rId298">
               <p14:nvContentPartPr>
                 <p14:cNvPr id="15626" name="Ink 15625">
@@ -24970,7 +24970,7 @@
               </p14:xfrm>
             </p:contentPart>
           </mc:Choice>
-          <mc:Fallback>
+          <mc:Fallback xmlns="">
             <p:pic>
               <p:nvPicPr>
                 <p:cNvPr id="15626" name="Ink 15625">
@@ -25001,8 +25001,8 @@
             </p:pic>
           </mc:Fallback>
         </mc:AlternateContent>
-        <mc:AlternateContent xmlns:mc="http://schemas.openxmlformats.org/markup-compatibility/2006">
-          <mc:Choice xmlns:p14="http://schemas.microsoft.com/office/powerpoint/2010/main" Requires="p14">
+        <mc:AlternateContent xmlns:mc="http://schemas.openxmlformats.org/markup-compatibility/2006" xmlns:p14="http://schemas.microsoft.com/office/powerpoint/2010/main">
+          <mc:Choice Requires="p14">
             <p:contentPart p14:bwMode="auto" r:id="rId300">
               <p14:nvContentPartPr>
                 <p14:cNvPr id="15627" name="Ink 15626">
@@ -25021,7 +25021,7 @@
               </p14:xfrm>
             </p:contentPart>
           </mc:Choice>
-          <mc:Fallback>
+          <mc:Fallback xmlns="">
             <p:pic>
               <p:nvPicPr>
                 <p:cNvPr id="15627" name="Ink 15626">
@@ -25052,8 +25052,8 @@
             </p:pic>
           </mc:Fallback>
         </mc:AlternateContent>
-        <mc:AlternateContent xmlns:mc="http://schemas.openxmlformats.org/markup-compatibility/2006">
-          <mc:Choice xmlns:p14="http://schemas.microsoft.com/office/powerpoint/2010/main" Requires="p14">
+        <mc:AlternateContent xmlns:mc="http://schemas.openxmlformats.org/markup-compatibility/2006" xmlns:p14="http://schemas.microsoft.com/office/powerpoint/2010/main">
+          <mc:Choice Requires="p14">
             <p:contentPart p14:bwMode="auto" r:id="rId302">
               <p14:nvContentPartPr>
                 <p14:cNvPr id="15628" name="Ink 15627">
@@ -25072,7 +25072,7 @@
               </p14:xfrm>
             </p:contentPart>
           </mc:Choice>
-          <mc:Fallback>
+          <mc:Fallback xmlns="">
             <p:pic>
               <p:nvPicPr>
                 <p:cNvPr id="15628" name="Ink 15627">
@@ -25103,8 +25103,8 @@
             </p:pic>
           </mc:Fallback>
         </mc:AlternateContent>
-        <mc:AlternateContent xmlns:mc="http://schemas.openxmlformats.org/markup-compatibility/2006">
-          <mc:Choice xmlns:p14="http://schemas.microsoft.com/office/powerpoint/2010/main" Requires="p14">
+        <mc:AlternateContent xmlns:mc="http://schemas.openxmlformats.org/markup-compatibility/2006" xmlns:p14="http://schemas.microsoft.com/office/powerpoint/2010/main">
+          <mc:Choice Requires="p14">
             <p:contentPart p14:bwMode="auto" r:id="rId304">
               <p14:nvContentPartPr>
                 <p14:cNvPr id="15629" name="Ink 15628">
@@ -25123,7 +25123,7 @@
               </p14:xfrm>
             </p:contentPart>
           </mc:Choice>
-          <mc:Fallback>
+          <mc:Fallback xmlns="">
             <p:pic>
               <p:nvPicPr>
                 <p:cNvPr id="15629" name="Ink 15628">
@@ -25154,8 +25154,8 @@
             </p:pic>
           </mc:Fallback>
         </mc:AlternateContent>
-        <mc:AlternateContent xmlns:mc="http://schemas.openxmlformats.org/markup-compatibility/2006">
-          <mc:Choice xmlns:p14="http://schemas.microsoft.com/office/powerpoint/2010/main" Requires="p14">
+        <mc:AlternateContent xmlns:mc="http://schemas.openxmlformats.org/markup-compatibility/2006" xmlns:p14="http://schemas.microsoft.com/office/powerpoint/2010/main">
+          <mc:Choice Requires="p14">
             <p:contentPart p14:bwMode="auto" r:id="rId306">
               <p14:nvContentPartPr>
                 <p14:cNvPr id="15630" name="Ink 15629">
@@ -25174,7 +25174,7 @@
               </p14:xfrm>
             </p:contentPart>
           </mc:Choice>
-          <mc:Fallback>
+          <mc:Fallback xmlns="">
             <p:pic>
               <p:nvPicPr>
                 <p:cNvPr id="15630" name="Ink 15629">
@@ -25205,8 +25205,8 @@
             </p:pic>
           </mc:Fallback>
         </mc:AlternateContent>
-        <mc:AlternateContent xmlns:mc="http://schemas.openxmlformats.org/markup-compatibility/2006">
-          <mc:Choice xmlns:p14="http://schemas.microsoft.com/office/powerpoint/2010/main" Requires="p14">
+        <mc:AlternateContent xmlns:mc="http://schemas.openxmlformats.org/markup-compatibility/2006" xmlns:p14="http://schemas.microsoft.com/office/powerpoint/2010/main">
+          <mc:Choice Requires="p14">
             <p:contentPart p14:bwMode="auto" r:id="rId308">
               <p14:nvContentPartPr>
                 <p14:cNvPr id="15631" name="Ink 15630">
@@ -25225,7 +25225,7 @@
               </p14:xfrm>
             </p:contentPart>
           </mc:Choice>
-          <mc:Fallback>
+          <mc:Fallback xmlns="">
             <p:pic>
               <p:nvPicPr>
                 <p:cNvPr id="15631" name="Ink 15630">
@@ -25256,8 +25256,8 @@
             </p:pic>
           </mc:Fallback>
         </mc:AlternateContent>
-        <mc:AlternateContent xmlns:mc="http://schemas.openxmlformats.org/markup-compatibility/2006">
-          <mc:Choice xmlns:p14="http://schemas.microsoft.com/office/powerpoint/2010/main" Requires="p14">
+        <mc:AlternateContent xmlns:mc="http://schemas.openxmlformats.org/markup-compatibility/2006" xmlns:p14="http://schemas.microsoft.com/office/powerpoint/2010/main">
+          <mc:Choice Requires="p14">
             <p:contentPart p14:bwMode="auto" r:id="rId310">
               <p14:nvContentPartPr>
                 <p14:cNvPr id="15632" name="Ink 15631">
@@ -25276,7 +25276,7 @@
               </p14:xfrm>
             </p:contentPart>
           </mc:Choice>
-          <mc:Fallback>
+          <mc:Fallback xmlns="">
             <p:pic>
               <p:nvPicPr>
                 <p:cNvPr id="15632" name="Ink 15631">
@@ -25307,8 +25307,8 @@
             </p:pic>
           </mc:Fallback>
         </mc:AlternateContent>
-        <mc:AlternateContent xmlns:mc="http://schemas.openxmlformats.org/markup-compatibility/2006">
-          <mc:Choice xmlns:p14="http://schemas.microsoft.com/office/powerpoint/2010/main" Requires="p14">
+        <mc:AlternateContent xmlns:mc="http://schemas.openxmlformats.org/markup-compatibility/2006" xmlns:p14="http://schemas.microsoft.com/office/powerpoint/2010/main">
+          <mc:Choice Requires="p14">
             <p:contentPart p14:bwMode="auto" r:id="rId312">
               <p14:nvContentPartPr>
                 <p14:cNvPr id="15633" name="Ink 15632">
@@ -25327,7 +25327,7 @@
               </p14:xfrm>
             </p:contentPart>
           </mc:Choice>
-          <mc:Fallback>
+          <mc:Fallback xmlns="">
             <p:pic>
               <p:nvPicPr>
                 <p:cNvPr id="15633" name="Ink 15632">
@@ -25358,8 +25358,8 @@
             </p:pic>
           </mc:Fallback>
         </mc:AlternateContent>
-        <mc:AlternateContent xmlns:mc="http://schemas.openxmlformats.org/markup-compatibility/2006">
-          <mc:Choice xmlns:p14="http://schemas.microsoft.com/office/powerpoint/2010/main" Requires="p14">
+        <mc:AlternateContent xmlns:mc="http://schemas.openxmlformats.org/markup-compatibility/2006" xmlns:p14="http://schemas.microsoft.com/office/powerpoint/2010/main">
+          <mc:Choice Requires="p14">
             <p:contentPart p14:bwMode="auto" r:id="rId314">
               <p14:nvContentPartPr>
                 <p14:cNvPr id="15634" name="Ink 15633">
@@ -25378,7 +25378,7 @@
               </p14:xfrm>
             </p:contentPart>
           </mc:Choice>
-          <mc:Fallback>
+          <mc:Fallback xmlns="">
             <p:pic>
               <p:nvPicPr>
                 <p:cNvPr id="15634" name="Ink 15633">
@@ -25409,8 +25409,8 @@
             </p:pic>
           </mc:Fallback>
         </mc:AlternateContent>
-        <mc:AlternateContent xmlns:mc="http://schemas.openxmlformats.org/markup-compatibility/2006">
-          <mc:Choice xmlns:p14="http://schemas.microsoft.com/office/powerpoint/2010/main" Requires="p14">
+        <mc:AlternateContent xmlns:mc="http://schemas.openxmlformats.org/markup-compatibility/2006" xmlns:p14="http://schemas.microsoft.com/office/powerpoint/2010/main">
+          <mc:Choice Requires="p14">
             <p:contentPart p14:bwMode="auto" r:id="rId316">
               <p14:nvContentPartPr>
                 <p14:cNvPr id="15635" name="Ink 15634">
@@ -25429,7 +25429,7 @@
               </p14:xfrm>
             </p:contentPart>
           </mc:Choice>
-          <mc:Fallback>
+          <mc:Fallback xmlns="">
             <p:pic>
               <p:nvPicPr>
                 <p:cNvPr id="15635" name="Ink 15634">
@@ -25460,8 +25460,8 @@
             </p:pic>
           </mc:Fallback>
         </mc:AlternateContent>
-        <mc:AlternateContent xmlns:mc="http://schemas.openxmlformats.org/markup-compatibility/2006">
-          <mc:Choice xmlns:p14="http://schemas.microsoft.com/office/powerpoint/2010/main" Requires="p14">
+        <mc:AlternateContent xmlns:mc="http://schemas.openxmlformats.org/markup-compatibility/2006" xmlns:p14="http://schemas.microsoft.com/office/powerpoint/2010/main">
+          <mc:Choice Requires="p14">
             <p:contentPart p14:bwMode="auto" r:id="rId318">
               <p14:nvContentPartPr>
                 <p14:cNvPr id="15636" name="Ink 15635">
@@ -25480,7 +25480,7 @@
               </p14:xfrm>
             </p:contentPart>
           </mc:Choice>
-          <mc:Fallback>
+          <mc:Fallback xmlns="">
             <p:pic>
               <p:nvPicPr>
                 <p:cNvPr id="15636" name="Ink 15635">
@@ -25511,8 +25511,8 @@
             </p:pic>
           </mc:Fallback>
         </mc:AlternateContent>
-        <mc:AlternateContent xmlns:mc="http://schemas.openxmlformats.org/markup-compatibility/2006">
-          <mc:Choice xmlns:p14="http://schemas.microsoft.com/office/powerpoint/2010/main" Requires="p14">
+        <mc:AlternateContent xmlns:mc="http://schemas.openxmlformats.org/markup-compatibility/2006" xmlns:p14="http://schemas.microsoft.com/office/powerpoint/2010/main">
+          <mc:Choice Requires="p14">
             <p:contentPart p14:bwMode="auto" r:id="rId320">
               <p14:nvContentPartPr>
                 <p14:cNvPr id="15637" name="Ink 15636">
@@ -25531,7 +25531,7 @@
               </p14:xfrm>
             </p:contentPart>
           </mc:Choice>
-          <mc:Fallback>
+          <mc:Fallback xmlns="">
             <p:pic>
               <p:nvPicPr>
                 <p:cNvPr id="15637" name="Ink 15636">
@@ -25562,8 +25562,8 @@
             </p:pic>
           </mc:Fallback>
         </mc:AlternateContent>
-        <mc:AlternateContent xmlns:mc="http://schemas.openxmlformats.org/markup-compatibility/2006">
-          <mc:Choice xmlns:p14="http://schemas.microsoft.com/office/powerpoint/2010/main" Requires="p14">
+        <mc:AlternateContent xmlns:mc="http://schemas.openxmlformats.org/markup-compatibility/2006" xmlns:p14="http://schemas.microsoft.com/office/powerpoint/2010/main">
+          <mc:Choice Requires="p14">
             <p:contentPart p14:bwMode="auto" r:id="rId322">
               <p14:nvContentPartPr>
                 <p14:cNvPr id="15638" name="Ink 15637">
@@ -25582,7 +25582,7 @@
               </p14:xfrm>
             </p:contentPart>
           </mc:Choice>
-          <mc:Fallback>
+          <mc:Fallback xmlns="">
             <p:pic>
               <p:nvPicPr>
                 <p:cNvPr id="15638" name="Ink 15637">
@@ -25613,8 +25613,8 @@
             </p:pic>
           </mc:Fallback>
         </mc:AlternateContent>
-        <mc:AlternateContent xmlns:mc="http://schemas.openxmlformats.org/markup-compatibility/2006">
-          <mc:Choice xmlns:p14="http://schemas.microsoft.com/office/powerpoint/2010/main" Requires="p14">
+        <mc:AlternateContent xmlns:mc="http://schemas.openxmlformats.org/markup-compatibility/2006" xmlns:p14="http://schemas.microsoft.com/office/powerpoint/2010/main">
+          <mc:Choice Requires="p14">
             <p:contentPart p14:bwMode="auto" r:id="rId324">
               <p14:nvContentPartPr>
                 <p14:cNvPr id="15639" name="Ink 15638">
@@ -25633,7 +25633,7 @@
               </p14:xfrm>
             </p:contentPart>
           </mc:Choice>
-          <mc:Fallback>
+          <mc:Fallback xmlns="">
             <p:pic>
               <p:nvPicPr>
                 <p:cNvPr id="15639" name="Ink 15638">
@@ -25664,8 +25664,8 @@
             </p:pic>
           </mc:Fallback>
         </mc:AlternateContent>
-        <mc:AlternateContent xmlns:mc="http://schemas.openxmlformats.org/markup-compatibility/2006">
-          <mc:Choice xmlns:p14="http://schemas.microsoft.com/office/powerpoint/2010/main" Requires="p14">
+        <mc:AlternateContent xmlns:mc="http://schemas.openxmlformats.org/markup-compatibility/2006" xmlns:p14="http://schemas.microsoft.com/office/powerpoint/2010/main">
+          <mc:Choice Requires="p14">
             <p:contentPart p14:bwMode="auto" r:id="rId326">
               <p14:nvContentPartPr>
                 <p14:cNvPr id="15640" name="Ink 15639">
@@ -25684,7 +25684,7 @@
               </p14:xfrm>
             </p:contentPart>
           </mc:Choice>
-          <mc:Fallback>
+          <mc:Fallback xmlns="">
             <p:pic>
               <p:nvPicPr>
                 <p:cNvPr id="15640" name="Ink 15639">
@@ -25736,8 +25736,8 @@
             <a:chExt cx="240840" cy="319680"/>
           </a:xfrm>
         </p:grpSpPr>
-        <mc:AlternateContent xmlns:mc="http://schemas.openxmlformats.org/markup-compatibility/2006">
-          <mc:Choice xmlns:p14="http://schemas.microsoft.com/office/powerpoint/2010/main" Requires="p14">
+        <mc:AlternateContent xmlns:mc="http://schemas.openxmlformats.org/markup-compatibility/2006" xmlns:p14="http://schemas.microsoft.com/office/powerpoint/2010/main">
+          <mc:Choice Requires="p14">
             <p:contentPart p14:bwMode="auto" r:id="rId328">
               <p14:nvContentPartPr>
                 <p14:cNvPr id="15643" name="Ink 15642">
@@ -25756,7 +25756,7 @@
               </p14:xfrm>
             </p:contentPart>
           </mc:Choice>
-          <mc:Fallback>
+          <mc:Fallback xmlns="">
             <p:pic>
               <p:nvPicPr>
                 <p:cNvPr id="15643" name="Ink 15642">
@@ -25787,8 +25787,8 @@
             </p:pic>
           </mc:Fallback>
         </mc:AlternateContent>
-        <mc:AlternateContent xmlns:mc="http://schemas.openxmlformats.org/markup-compatibility/2006">
-          <mc:Choice xmlns:p14="http://schemas.microsoft.com/office/powerpoint/2010/main" Requires="p14">
+        <mc:AlternateContent xmlns:mc="http://schemas.openxmlformats.org/markup-compatibility/2006" xmlns:p14="http://schemas.microsoft.com/office/powerpoint/2010/main">
+          <mc:Choice Requires="p14">
             <p:contentPart p14:bwMode="auto" r:id="rId330">
               <p14:nvContentPartPr>
                 <p14:cNvPr id="15644" name="Ink 15643">
@@ -25807,7 +25807,7 @@
               </p14:xfrm>
             </p:contentPart>
           </mc:Choice>
-          <mc:Fallback>
+          <mc:Fallback xmlns="">
             <p:pic>
               <p:nvPicPr>
                 <p:cNvPr id="15644" name="Ink 15643">
@@ -25859,8 +25859,8 @@
             <a:chExt cx="234720" cy="232560"/>
           </a:xfrm>
         </p:grpSpPr>
-        <mc:AlternateContent xmlns:mc="http://schemas.openxmlformats.org/markup-compatibility/2006">
-          <mc:Choice xmlns:p14="http://schemas.microsoft.com/office/powerpoint/2010/main" Requires="p14">
+        <mc:AlternateContent xmlns:mc="http://schemas.openxmlformats.org/markup-compatibility/2006" xmlns:p14="http://schemas.microsoft.com/office/powerpoint/2010/main">
+          <mc:Choice Requires="p14">
             <p:contentPart p14:bwMode="auto" r:id="rId332">
               <p14:nvContentPartPr>
                 <p14:cNvPr id="15645" name="Ink 15644">
@@ -25879,7 +25879,7 @@
               </p14:xfrm>
             </p:contentPart>
           </mc:Choice>
-          <mc:Fallback>
+          <mc:Fallback xmlns="">
             <p:pic>
               <p:nvPicPr>
                 <p:cNvPr id="15645" name="Ink 15644">
@@ -25910,8 +25910,8 @@
             </p:pic>
           </mc:Fallback>
         </mc:AlternateContent>
-        <mc:AlternateContent xmlns:mc="http://schemas.openxmlformats.org/markup-compatibility/2006">
-          <mc:Choice xmlns:p14="http://schemas.microsoft.com/office/powerpoint/2010/main" Requires="p14">
+        <mc:AlternateContent xmlns:mc="http://schemas.openxmlformats.org/markup-compatibility/2006" xmlns:p14="http://schemas.microsoft.com/office/powerpoint/2010/main">
+          <mc:Choice Requires="p14">
             <p:contentPart p14:bwMode="auto" r:id="rId334">
               <p14:nvContentPartPr>
                 <p14:cNvPr id="15646" name="Ink 15645">
@@ -25930,7 +25930,7 @@
               </p14:xfrm>
             </p:contentPart>
           </mc:Choice>
-          <mc:Fallback>
+          <mc:Fallback xmlns="">
             <p:pic>
               <p:nvPicPr>
                 <p:cNvPr id="15646" name="Ink 15645">
@@ -25962,8 +25962,8 @@
           </mc:Fallback>
         </mc:AlternateContent>
       </p:grpSp>
-      <mc:AlternateContent xmlns:mc="http://schemas.openxmlformats.org/markup-compatibility/2006">
-        <mc:Choice xmlns:p14="http://schemas.microsoft.com/office/powerpoint/2010/main" Requires="p14">
+      <mc:AlternateContent xmlns:mc="http://schemas.openxmlformats.org/markup-compatibility/2006" xmlns:p14="http://schemas.microsoft.com/office/powerpoint/2010/main">
+        <mc:Choice Requires="p14">
           <p:contentPart p14:bwMode="auto" r:id="rId336">
             <p14:nvContentPartPr>
               <p14:cNvPr id="15651" name="Ink 15650">
@@ -25982,7 +25982,7 @@
             </p14:xfrm>
           </p:contentPart>
         </mc:Choice>
-        <mc:Fallback>
+        <mc:Fallback xmlns="">
           <p:pic>
             <p:nvPicPr>
               <p:cNvPr id="15651" name="Ink 15650">
@@ -26033,8 +26033,8 @@
             <a:chExt cx="181800" cy="192240"/>
           </a:xfrm>
         </p:grpSpPr>
-        <mc:AlternateContent xmlns:mc="http://schemas.openxmlformats.org/markup-compatibility/2006">
-          <mc:Choice xmlns:p14="http://schemas.microsoft.com/office/powerpoint/2010/main" Requires="p14">
+        <mc:AlternateContent xmlns:mc="http://schemas.openxmlformats.org/markup-compatibility/2006" xmlns:p14="http://schemas.microsoft.com/office/powerpoint/2010/main">
+          <mc:Choice Requires="p14">
             <p:contentPart p14:bwMode="auto" r:id="rId338">
               <p14:nvContentPartPr>
                 <p14:cNvPr id="15652" name="Ink 15651">
@@ -26053,7 +26053,7 @@
               </p14:xfrm>
             </p:contentPart>
           </mc:Choice>
-          <mc:Fallback>
+          <mc:Fallback xmlns="">
             <p:pic>
               <p:nvPicPr>
                 <p:cNvPr id="15652" name="Ink 15651">
@@ -26084,8 +26084,8 @@
             </p:pic>
           </mc:Fallback>
         </mc:AlternateContent>
-        <mc:AlternateContent xmlns:mc="http://schemas.openxmlformats.org/markup-compatibility/2006">
-          <mc:Choice xmlns:p14="http://schemas.microsoft.com/office/powerpoint/2010/main" Requires="p14">
+        <mc:AlternateContent xmlns:mc="http://schemas.openxmlformats.org/markup-compatibility/2006" xmlns:p14="http://schemas.microsoft.com/office/powerpoint/2010/main">
+          <mc:Choice Requires="p14">
             <p:contentPart p14:bwMode="auto" r:id="rId340">
               <p14:nvContentPartPr>
                 <p14:cNvPr id="15653" name="Ink 15652">
@@ -26104,7 +26104,7 @@
               </p14:xfrm>
             </p:contentPart>
           </mc:Choice>
-          <mc:Fallback>
+          <mc:Fallback xmlns="">
             <p:pic>
               <p:nvPicPr>
                 <p:cNvPr id="15653" name="Ink 15652">
@@ -26156,8 +26156,8 @@
             <a:chExt cx="249840" cy="199440"/>
           </a:xfrm>
         </p:grpSpPr>
-        <mc:AlternateContent xmlns:mc="http://schemas.openxmlformats.org/markup-compatibility/2006">
-          <mc:Choice xmlns:p14="http://schemas.microsoft.com/office/powerpoint/2010/main" Requires="p14">
+        <mc:AlternateContent xmlns:mc="http://schemas.openxmlformats.org/markup-compatibility/2006" xmlns:p14="http://schemas.microsoft.com/office/powerpoint/2010/main">
+          <mc:Choice Requires="p14">
             <p:contentPart p14:bwMode="auto" r:id="rId342">
               <p14:nvContentPartPr>
                 <p14:cNvPr id="15654" name="Ink 15653">
@@ -26176,7 +26176,7 @@
               </p14:xfrm>
             </p:contentPart>
           </mc:Choice>
-          <mc:Fallback>
+          <mc:Fallback xmlns="">
             <p:pic>
               <p:nvPicPr>
                 <p:cNvPr id="15654" name="Ink 15653">
@@ -26207,8 +26207,8 @@
             </p:pic>
           </mc:Fallback>
         </mc:AlternateContent>
-        <mc:AlternateContent xmlns:mc="http://schemas.openxmlformats.org/markup-compatibility/2006">
-          <mc:Choice xmlns:p14="http://schemas.microsoft.com/office/powerpoint/2010/main" Requires="p14">
+        <mc:AlternateContent xmlns:mc="http://schemas.openxmlformats.org/markup-compatibility/2006" xmlns:p14="http://schemas.microsoft.com/office/powerpoint/2010/main">
+          <mc:Choice Requires="p14">
             <p:contentPart p14:bwMode="auto" r:id="rId344">
               <p14:nvContentPartPr>
                 <p14:cNvPr id="15655" name="Ink 15654">
@@ -26227,7 +26227,7 @@
               </p14:xfrm>
             </p:contentPart>
           </mc:Choice>
-          <mc:Fallback>
+          <mc:Fallback xmlns="">
             <p:pic>
               <p:nvPicPr>
                 <p:cNvPr id="15655" name="Ink 15654">
@@ -26258,8 +26258,8 @@
             </p:pic>
           </mc:Fallback>
         </mc:AlternateContent>
-        <mc:AlternateContent xmlns:mc="http://schemas.openxmlformats.org/markup-compatibility/2006">
-          <mc:Choice xmlns:p14="http://schemas.microsoft.com/office/powerpoint/2010/main" Requires="p14">
+        <mc:AlternateContent xmlns:mc="http://schemas.openxmlformats.org/markup-compatibility/2006" xmlns:p14="http://schemas.microsoft.com/office/powerpoint/2010/main">
+          <mc:Choice Requires="p14">
             <p:contentPart p14:bwMode="auto" r:id="rId346">
               <p14:nvContentPartPr>
                 <p14:cNvPr id="15656" name="Ink 15655">
@@ -26278,7 +26278,7 @@
               </p14:xfrm>
             </p:contentPart>
           </mc:Choice>
-          <mc:Fallback>
+          <mc:Fallback xmlns="">
             <p:pic>
               <p:nvPicPr>
                 <p:cNvPr id="15656" name="Ink 15655">
@@ -26310,8 +26310,8 @@
           </mc:Fallback>
         </mc:AlternateContent>
       </p:grpSp>
-      <mc:AlternateContent xmlns:mc="http://schemas.openxmlformats.org/markup-compatibility/2006">
-        <mc:Choice xmlns:p14="http://schemas.microsoft.com/office/powerpoint/2010/main" Requires="p14">
+      <mc:AlternateContent xmlns:mc="http://schemas.openxmlformats.org/markup-compatibility/2006" xmlns:p14="http://schemas.microsoft.com/office/powerpoint/2010/main">
+        <mc:Choice Requires="p14">
           <p:contentPart p14:bwMode="auto" r:id="rId348">
             <p14:nvContentPartPr>
               <p14:cNvPr id="15660" name="Ink 15659">
@@ -26330,7 +26330,7 @@
             </p14:xfrm>
           </p:contentPart>
         </mc:Choice>
-        <mc:Fallback>
+        <mc:Fallback xmlns="">
           <p:pic>
             <p:nvPicPr>
               <p:cNvPr id="15660" name="Ink 15659">
@@ -26361,8 +26361,8 @@
           </p:pic>
         </mc:Fallback>
       </mc:AlternateContent>
-      <mc:AlternateContent xmlns:mc="http://schemas.openxmlformats.org/markup-compatibility/2006">
-        <mc:Choice xmlns:p14="http://schemas.microsoft.com/office/powerpoint/2010/main" Requires="p14">
+      <mc:AlternateContent xmlns:mc="http://schemas.openxmlformats.org/markup-compatibility/2006" xmlns:p14="http://schemas.microsoft.com/office/powerpoint/2010/main">
+        <mc:Choice Requires="p14">
           <p:contentPart p14:bwMode="auto" r:id="rId350">
             <p14:nvContentPartPr>
               <p14:cNvPr id="15661" name="Ink 15660">
@@ -26381,7 +26381,7 @@
             </p14:xfrm>
           </p:contentPart>
         </mc:Choice>
-        <mc:Fallback>
+        <mc:Fallback xmlns="">
           <p:pic>
             <p:nvPicPr>
               <p:cNvPr id="15661" name="Ink 15660">
@@ -26432,8 +26432,8 @@
             <a:chExt cx="366480" cy="207000"/>
           </a:xfrm>
         </p:grpSpPr>
-        <mc:AlternateContent xmlns:mc="http://schemas.openxmlformats.org/markup-compatibility/2006">
-          <mc:Choice xmlns:p14="http://schemas.microsoft.com/office/powerpoint/2010/main" Requires="p14">
+        <mc:AlternateContent xmlns:mc="http://schemas.openxmlformats.org/markup-compatibility/2006" xmlns:p14="http://schemas.microsoft.com/office/powerpoint/2010/main">
+          <mc:Choice Requires="p14">
             <p:contentPart p14:bwMode="auto" r:id="rId352">
               <p14:nvContentPartPr>
                 <p14:cNvPr id="15649" name="Ink 15648">
@@ -26452,7 +26452,7 @@
               </p14:xfrm>
             </p:contentPart>
           </mc:Choice>
-          <mc:Fallback>
+          <mc:Fallback xmlns="">
             <p:pic>
               <p:nvPicPr>
                 <p:cNvPr id="15649" name="Ink 15648">
@@ -26483,8 +26483,8 @@
             </p:pic>
           </mc:Fallback>
         </mc:AlternateContent>
-        <mc:AlternateContent xmlns:mc="http://schemas.openxmlformats.org/markup-compatibility/2006">
-          <mc:Choice xmlns:p14="http://schemas.microsoft.com/office/powerpoint/2010/main" Requires="p14">
+        <mc:AlternateContent xmlns:mc="http://schemas.openxmlformats.org/markup-compatibility/2006" xmlns:p14="http://schemas.microsoft.com/office/powerpoint/2010/main">
+          <mc:Choice Requires="p14">
             <p:contentPart p14:bwMode="auto" r:id="rId354">
               <p14:nvContentPartPr>
                 <p14:cNvPr id="15650" name="Ink 15649">
@@ -26503,7 +26503,7 @@
               </p14:xfrm>
             </p:contentPart>
           </mc:Choice>
-          <mc:Fallback>
+          <mc:Fallback xmlns="">
             <p:pic>
               <p:nvPicPr>
                 <p:cNvPr id="15650" name="Ink 15649">
@@ -26534,8 +26534,8 @@
             </p:pic>
           </mc:Fallback>
         </mc:AlternateContent>
-        <mc:AlternateContent xmlns:mc="http://schemas.openxmlformats.org/markup-compatibility/2006">
-          <mc:Choice xmlns:p14="http://schemas.microsoft.com/office/powerpoint/2010/main" Requires="p14">
+        <mc:AlternateContent xmlns:mc="http://schemas.openxmlformats.org/markup-compatibility/2006" xmlns:p14="http://schemas.microsoft.com/office/powerpoint/2010/main">
+          <mc:Choice Requires="p14">
             <p:contentPart p14:bwMode="auto" r:id="rId356">
               <p14:nvContentPartPr>
                 <p14:cNvPr id="15662" name="Ink 15661">
@@ -26554,7 +26554,7 @@
               </p14:xfrm>
             </p:contentPart>
           </mc:Choice>
-          <mc:Fallback>
+          <mc:Fallback xmlns="">
             <p:pic>
               <p:nvPicPr>
                 <p:cNvPr id="15662" name="Ink 15661">
@@ -26586,8 +26586,8 @@
           </mc:Fallback>
         </mc:AlternateContent>
       </p:grpSp>
-      <mc:AlternateContent xmlns:mc="http://schemas.openxmlformats.org/markup-compatibility/2006">
-        <mc:Choice xmlns:p14="http://schemas.microsoft.com/office/powerpoint/2010/main" Requires="p14">
+      <mc:AlternateContent xmlns:mc="http://schemas.openxmlformats.org/markup-compatibility/2006" xmlns:p14="http://schemas.microsoft.com/office/powerpoint/2010/main">
+        <mc:Choice Requires="p14">
           <p:contentPart p14:bwMode="auto" r:id="rId358">
             <p14:nvContentPartPr>
               <p14:cNvPr id="15664" name="Ink 15663">
@@ -26606,7 +26606,7 @@
             </p14:xfrm>
           </p:contentPart>
         </mc:Choice>
-        <mc:Fallback>
+        <mc:Fallback xmlns="">
           <p:pic>
             <p:nvPicPr>
               <p:cNvPr id="15664" name="Ink 15663">
@@ -26637,8 +26637,8 @@
           </p:pic>
         </mc:Fallback>
       </mc:AlternateContent>
-      <mc:AlternateContent xmlns:mc="http://schemas.openxmlformats.org/markup-compatibility/2006">
-        <mc:Choice xmlns:p14="http://schemas.microsoft.com/office/powerpoint/2010/main" Requires="p14">
+      <mc:AlternateContent xmlns:mc="http://schemas.openxmlformats.org/markup-compatibility/2006" xmlns:p14="http://schemas.microsoft.com/office/powerpoint/2010/main">
+        <mc:Choice Requires="p14">
           <p:contentPart p14:bwMode="auto" r:id="rId360">
             <p14:nvContentPartPr>
               <p14:cNvPr id="15665" name="Ink 15664">
@@ -26657,7 +26657,7 @@
             </p14:xfrm>
           </p:contentPart>
         </mc:Choice>
-        <mc:Fallback>
+        <mc:Fallback xmlns="">
           <p:pic>
             <p:nvPicPr>
               <p:cNvPr id="15665" name="Ink 15664">
@@ -27626,8 +27626,8 @@
             <a:chExt cx="538560" cy="307440"/>
           </a:xfrm>
         </p:grpSpPr>
-        <mc:AlternateContent xmlns:mc="http://schemas.openxmlformats.org/markup-compatibility/2006">
-          <mc:Choice xmlns:p14="http://schemas.microsoft.com/office/powerpoint/2010/main" Requires="p14">
+        <mc:AlternateContent xmlns:mc="http://schemas.openxmlformats.org/markup-compatibility/2006" xmlns:p14="http://schemas.microsoft.com/office/powerpoint/2010/main">
+          <mc:Choice Requires="p14">
             <p:contentPart p14:bwMode="auto" r:id="rId7">
               <p14:nvContentPartPr>
                 <p14:cNvPr id="2" name="Ink 1">
@@ -27646,7 +27646,7 @@
               </p14:xfrm>
             </p:contentPart>
           </mc:Choice>
-          <mc:Fallback>
+          <mc:Fallback xmlns="">
             <p:pic>
               <p:nvPicPr>
                 <p:cNvPr id="2" name="Ink 1">
@@ -27677,8 +27677,8 @@
             </p:pic>
           </mc:Fallback>
         </mc:AlternateContent>
-        <mc:AlternateContent xmlns:mc="http://schemas.openxmlformats.org/markup-compatibility/2006">
-          <mc:Choice xmlns:p14="http://schemas.microsoft.com/office/powerpoint/2010/main" Requires="p14">
+        <mc:AlternateContent xmlns:mc="http://schemas.openxmlformats.org/markup-compatibility/2006" xmlns:p14="http://schemas.microsoft.com/office/powerpoint/2010/main">
+          <mc:Choice Requires="p14">
             <p:contentPart p14:bwMode="auto" r:id="rId9">
               <p14:nvContentPartPr>
                 <p14:cNvPr id="6" name="Ink 5">
@@ -27697,7 +27697,7 @@
               </p14:xfrm>
             </p:contentPart>
           </mc:Choice>
-          <mc:Fallback>
+          <mc:Fallback xmlns="">
             <p:pic>
               <p:nvPicPr>
                 <p:cNvPr id="6" name="Ink 5">
@@ -27728,8 +27728,8 @@
             </p:pic>
           </mc:Fallback>
         </mc:AlternateContent>
-        <mc:AlternateContent xmlns:mc="http://schemas.openxmlformats.org/markup-compatibility/2006">
-          <mc:Choice xmlns:p14="http://schemas.microsoft.com/office/powerpoint/2010/main" Requires="p14">
+        <mc:AlternateContent xmlns:mc="http://schemas.openxmlformats.org/markup-compatibility/2006" xmlns:p14="http://schemas.microsoft.com/office/powerpoint/2010/main">
+          <mc:Choice Requires="p14">
             <p:contentPart p14:bwMode="auto" r:id="rId11">
               <p14:nvContentPartPr>
                 <p14:cNvPr id="61" name="Ink 60">
@@ -27748,7 +27748,7 @@
               </p14:xfrm>
             </p:contentPart>
           </mc:Choice>
-          <mc:Fallback>
+          <mc:Fallback xmlns="">
             <p:pic>
               <p:nvPicPr>
                 <p:cNvPr id="61" name="Ink 60">
@@ -27779,8 +27779,8 @@
             </p:pic>
           </mc:Fallback>
         </mc:AlternateContent>
-        <mc:AlternateContent xmlns:mc="http://schemas.openxmlformats.org/markup-compatibility/2006">
-          <mc:Choice xmlns:p14="http://schemas.microsoft.com/office/powerpoint/2010/main" Requires="p14">
+        <mc:AlternateContent xmlns:mc="http://schemas.openxmlformats.org/markup-compatibility/2006" xmlns:p14="http://schemas.microsoft.com/office/powerpoint/2010/main">
+          <mc:Choice Requires="p14">
             <p:contentPart p14:bwMode="auto" r:id="rId13">
               <p14:nvContentPartPr>
                 <p14:cNvPr id="62" name="Ink 61">
@@ -27799,7 +27799,7 @@
               </p14:xfrm>
             </p:contentPart>
           </mc:Choice>
-          <mc:Fallback>
+          <mc:Fallback xmlns="">
             <p:pic>
               <p:nvPicPr>
                 <p:cNvPr id="62" name="Ink 61">
@@ -27830,8 +27830,8 @@
             </p:pic>
           </mc:Fallback>
         </mc:AlternateContent>
-        <mc:AlternateContent xmlns:mc="http://schemas.openxmlformats.org/markup-compatibility/2006">
-          <mc:Choice xmlns:p14="http://schemas.microsoft.com/office/powerpoint/2010/main" Requires="p14">
+        <mc:AlternateContent xmlns:mc="http://schemas.openxmlformats.org/markup-compatibility/2006" xmlns:p14="http://schemas.microsoft.com/office/powerpoint/2010/main">
+          <mc:Choice Requires="p14">
             <p:contentPart p14:bwMode="auto" r:id="rId15">
               <p14:nvContentPartPr>
                 <p14:cNvPr id="63" name="Ink 62">
@@ -27850,7 +27850,7 @@
               </p14:xfrm>
             </p:contentPart>
           </mc:Choice>
-          <mc:Fallback>
+          <mc:Fallback xmlns="">
             <p:pic>
               <p:nvPicPr>
                 <p:cNvPr id="63" name="Ink 62">
@@ -27902,8 +27902,8 @@
             <a:chExt cx="728280" cy="388080"/>
           </a:xfrm>
         </p:grpSpPr>
-        <mc:AlternateContent xmlns:mc="http://schemas.openxmlformats.org/markup-compatibility/2006">
-          <mc:Choice xmlns:p14="http://schemas.microsoft.com/office/powerpoint/2010/main" Requires="p14">
+        <mc:AlternateContent xmlns:mc="http://schemas.openxmlformats.org/markup-compatibility/2006" xmlns:p14="http://schemas.microsoft.com/office/powerpoint/2010/main">
+          <mc:Choice Requires="p14">
             <p:contentPart p14:bwMode="auto" r:id="rId17">
               <p14:nvContentPartPr>
                 <p14:cNvPr id="65" name="Ink 64">
@@ -27922,7 +27922,7 @@
               </p14:xfrm>
             </p:contentPart>
           </mc:Choice>
-          <mc:Fallback>
+          <mc:Fallback xmlns="">
             <p:pic>
               <p:nvPicPr>
                 <p:cNvPr id="65" name="Ink 64">
@@ -27953,8 +27953,8 @@
             </p:pic>
           </mc:Fallback>
         </mc:AlternateContent>
-        <mc:AlternateContent xmlns:mc="http://schemas.openxmlformats.org/markup-compatibility/2006">
-          <mc:Choice xmlns:p14="http://schemas.microsoft.com/office/powerpoint/2010/main" Requires="p14">
+        <mc:AlternateContent xmlns:mc="http://schemas.openxmlformats.org/markup-compatibility/2006" xmlns:p14="http://schemas.microsoft.com/office/powerpoint/2010/main">
+          <mc:Choice Requires="p14">
             <p:contentPart p14:bwMode="auto" r:id="rId19">
               <p14:nvContentPartPr>
                 <p14:cNvPr id="66" name="Ink 65">
@@ -27973,7 +27973,7 @@
               </p14:xfrm>
             </p:contentPart>
           </mc:Choice>
-          <mc:Fallback>
+          <mc:Fallback xmlns="">
             <p:pic>
               <p:nvPicPr>
                 <p:cNvPr id="66" name="Ink 65">
@@ -28004,8 +28004,8 @@
             </p:pic>
           </mc:Fallback>
         </mc:AlternateContent>
-        <mc:AlternateContent xmlns:mc="http://schemas.openxmlformats.org/markup-compatibility/2006">
-          <mc:Choice xmlns:p14="http://schemas.microsoft.com/office/powerpoint/2010/main" Requires="p14">
+        <mc:AlternateContent xmlns:mc="http://schemas.openxmlformats.org/markup-compatibility/2006" xmlns:p14="http://schemas.microsoft.com/office/powerpoint/2010/main">
+          <mc:Choice Requires="p14">
             <p:contentPart p14:bwMode="auto" r:id="rId21">
               <p14:nvContentPartPr>
                 <p14:cNvPr id="67" name="Ink 66">
@@ -28024,7 +28024,7 @@
               </p14:xfrm>
             </p:contentPart>
           </mc:Choice>
-          <mc:Fallback>
+          <mc:Fallback xmlns="">
             <p:pic>
               <p:nvPicPr>
                 <p:cNvPr id="67" name="Ink 66">
@@ -28055,8 +28055,8 @@
             </p:pic>
           </mc:Fallback>
         </mc:AlternateContent>
-        <mc:AlternateContent xmlns:mc="http://schemas.openxmlformats.org/markup-compatibility/2006">
-          <mc:Choice xmlns:p14="http://schemas.microsoft.com/office/powerpoint/2010/main" Requires="p14">
+        <mc:AlternateContent xmlns:mc="http://schemas.openxmlformats.org/markup-compatibility/2006" xmlns:p14="http://schemas.microsoft.com/office/powerpoint/2010/main">
+          <mc:Choice Requires="p14">
             <p:contentPart p14:bwMode="auto" r:id="rId23">
               <p14:nvContentPartPr>
                 <p14:cNvPr id="68" name="Ink 67">
@@ -28075,7 +28075,7 @@
               </p14:xfrm>
             </p:contentPart>
           </mc:Choice>
-          <mc:Fallback>
+          <mc:Fallback xmlns="">
             <p:pic>
               <p:nvPicPr>
                 <p:cNvPr id="68" name="Ink 67">
@@ -28106,8 +28106,8 @@
             </p:pic>
           </mc:Fallback>
         </mc:AlternateContent>
-        <mc:AlternateContent xmlns:mc="http://schemas.openxmlformats.org/markup-compatibility/2006">
-          <mc:Choice xmlns:p14="http://schemas.microsoft.com/office/powerpoint/2010/main" Requires="p14">
+        <mc:AlternateContent xmlns:mc="http://schemas.openxmlformats.org/markup-compatibility/2006" xmlns:p14="http://schemas.microsoft.com/office/powerpoint/2010/main">
+          <mc:Choice Requires="p14">
             <p:contentPart p14:bwMode="auto" r:id="rId25">
               <p14:nvContentPartPr>
                 <p14:cNvPr id="69" name="Ink 68">
@@ -28126,7 +28126,7 @@
               </p14:xfrm>
             </p:contentPart>
           </mc:Choice>
-          <mc:Fallback>
+          <mc:Fallback xmlns="">
             <p:pic>
               <p:nvPicPr>
                 <p:cNvPr id="69" name="Ink 68">
@@ -28178,8 +28178,8 @@
             <a:chExt cx="938160" cy="263520"/>
           </a:xfrm>
         </p:grpSpPr>
-        <mc:AlternateContent xmlns:mc="http://schemas.openxmlformats.org/markup-compatibility/2006">
-          <mc:Choice xmlns:p14="http://schemas.microsoft.com/office/powerpoint/2010/main" Requires="p14">
+        <mc:AlternateContent xmlns:mc="http://schemas.openxmlformats.org/markup-compatibility/2006" xmlns:p14="http://schemas.microsoft.com/office/powerpoint/2010/main">
+          <mc:Choice Requires="p14">
             <p:contentPart p14:bwMode="auto" r:id="rId27">
               <p14:nvContentPartPr>
                 <p14:cNvPr id="71" name="Ink 70">
@@ -28198,7 +28198,7 @@
               </p14:xfrm>
             </p:contentPart>
           </mc:Choice>
-          <mc:Fallback>
+          <mc:Fallback xmlns="">
             <p:pic>
               <p:nvPicPr>
                 <p:cNvPr id="71" name="Ink 70">
@@ -28229,8 +28229,8 @@
             </p:pic>
           </mc:Fallback>
         </mc:AlternateContent>
-        <mc:AlternateContent xmlns:mc="http://schemas.openxmlformats.org/markup-compatibility/2006">
-          <mc:Choice xmlns:p14="http://schemas.microsoft.com/office/powerpoint/2010/main" Requires="p14">
+        <mc:AlternateContent xmlns:mc="http://schemas.openxmlformats.org/markup-compatibility/2006" xmlns:p14="http://schemas.microsoft.com/office/powerpoint/2010/main">
+          <mc:Choice Requires="p14">
             <p:contentPart p14:bwMode="auto" r:id="rId29">
               <p14:nvContentPartPr>
                 <p14:cNvPr id="72" name="Ink 71">
@@ -28249,7 +28249,7 @@
               </p14:xfrm>
             </p:contentPart>
           </mc:Choice>
-          <mc:Fallback>
+          <mc:Fallback xmlns="">
             <p:pic>
               <p:nvPicPr>
                 <p:cNvPr id="72" name="Ink 71">
@@ -28280,8 +28280,8 @@
             </p:pic>
           </mc:Fallback>
         </mc:AlternateContent>
-        <mc:AlternateContent xmlns:mc="http://schemas.openxmlformats.org/markup-compatibility/2006">
-          <mc:Choice xmlns:p14="http://schemas.microsoft.com/office/powerpoint/2010/main" Requires="p14">
+        <mc:AlternateContent xmlns:mc="http://schemas.openxmlformats.org/markup-compatibility/2006" xmlns:p14="http://schemas.microsoft.com/office/powerpoint/2010/main">
+          <mc:Choice Requires="p14">
             <p:contentPart p14:bwMode="auto" r:id="rId31">
               <p14:nvContentPartPr>
                 <p14:cNvPr id="73" name="Ink 72">
@@ -28300,7 +28300,7 @@
               </p14:xfrm>
             </p:contentPart>
           </mc:Choice>
-          <mc:Fallback>
+          <mc:Fallback xmlns="">
             <p:pic>
               <p:nvPicPr>
                 <p:cNvPr id="73" name="Ink 72">
@@ -28331,8 +28331,8 @@
             </p:pic>
           </mc:Fallback>
         </mc:AlternateContent>
-        <mc:AlternateContent xmlns:mc="http://schemas.openxmlformats.org/markup-compatibility/2006">
-          <mc:Choice xmlns:p14="http://schemas.microsoft.com/office/powerpoint/2010/main" Requires="p14">
+        <mc:AlternateContent xmlns:mc="http://schemas.openxmlformats.org/markup-compatibility/2006" xmlns:p14="http://schemas.microsoft.com/office/powerpoint/2010/main">
+          <mc:Choice Requires="p14">
             <p:contentPart p14:bwMode="auto" r:id="rId33">
               <p14:nvContentPartPr>
                 <p14:cNvPr id="74" name="Ink 73">
@@ -28351,7 +28351,7 @@
               </p14:xfrm>
             </p:contentPart>
           </mc:Choice>
-          <mc:Fallback>
+          <mc:Fallback xmlns="">
             <p:pic>
               <p:nvPicPr>
                 <p:cNvPr id="74" name="Ink 73">
@@ -28382,8 +28382,8 @@
             </p:pic>
           </mc:Fallback>
         </mc:AlternateContent>
-        <mc:AlternateContent xmlns:mc="http://schemas.openxmlformats.org/markup-compatibility/2006">
-          <mc:Choice xmlns:p14="http://schemas.microsoft.com/office/powerpoint/2010/main" Requires="p14">
+        <mc:AlternateContent xmlns:mc="http://schemas.openxmlformats.org/markup-compatibility/2006" xmlns:p14="http://schemas.microsoft.com/office/powerpoint/2010/main">
+          <mc:Choice Requires="p14">
             <p:contentPart p14:bwMode="auto" r:id="rId35">
               <p14:nvContentPartPr>
                 <p14:cNvPr id="75" name="Ink 74">
@@ -28402,7 +28402,7 @@
               </p14:xfrm>
             </p:contentPart>
           </mc:Choice>
-          <mc:Fallback>
+          <mc:Fallback xmlns="">
             <p:pic>
               <p:nvPicPr>
                 <p:cNvPr id="75" name="Ink 74">
@@ -28433,8 +28433,8 @@
             </p:pic>
           </mc:Fallback>
         </mc:AlternateContent>
-        <mc:AlternateContent xmlns:mc="http://schemas.openxmlformats.org/markup-compatibility/2006">
-          <mc:Choice xmlns:p14="http://schemas.microsoft.com/office/powerpoint/2010/main" Requires="p14">
+        <mc:AlternateContent xmlns:mc="http://schemas.openxmlformats.org/markup-compatibility/2006" xmlns:p14="http://schemas.microsoft.com/office/powerpoint/2010/main">
+          <mc:Choice Requires="p14">
             <p:contentPart p14:bwMode="auto" r:id="rId37">
               <p14:nvContentPartPr>
                 <p14:cNvPr id="76" name="Ink 75">
@@ -28453,7 +28453,7 @@
               </p14:xfrm>
             </p:contentPart>
           </mc:Choice>
-          <mc:Fallback>
+          <mc:Fallback xmlns="">
             <p:pic>
               <p:nvPicPr>
                 <p:cNvPr id="76" name="Ink 75">
@@ -28505,8 +28505,8 @@
             <a:chExt cx="783000" cy="295920"/>
           </a:xfrm>
         </p:grpSpPr>
-        <mc:AlternateContent xmlns:mc="http://schemas.openxmlformats.org/markup-compatibility/2006">
-          <mc:Choice xmlns:p14="http://schemas.microsoft.com/office/powerpoint/2010/main" Requires="p14">
+        <mc:AlternateContent xmlns:mc="http://schemas.openxmlformats.org/markup-compatibility/2006" xmlns:p14="http://schemas.microsoft.com/office/powerpoint/2010/main">
+          <mc:Choice Requires="p14">
             <p:contentPart p14:bwMode="auto" r:id="rId39">
               <p14:nvContentPartPr>
                 <p14:cNvPr id="77" name="Ink 76">
@@ -28525,7 +28525,7 @@
               </p14:xfrm>
             </p:contentPart>
           </mc:Choice>
-          <mc:Fallback>
+          <mc:Fallback xmlns="">
             <p:pic>
               <p:nvPicPr>
                 <p:cNvPr id="77" name="Ink 76">
@@ -28556,8 +28556,8 @@
             </p:pic>
           </mc:Fallback>
         </mc:AlternateContent>
-        <mc:AlternateContent xmlns:mc="http://schemas.openxmlformats.org/markup-compatibility/2006">
-          <mc:Choice xmlns:p14="http://schemas.microsoft.com/office/powerpoint/2010/main" Requires="p14">
+        <mc:AlternateContent xmlns:mc="http://schemas.openxmlformats.org/markup-compatibility/2006" xmlns:p14="http://schemas.microsoft.com/office/powerpoint/2010/main">
+          <mc:Choice Requires="p14">
             <p:contentPart p14:bwMode="auto" r:id="rId41">
               <p14:nvContentPartPr>
                 <p14:cNvPr id="78" name="Ink 77">
@@ -28576,7 +28576,7 @@
               </p14:xfrm>
             </p:contentPart>
           </mc:Choice>
-          <mc:Fallback>
+          <mc:Fallback xmlns="">
             <p:pic>
               <p:nvPicPr>
                 <p:cNvPr id="78" name="Ink 77">
@@ -28607,8 +28607,8 @@
             </p:pic>
           </mc:Fallback>
         </mc:AlternateContent>
-        <mc:AlternateContent xmlns:mc="http://schemas.openxmlformats.org/markup-compatibility/2006">
-          <mc:Choice xmlns:p14="http://schemas.microsoft.com/office/powerpoint/2010/main" Requires="p14">
+        <mc:AlternateContent xmlns:mc="http://schemas.openxmlformats.org/markup-compatibility/2006" xmlns:p14="http://schemas.microsoft.com/office/powerpoint/2010/main">
+          <mc:Choice Requires="p14">
             <p:contentPart p14:bwMode="auto" r:id="rId43">
               <p14:nvContentPartPr>
                 <p14:cNvPr id="79" name="Ink 78">
@@ -28627,7 +28627,7 @@
               </p14:xfrm>
             </p:contentPart>
           </mc:Choice>
-          <mc:Fallback>
+          <mc:Fallback xmlns="">
             <p:pic>
               <p:nvPicPr>
                 <p:cNvPr id="79" name="Ink 78">
@@ -28658,8 +28658,8 @@
             </p:pic>
           </mc:Fallback>
         </mc:AlternateContent>
-        <mc:AlternateContent xmlns:mc="http://schemas.openxmlformats.org/markup-compatibility/2006">
-          <mc:Choice xmlns:p14="http://schemas.microsoft.com/office/powerpoint/2010/main" Requires="p14">
+        <mc:AlternateContent xmlns:mc="http://schemas.openxmlformats.org/markup-compatibility/2006" xmlns:p14="http://schemas.microsoft.com/office/powerpoint/2010/main">
+          <mc:Choice Requires="p14">
             <p:contentPart p14:bwMode="auto" r:id="rId45">
               <p14:nvContentPartPr>
                 <p14:cNvPr id="80" name="Ink 79">
@@ -28678,7 +28678,7 @@
               </p14:xfrm>
             </p:contentPart>
           </mc:Choice>
-          <mc:Fallback>
+          <mc:Fallback xmlns="">
             <p:pic>
               <p:nvPicPr>
                 <p:cNvPr id="80" name="Ink 79">
@@ -28709,8 +28709,8 @@
             </p:pic>
           </mc:Fallback>
         </mc:AlternateContent>
-        <mc:AlternateContent xmlns:mc="http://schemas.openxmlformats.org/markup-compatibility/2006">
-          <mc:Choice xmlns:p14="http://schemas.microsoft.com/office/powerpoint/2010/main" Requires="p14">
+        <mc:AlternateContent xmlns:mc="http://schemas.openxmlformats.org/markup-compatibility/2006" xmlns:p14="http://schemas.microsoft.com/office/powerpoint/2010/main">
+          <mc:Choice Requires="p14">
             <p:contentPart p14:bwMode="auto" r:id="rId47">
               <p14:nvContentPartPr>
                 <p14:cNvPr id="81" name="Ink 80">
@@ -28729,7 +28729,7 @@
               </p14:xfrm>
             </p:contentPart>
           </mc:Choice>
-          <mc:Fallback>
+          <mc:Fallback xmlns="">
             <p:pic>
               <p:nvPicPr>
                 <p:cNvPr id="81" name="Ink 80">
@@ -28781,8 +28781,8 @@
             <a:chExt cx="275040" cy="243360"/>
           </a:xfrm>
         </p:grpSpPr>
-        <mc:AlternateContent xmlns:mc="http://schemas.openxmlformats.org/markup-compatibility/2006">
-          <mc:Choice xmlns:p14="http://schemas.microsoft.com/office/powerpoint/2010/main" Requires="p14">
+        <mc:AlternateContent xmlns:mc="http://schemas.openxmlformats.org/markup-compatibility/2006" xmlns:p14="http://schemas.microsoft.com/office/powerpoint/2010/main">
+          <mc:Choice Requires="p14">
             <p:contentPart p14:bwMode="auto" r:id="rId49">
               <p14:nvContentPartPr>
                 <p14:cNvPr id="84" name="Ink 83">
@@ -28801,7 +28801,7 @@
               </p14:xfrm>
             </p:contentPart>
           </mc:Choice>
-          <mc:Fallback>
+          <mc:Fallback xmlns="">
             <p:pic>
               <p:nvPicPr>
                 <p:cNvPr id="84" name="Ink 83">
@@ -28832,8 +28832,8 @@
             </p:pic>
           </mc:Fallback>
         </mc:AlternateContent>
-        <mc:AlternateContent xmlns:mc="http://schemas.openxmlformats.org/markup-compatibility/2006">
-          <mc:Choice xmlns:p14="http://schemas.microsoft.com/office/powerpoint/2010/main" Requires="p14">
+        <mc:AlternateContent xmlns:mc="http://schemas.openxmlformats.org/markup-compatibility/2006" xmlns:p14="http://schemas.microsoft.com/office/powerpoint/2010/main">
+          <mc:Choice Requires="p14">
             <p:contentPart p14:bwMode="auto" r:id="rId51">
               <p14:nvContentPartPr>
                 <p14:cNvPr id="85" name="Ink 84">
@@ -28852,7 +28852,7 @@
               </p14:xfrm>
             </p:contentPart>
           </mc:Choice>
-          <mc:Fallback>
+          <mc:Fallback xmlns="">
             <p:pic>
               <p:nvPicPr>
                 <p:cNvPr id="85" name="Ink 84">
@@ -28884,8 +28884,8 @@
           </mc:Fallback>
         </mc:AlternateContent>
       </p:grpSp>
-      <mc:AlternateContent xmlns:mc="http://schemas.openxmlformats.org/markup-compatibility/2006">
-        <mc:Choice xmlns:p14="http://schemas.microsoft.com/office/powerpoint/2010/main" Requires="p14">
+      <mc:AlternateContent xmlns:mc="http://schemas.openxmlformats.org/markup-compatibility/2006" xmlns:p14="http://schemas.microsoft.com/office/powerpoint/2010/main">
+        <mc:Choice Requires="p14">
           <p:contentPart p14:bwMode="auto" r:id="rId53">
             <p14:nvContentPartPr>
               <p14:cNvPr id="88" name="Ink 87">
@@ -28904,7 +28904,7 @@
             </p14:xfrm>
           </p:contentPart>
         </mc:Choice>
-        <mc:Fallback>
+        <mc:Fallback xmlns="">
           <p:pic>
             <p:nvPicPr>
               <p:cNvPr id="88" name="Ink 87">
@@ -28935,8 +28935,8 @@
           </p:pic>
         </mc:Fallback>
       </mc:AlternateContent>
-      <mc:AlternateContent xmlns:mc="http://schemas.openxmlformats.org/markup-compatibility/2006">
-        <mc:Choice xmlns:p14="http://schemas.microsoft.com/office/powerpoint/2010/main" Requires="p14">
+      <mc:AlternateContent xmlns:mc="http://schemas.openxmlformats.org/markup-compatibility/2006" xmlns:p14="http://schemas.microsoft.com/office/powerpoint/2010/main">
+        <mc:Choice Requires="p14">
           <p:contentPart p14:bwMode="auto" r:id="rId55">
             <p14:nvContentPartPr>
               <p14:cNvPr id="89" name="Ink 88">
@@ -28955,7 +28955,7 @@
             </p14:xfrm>
           </p:contentPart>
         </mc:Choice>
-        <mc:Fallback>
+        <mc:Fallback xmlns="">
           <p:pic>
             <p:nvPicPr>
               <p:cNvPr id="89" name="Ink 88">
@@ -28986,8 +28986,8 @@
           </p:pic>
         </mc:Fallback>
       </mc:AlternateContent>
-      <mc:AlternateContent xmlns:mc="http://schemas.openxmlformats.org/markup-compatibility/2006">
-        <mc:Choice xmlns:p14="http://schemas.microsoft.com/office/powerpoint/2010/main" Requires="p14">
+      <mc:AlternateContent xmlns:mc="http://schemas.openxmlformats.org/markup-compatibility/2006" xmlns:p14="http://schemas.microsoft.com/office/powerpoint/2010/main">
+        <mc:Choice Requires="p14">
           <p:contentPart p14:bwMode="auto" r:id="rId57">
             <p14:nvContentPartPr>
               <p14:cNvPr id="91" name="Ink 90">
@@ -29006,7 +29006,7 @@
             </p14:xfrm>
           </p:contentPart>
         </mc:Choice>
-        <mc:Fallback>
+        <mc:Fallback xmlns="">
           <p:pic>
             <p:nvPicPr>
               <p:cNvPr id="91" name="Ink 90">
@@ -29057,8 +29057,8 @@
             <a:chExt cx="520920" cy="268200"/>
           </a:xfrm>
         </p:grpSpPr>
-        <mc:AlternateContent xmlns:mc="http://schemas.openxmlformats.org/markup-compatibility/2006">
-          <mc:Choice xmlns:p14="http://schemas.microsoft.com/office/powerpoint/2010/main" Requires="p14">
+        <mc:AlternateContent xmlns:mc="http://schemas.openxmlformats.org/markup-compatibility/2006" xmlns:p14="http://schemas.microsoft.com/office/powerpoint/2010/main">
+          <mc:Choice Requires="p14">
             <p:contentPart p14:bwMode="auto" r:id="rId59">
               <p14:nvContentPartPr>
                 <p14:cNvPr id="92" name="Ink 91">
@@ -29077,7 +29077,7 @@
               </p14:xfrm>
             </p:contentPart>
           </mc:Choice>
-          <mc:Fallback>
+          <mc:Fallback xmlns="">
             <p:pic>
               <p:nvPicPr>
                 <p:cNvPr id="92" name="Ink 91">
@@ -29108,8 +29108,8 @@
             </p:pic>
           </mc:Fallback>
         </mc:AlternateContent>
-        <mc:AlternateContent xmlns:mc="http://schemas.openxmlformats.org/markup-compatibility/2006">
-          <mc:Choice xmlns:p14="http://schemas.microsoft.com/office/powerpoint/2010/main" Requires="p14">
+        <mc:AlternateContent xmlns:mc="http://schemas.openxmlformats.org/markup-compatibility/2006" xmlns:p14="http://schemas.microsoft.com/office/powerpoint/2010/main">
+          <mc:Choice Requires="p14">
             <p:contentPart p14:bwMode="auto" r:id="rId61">
               <p14:nvContentPartPr>
                 <p14:cNvPr id="93" name="Ink 92">
@@ -29128,7 +29128,7 @@
               </p14:xfrm>
             </p:contentPart>
           </mc:Choice>
-          <mc:Fallback>
+          <mc:Fallback xmlns="">
             <p:pic>
               <p:nvPicPr>
                 <p:cNvPr id="93" name="Ink 92">
@@ -29159,8 +29159,8 @@
             </p:pic>
           </mc:Fallback>
         </mc:AlternateContent>
-        <mc:AlternateContent xmlns:mc="http://schemas.openxmlformats.org/markup-compatibility/2006">
-          <mc:Choice xmlns:p14="http://schemas.microsoft.com/office/powerpoint/2010/main" Requires="p14">
+        <mc:AlternateContent xmlns:mc="http://schemas.openxmlformats.org/markup-compatibility/2006" xmlns:p14="http://schemas.microsoft.com/office/powerpoint/2010/main">
+          <mc:Choice Requires="p14">
             <p:contentPart p14:bwMode="auto" r:id="rId63">
               <p14:nvContentPartPr>
                 <p14:cNvPr id="94" name="Ink 93">
@@ -29179,7 +29179,7 @@
               </p14:xfrm>
             </p:contentPart>
           </mc:Choice>
-          <mc:Fallback>
+          <mc:Fallback xmlns="">
             <p:pic>
               <p:nvPicPr>
                 <p:cNvPr id="94" name="Ink 93">
@@ -29210,8 +29210,8 @@
             </p:pic>
           </mc:Fallback>
         </mc:AlternateContent>
-        <mc:AlternateContent xmlns:mc="http://schemas.openxmlformats.org/markup-compatibility/2006">
-          <mc:Choice xmlns:p14="http://schemas.microsoft.com/office/powerpoint/2010/main" Requires="p14">
+        <mc:AlternateContent xmlns:mc="http://schemas.openxmlformats.org/markup-compatibility/2006" xmlns:p14="http://schemas.microsoft.com/office/powerpoint/2010/main">
+          <mc:Choice Requires="p14">
             <p:contentPart p14:bwMode="auto" r:id="rId65">
               <p14:nvContentPartPr>
                 <p14:cNvPr id="95" name="Ink 94">
@@ -29230,7 +29230,7 @@
               </p14:xfrm>
             </p:contentPart>
           </mc:Choice>
-          <mc:Fallback>
+          <mc:Fallback xmlns="">
             <p:pic>
               <p:nvPicPr>
                 <p:cNvPr id="95" name="Ink 94">
@@ -29262,8 +29262,8 @@
           </mc:Fallback>
         </mc:AlternateContent>
       </p:grpSp>
-      <mc:AlternateContent xmlns:mc="http://schemas.openxmlformats.org/markup-compatibility/2006">
-        <mc:Choice xmlns:p14="http://schemas.microsoft.com/office/powerpoint/2010/main" Requires="p14">
+      <mc:AlternateContent xmlns:mc="http://schemas.openxmlformats.org/markup-compatibility/2006" xmlns:p14="http://schemas.microsoft.com/office/powerpoint/2010/main">
+        <mc:Choice Requires="p14">
           <p:contentPart p14:bwMode="auto" r:id="rId67">
             <p14:nvContentPartPr>
               <p14:cNvPr id="96" name="Ink 95">
@@ -29282,7 +29282,7 @@
             </p14:xfrm>
           </p:contentPart>
         </mc:Choice>
-        <mc:Fallback>
+        <mc:Fallback xmlns="">
           <p:pic>
             <p:nvPicPr>
               <p:cNvPr id="96" name="Ink 95">
@@ -29313,8 +29313,8 @@
           </p:pic>
         </mc:Fallback>
       </mc:AlternateContent>
-      <mc:AlternateContent xmlns:mc="http://schemas.openxmlformats.org/markup-compatibility/2006">
-        <mc:Choice xmlns:p14="http://schemas.microsoft.com/office/powerpoint/2010/main" Requires="p14">
+      <mc:AlternateContent xmlns:mc="http://schemas.openxmlformats.org/markup-compatibility/2006" xmlns:p14="http://schemas.microsoft.com/office/powerpoint/2010/main">
+        <mc:Choice Requires="p14">
           <p:contentPart p14:bwMode="auto" r:id="rId69">
             <p14:nvContentPartPr>
               <p14:cNvPr id="97" name="Ink 96">
@@ -29333,7 +29333,7 @@
             </p14:xfrm>
           </p:contentPart>
         </mc:Choice>
-        <mc:Fallback>
+        <mc:Fallback xmlns="">
           <p:pic>
             <p:nvPicPr>
               <p:cNvPr id="97" name="Ink 96">
@@ -29384,8 +29384,8 @@
             <a:chExt cx="127440" cy="4320"/>
           </a:xfrm>
         </p:grpSpPr>
-        <mc:AlternateContent xmlns:mc="http://schemas.openxmlformats.org/markup-compatibility/2006">
-          <mc:Choice xmlns:p14="http://schemas.microsoft.com/office/powerpoint/2010/main" Requires="p14">
+        <mc:AlternateContent xmlns:mc="http://schemas.openxmlformats.org/markup-compatibility/2006" xmlns:p14="http://schemas.microsoft.com/office/powerpoint/2010/main">
+          <mc:Choice Requires="p14">
             <p:contentPart p14:bwMode="auto" r:id="rId71">
               <p14:nvContentPartPr>
                 <p14:cNvPr id="98" name="Ink 97">
@@ -29404,7 +29404,7 @@
               </p14:xfrm>
             </p:contentPart>
           </mc:Choice>
-          <mc:Fallback>
+          <mc:Fallback xmlns="">
             <p:pic>
               <p:nvPicPr>
                 <p:cNvPr id="98" name="Ink 97">
@@ -29435,8 +29435,8 @@
             </p:pic>
           </mc:Fallback>
         </mc:AlternateContent>
-        <mc:AlternateContent xmlns:mc="http://schemas.openxmlformats.org/markup-compatibility/2006">
-          <mc:Choice xmlns:p14="http://schemas.microsoft.com/office/powerpoint/2010/main" Requires="p14">
+        <mc:AlternateContent xmlns:mc="http://schemas.openxmlformats.org/markup-compatibility/2006" xmlns:p14="http://schemas.microsoft.com/office/powerpoint/2010/main">
+          <mc:Choice Requires="p14">
             <p:contentPart p14:bwMode="auto" r:id="rId73">
               <p14:nvContentPartPr>
                 <p14:cNvPr id="99" name="Ink 98">
@@ -29455,7 +29455,7 @@
               </p14:xfrm>
             </p:contentPart>
           </mc:Choice>
-          <mc:Fallback>
+          <mc:Fallback xmlns="">
             <p:pic>
               <p:nvPicPr>
                 <p:cNvPr id="99" name="Ink 98">
@@ -29507,8 +29507,8 @@
             <a:chExt cx="824040" cy="275400"/>
           </a:xfrm>
         </p:grpSpPr>
-        <mc:AlternateContent xmlns:mc="http://schemas.openxmlformats.org/markup-compatibility/2006">
-          <mc:Choice xmlns:p14="http://schemas.microsoft.com/office/powerpoint/2010/main" Requires="p14">
+        <mc:AlternateContent xmlns:mc="http://schemas.openxmlformats.org/markup-compatibility/2006" xmlns:p14="http://schemas.microsoft.com/office/powerpoint/2010/main">
+          <mc:Choice Requires="p14">
             <p:contentPart p14:bwMode="auto" r:id="rId75">
               <p14:nvContentPartPr>
                 <p14:cNvPr id="102" name="Ink 101">
@@ -29527,7 +29527,7 @@
               </p14:xfrm>
             </p:contentPart>
           </mc:Choice>
-          <mc:Fallback>
+          <mc:Fallback xmlns="">
             <p:pic>
               <p:nvPicPr>
                 <p:cNvPr id="102" name="Ink 101">
@@ -29558,8 +29558,8 @@
             </p:pic>
           </mc:Fallback>
         </mc:AlternateContent>
-        <mc:AlternateContent xmlns:mc="http://schemas.openxmlformats.org/markup-compatibility/2006">
-          <mc:Choice xmlns:p14="http://schemas.microsoft.com/office/powerpoint/2010/main" Requires="p14">
+        <mc:AlternateContent xmlns:mc="http://schemas.openxmlformats.org/markup-compatibility/2006" xmlns:p14="http://schemas.microsoft.com/office/powerpoint/2010/main">
+          <mc:Choice Requires="p14">
             <p:contentPart p14:bwMode="auto" r:id="rId77">
               <p14:nvContentPartPr>
                 <p14:cNvPr id="103" name="Ink 102">
@@ -29578,7 +29578,7 @@
               </p14:xfrm>
             </p:contentPart>
           </mc:Choice>
-          <mc:Fallback>
+          <mc:Fallback xmlns="">
             <p:pic>
               <p:nvPicPr>
                 <p:cNvPr id="103" name="Ink 102">
@@ -29609,8 +29609,8 @@
             </p:pic>
           </mc:Fallback>
         </mc:AlternateContent>
-        <mc:AlternateContent xmlns:mc="http://schemas.openxmlformats.org/markup-compatibility/2006">
-          <mc:Choice xmlns:p14="http://schemas.microsoft.com/office/powerpoint/2010/main" Requires="p14">
+        <mc:AlternateContent xmlns:mc="http://schemas.openxmlformats.org/markup-compatibility/2006" xmlns:p14="http://schemas.microsoft.com/office/powerpoint/2010/main">
+          <mc:Choice Requires="p14">
             <p:contentPart p14:bwMode="auto" r:id="rId79">
               <p14:nvContentPartPr>
                 <p14:cNvPr id="104" name="Ink 103">
@@ -29629,7 +29629,7 @@
               </p14:xfrm>
             </p:contentPart>
           </mc:Choice>
-          <mc:Fallback>
+          <mc:Fallback xmlns="">
             <p:pic>
               <p:nvPicPr>
                 <p:cNvPr id="104" name="Ink 103">
@@ -29660,8 +29660,8 @@
             </p:pic>
           </mc:Fallback>
         </mc:AlternateContent>
-        <mc:AlternateContent xmlns:mc="http://schemas.openxmlformats.org/markup-compatibility/2006">
-          <mc:Choice xmlns:p14="http://schemas.microsoft.com/office/powerpoint/2010/main" Requires="p14">
+        <mc:AlternateContent xmlns:mc="http://schemas.openxmlformats.org/markup-compatibility/2006" xmlns:p14="http://schemas.microsoft.com/office/powerpoint/2010/main">
+          <mc:Choice Requires="p14">
             <p:contentPart p14:bwMode="auto" r:id="rId81">
               <p14:nvContentPartPr>
                 <p14:cNvPr id="105" name="Ink 104">
@@ -29680,7 +29680,7 @@
               </p14:xfrm>
             </p:contentPart>
           </mc:Choice>
-          <mc:Fallback>
+          <mc:Fallback xmlns="">
             <p:pic>
               <p:nvPicPr>
                 <p:cNvPr id="105" name="Ink 104">
@@ -29711,8 +29711,8 @@
             </p:pic>
           </mc:Fallback>
         </mc:AlternateContent>
-        <mc:AlternateContent xmlns:mc="http://schemas.openxmlformats.org/markup-compatibility/2006">
-          <mc:Choice xmlns:p14="http://schemas.microsoft.com/office/powerpoint/2010/main" Requires="p14">
+        <mc:AlternateContent xmlns:mc="http://schemas.openxmlformats.org/markup-compatibility/2006" xmlns:p14="http://schemas.microsoft.com/office/powerpoint/2010/main">
+          <mc:Choice Requires="p14">
             <p:contentPart p14:bwMode="auto" r:id="rId83">
               <p14:nvContentPartPr>
                 <p14:cNvPr id="106" name="Ink 105">
@@ -29731,7 +29731,7 @@
               </p14:xfrm>
             </p:contentPart>
           </mc:Choice>
-          <mc:Fallback>
+          <mc:Fallback xmlns="">
             <p:pic>
               <p:nvPicPr>
                 <p:cNvPr id="106" name="Ink 105">
@@ -29762,8 +29762,8 @@
             </p:pic>
           </mc:Fallback>
         </mc:AlternateContent>
-        <mc:AlternateContent xmlns:mc="http://schemas.openxmlformats.org/markup-compatibility/2006">
-          <mc:Choice xmlns:p14="http://schemas.microsoft.com/office/powerpoint/2010/main" Requires="p14">
+        <mc:AlternateContent xmlns:mc="http://schemas.openxmlformats.org/markup-compatibility/2006" xmlns:p14="http://schemas.microsoft.com/office/powerpoint/2010/main">
+          <mc:Choice Requires="p14">
             <p:contentPart p14:bwMode="auto" r:id="rId85">
               <p14:nvContentPartPr>
                 <p14:cNvPr id="107" name="Ink 106">
@@ -29782,7 +29782,7 @@
               </p14:xfrm>
             </p:contentPart>
           </mc:Choice>
-          <mc:Fallback>
+          <mc:Fallback xmlns="">
             <p:pic>
               <p:nvPicPr>
                 <p:cNvPr id="107" name="Ink 106">
@@ -29813,8 +29813,8 @@
             </p:pic>
           </mc:Fallback>
         </mc:AlternateContent>
-        <mc:AlternateContent xmlns:mc="http://schemas.openxmlformats.org/markup-compatibility/2006">
-          <mc:Choice xmlns:p14="http://schemas.microsoft.com/office/powerpoint/2010/main" Requires="p14">
+        <mc:AlternateContent xmlns:mc="http://schemas.openxmlformats.org/markup-compatibility/2006" xmlns:p14="http://schemas.microsoft.com/office/powerpoint/2010/main">
+          <mc:Choice Requires="p14">
             <p:contentPart p14:bwMode="auto" r:id="rId87">
               <p14:nvContentPartPr>
                 <p14:cNvPr id="108" name="Ink 107">
@@ -29833,7 +29833,7 @@
               </p14:xfrm>
             </p:contentPart>
           </mc:Choice>
-          <mc:Fallback>
+          <mc:Fallback xmlns="">
             <p:pic>
               <p:nvPicPr>
                 <p:cNvPr id="108" name="Ink 107">
@@ -29865,8 +29865,8 @@
           </mc:Fallback>
         </mc:AlternateContent>
       </p:grpSp>
-      <mc:AlternateContent xmlns:mc="http://schemas.openxmlformats.org/markup-compatibility/2006">
-        <mc:Choice xmlns:p14="http://schemas.microsoft.com/office/powerpoint/2010/main" Requires="p14">
+      <mc:AlternateContent xmlns:mc="http://schemas.openxmlformats.org/markup-compatibility/2006" xmlns:p14="http://schemas.microsoft.com/office/powerpoint/2010/main">
+        <mc:Choice Requires="p14">
           <p:contentPart p14:bwMode="auto" r:id="rId89">
             <p14:nvContentPartPr>
               <p14:cNvPr id="110" name="Ink 109">
@@ -29885,7 +29885,7 @@
             </p14:xfrm>
           </p:contentPart>
         </mc:Choice>
-        <mc:Fallback>
+        <mc:Fallback xmlns="">
           <p:pic>
             <p:nvPicPr>
               <p:cNvPr id="110" name="Ink 109">
@@ -29916,8 +29916,8 @@
           </p:pic>
         </mc:Fallback>
       </mc:AlternateContent>
-      <mc:AlternateContent xmlns:mc="http://schemas.openxmlformats.org/markup-compatibility/2006">
-        <mc:Choice xmlns:p14="http://schemas.microsoft.com/office/powerpoint/2010/main" Requires="p14">
+      <mc:AlternateContent xmlns:mc="http://schemas.openxmlformats.org/markup-compatibility/2006" xmlns:p14="http://schemas.microsoft.com/office/powerpoint/2010/main">
+        <mc:Choice Requires="p14">
           <p:contentPart p14:bwMode="auto" r:id="rId91">
             <p14:nvContentPartPr>
               <p14:cNvPr id="127" name="Ink 126">
@@ -29936,7 +29936,7 @@
             </p14:xfrm>
           </p:contentPart>
         </mc:Choice>
-        <mc:Fallback>
+        <mc:Fallback xmlns="">
           <p:pic>
             <p:nvPicPr>
               <p:cNvPr id="127" name="Ink 126">
@@ -29967,8 +29967,8 @@
           </p:pic>
         </mc:Fallback>
       </mc:AlternateContent>
-      <mc:AlternateContent xmlns:mc="http://schemas.openxmlformats.org/markup-compatibility/2006">
-        <mc:Choice xmlns:p14="http://schemas.microsoft.com/office/powerpoint/2010/main" Requires="p14">
+      <mc:AlternateContent xmlns:mc="http://schemas.openxmlformats.org/markup-compatibility/2006" xmlns:p14="http://schemas.microsoft.com/office/powerpoint/2010/main">
+        <mc:Choice Requires="p14">
           <p:contentPart p14:bwMode="auto" r:id="rId93">
             <p14:nvContentPartPr>
               <p14:cNvPr id="128" name="Ink 127">
@@ -29987,7 +29987,7 @@
             </p14:xfrm>
           </p:contentPart>
         </mc:Choice>
-        <mc:Fallback>
+        <mc:Fallback xmlns="">
           <p:pic>
             <p:nvPicPr>
               <p:cNvPr id="128" name="Ink 127">
@@ -30018,8 +30018,8 @@
           </p:pic>
         </mc:Fallback>
       </mc:AlternateContent>
-      <mc:AlternateContent xmlns:mc="http://schemas.openxmlformats.org/markup-compatibility/2006">
-        <mc:Choice xmlns:p14="http://schemas.microsoft.com/office/powerpoint/2010/main" Requires="p14">
+      <mc:AlternateContent xmlns:mc="http://schemas.openxmlformats.org/markup-compatibility/2006" xmlns:p14="http://schemas.microsoft.com/office/powerpoint/2010/main">
+        <mc:Choice Requires="p14">
           <p:contentPart p14:bwMode="auto" r:id="rId95">
             <p14:nvContentPartPr>
               <p14:cNvPr id="129" name="Ink 128">
@@ -30038,7 +30038,7 @@
             </p14:xfrm>
           </p:contentPart>
         </mc:Choice>
-        <mc:Fallback>
+        <mc:Fallback xmlns="">
           <p:pic>
             <p:nvPicPr>
               <p:cNvPr id="129" name="Ink 128">
@@ -30069,8 +30069,8 @@
           </p:pic>
         </mc:Fallback>
       </mc:AlternateContent>
-      <mc:AlternateContent xmlns:mc="http://schemas.openxmlformats.org/markup-compatibility/2006">
-        <mc:Choice xmlns:p14="http://schemas.microsoft.com/office/powerpoint/2010/main" Requires="p14">
+      <mc:AlternateContent xmlns:mc="http://schemas.openxmlformats.org/markup-compatibility/2006" xmlns:p14="http://schemas.microsoft.com/office/powerpoint/2010/main">
+        <mc:Choice Requires="p14">
           <p:contentPart p14:bwMode="auto" r:id="rId97">
             <p14:nvContentPartPr>
               <p14:cNvPr id="130" name="Ink 129">
@@ -30089,7 +30089,7 @@
             </p14:xfrm>
           </p:contentPart>
         </mc:Choice>
-        <mc:Fallback>
+        <mc:Fallback xmlns="">
           <p:pic>
             <p:nvPicPr>
               <p:cNvPr id="130" name="Ink 129">
@@ -30120,8 +30120,8 @@
           </p:pic>
         </mc:Fallback>
       </mc:AlternateContent>
-      <mc:AlternateContent xmlns:mc="http://schemas.openxmlformats.org/markup-compatibility/2006">
-        <mc:Choice xmlns:p14="http://schemas.microsoft.com/office/powerpoint/2010/main" Requires="p14">
+      <mc:AlternateContent xmlns:mc="http://schemas.openxmlformats.org/markup-compatibility/2006" xmlns:p14="http://schemas.microsoft.com/office/powerpoint/2010/main">
+        <mc:Choice Requires="p14">
           <p:contentPart p14:bwMode="auto" r:id="rId99">
             <p14:nvContentPartPr>
               <p14:cNvPr id="131" name="Ink 130">
@@ -30140,7 +30140,7 @@
             </p14:xfrm>
           </p:contentPart>
         </mc:Choice>
-        <mc:Fallback>
+        <mc:Fallback xmlns="">
           <p:pic>
             <p:nvPicPr>
               <p:cNvPr id="131" name="Ink 130">
@@ -30171,8 +30171,8 @@
           </p:pic>
         </mc:Fallback>
       </mc:AlternateContent>
-      <mc:AlternateContent xmlns:mc="http://schemas.openxmlformats.org/markup-compatibility/2006">
-        <mc:Choice xmlns:p14="http://schemas.microsoft.com/office/powerpoint/2010/main" Requires="p14">
+      <mc:AlternateContent xmlns:mc="http://schemas.openxmlformats.org/markup-compatibility/2006" xmlns:p14="http://schemas.microsoft.com/office/powerpoint/2010/main">
+        <mc:Choice Requires="p14">
           <p:contentPart p14:bwMode="auto" r:id="rId101">
             <p14:nvContentPartPr>
               <p14:cNvPr id="132" name="Ink 131">
@@ -30191,7 +30191,7 @@
             </p14:xfrm>
           </p:contentPart>
         </mc:Choice>
-        <mc:Fallback>
+        <mc:Fallback xmlns="">
           <p:pic>
             <p:nvPicPr>
               <p:cNvPr id="132" name="Ink 131">
@@ -30222,8 +30222,8 @@
           </p:pic>
         </mc:Fallback>
       </mc:AlternateContent>
-      <mc:AlternateContent xmlns:mc="http://schemas.openxmlformats.org/markup-compatibility/2006">
-        <mc:Choice xmlns:p14="http://schemas.microsoft.com/office/powerpoint/2010/main" Requires="p14">
+      <mc:AlternateContent xmlns:mc="http://schemas.openxmlformats.org/markup-compatibility/2006" xmlns:p14="http://schemas.microsoft.com/office/powerpoint/2010/main">
+        <mc:Choice Requires="p14">
           <p:contentPart p14:bwMode="auto" r:id="rId103">
             <p14:nvContentPartPr>
               <p14:cNvPr id="133" name="Ink 132">
@@ -30242,7 +30242,7 @@
             </p14:xfrm>
           </p:contentPart>
         </mc:Choice>
-        <mc:Fallback>
+        <mc:Fallback xmlns="">
           <p:pic>
             <p:nvPicPr>
               <p:cNvPr id="133" name="Ink 132">
@@ -30273,8 +30273,8 @@
           </p:pic>
         </mc:Fallback>
       </mc:AlternateContent>
-      <mc:AlternateContent xmlns:mc="http://schemas.openxmlformats.org/markup-compatibility/2006">
-        <mc:Choice xmlns:p14="http://schemas.microsoft.com/office/powerpoint/2010/main" Requires="p14">
+      <mc:AlternateContent xmlns:mc="http://schemas.openxmlformats.org/markup-compatibility/2006" xmlns:p14="http://schemas.microsoft.com/office/powerpoint/2010/main">
+        <mc:Choice Requires="p14">
           <p:contentPart p14:bwMode="auto" r:id="rId105">
             <p14:nvContentPartPr>
               <p14:cNvPr id="134" name="Ink 133">
@@ -30293,7 +30293,7 @@
             </p14:xfrm>
           </p:contentPart>
         </mc:Choice>
-        <mc:Fallback>
+        <mc:Fallback xmlns="">
           <p:pic>
             <p:nvPicPr>
               <p:cNvPr id="134" name="Ink 133">
@@ -30324,8 +30324,8 @@
           </p:pic>
         </mc:Fallback>
       </mc:AlternateContent>
-      <mc:AlternateContent xmlns:mc="http://schemas.openxmlformats.org/markup-compatibility/2006">
-        <mc:Choice xmlns:p14="http://schemas.microsoft.com/office/powerpoint/2010/main" Requires="p14">
+      <mc:AlternateContent xmlns:mc="http://schemas.openxmlformats.org/markup-compatibility/2006" xmlns:p14="http://schemas.microsoft.com/office/powerpoint/2010/main">
+        <mc:Choice Requires="p14">
           <p:contentPart p14:bwMode="auto" r:id="rId107">
             <p14:nvContentPartPr>
               <p14:cNvPr id="137" name="Ink 136">
@@ -30344,7 +30344,7 @@
             </p14:xfrm>
           </p:contentPart>
         </mc:Choice>
-        <mc:Fallback>
+        <mc:Fallback xmlns="">
           <p:pic>
             <p:nvPicPr>
               <p:cNvPr id="137" name="Ink 136">
@@ -30395,8 +30395,8 @@
             <a:chExt cx="1685520" cy="1076760"/>
           </a:xfrm>
         </p:grpSpPr>
-        <mc:AlternateContent xmlns:mc="http://schemas.openxmlformats.org/markup-compatibility/2006">
-          <mc:Choice xmlns:p14="http://schemas.microsoft.com/office/powerpoint/2010/main" Requires="p14">
+        <mc:AlternateContent xmlns:mc="http://schemas.openxmlformats.org/markup-compatibility/2006" xmlns:p14="http://schemas.microsoft.com/office/powerpoint/2010/main">
+          <mc:Choice Requires="p14">
             <p:contentPart p14:bwMode="auto" r:id="rId109">
               <p14:nvContentPartPr>
                 <p14:cNvPr id="112" name="Ink 111">
@@ -30415,7 +30415,7 @@
               </p14:xfrm>
             </p:contentPart>
           </mc:Choice>
-          <mc:Fallback>
+          <mc:Fallback xmlns="">
             <p:pic>
               <p:nvPicPr>
                 <p:cNvPr id="112" name="Ink 111">
@@ -30446,8 +30446,8 @@
             </p:pic>
           </mc:Fallback>
         </mc:AlternateContent>
-        <mc:AlternateContent xmlns:mc="http://schemas.openxmlformats.org/markup-compatibility/2006">
-          <mc:Choice xmlns:p14="http://schemas.microsoft.com/office/powerpoint/2010/main" Requires="p14">
+        <mc:AlternateContent xmlns:mc="http://schemas.openxmlformats.org/markup-compatibility/2006" xmlns:p14="http://schemas.microsoft.com/office/powerpoint/2010/main">
+          <mc:Choice Requires="p14">
             <p:contentPart p14:bwMode="auto" r:id="rId111">
               <p14:nvContentPartPr>
                 <p14:cNvPr id="113" name="Ink 112">
@@ -30466,7 +30466,7 @@
               </p14:xfrm>
             </p:contentPart>
           </mc:Choice>
-          <mc:Fallback>
+          <mc:Fallback xmlns="">
             <p:pic>
               <p:nvPicPr>
                 <p:cNvPr id="113" name="Ink 112">
@@ -30497,8 +30497,8 @@
             </p:pic>
           </mc:Fallback>
         </mc:AlternateContent>
-        <mc:AlternateContent xmlns:mc="http://schemas.openxmlformats.org/markup-compatibility/2006">
-          <mc:Choice xmlns:p14="http://schemas.microsoft.com/office/powerpoint/2010/main" Requires="p14">
+        <mc:AlternateContent xmlns:mc="http://schemas.openxmlformats.org/markup-compatibility/2006" xmlns:p14="http://schemas.microsoft.com/office/powerpoint/2010/main">
+          <mc:Choice Requires="p14">
             <p:contentPart p14:bwMode="auto" r:id="rId113">
               <p14:nvContentPartPr>
                 <p14:cNvPr id="114" name="Ink 113">
@@ -30517,7 +30517,7 @@
               </p14:xfrm>
             </p:contentPart>
           </mc:Choice>
-          <mc:Fallback>
+          <mc:Fallback xmlns="">
             <p:pic>
               <p:nvPicPr>
                 <p:cNvPr id="114" name="Ink 113">
@@ -30548,8 +30548,8 @@
             </p:pic>
           </mc:Fallback>
         </mc:AlternateContent>
-        <mc:AlternateContent xmlns:mc="http://schemas.openxmlformats.org/markup-compatibility/2006">
-          <mc:Choice xmlns:p14="http://schemas.microsoft.com/office/powerpoint/2010/main" Requires="p14">
+        <mc:AlternateContent xmlns:mc="http://schemas.openxmlformats.org/markup-compatibility/2006" xmlns:p14="http://schemas.microsoft.com/office/powerpoint/2010/main">
+          <mc:Choice Requires="p14">
             <p:contentPart p14:bwMode="auto" r:id="rId115">
               <p14:nvContentPartPr>
                 <p14:cNvPr id="115" name="Ink 114">
@@ -30568,7 +30568,7 @@
               </p14:xfrm>
             </p:contentPart>
           </mc:Choice>
-          <mc:Fallback>
+          <mc:Fallback xmlns="">
             <p:pic>
               <p:nvPicPr>
                 <p:cNvPr id="115" name="Ink 114">
@@ -30599,8 +30599,8 @@
             </p:pic>
           </mc:Fallback>
         </mc:AlternateContent>
-        <mc:AlternateContent xmlns:mc="http://schemas.openxmlformats.org/markup-compatibility/2006">
-          <mc:Choice xmlns:p14="http://schemas.microsoft.com/office/powerpoint/2010/main" Requires="p14">
+        <mc:AlternateContent xmlns:mc="http://schemas.openxmlformats.org/markup-compatibility/2006" xmlns:p14="http://schemas.microsoft.com/office/powerpoint/2010/main">
+          <mc:Choice Requires="p14">
             <p:contentPart p14:bwMode="auto" r:id="rId117">
               <p14:nvContentPartPr>
                 <p14:cNvPr id="116" name="Ink 115">
@@ -30619,7 +30619,7 @@
               </p14:xfrm>
             </p:contentPart>
           </mc:Choice>
-          <mc:Fallback>
+          <mc:Fallback xmlns="">
             <p:pic>
               <p:nvPicPr>
                 <p:cNvPr id="116" name="Ink 115">
@@ -30650,8 +30650,8 @@
             </p:pic>
           </mc:Fallback>
         </mc:AlternateContent>
-        <mc:AlternateContent xmlns:mc="http://schemas.openxmlformats.org/markup-compatibility/2006">
-          <mc:Choice xmlns:p14="http://schemas.microsoft.com/office/powerpoint/2010/main" Requires="p14">
+        <mc:AlternateContent xmlns:mc="http://schemas.openxmlformats.org/markup-compatibility/2006" xmlns:p14="http://schemas.microsoft.com/office/powerpoint/2010/main">
+          <mc:Choice Requires="p14">
             <p:contentPart p14:bwMode="auto" r:id="rId119">
               <p14:nvContentPartPr>
                 <p14:cNvPr id="117" name="Ink 116">
@@ -30670,7 +30670,7 @@
               </p14:xfrm>
             </p:contentPart>
           </mc:Choice>
-          <mc:Fallback>
+          <mc:Fallback xmlns="">
             <p:pic>
               <p:nvPicPr>
                 <p:cNvPr id="117" name="Ink 116">
@@ -30701,8 +30701,8 @@
             </p:pic>
           </mc:Fallback>
         </mc:AlternateContent>
-        <mc:AlternateContent xmlns:mc="http://schemas.openxmlformats.org/markup-compatibility/2006">
-          <mc:Choice xmlns:p14="http://schemas.microsoft.com/office/powerpoint/2010/main" Requires="p14">
+        <mc:AlternateContent xmlns:mc="http://schemas.openxmlformats.org/markup-compatibility/2006" xmlns:p14="http://schemas.microsoft.com/office/powerpoint/2010/main">
+          <mc:Choice Requires="p14">
             <p:contentPart p14:bwMode="auto" r:id="rId121">
               <p14:nvContentPartPr>
                 <p14:cNvPr id="119" name="Ink 118">
@@ -30721,7 +30721,7 @@
               </p14:xfrm>
             </p:contentPart>
           </mc:Choice>
-          <mc:Fallback>
+          <mc:Fallback xmlns="">
             <p:pic>
               <p:nvPicPr>
                 <p:cNvPr id="119" name="Ink 118">
@@ -30752,8 +30752,8 @@
             </p:pic>
           </mc:Fallback>
         </mc:AlternateContent>
-        <mc:AlternateContent xmlns:mc="http://schemas.openxmlformats.org/markup-compatibility/2006">
-          <mc:Choice xmlns:p14="http://schemas.microsoft.com/office/powerpoint/2010/main" Requires="p14">
+        <mc:AlternateContent xmlns:mc="http://schemas.openxmlformats.org/markup-compatibility/2006" xmlns:p14="http://schemas.microsoft.com/office/powerpoint/2010/main">
+          <mc:Choice Requires="p14">
             <p:contentPart p14:bwMode="auto" r:id="rId123">
               <p14:nvContentPartPr>
                 <p14:cNvPr id="120" name="Ink 119">
@@ -30772,7 +30772,7 @@
               </p14:xfrm>
             </p:contentPart>
           </mc:Choice>
-          <mc:Fallback>
+          <mc:Fallback xmlns="">
             <p:pic>
               <p:nvPicPr>
                 <p:cNvPr id="120" name="Ink 119">
@@ -30803,8 +30803,8 @@
             </p:pic>
           </mc:Fallback>
         </mc:AlternateContent>
-        <mc:AlternateContent xmlns:mc="http://schemas.openxmlformats.org/markup-compatibility/2006">
-          <mc:Choice xmlns:p14="http://schemas.microsoft.com/office/powerpoint/2010/main" Requires="p14">
+        <mc:AlternateContent xmlns:mc="http://schemas.openxmlformats.org/markup-compatibility/2006" xmlns:p14="http://schemas.microsoft.com/office/powerpoint/2010/main">
+          <mc:Choice Requires="p14">
             <p:contentPart p14:bwMode="auto" r:id="rId125">
               <p14:nvContentPartPr>
                 <p14:cNvPr id="121" name="Ink 120">
@@ -30823,7 +30823,7 @@
               </p14:xfrm>
             </p:contentPart>
           </mc:Choice>
-          <mc:Fallback>
+          <mc:Fallback xmlns="">
             <p:pic>
               <p:nvPicPr>
                 <p:cNvPr id="121" name="Ink 120">
@@ -30854,8 +30854,8 @@
             </p:pic>
           </mc:Fallback>
         </mc:AlternateContent>
-        <mc:AlternateContent xmlns:mc="http://schemas.openxmlformats.org/markup-compatibility/2006">
-          <mc:Choice xmlns:p14="http://schemas.microsoft.com/office/powerpoint/2010/main" Requires="p14">
+        <mc:AlternateContent xmlns:mc="http://schemas.openxmlformats.org/markup-compatibility/2006" xmlns:p14="http://schemas.microsoft.com/office/powerpoint/2010/main">
+          <mc:Choice Requires="p14">
             <p:contentPart p14:bwMode="auto" r:id="rId127">
               <p14:nvContentPartPr>
                 <p14:cNvPr id="122" name="Ink 121">
@@ -30874,7 +30874,7 @@
               </p14:xfrm>
             </p:contentPart>
           </mc:Choice>
-          <mc:Fallback>
+          <mc:Fallback xmlns="">
             <p:pic>
               <p:nvPicPr>
                 <p:cNvPr id="122" name="Ink 121">
@@ -30905,8 +30905,8 @@
             </p:pic>
           </mc:Fallback>
         </mc:AlternateContent>
-        <mc:AlternateContent xmlns:mc="http://schemas.openxmlformats.org/markup-compatibility/2006">
-          <mc:Choice xmlns:p14="http://schemas.microsoft.com/office/powerpoint/2010/main" Requires="p14">
+        <mc:AlternateContent xmlns:mc="http://schemas.openxmlformats.org/markup-compatibility/2006" xmlns:p14="http://schemas.microsoft.com/office/powerpoint/2010/main">
+          <mc:Choice Requires="p14">
             <p:contentPart p14:bwMode="auto" r:id="rId129">
               <p14:nvContentPartPr>
                 <p14:cNvPr id="123" name="Ink 122">
@@ -30925,7 +30925,7 @@
               </p14:xfrm>
             </p:contentPart>
           </mc:Choice>
-          <mc:Fallback>
+          <mc:Fallback xmlns="">
             <p:pic>
               <p:nvPicPr>
                 <p:cNvPr id="123" name="Ink 122">
@@ -30956,8 +30956,8 @@
             </p:pic>
           </mc:Fallback>
         </mc:AlternateContent>
-        <mc:AlternateContent xmlns:mc="http://schemas.openxmlformats.org/markup-compatibility/2006">
-          <mc:Choice xmlns:p14="http://schemas.microsoft.com/office/powerpoint/2010/main" Requires="p14">
+        <mc:AlternateContent xmlns:mc="http://schemas.openxmlformats.org/markup-compatibility/2006" xmlns:p14="http://schemas.microsoft.com/office/powerpoint/2010/main">
+          <mc:Choice Requires="p14">
             <p:contentPart p14:bwMode="auto" r:id="rId131">
               <p14:nvContentPartPr>
                 <p14:cNvPr id="124" name="Ink 123">
@@ -30976,7 +30976,7 @@
               </p14:xfrm>
             </p:contentPart>
           </mc:Choice>
-          <mc:Fallback>
+          <mc:Fallback xmlns="">
             <p:pic>
               <p:nvPicPr>
                 <p:cNvPr id="124" name="Ink 123">
@@ -31007,8 +31007,8 @@
             </p:pic>
           </mc:Fallback>
         </mc:AlternateContent>
-        <mc:AlternateContent xmlns:mc="http://schemas.openxmlformats.org/markup-compatibility/2006">
-          <mc:Choice xmlns:p14="http://schemas.microsoft.com/office/powerpoint/2010/main" Requires="p14">
+        <mc:AlternateContent xmlns:mc="http://schemas.openxmlformats.org/markup-compatibility/2006" xmlns:p14="http://schemas.microsoft.com/office/powerpoint/2010/main">
+          <mc:Choice Requires="p14">
             <p:contentPart p14:bwMode="auto" r:id="rId133">
               <p14:nvContentPartPr>
                 <p14:cNvPr id="125" name="Ink 124">
@@ -31027,7 +31027,7 @@
               </p14:xfrm>
             </p:contentPart>
           </mc:Choice>
-          <mc:Fallback>
+          <mc:Fallback xmlns="">
             <p:pic>
               <p:nvPicPr>
                 <p:cNvPr id="125" name="Ink 124">
@@ -31058,8 +31058,8 @@
             </p:pic>
           </mc:Fallback>
         </mc:AlternateContent>
-        <mc:AlternateContent xmlns:mc="http://schemas.openxmlformats.org/markup-compatibility/2006">
-          <mc:Choice xmlns:p14="http://schemas.microsoft.com/office/powerpoint/2010/main" Requires="p14">
+        <mc:AlternateContent xmlns:mc="http://schemas.openxmlformats.org/markup-compatibility/2006" xmlns:p14="http://schemas.microsoft.com/office/powerpoint/2010/main">
+          <mc:Choice Requires="p14">
             <p:contentPart p14:bwMode="auto" r:id="rId135">
               <p14:nvContentPartPr>
                 <p14:cNvPr id="126" name="Ink 125">
@@ -31078,7 +31078,7 @@
               </p14:xfrm>
             </p:contentPart>
           </mc:Choice>
-          <mc:Fallback>
+          <mc:Fallback xmlns="">
             <p:pic>
               <p:nvPicPr>
                 <p:cNvPr id="126" name="Ink 125">
@@ -31109,8 +31109,8 @@
             </p:pic>
           </mc:Fallback>
         </mc:AlternateContent>
-        <mc:AlternateContent xmlns:mc="http://schemas.openxmlformats.org/markup-compatibility/2006">
-          <mc:Choice xmlns:p14="http://schemas.microsoft.com/office/powerpoint/2010/main" Requires="p14">
+        <mc:AlternateContent xmlns:mc="http://schemas.openxmlformats.org/markup-compatibility/2006" xmlns:p14="http://schemas.microsoft.com/office/powerpoint/2010/main">
+          <mc:Choice Requires="p14">
             <p:contentPart p14:bwMode="auto" r:id="rId137">
               <p14:nvContentPartPr>
                 <p14:cNvPr id="139" name="Ink 138">
@@ -31129,7 +31129,7 @@
               </p14:xfrm>
             </p:contentPart>
           </mc:Choice>
-          <mc:Fallback>
+          <mc:Fallback xmlns="">
             <p:pic>
               <p:nvPicPr>
                 <p:cNvPr id="139" name="Ink 138">
@@ -31160,8 +31160,8 @@
             </p:pic>
           </mc:Fallback>
         </mc:AlternateContent>
-        <mc:AlternateContent xmlns:mc="http://schemas.openxmlformats.org/markup-compatibility/2006">
-          <mc:Choice xmlns:p14="http://schemas.microsoft.com/office/powerpoint/2010/main" Requires="p14">
+        <mc:AlternateContent xmlns:mc="http://schemas.openxmlformats.org/markup-compatibility/2006" xmlns:p14="http://schemas.microsoft.com/office/powerpoint/2010/main">
+          <mc:Choice Requires="p14">
             <p:contentPart p14:bwMode="auto" r:id="rId139">
               <p14:nvContentPartPr>
                 <p14:cNvPr id="140" name="Ink 139">
@@ -31180,7 +31180,7 @@
               </p14:xfrm>
             </p:contentPart>
           </mc:Choice>
-          <mc:Fallback>
+          <mc:Fallback xmlns="">
             <p:pic>
               <p:nvPicPr>
                 <p:cNvPr id="140" name="Ink 139">
@@ -31211,8 +31211,8 @@
             </p:pic>
           </mc:Fallback>
         </mc:AlternateContent>
-        <mc:AlternateContent xmlns:mc="http://schemas.openxmlformats.org/markup-compatibility/2006">
-          <mc:Choice xmlns:p14="http://schemas.microsoft.com/office/powerpoint/2010/main" Requires="p14">
+        <mc:AlternateContent xmlns:mc="http://schemas.openxmlformats.org/markup-compatibility/2006" xmlns:p14="http://schemas.microsoft.com/office/powerpoint/2010/main">
+          <mc:Choice Requires="p14">
             <p:contentPart p14:bwMode="auto" r:id="rId141">
               <p14:nvContentPartPr>
                 <p14:cNvPr id="141" name="Ink 140">
@@ -31231,7 +31231,7 @@
               </p14:xfrm>
             </p:contentPart>
           </mc:Choice>
-          <mc:Fallback>
+          <mc:Fallback xmlns="">
             <p:pic>
               <p:nvPicPr>
                 <p:cNvPr id="141" name="Ink 140">
@@ -31346,8 +31346,8 @@
           </a:graphicData>
         </a:graphic>
       </p:graphicFrame>
-      <mc:AlternateContent xmlns:mc="http://schemas.openxmlformats.org/markup-compatibility/2006">
-        <mc:Choice xmlns:p14="http://schemas.microsoft.com/office/powerpoint/2010/main" Requires="p14">
+      <mc:AlternateContent xmlns:mc="http://schemas.openxmlformats.org/markup-compatibility/2006" xmlns:p14="http://schemas.microsoft.com/office/powerpoint/2010/main">
+        <mc:Choice Requires="p14">
           <p:contentPart p14:bwMode="auto" r:id="rId145">
             <p14:nvContentPartPr>
               <p14:cNvPr id="145" name="Ink 144">
@@ -31366,7 +31366,7 @@
             </p14:xfrm>
           </p:contentPart>
         </mc:Choice>
-        <mc:Fallback>
+        <mc:Fallback xmlns="">
           <p:pic>
             <p:nvPicPr>
               <p:cNvPr id="145" name="Ink 144">
@@ -32396,8 +32396,8 @@
           </a:graphicData>
         </a:graphic>
       </p:graphicFrame>
-      <mc:AlternateContent xmlns:mc="http://schemas.openxmlformats.org/markup-compatibility/2006">
-        <mc:Choice xmlns:p14="http://schemas.microsoft.com/office/powerpoint/2010/main" Requires="p14">
+      <mc:AlternateContent xmlns:mc="http://schemas.openxmlformats.org/markup-compatibility/2006" xmlns:p14="http://schemas.microsoft.com/office/powerpoint/2010/main">
+        <mc:Choice Requires="p14">
           <p:contentPart p14:bwMode="auto" r:id="rId4">
             <p14:nvContentPartPr>
               <p14:cNvPr id="34" name="Ink 33">
@@ -32416,7 +32416,7 @@
             </p14:xfrm>
           </p:contentPart>
         </mc:Choice>
-        <mc:Fallback>
+        <mc:Fallback xmlns="">
           <p:pic>
             <p:nvPicPr>
               <p:cNvPr id="34" name="Ink 33">
@@ -33224,8 +33224,8 @@
           </a:p>
         </p:txBody>
       </p:sp>
-      <mc:AlternateContent xmlns:mc="http://schemas.openxmlformats.org/markup-compatibility/2006">
-        <mc:Choice xmlns:p14="http://schemas.microsoft.com/office/powerpoint/2010/main" Requires="p14">
+      <mc:AlternateContent xmlns:mc="http://schemas.openxmlformats.org/markup-compatibility/2006" xmlns:p14="http://schemas.microsoft.com/office/powerpoint/2010/main">
+        <mc:Choice Requires="p14">
           <p:contentPart p14:bwMode="auto" r:id="rId2">
             <p14:nvContentPartPr>
               <p14:cNvPr id="10" name="Ink 9">
@@ -33244,7 +33244,7 @@
             </p14:xfrm>
           </p:contentPart>
         </mc:Choice>
-        <mc:Fallback>
+        <mc:Fallback xmlns="">
           <p:pic>
             <p:nvPicPr>
               <p:cNvPr id="10" name="Ink 9">
@@ -33295,8 +33295,8 @@
             <a:chExt cx="709200" cy="239760"/>
           </a:xfrm>
         </p:grpSpPr>
-        <mc:AlternateContent xmlns:mc="http://schemas.openxmlformats.org/markup-compatibility/2006">
-          <mc:Choice xmlns:p14="http://schemas.microsoft.com/office/powerpoint/2010/main" Requires="p14">
+        <mc:AlternateContent xmlns:mc="http://schemas.openxmlformats.org/markup-compatibility/2006" xmlns:p14="http://schemas.microsoft.com/office/powerpoint/2010/main">
+          <mc:Choice Requires="p14">
             <p:contentPart p14:bwMode="auto" r:id="rId4">
               <p14:nvContentPartPr>
                 <p14:cNvPr id="162" name="Ink 161">
@@ -33315,7 +33315,7 @@
               </p14:xfrm>
             </p:contentPart>
           </mc:Choice>
-          <mc:Fallback>
+          <mc:Fallback xmlns="">
             <p:pic>
               <p:nvPicPr>
                 <p:cNvPr id="162" name="Ink 161">
@@ -33346,8 +33346,8 @@
             </p:pic>
           </mc:Fallback>
         </mc:AlternateContent>
-        <mc:AlternateContent xmlns:mc="http://schemas.openxmlformats.org/markup-compatibility/2006">
-          <mc:Choice xmlns:p14="http://schemas.microsoft.com/office/powerpoint/2010/main" Requires="p14">
+        <mc:AlternateContent xmlns:mc="http://schemas.openxmlformats.org/markup-compatibility/2006" xmlns:p14="http://schemas.microsoft.com/office/powerpoint/2010/main">
+          <mc:Choice Requires="p14">
             <p:contentPart p14:bwMode="auto" r:id="rId6">
               <p14:nvContentPartPr>
                 <p14:cNvPr id="227" name="Ink 226">
@@ -33366,7 +33366,7 @@
               </p14:xfrm>
             </p:contentPart>
           </mc:Choice>
-          <mc:Fallback>
+          <mc:Fallback xmlns="">
             <p:pic>
               <p:nvPicPr>
                 <p:cNvPr id="227" name="Ink 226">
@@ -33397,8 +33397,8 @@
             </p:pic>
           </mc:Fallback>
         </mc:AlternateContent>
-        <mc:AlternateContent xmlns:mc="http://schemas.openxmlformats.org/markup-compatibility/2006">
-          <mc:Choice xmlns:p14="http://schemas.microsoft.com/office/powerpoint/2010/main" Requires="p14">
+        <mc:AlternateContent xmlns:mc="http://schemas.openxmlformats.org/markup-compatibility/2006" xmlns:p14="http://schemas.microsoft.com/office/powerpoint/2010/main">
+          <mc:Choice Requires="p14">
             <p:contentPart p14:bwMode="auto" r:id="rId8">
               <p14:nvContentPartPr>
                 <p14:cNvPr id="235" name="Ink 234">
@@ -33417,7 +33417,7 @@
               </p14:xfrm>
             </p:contentPart>
           </mc:Choice>
-          <mc:Fallback>
+          <mc:Fallback xmlns="">
             <p:pic>
               <p:nvPicPr>
                 <p:cNvPr id="235" name="Ink 234">
@@ -33448,8 +33448,8 @@
             </p:pic>
           </mc:Fallback>
         </mc:AlternateContent>
-        <mc:AlternateContent xmlns:mc="http://schemas.openxmlformats.org/markup-compatibility/2006">
-          <mc:Choice xmlns:p14="http://schemas.microsoft.com/office/powerpoint/2010/main" Requires="p14">
+        <mc:AlternateContent xmlns:mc="http://schemas.openxmlformats.org/markup-compatibility/2006" xmlns:p14="http://schemas.microsoft.com/office/powerpoint/2010/main">
+          <mc:Choice Requires="p14">
             <p:contentPart p14:bwMode="auto" r:id="rId10">
               <p14:nvContentPartPr>
                 <p14:cNvPr id="236" name="Ink 235">
@@ -33468,7 +33468,7 @@
               </p14:xfrm>
             </p:contentPart>
           </mc:Choice>
-          <mc:Fallback>
+          <mc:Fallback xmlns="">
             <p:pic>
               <p:nvPicPr>
                 <p:cNvPr id="236" name="Ink 235">
@@ -33499,8 +33499,8 @@
             </p:pic>
           </mc:Fallback>
         </mc:AlternateContent>
-        <mc:AlternateContent xmlns:mc="http://schemas.openxmlformats.org/markup-compatibility/2006">
-          <mc:Choice xmlns:p14="http://schemas.microsoft.com/office/powerpoint/2010/main" Requires="p14">
+        <mc:AlternateContent xmlns:mc="http://schemas.openxmlformats.org/markup-compatibility/2006" xmlns:p14="http://schemas.microsoft.com/office/powerpoint/2010/main">
+          <mc:Choice Requires="p14">
             <p:contentPart p14:bwMode="auto" r:id="rId12">
               <p14:nvContentPartPr>
                 <p14:cNvPr id="237" name="Ink 236">
@@ -33519,7 +33519,7 @@
               </p14:xfrm>
             </p:contentPart>
           </mc:Choice>
-          <mc:Fallback>
+          <mc:Fallback xmlns="">
             <p:pic>
               <p:nvPicPr>
                 <p:cNvPr id="237" name="Ink 236">
@@ -33550,8 +33550,8 @@
             </p:pic>
           </mc:Fallback>
         </mc:AlternateContent>
-        <mc:AlternateContent xmlns:mc="http://schemas.openxmlformats.org/markup-compatibility/2006">
-          <mc:Choice xmlns:p14="http://schemas.microsoft.com/office/powerpoint/2010/main" Requires="p14">
+        <mc:AlternateContent xmlns:mc="http://schemas.openxmlformats.org/markup-compatibility/2006" xmlns:p14="http://schemas.microsoft.com/office/powerpoint/2010/main">
+          <mc:Choice Requires="p14">
             <p:contentPart p14:bwMode="auto" r:id="rId14">
               <p14:nvContentPartPr>
                 <p14:cNvPr id="238" name="Ink 237">
@@ -33570,7 +33570,7 @@
               </p14:xfrm>
             </p:contentPart>
           </mc:Choice>
-          <mc:Fallback>
+          <mc:Fallback xmlns="">
             <p:pic>
               <p:nvPicPr>
                 <p:cNvPr id="238" name="Ink 237">
@@ -33601,8 +33601,8 @@
             </p:pic>
           </mc:Fallback>
         </mc:AlternateContent>
-        <mc:AlternateContent xmlns:mc="http://schemas.openxmlformats.org/markup-compatibility/2006">
-          <mc:Choice xmlns:p14="http://schemas.microsoft.com/office/powerpoint/2010/main" Requires="p14">
+        <mc:AlternateContent xmlns:mc="http://schemas.openxmlformats.org/markup-compatibility/2006" xmlns:p14="http://schemas.microsoft.com/office/powerpoint/2010/main">
+          <mc:Choice Requires="p14">
             <p:contentPart p14:bwMode="auto" r:id="rId16">
               <p14:nvContentPartPr>
                 <p14:cNvPr id="239" name="Ink 238">
@@ -33621,7 +33621,7 @@
               </p14:xfrm>
             </p:contentPart>
           </mc:Choice>
-          <mc:Fallback>
+          <mc:Fallback xmlns="">
             <p:pic>
               <p:nvPicPr>
                 <p:cNvPr id="239" name="Ink 238">
@@ -33673,8 +33673,8 @@
             <a:chExt cx="1441440" cy="272520"/>
           </a:xfrm>
         </p:grpSpPr>
-        <mc:AlternateContent xmlns:mc="http://schemas.openxmlformats.org/markup-compatibility/2006">
-          <mc:Choice xmlns:p14="http://schemas.microsoft.com/office/powerpoint/2010/main" Requires="p14">
+        <mc:AlternateContent xmlns:mc="http://schemas.openxmlformats.org/markup-compatibility/2006" xmlns:p14="http://schemas.microsoft.com/office/powerpoint/2010/main">
+          <mc:Choice Requires="p14">
             <p:contentPart p14:bwMode="auto" r:id="rId18">
               <p14:nvContentPartPr>
                 <p14:cNvPr id="241" name="Ink 240">
@@ -33693,7 +33693,7 @@
               </p14:xfrm>
             </p:contentPart>
           </mc:Choice>
-          <mc:Fallback>
+          <mc:Fallback xmlns="">
             <p:pic>
               <p:nvPicPr>
                 <p:cNvPr id="241" name="Ink 240">
@@ -33724,8 +33724,8 @@
             </p:pic>
           </mc:Fallback>
         </mc:AlternateContent>
-        <mc:AlternateContent xmlns:mc="http://schemas.openxmlformats.org/markup-compatibility/2006">
-          <mc:Choice xmlns:p14="http://schemas.microsoft.com/office/powerpoint/2010/main" Requires="p14">
+        <mc:AlternateContent xmlns:mc="http://schemas.openxmlformats.org/markup-compatibility/2006" xmlns:p14="http://schemas.microsoft.com/office/powerpoint/2010/main">
+          <mc:Choice Requires="p14">
             <p:contentPart p14:bwMode="auto" r:id="rId20">
               <p14:nvContentPartPr>
                 <p14:cNvPr id="242" name="Ink 241">
@@ -33744,7 +33744,7 @@
               </p14:xfrm>
             </p:contentPart>
           </mc:Choice>
-          <mc:Fallback>
+          <mc:Fallback xmlns="">
             <p:pic>
               <p:nvPicPr>
                 <p:cNvPr id="242" name="Ink 241">
@@ -33775,8 +33775,8 @@
             </p:pic>
           </mc:Fallback>
         </mc:AlternateContent>
-        <mc:AlternateContent xmlns:mc="http://schemas.openxmlformats.org/markup-compatibility/2006">
-          <mc:Choice xmlns:p14="http://schemas.microsoft.com/office/powerpoint/2010/main" Requires="p14">
+        <mc:AlternateContent xmlns:mc="http://schemas.openxmlformats.org/markup-compatibility/2006" xmlns:p14="http://schemas.microsoft.com/office/powerpoint/2010/main">
+          <mc:Choice Requires="p14">
             <p:contentPart p14:bwMode="auto" r:id="rId22">
               <p14:nvContentPartPr>
                 <p14:cNvPr id="243" name="Ink 242">
@@ -33795,7 +33795,7 @@
               </p14:xfrm>
             </p:contentPart>
           </mc:Choice>
-          <mc:Fallback>
+          <mc:Fallback xmlns="">
             <p:pic>
               <p:nvPicPr>
                 <p:cNvPr id="243" name="Ink 242">
@@ -33826,8 +33826,8 @@
             </p:pic>
           </mc:Fallback>
         </mc:AlternateContent>
-        <mc:AlternateContent xmlns:mc="http://schemas.openxmlformats.org/markup-compatibility/2006">
-          <mc:Choice xmlns:p14="http://schemas.microsoft.com/office/powerpoint/2010/main" Requires="p14">
+        <mc:AlternateContent xmlns:mc="http://schemas.openxmlformats.org/markup-compatibility/2006" xmlns:p14="http://schemas.microsoft.com/office/powerpoint/2010/main">
+          <mc:Choice Requires="p14">
             <p:contentPart p14:bwMode="auto" r:id="rId24">
               <p14:nvContentPartPr>
                 <p14:cNvPr id="244" name="Ink 243">
@@ -33846,7 +33846,7 @@
               </p14:xfrm>
             </p:contentPart>
           </mc:Choice>
-          <mc:Fallback>
+          <mc:Fallback xmlns="">
             <p:pic>
               <p:nvPicPr>
                 <p:cNvPr id="244" name="Ink 243">
@@ -33877,8 +33877,8 @@
             </p:pic>
           </mc:Fallback>
         </mc:AlternateContent>
-        <mc:AlternateContent xmlns:mc="http://schemas.openxmlformats.org/markup-compatibility/2006">
-          <mc:Choice xmlns:p14="http://schemas.microsoft.com/office/powerpoint/2010/main" Requires="p14">
+        <mc:AlternateContent xmlns:mc="http://schemas.openxmlformats.org/markup-compatibility/2006" xmlns:p14="http://schemas.microsoft.com/office/powerpoint/2010/main">
+          <mc:Choice Requires="p14">
             <p:contentPart p14:bwMode="auto" r:id="rId26">
               <p14:nvContentPartPr>
                 <p14:cNvPr id="246" name="Ink 245">
@@ -33897,7 +33897,7 @@
               </p14:xfrm>
             </p:contentPart>
           </mc:Choice>
-          <mc:Fallback>
+          <mc:Fallback xmlns="">
             <p:pic>
               <p:nvPicPr>
                 <p:cNvPr id="246" name="Ink 245">
@@ -33928,8 +33928,8 @@
             </p:pic>
           </mc:Fallback>
         </mc:AlternateContent>
-        <mc:AlternateContent xmlns:mc="http://schemas.openxmlformats.org/markup-compatibility/2006">
-          <mc:Choice xmlns:p14="http://schemas.microsoft.com/office/powerpoint/2010/main" Requires="p14">
+        <mc:AlternateContent xmlns:mc="http://schemas.openxmlformats.org/markup-compatibility/2006" xmlns:p14="http://schemas.microsoft.com/office/powerpoint/2010/main">
+          <mc:Choice Requires="p14">
             <p:contentPart p14:bwMode="auto" r:id="rId28">
               <p14:nvContentPartPr>
                 <p14:cNvPr id="247" name="Ink 246">
@@ -33948,7 +33948,7 @@
               </p14:xfrm>
             </p:contentPart>
           </mc:Choice>
-          <mc:Fallback>
+          <mc:Fallback xmlns="">
             <p:pic>
               <p:nvPicPr>
                 <p:cNvPr id="247" name="Ink 246">
@@ -33979,8 +33979,8 @@
             </p:pic>
           </mc:Fallback>
         </mc:AlternateContent>
-        <mc:AlternateContent xmlns:mc="http://schemas.openxmlformats.org/markup-compatibility/2006">
-          <mc:Choice xmlns:p14="http://schemas.microsoft.com/office/powerpoint/2010/main" Requires="p14">
+        <mc:AlternateContent xmlns:mc="http://schemas.openxmlformats.org/markup-compatibility/2006" xmlns:p14="http://schemas.microsoft.com/office/powerpoint/2010/main">
+          <mc:Choice Requires="p14">
             <p:contentPart p14:bwMode="auto" r:id="rId30">
               <p14:nvContentPartPr>
                 <p14:cNvPr id="248" name="Ink 247">
@@ -33999,7 +33999,7 @@
               </p14:xfrm>
             </p:contentPart>
           </mc:Choice>
-          <mc:Fallback>
+          <mc:Fallback xmlns="">
             <p:pic>
               <p:nvPicPr>
                 <p:cNvPr id="248" name="Ink 247">
@@ -34030,8 +34030,8 @@
             </p:pic>
           </mc:Fallback>
         </mc:AlternateContent>
-        <mc:AlternateContent xmlns:mc="http://schemas.openxmlformats.org/markup-compatibility/2006">
-          <mc:Choice xmlns:p14="http://schemas.microsoft.com/office/powerpoint/2010/main" Requires="p14">
+        <mc:AlternateContent xmlns:mc="http://schemas.openxmlformats.org/markup-compatibility/2006" xmlns:p14="http://schemas.microsoft.com/office/powerpoint/2010/main">
+          <mc:Choice Requires="p14">
             <p:contentPart p14:bwMode="auto" r:id="rId32">
               <p14:nvContentPartPr>
                 <p14:cNvPr id="249" name="Ink 248">
@@ -34050,7 +34050,7 @@
               </p14:xfrm>
             </p:contentPart>
           </mc:Choice>
-          <mc:Fallback>
+          <mc:Fallback xmlns="">
             <p:pic>
               <p:nvPicPr>
                 <p:cNvPr id="249" name="Ink 248">
@@ -34081,8 +34081,8 @@
             </p:pic>
           </mc:Fallback>
         </mc:AlternateContent>
-        <mc:AlternateContent xmlns:mc="http://schemas.openxmlformats.org/markup-compatibility/2006">
-          <mc:Choice xmlns:p14="http://schemas.microsoft.com/office/powerpoint/2010/main" Requires="p14">
+        <mc:AlternateContent xmlns:mc="http://schemas.openxmlformats.org/markup-compatibility/2006" xmlns:p14="http://schemas.microsoft.com/office/powerpoint/2010/main">
+          <mc:Choice Requires="p14">
             <p:contentPart p14:bwMode="auto" r:id="rId34">
               <p14:nvContentPartPr>
                 <p14:cNvPr id="268" name="Ink 267">
@@ -34101,7 +34101,7 @@
               </p14:xfrm>
             </p:contentPart>
           </mc:Choice>
-          <mc:Fallback>
+          <mc:Fallback xmlns="">
             <p:pic>
               <p:nvPicPr>
                 <p:cNvPr id="268" name="Ink 267">
@@ -34132,8 +34132,8 @@
             </p:pic>
           </mc:Fallback>
         </mc:AlternateContent>
-        <mc:AlternateContent xmlns:mc="http://schemas.openxmlformats.org/markup-compatibility/2006">
-          <mc:Choice xmlns:p14="http://schemas.microsoft.com/office/powerpoint/2010/main" Requires="p14">
+        <mc:AlternateContent xmlns:mc="http://schemas.openxmlformats.org/markup-compatibility/2006" xmlns:p14="http://schemas.microsoft.com/office/powerpoint/2010/main">
+          <mc:Choice Requires="p14">
             <p:contentPart p14:bwMode="auto" r:id="rId36">
               <p14:nvContentPartPr>
                 <p14:cNvPr id="270" name="Ink 269">
@@ -34152,7 +34152,7 @@
               </p14:xfrm>
             </p:contentPart>
           </mc:Choice>
-          <mc:Fallback>
+          <mc:Fallback xmlns="">
             <p:pic>
               <p:nvPicPr>
                 <p:cNvPr id="270" name="Ink 269">
@@ -34183,8 +34183,8 @@
             </p:pic>
           </mc:Fallback>
         </mc:AlternateContent>
-        <mc:AlternateContent xmlns:mc="http://schemas.openxmlformats.org/markup-compatibility/2006">
-          <mc:Choice xmlns:p14="http://schemas.microsoft.com/office/powerpoint/2010/main" Requires="p14">
+        <mc:AlternateContent xmlns:mc="http://schemas.openxmlformats.org/markup-compatibility/2006" xmlns:p14="http://schemas.microsoft.com/office/powerpoint/2010/main">
+          <mc:Choice Requires="p14">
             <p:contentPart p14:bwMode="auto" r:id="rId38">
               <p14:nvContentPartPr>
                 <p14:cNvPr id="273" name="Ink 272">
@@ -34203,7 +34203,7 @@
               </p14:xfrm>
             </p:contentPart>
           </mc:Choice>
-          <mc:Fallback>
+          <mc:Fallback xmlns="">
             <p:pic>
               <p:nvPicPr>
                 <p:cNvPr id="273" name="Ink 272">
@@ -34234,8 +34234,8 @@
             </p:pic>
           </mc:Fallback>
         </mc:AlternateContent>
-        <mc:AlternateContent xmlns:mc="http://schemas.openxmlformats.org/markup-compatibility/2006">
-          <mc:Choice xmlns:p14="http://schemas.microsoft.com/office/powerpoint/2010/main" Requires="p14">
+        <mc:AlternateContent xmlns:mc="http://schemas.openxmlformats.org/markup-compatibility/2006" xmlns:p14="http://schemas.microsoft.com/office/powerpoint/2010/main">
+          <mc:Choice Requires="p14">
             <p:contentPart p14:bwMode="auto" r:id="rId40">
               <p14:nvContentPartPr>
                 <p14:cNvPr id="275" name="Ink 274">
@@ -34254,7 +34254,7 @@
               </p14:xfrm>
             </p:contentPart>
           </mc:Choice>
-          <mc:Fallback>
+          <mc:Fallback xmlns="">
             <p:pic>
               <p:nvPicPr>
                 <p:cNvPr id="275" name="Ink 274">
@@ -34285,8 +34285,8 @@
             </p:pic>
           </mc:Fallback>
         </mc:AlternateContent>
-        <mc:AlternateContent xmlns:mc="http://schemas.openxmlformats.org/markup-compatibility/2006">
-          <mc:Choice xmlns:p14="http://schemas.microsoft.com/office/powerpoint/2010/main" Requires="p14">
+        <mc:AlternateContent xmlns:mc="http://schemas.openxmlformats.org/markup-compatibility/2006" xmlns:p14="http://schemas.microsoft.com/office/powerpoint/2010/main">
+          <mc:Choice Requires="p14">
             <p:contentPart p14:bwMode="auto" r:id="rId42">
               <p14:nvContentPartPr>
                 <p14:cNvPr id="278" name="Ink 277">
@@ -34305,7 +34305,7 @@
               </p14:xfrm>
             </p:contentPart>
           </mc:Choice>
-          <mc:Fallback>
+          <mc:Fallback xmlns="">
             <p:pic>
               <p:nvPicPr>
                 <p:cNvPr id="278" name="Ink 277">
@@ -34336,8 +34336,8 @@
             </p:pic>
           </mc:Fallback>
         </mc:AlternateContent>
-        <mc:AlternateContent xmlns:mc="http://schemas.openxmlformats.org/markup-compatibility/2006">
-          <mc:Choice xmlns:p14="http://schemas.microsoft.com/office/powerpoint/2010/main" Requires="p14">
+        <mc:AlternateContent xmlns:mc="http://schemas.openxmlformats.org/markup-compatibility/2006" xmlns:p14="http://schemas.microsoft.com/office/powerpoint/2010/main">
+          <mc:Choice Requires="p14">
             <p:contentPart p14:bwMode="auto" r:id="rId44">
               <p14:nvContentPartPr>
                 <p14:cNvPr id="279" name="Ink 278">
@@ -34356,7 +34356,7 @@
               </p14:xfrm>
             </p:contentPart>
           </mc:Choice>
-          <mc:Fallback>
+          <mc:Fallback xmlns="">
             <p:pic>
               <p:nvPicPr>
                 <p:cNvPr id="279" name="Ink 278">
@@ -34388,8 +34388,8 @@
           </mc:Fallback>
         </mc:AlternateContent>
       </p:grpSp>
-      <mc:AlternateContent xmlns:mc="http://schemas.openxmlformats.org/markup-compatibility/2006">
-        <mc:Choice xmlns:p14="http://schemas.microsoft.com/office/powerpoint/2010/main" Requires="p14">
+      <mc:AlternateContent xmlns:mc="http://schemas.openxmlformats.org/markup-compatibility/2006" xmlns:p14="http://schemas.microsoft.com/office/powerpoint/2010/main">
+        <mc:Choice Requires="p14">
           <p:contentPart p14:bwMode="auto" r:id="rId46">
             <p14:nvContentPartPr>
               <p14:cNvPr id="280" name="Ink 279">
@@ -34408,7 +34408,7 @@
             </p14:xfrm>
           </p:contentPart>
         </mc:Choice>
-        <mc:Fallback>
+        <mc:Fallback xmlns="">
           <p:pic>
             <p:nvPicPr>
               <p:cNvPr id="280" name="Ink 279">
@@ -34459,8 +34459,8 @@
             <a:chExt cx="995040" cy="252720"/>
           </a:xfrm>
         </p:grpSpPr>
-        <mc:AlternateContent xmlns:mc="http://schemas.openxmlformats.org/markup-compatibility/2006">
-          <mc:Choice xmlns:p14="http://schemas.microsoft.com/office/powerpoint/2010/main" Requires="p14">
+        <mc:AlternateContent xmlns:mc="http://schemas.openxmlformats.org/markup-compatibility/2006" xmlns:p14="http://schemas.microsoft.com/office/powerpoint/2010/main">
+          <mc:Choice Requires="p14">
             <p:contentPart p14:bwMode="auto" r:id="rId48">
               <p14:nvContentPartPr>
                 <p14:cNvPr id="282" name="Ink 281">
@@ -34479,7 +34479,7 @@
               </p14:xfrm>
             </p:contentPart>
           </mc:Choice>
-          <mc:Fallback>
+          <mc:Fallback xmlns="">
             <p:pic>
               <p:nvPicPr>
                 <p:cNvPr id="282" name="Ink 281">
@@ -34510,8 +34510,8 @@
             </p:pic>
           </mc:Fallback>
         </mc:AlternateContent>
-        <mc:AlternateContent xmlns:mc="http://schemas.openxmlformats.org/markup-compatibility/2006">
-          <mc:Choice xmlns:p14="http://schemas.microsoft.com/office/powerpoint/2010/main" Requires="p14">
+        <mc:AlternateContent xmlns:mc="http://schemas.openxmlformats.org/markup-compatibility/2006" xmlns:p14="http://schemas.microsoft.com/office/powerpoint/2010/main">
+          <mc:Choice Requires="p14">
             <p:contentPart p14:bwMode="auto" r:id="rId50">
               <p14:nvContentPartPr>
                 <p14:cNvPr id="283" name="Ink 282">
@@ -34530,7 +34530,7 @@
               </p14:xfrm>
             </p:contentPart>
           </mc:Choice>
-          <mc:Fallback>
+          <mc:Fallback xmlns="">
             <p:pic>
               <p:nvPicPr>
                 <p:cNvPr id="283" name="Ink 282">
@@ -34561,8 +34561,8 @@
             </p:pic>
           </mc:Fallback>
         </mc:AlternateContent>
-        <mc:AlternateContent xmlns:mc="http://schemas.openxmlformats.org/markup-compatibility/2006">
-          <mc:Choice xmlns:p14="http://schemas.microsoft.com/office/powerpoint/2010/main" Requires="p14">
+        <mc:AlternateContent xmlns:mc="http://schemas.openxmlformats.org/markup-compatibility/2006" xmlns:p14="http://schemas.microsoft.com/office/powerpoint/2010/main">
+          <mc:Choice Requires="p14">
             <p:contentPart p14:bwMode="auto" r:id="rId52">
               <p14:nvContentPartPr>
                 <p14:cNvPr id="284" name="Ink 283">
@@ -34581,7 +34581,7 @@
               </p14:xfrm>
             </p:contentPart>
           </mc:Choice>
-          <mc:Fallback>
+          <mc:Fallback xmlns="">
             <p:pic>
               <p:nvPicPr>
                 <p:cNvPr id="284" name="Ink 283">
@@ -34612,8 +34612,8 @@
             </p:pic>
           </mc:Fallback>
         </mc:AlternateContent>
-        <mc:AlternateContent xmlns:mc="http://schemas.openxmlformats.org/markup-compatibility/2006">
-          <mc:Choice xmlns:p14="http://schemas.microsoft.com/office/powerpoint/2010/main" Requires="p14">
+        <mc:AlternateContent xmlns:mc="http://schemas.openxmlformats.org/markup-compatibility/2006" xmlns:p14="http://schemas.microsoft.com/office/powerpoint/2010/main">
+          <mc:Choice Requires="p14">
             <p:contentPart p14:bwMode="auto" r:id="rId54">
               <p14:nvContentPartPr>
                 <p14:cNvPr id="285" name="Ink 284">
@@ -34632,7 +34632,7 @@
               </p14:xfrm>
             </p:contentPart>
           </mc:Choice>
-          <mc:Fallback>
+          <mc:Fallback xmlns="">
             <p:pic>
               <p:nvPicPr>
                 <p:cNvPr id="285" name="Ink 284">
@@ -34663,8 +34663,8 @@
             </p:pic>
           </mc:Fallback>
         </mc:AlternateContent>
-        <mc:AlternateContent xmlns:mc="http://schemas.openxmlformats.org/markup-compatibility/2006">
-          <mc:Choice xmlns:p14="http://schemas.microsoft.com/office/powerpoint/2010/main" Requires="p14">
+        <mc:AlternateContent xmlns:mc="http://schemas.openxmlformats.org/markup-compatibility/2006" xmlns:p14="http://schemas.microsoft.com/office/powerpoint/2010/main">
+          <mc:Choice Requires="p14">
             <p:contentPart p14:bwMode="auto" r:id="rId56">
               <p14:nvContentPartPr>
                 <p14:cNvPr id="286" name="Ink 285">
@@ -34683,7 +34683,7 @@
               </p14:xfrm>
             </p:contentPart>
           </mc:Choice>
-          <mc:Fallback>
+          <mc:Fallback xmlns="">
             <p:pic>
               <p:nvPicPr>
                 <p:cNvPr id="286" name="Ink 285">
@@ -34714,8 +34714,8 @@
             </p:pic>
           </mc:Fallback>
         </mc:AlternateContent>
-        <mc:AlternateContent xmlns:mc="http://schemas.openxmlformats.org/markup-compatibility/2006">
-          <mc:Choice xmlns:p14="http://schemas.microsoft.com/office/powerpoint/2010/main" Requires="p14">
+        <mc:AlternateContent xmlns:mc="http://schemas.openxmlformats.org/markup-compatibility/2006" xmlns:p14="http://schemas.microsoft.com/office/powerpoint/2010/main">
+          <mc:Choice Requires="p14">
             <p:contentPart p14:bwMode="auto" r:id="rId58">
               <p14:nvContentPartPr>
                 <p14:cNvPr id="287" name="Ink 286">
@@ -34734,7 +34734,7 @@
               </p14:xfrm>
             </p:contentPart>
           </mc:Choice>
-          <mc:Fallback>
+          <mc:Fallback xmlns="">
             <p:pic>
               <p:nvPicPr>
                 <p:cNvPr id="287" name="Ink 286">
@@ -34765,8 +34765,8 @@
             </p:pic>
           </mc:Fallback>
         </mc:AlternateContent>
-        <mc:AlternateContent xmlns:mc="http://schemas.openxmlformats.org/markup-compatibility/2006">
-          <mc:Choice xmlns:p14="http://schemas.microsoft.com/office/powerpoint/2010/main" Requires="p14">
+        <mc:AlternateContent xmlns:mc="http://schemas.openxmlformats.org/markup-compatibility/2006" xmlns:p14="http://schemas.microsoft.com/office/powerpoint/2010/main">
+          <mc:Choice Requires="p14">
             <p:contentPart p14:bwMode="auto" r:id="rId60">
               <p14:nvContentPartPr>
                 <p14:cNvPr id="288" name="Ink 287">
@@ -34785,7 +34785,7 @@
               </p14:xfrm>
             </p:contentPart>
           </mc:Choice>
-          <mc:Fallback>
+          <mc:Fallback xmlns="">
             <p:pic>
               <p:nvPicPr>
                 <p:cNvPr id="288" name="Ink 287">
@@ -34816,8 +34816,8 @@
             </p:pic>
           </mc:Fallback>
         </mc:AlternateContent>
-        <mc:AlternateContent xmlns:mc="http://schemas.openxmlformats.org/markup-compatibility/2006">
-          <mc:Choice xmlns:p14="http://schemas.microsoft.com/office/powerpoint/2010/main" Requires="p14">
+        <mc:AlternateContent xmlns:mc="http://schemas.openxmlformats.org/markup-compatibility/2006" xmlns:p14="http://schemas.microsoft.com/office/powerpoint/2010/main">
+          <mc:Choice Requires="p14">
             <p:contentPart p14:bwMode="auto" r:id="rId62">
               <p14:nvContentPartPr>
                 <p14:cNvPr id="289" name="Ink 288">
@@ -34836,7 +34836,7 @@
               </p14:xfrm>
             </p:contentPart>
           </mc:Choice>
-          <mc:Fallback>
+          <mc:Fallback xmlns="">
             <p:pic>
               <p:nvPicPr>
                 <p:cNvPr id="289" name="Ink 288">
@@ -34867,8 +34867,8 @@
             </p:pic>
           </mc:Fallback>
         </mc:AlternateContent>
-        <mc:AlternateContent xmlns:mc="http://schemas.openxmlformats.org/markup-compatibility/2006">
-          <mc:Choice xmlns:p14="http://schemas.microsoft.com/office/powerpoint/2010/main" Requires="p14">
+        <mc:AlternateContent xmlns:mc="http://schemas.openxmlformats.org/markup-compatibility/2006" xmlns:p14="http://schemas.microsoft.com/office/powerpoint/2010/main">
+          <mc:Choice Requires="p14">
             <p:contentPart p14:bwMode="auto" r:id="rId64">
               <p14:nvContentPartPr>
                 <p14:cNvPr id="290" name="Ink 289">
@@ -34887,7 +34887,7 @@
               </p14:xfrm>
             </p:contentPart>
           </mc:Choice>
-          <mc:Fallback>
+          <mc:Fallback xmlns="">
             <p:pic>
               <p:nvPicPr>
                 <p:cNvPr id="290" name="Ink 289">
@@ -34939,8 +34939,8 @@
             <a:chExt cx="193680" cy="148320"/>
           </a:xfrm>
         </p:grpSpPr>
-        <mc:AlternateContent xmlns:mc="http://schemas.openxmlformats.org/markup-compatibility/2006">
-          <mc:Choice xmlns:p14="http://schemas.microsoft.com/office/powerpoint/2010/main" Requires="p14">
+        <mc:AlternateContent xmlns:mc="http://schemas.openxmlformats.org/markup-compatibility/2006" xmlns:p14="http://schemas.microsoft.com/office/powerpoint/2010/main">
+          <mc:Choice Requires="p14">
             <p:contentPart p14:bwMode="auto" r:id="rId66">
               <p14:nvContentPartPr>
                 <p14:cNvPr id="291" name="Ink 290">
@@ -34959,7 +34959,7 @@
               </p14:xfrm>
             </p:contentPart>
           </mc:Choice>
-          <mc:Fallback>
+          <mc:Fallback xmlns="">
             <p:pic>
               <p:nvPicPr>
                 <p:cNvPr id="291" name="Ink 290">
@@ -34990,8 +34990,8 @@
             </p:pic>
           </mc:Fallback>
         </mc:AlternateContent>
-        <mc:AlternateContent xmlns:mc="http://schemas.openxmlformats.org/markup-compatibility/2006">
-          <mc:Choice xmlns:p14="http://schemas.microsoft.com/office/powerpoint/2010/main" Requires="p14">
+        <mc:AlternateContent xmlns:mc="http://schemas.openxmlformats.org/markup-compatibility/2006" xmlns:p14="http://schemas.microsoft.com/office/powerpoint/2010/main">
+          <mc:Choice Requires="p14">
             <p:contentPart p14:bwMode="auto" r:id="rId68">
               <p14:nvContentPartPr>
                 <p14:cNvPr id="292" name="Ink 291">
@@ -35010,7 +35010,7 @@
               </p14:xfrm>
             </p:contentPart>
           </mc:Choice>
-          <mc:Fallback>
+          <mc:Fallback xmlns="">
             <p:pic>
               <p:nvPicPr>
                 <p:cNvPr id="292" name="Ink 291">
@@ -35085,8 +35085,8 @@
           </a:p>
         </p:txBody>
       </p:sp>
-      <mc:AlternateContent xmlns:mc="http://schemas.openxmlformats.org/markup-compatibility/2006">
-        <mc:Choice xmlns:p14="http://schemas.microsoft.com/office/powerpoint/2010/main" Requires="p14">
+      <mc:AlternateContent xmlns:mc="http://schemas.openxmlformats.org/markup-compatibility/2006" xmlns:p14="http://schemas.microsoft.com/office/powerpoint/2010/main">
+        <mc:Choice Requires="p14">
           <p:contentPart p14:bwMode="auto" r:id="rId70">
             <p14:nvContentPartPr>
               <p14:cNvPr id="342" name="Ink 341">
@@ -35105,7 +35105,7 @@
             </p14:xfrm>
           </p:contentPart>
         </mc:Choice>
-        <mc:Fallback>
+        <mc:Fallback xmlns="">
           <p:pic>
             <p:nvPicPr>
               <p:cNvPr id="342" name="Ink 341">
@@ -35136,8 +35136,8 @@
           </p:pic>
         </mc:Fallback>
       </mc:AlternateContent>
-      <mc:AlternateContent xmlns:mc="http://schemas.openxmlformats.org/markup-compatibility/2006">
-        <mc:Choice xmlns:p14="http://schemas.microsoft.com/office/powerpoint/2010/main" Requires="p14">
+      <mc:AlternateContent xmlns:mc="http://schemas.openxmlformats.org/markup-compatibility/2006" xmlns:p14="http://schemas.microsoft.com/office/powerpoint/2010/main">
+        <mc:Choice Requires="p14">
           <p:contentPart p14:bwMode="auto" r:id="rId72">
             <p14:nvContentPartPr>
               <p14:cNvPr id="362" name="Ink 361">
@@ -35156,7 +35156,7 @@
             </p14:xfrm>
           </p:contentPart>
         </mc:Choice>
-        <mc:Fallback>
+        <mc:Fallback xmlns="">
           <p:pic>
             <p:nvPicPr>
               <p:cNvPr id="362" name="Ink 361">
@@ -35207,8 +35207,8 @@
             <a:chExt cx="785160" cy="217080"/>
           </a:xfrm>
         </p:grpSpPr>
-        <mc:AlternateContent xmlns:mc="http://schemas.openxmlformats.org/markup-compatibility/2006">
-          <mc:Choice xmlns:p14="http://schemas.microsoft.com/office/powerpoint/2010/main" Requires="p14">
+        <mc:AlternateContent xmlns:mc="http://schemas.openxmlformats.org/markup-compatibility/2006" xmlns:p14="http://schemas.microsoft.com/office/powerpoint/2010/main">
+          <mc:Choice Requires="p14">
             <p:contentPart p14:bwMode="auto" r:id="rId74">
               <p14:nvContentPartPr>
                 <p14:cNvPr id="382" name="Ink 381">
@@ -35227,7 +35227,7 @@
               </p14:xfrm>
             </p:contentPart>
           </mc:Choice>
-          <mc:Fallback>
+          <mc:Fallback xmlns="">
             <p:pic>
               <p:nvPicPr>
                 <p:cNvPr id="382" name="Ink 381">
@@ -35258,8 +35258,8 @@
             </p:pic>
           </mc:Fallback>
         </mc:AlternateContent>
-        <mc:AlternateContent xmlns:mc="http://schemas.openxmlformats.org/markup-compatibility/2006">
-          <mc:Choice xmlns:p14="http://schemas.microsoft.com/office/powerpoint/2010/main" Requires="p14">
+        <mc:AlternateContent xmlns:mc="http://schemas.openxmlformats.org/markup-compatibility/2006" xmlns:p14="http://schemas.microsoft.com/office/powerpoint/2010/main">
+          <mc:Choice Requires="p14">
             <p:contentPart p14:bwMode="auto" r:id="rId76">
               <p14:nvContentPartPr>
                 <p14:cNvPr id="384" name="Ink 383">
@@ -35278,7 +35278,7 @@
               </p14:xfrm>
             </p:contentPart>
           </mc:Choice>
-          <mc:Fallback>
+          <mc:Fallback xmlns="">
             <p:pic>
               <p:nvPicPr>
                 <p:cNvPr id="384" name="Ink 383">
@@ -35309,8 +35309,8 @@
             </p:pic>
           </mc:Fallback>
         </mc:AlternateContent>
-        <mc:AlternateContent xmlns:mc="http://schemas.openxmlformats.org/markup-compatibility/2006">
-          <mc:Choice xmlns:p14="http://schemas.microsoft.com/office/powerpoint/2010/main" Requires="p14">
+        <mc:AlternateContent xmlns:mc="http://schemas.openxmlformats.org/markup-compatibility/2006" xmlns:p14="http://schemas.microsoft.com/office/powerpoint/2010/main">
+          <mc:Choice Requires="p14">
             <p:contentPart p14:bwMode="auto" r:id="rId78">
               <p14:nvContentPartPr>
                 <p14:cNvPr id="385" name="Ink 384">
@@ -35329,7 +35329,7 @@
               </p14:xfrm>
             </p:contentPart>
           </mc:Choice>
-          <mc:Fallback>
+          <mc:Fallback xmlns="">
             <p:pic>
               <p:nvPicPr>
                 <p:cNvPr id="385" name="Ink 384">
@@ -35360,8 +35360,8 @@
             </p:pic>
           </mc:Fallback>
         </mc:AlternateContent>
-        <mc:AlternateContent xmlns:mc="http://schemas.openxmlformats.org/markup-compatibility/2006">
-          <mc:Choice xmlns:p14="http://schemas.microsoft.com/office/powerpoint/2010/main" Requires="p14">
+        <mc:AlternateContent xmlns:mc="http://schemas.openxmlformats.org/markup-compatibility/2006" xmlns:p14="http://schemas.microsoft.com/office/powerpoint/2010/main">
+          <mc:Choice Requires="p14">
             <p:contentPart p14:bwMode="auto" r:id="rId80">
               <p14:nvContentPartPr>
                 <p14:cNvPr id="386" name="Ink 385">
@@ -35380,7 +35380,7 @@
               </p14:xfrm>
             </p:contentPart>
           </mc:Choice>
-          <mc:Fallback>
+          <mc:Fallback xmlns="">
             <p:pic>
               <p:nvPicPr>
                 <p:cNvPr id="386" name="Ink 385">
@@ -35411,8 +35411,8 @@
             </p:pic>
           </mc:Fallback>
         </mc:AlternateContent>
-        <mc:AlternateContent xmlns:mc="http://schemas.openxmlformats.org/markup-compatibility/2006">
-          <mc:Choice xmlns:p14="http://schemas.microsoft.com/office/powerpoint/2010/main" Requires="p14">
+        <mc:AlternateContent xmlns:mc="http://schemas.openxmlformats.org/markup-compatibility/2006" xmlns:p14="http://schemas.microsoft.com/office/powerpoint/2010/main">
+          <mc:Choice Requires="p14">
             <p:contentPart p14:bwMode="auto" r:id="rId82">
               <p14:nvContentPartPr>
                 <p14:cNvPr id="387" name="Ink 386">
@@ -35431,7 +35431,7 @@
               </p14:xfrm>
             </p:contentPart>
           </mc:Choice>
-          <mc:Fallback>
+          <mc:Fallback xmlns="">
             <p:pic>
               <p:nvPicPr>
                 <p:cNvPr id="387" name="Ink 386">
@@ -35483,8 +35483,8 @@
             <a:chExt cx="595800" cy="249120"/>
           </a:xfrm>
         </p:grpSpPr>
-        <mc:AlternateContent xmlns:mc="http://schemas.openxmlformats.org/markup-compatibility/2006">
-          <mc:Choice xmlns:p14="http://schemas.microsoft.com/office/powerpoint/2010/main" Requires="p14">
+        <mc:AlternateContent xmlns:mc="http://schemas.openxmlformats.org/markup-compatibility/2006" xmlns:p14="http://schemas.microsoft.com/office/powerpoint/2010/main">
+          <mc:Choice Requires="p14">
             <p:contentPart p14:bwMode="auto" r:id="rId84">
               <p14:nvContentPartPr>
                 <p14:cNvPr id="440" name="Ink 439">
@@ -35503,7 +35503,7 @@
               </p14:xfrm>
             </p:contentPart>
           </mc:Choice>
-          <mc:Fallback>
+          <mc:Fallback xmlns="">
             <p:pic>
               <p:nvPicPr>
                 <p:cNvPr id="440" name="Ink 439">
@@ -35534,8 +35534,8 @@
             </p:pic>
           </mc:Fallback>
         </mc:AlternateContent>
-        <mc:AlternateContent xmlns:mc="http://schemas.openxmlformats.org/markup-compatibility/2006">
-          <mc:Choice xmlns:p14="http://schemas.microsoft.com/office/powerpoint/2010/main" Requires="p14">
+        <mc:AlternateContent xmlns:mc="http://schemas.openxmlformats.org/markup-compatibility/2006" xmlns:p14="http://schemas.microsoft.com/office/powerpoint/2010/main">
+          <mc:Choice Requires="p14">
             <p:contentPart p14:bwMode="auto" r:id="rId86">
               <p14:nvContentPartPr>
                 <p14:cNvPr id="441" name="Ink 440">
@@ -35554,7 +35554,7 @@
               </p14:xfrm>
             </p:contentPart>
           </mc:Choice>
-          <mc:Fallback>
+          <mc:Fallback xmlns="">
             <p:pic>
               <p:nvPicPr>
                 <p:cNvPr id="441" name="Ink 440">
@@ -35585,8 +35585,8 @@
             </p:pic>
           </mc:Fallback>
         </mc:AlternateContent>
-        <mc:AlternateContent xmlns:mc="http://schemas.openxmlformats.org/markup-compatibility/2006">
-          <mc:Choice xmlns:p14="http://schemas.microsoft.com/office/powerpoint/2010/main" Requires="p14">
+        <mc:AlternateContent xmlns:mc="http://schemas.openxmlformats.org/markup-compatibility/2006" xmlns:p14="http://schemas.microsoft.com/office/powerpoint/2010/main">
+          <mc:Choice Requires="p14">
             <p:contentPart p14:bwMode="auto" r:id="rId88">
               <p14:nvContentPartPr>
                 <p14:cNvPr id="442" name="Ink 441">
@@ -35605,7 +35605,7 @@
               </p14:xfrm>
             </p:contentPart>
           </mc:Choice>
-          <mc:Fallback>
+          <mc:Fallback xmlns="">
             <p:pic>
               <p:nvPicPr>
                 <p:cNvPr id="442" name="Ink 441">
@@ -35636,8 +35636,8 @@
             </p:pic>
           </mc:Fallback>
         </mc:AlternateContent>
-        <mc:AlternateContent xmlns:mc="http://schemas.openxmlformats.org/markup-compatibility/2006">
-          <mc:Choice xmlns:p14="http://schemas.microsoft.com/office/powerpoint/2010/main" Requires="p14">
+        <mc:AlternateContent xmlns:mc="http://schemas.openxmlformats.org/markup-compatibility/2006" xmlns:p14="http://schemas.microsoft.com/office/powerpoint/2010/main">
+          <mc:Choice Requires="p14">
             <p:contentPart p14:bwMode="auto" r:id="rId90">
               <p14:nvContentPartPr>
                 <p14:cNvPr id="443" name="Ink 442">
@@ -35656,7 +35656,7 @@
               </p14:xfrm>
             </p:contentPart>
           </mc:Choice>
-          <mc:Fallback>
+          <mc:Fallback xmlns="">
             <p:pic>
               <p:nvPicPr>
                 <p:cNvPr id="443" name="Ink 442">
@@ -35708,8 +35708,8 @@
             <a:chExt cx="371160" cy="258840"/>
           </a:xfrm>
         </p:grpSpPr>
-        <mc:AlternateContent xmlns:mc="http://schemas.openxmlformats.org/markup-compatibility/2006">
-          <mc:Choice xmlns:p14="http://schemas.microsoft.com/office/powerpoint/2010/main" Requires="p14">
+        <mc:AlternateContent xmlns:mc="http://schemas.openxmlformats.org/markup-compatibility/2006" xmlns:p14="http://schemas.microsoft.com/office/powerpoint/2010/main">
+          <mc:Choice Requires="p14">
             <p:contentPart p14:bwMode="auto" r:id="rId92">
               <p14:nvContentPartPr>
                 <p14:cNvPr id="448" name="Ink 447">
@@ -35728,7 +35728,7 @@
               </p14:xfrm>
             </p:contentPart>
           </mc:Choice>
-          <mc:Fallback>
+          <mc:Fallback xmlns="">
             <p:pic>
               <p:nvPicPr>
                 <p:cNvPr id="448" name="Ink 447">
@@ -35759,8 +35759,8 @@
             </p:pic>
           </mc:Fallback>
         </mc:AlternateContent>
-        <mc:AlternateContent xmlns:mc="http://schemas.openxmlformats.org/markup-compatibility/2006">
-          <mc:Choice xmlns:p14="http://schemas.microsoft.com/office/powerpoint/2010/main" Requires="p14">
+        <mc:AlternateContent xmlns:mc="http://schemas.openxmlformats.org/markup-compatibility/2006" xmlns:p14="http://schemas.microsoft.com/office/powerpoint/2010/main">
+          <mc:Choice Requires="p14">
             <p:contentPart p14:bwMode="auto" r:id="rId94">
               <p14:nvContentPartPr>
                 <p14:cNvPr id="449" name="Ink 448">
@@ -35779,7 +35779,7 @@
               </p14:xfrm>
             </p:contentPart>
           </mc:Choice>
-          <mc:Fallback>
+          <mc:Fallback xmlns="">
             <p:pic>
               <p:nvPicPr>
                 <p:cNvPr id="449" name="Ink 448">
@@ -35810,8 +35810,8 @@
             </p:pic>
           </mc:Fallback>
         </mc:AlternateContent>
-        <mc:AlternateContent xmlns:mc="http://schemas.openxmlformats.org/markup-compatibility/2006">
-          <mc:Choice xmlns:p14="http://schemas.microsoft.com/office/powerpoint/2010/main" Requires="p14">
+        <mc:AlternateContent xmlns:mc="http://schemas.openxmlformats.org/markup-compatibility/2006" xmlns:p14="http://schemas.microsoft.com/office/powerpoint/2010/main">
+          <mc:Choice Requires="p14">
             <p:contentPart p14:bwMode="auto" r:id="rId96">
               <p14:nvContentPartPr>
                 <p14:cNvPr id="450" name="Ink 449">
@@ -35830,7 +35830,7 @@
               </p14:xfrm>
             </p:contentPart>
           </mc:Choice>
-          <mc:Fallback>
+          <mc:Fallback xmlns="">
             <p:pic>
               <p:nvPicPr>
                 <p:cNvPr id="450" name="Ink 449">
@@ -35862,8 +35862,8 @@
           </mc:Fallback>
         </mc:AlternateContent>
       </p:grpSp>
-      <mc:AlternateContent xmlns:mc="http://schemas.openxmlformats.org/markup-compatibility/2006">
-        <mc:Choice xmlns:p14="http://schemas.microsoft.com/office/powerpoint/2010/main" Requires="p14">
+      <mc:AlternateContent xmlns:mc="http://schemas.openxmlformats.org/markup-compatibility/2006" xmlns:p14="http://schemas.microsoft.com/office/powerpoint/2010/main">
+        <mc:Choice Requires="p14">
           <p:contentPart p14:bwMode="auto" r:id="rId98">
             <p14:nvContentPartPr>
               <p14:cNvPr id="452" name="Ink 451">
@@ -35882,7 +35882,7 @@
             </p14:xfrm>
           </p:contentPart>
         </mc:Choice>
-        <mc:Fallback>
+        <mc:Fallback xmlns="">
           <p:pic>
             <p:nvPicPr>
               <p:cNvPr id="452" name="Ink 451">
@@ -35913,8 +35913,8 @@
           </p:pic>
         </mc:Fallback>
       </mc:AlternateContent>
-      <mc:AlternateContent xmlns:mc="http://schemas.openxmlformats.org/markup-compatibility/2006">
-        <mc:Choice xmlns:p14="http://schemas.microsoft.com/office/powerpoint/2010/main" Requires="p14">
+      <mc:AlternateContent xmlns:mc="http://schemas.openxmlformats.org/markup-compatibility/2006" xmlns:p14="http://schemas.microsoft.com/office/powerpoint/2010/main">
+        <mc:Choice Requires="p14">
           <p:contentPart p14:bwMode="auto" r:id="rId100">
             <p14:nvContentPartPr>
               <p14:cNvPr id="453" name="Ink 452">
@@ -35933,7 +35933,7 @@
             </p14:xfrm>
           </p:contentPart>
         </mc:Choice>
-        <mc:Fallback>
+        <mc:Fallback xmlns="">
           <p:pic>
             <p:nvPicPr>
               <p:cNvPr id="453" name="Ink 452">
@@ -35984,8 +35984,8 @@
             <a:chExt cx="2705040" cy="994680"/>
           </a:xfrm>
         </p:grpSpPr>
-        <mc:AlternateContent xmlns:mc="http://schemas.openxmlformats.org/markup-compatibility/2006">
-          <mc:Choice xmlns:p14="http://schemas.microsoft.com/office/powerpoint/2010/main" Requires="p14">
+        <mc:AlternateContent xmlns:mc="http://schemas.openxmlformats.org/markup-compatibility/2006" xmlns:p14="http://schemas.microsoft.com/office/powerpoint/2010/main">
+          <mc:Choice Requires="p14">
             <p:contentPart p14:bwMode="auto" r:id="rId102">
               <p14:nvContentPartPr>
                 <p14:cNvPr id="322" name="Ink 321">
@@ -36004,7 +36004,7 @@
               </p14:xfrm>
             </p:contentPart>
           </mc:Choice>
-          <mc:Fallback>
+          <mc:Fallback xmlns="">
             <p:pic>
               <p:nvPicPr>
                 <p:cNvPr id="322" name="Ink 321">
@@ -36035,8 +36035,8 @@
             </p:pic>
           </mc:Fallback>
         </mc:AlternateContent>
-        <mc:AlternateContent xmlns:mc="http://schemas.openxmlformats.org/markup-compatibility/2006">
-          <mc:Choice xmlns:p14="http://schemas.microsoft.com/office/powerpoint/2010/main" Requires="p14">
+        <mc:AlternateContent xmlns:mc="http://schemas.openxmlformats.org/markup-compatibility/2006" xmlns:p14="http://schemas.microsoft.com/office/powerpoint/2010/main">
+          <mc:Choice Requires="p14">
             <p:contentPart p14:bwMode="auto" r:id="rId104">
               <p14:nvContentPartPr>
                 <p14:cNvPr id="323" name="Ink 322">
@@ -36055,7 +36055,7 @@
               </p14:xfrm>
             </p:contentPart>
           </mc:Choice>
-          <mc:Fallback>
+          <mc:Fallback xmlns="">
             <p:pic>
               <p:nvPicPr>
                 <p:cNvPr id="323" name="Ink 322">
@@ -36086,8 +36086,8 @@
             </p:pic>
           </mc:Fallback>
         </mc:AlternateContent>
-        <mc:AlternateContent xmlns:mc="http://schemas.openxmlformats.org/markup-compatibility/2006">
-          <mc:Choice xmlns:p14="http://schemas.microsoft.com/office/powerpoint/2010/main" Requires="p14">
+        <mc:AlternateContent xmlns:mc="http://schemas.openxmlformats.org/markup-compatibility/2006" xmlns:p14="http://schemas.microsoft.com/office/powerpoint/2010/main">
+          <mc:Choice Requires="p14">
             <p:contentPart p14:bwMode="auto" r:id="rId106">
               <p14:nvContentPartPr>
                 <p14:cNvPr id="324" name="Ink 323">
@@ -36106,7 +36106,7 @@
               </p14:xfrm>
             </p:contentPart>
           </mc:Choice>
-          <mc:Fallback>
+          <mc:Fallback xmlns="">
             <p:pic>
               <p:nvPicPr>
                 <p:cNvPr id="324" name="Ink 323">
@@ -36137,8 +36137,8 @@
             </p:pic>
           </mc:Fallback>
         </mc:AlternateContent>
-        <mc:AlternateContent xmlns:mc="http://schemas.openxmlformats.org/markup-compatibility/2006">
-          <mc:Choice xmlns:p14="http://schemas.microsoft.com/office/powerpoint/2010/main" Requires="p14">
+        <mc:AlternateContent xmlns:mc="http://schemas.openxmlformats.org/markup-compatibility/2006" xmlns:p14="http://schemas.microsoft.com/office/powerpoint/2010/main">
+          <mc:Choice Requires="p14">
             <p:contentPart p14:bwMode="auto" r:id="rId108">
               <p14:nvContentPartPr>
                 <p14:cNvPr id="325" name="Ink 324">
@@ -36157,7 +36157,7 @@
               </p14:xfrm>
             </p:contentPart>
           </mc:Choice>
-          <mc:Fallback>
+          <mc:Fallback xmlns="">
             <p:pic>
               <p:nvPicPr>
                 <p:cNvPr id="325" name="Ink 324">
@@ -36188,8 +36188,8 @@
             </p:pic>
           </mc:Fallback>
         </mc:AlternateContent>
-        <mc:AlternateContent xmlns:mc="http://schemas.openxmlformats.org/markup-compatibility/2006">
-          <mc:Choice xmlns:p14="http://schemas.microsoft.com/office/powerpoint/2010/main" Requires="p14">
+        <mc:AlternateContent xmlns:mc="http://schemas.openxmlformats.org/markup-compatibility/2006" xmlns:p14="http://schemas.microsoft.com/office/powerpoint/2010/main">
+          <mc:Choice Requires="p14">
             <p:contentPart p14:bwMode="auto" r:id="rId110">
               <p14:nvContentPartPr>
                 <p14:cNvPr id="326" name="Ink 325">
@@ -36208,7 +36208,7 @@
               </p14:xfrm>
             </p:contentPart>
           </mc:Choice>
-          <mc:Fallback>
+          <mc:Fallback xmlns="">
             <p:pic>
               <p:nvPicPr>
                 <p:cNvPr id="326" name="Ink 325">
@@ -36239,8 +36239,8 @@
             </p:pic>
           </mc:Fallback>
         </mc:AlternateContent>
-        <mc:AlternateContent xmlns:mc="http://schemas.openxmlformats.org/markup-compatibility/2006">
-          <mc:Choice xmlns:p14="http://schemas.microsoft.com/office/powerpoint/2010/main" Requires="p14">
+        <mc:AlternateContent xmlns:mc="http://schemas.openxmlformats.org/markup-compatibility/2006" xmlns:p14="http://schemas.microsoft.com/office/powerpoint/2010/main">
+          <mc:Choice Requires="p14">
             <p:contentPart p14:bwMode="auto" r:id="rId112">
               <p14:nvContentPartPr>
                 <p14:cNvPr id="327" name="Ink 326">
@@ -36259,7 +36259,7 @@
               </p14:xfrm>
             </p:contentPart>
           </mc:Choice>
-          <mc:Fallback>
+          <mc:Fallback xmlns="">
             <p:pic>
               <p:nvPicPr>
                 <p:cNvPr id="327" name="Ink 326">
@@ -36290,8 +36290,8 @@
             </p:pic>
           </mc:Fallback>
         </mc:AlternateContent>
-        <mc:AlternateContent xmlns:mc="http://schemas.openxmlformats.org/markup-compatibility/2006">
-          <mc:Choice xmlns:p14="http://schemas.microsoft.com/office/powerpoint/2010/main" Requires="p14">
+        <mc:AlternateContent xmlns:mc="http://schemas.openxmlformats.org/markup-compatibility/2006" xmlns:p14="http://schemas.microsoft.com/office/powerpoint/2010/main">
+          <mc:Choice Requires="p14">
             <p:contentPart p14:bwMode="auto" r:id="rId114">
               <p14:nvContentPartPr>
                 <p14:cNvPr id="329" name="Ink 328">
@@ -36310,7 +36310,7 @@
               </p14:xfrm>
             </p:contentPart>
           </mc:Choice>
-          <mc:Fallback>
+          <mc:Fallback xmlns="">
             <p:pic>
               <p:nvPicPr>
                 <p:cNvPr id="329" name="Ink 328">
@@ -36341,8 +36341,8 @@
             </p:pic>
           </mc:Fallback>
         </mc:AlternateContent>
-        <mc:AlternateContent xmlns:mc="http://schemas.openxmlformats.org/markup-compatibility/2006">
-          <mc:Choice xmlns:p14="http://schemas.microsoft.com/office/powerpoint/2010/main" Requires="p14">
+        <mc:AlternateContent xmlns:mc="http://schemas.openxmlformats.org/markup-compatibility/2006" xmlns:p14="http://schemas.microsoft.com/office/powerpoint/2010/main">
+          <mc:Choice Requires="p14">
             <p:contentPart p14:bwMode="auto" r:id="rId116">
               <p14:nvContentPartPr>
                 <p14:cNvPr id="330" name="Ink 329">
@@ -36361,7 +36361,7 @@
               </p14:xfrm>
             </p:contentPart>
           </mc:Choice>
-          <mc:Fallback>
+          <mc:Fallback xmlns="">
             <p:pic>
               <p:nvPicPr>
                 <p:cNvPr id="330" name="Ink 329">
@@ -36392,8 +36392,8 @@
             </p:pic>
           </mc:Fallback>
         </mc:AlternateContent>
-        <mc:AlternateContent xmlns:mc="http://schemas.openxmlformats.org/markup-compatibility/2006">
-          <mc:Choice xmlns:p14="http://schemas.microsoft.com/office/powerpoint/2010/main" Requires="p14">
+        <mc:AlternateContent xmlns:mc="http://schemas.openxmlformats.org/markup-compatibility/2006" xmlns:p14="http://schemas.microsoft.com/office/powerpoint/2010/main">
+          <mc:Choice Requires="p14">
             <p:contentPart p14:bwMode="auto" r:id="rId118">
               <p14:nvContentPartPr>
                 <p14:cNvPr id="423" name="Ink 422">
@@ -36412,7 +36412,7 @@
               </p14:xfrm>
             </p:contentPart>
           </mc:Choice>
-          <mc:Fallback>
+          <mc:Fallback xmlns="">
             <p:pic>
               <p:nvPicPr>
                 <p:cNvPr id="423" name="Ink 422">
@@ -36443,8 +36443,8 @@
             </p:pic>
           </mc:Fallback>
         </mc:AlternateContent>
-        <mc:AlternateContent xmlns:mc="http://schemas.openxmlformats.org/markup-compatibility/2006">
-          <mc:Choice xmlns:p14="http://schemas.microsoft.com/office/powerpoint/2010/main" Requires="p14">
+        <mc:AlternateContent xmlns:mc="http://schemas.openxmlformats.org/markup-compatibility/2006" xmlns:p14="http://schemas.microsoft.com/office/powerpoint/2010/main">
+          <mc:Choice Requires="p14">
             <p:contentPart p14:bwMode="auto" r:id="rId120">
               <p14:nvContentPartPr>
                 <p14:cNvPr id="438" name="Ink 437">
@@ -36463,7 +36463,7 @@
               </p14:xfrm>
             </p:contentPart>
           </mc:Choice>
-          <mc:Fallback>
+          <mc:Fallback xmlns="">
             <p:pic>
               <p:nvPicPr>
                 <p:cNvPr id="438" name="Ink 437">
@@ -36494,8 +36494,8 @@
             </p:pic>
           </mc:Fallback>
         </mc:AlternateContent>
-        <mc:AlternateContent xmlns:mc="http://schemas.openxmlformats.org/markup-compatibility/2006">
-          <mc:Choice xmlns:p14="http://schemas.microsoft.com/office/powerpoint/2010/main" Requires="p14">
+        <mc:AlternateContent xmlns:mc="http://schemas.openxmlformats.org/markup-compatibility/2006" xmlns:p14="http://schemas.microsoft.com/office/powerpoint/2010/main">
+          <mc:Choice Requires="p14">
             <p:contentPart p14:bwMode="auto" r:id="rId122">
               <p14:nvContentPartPr>
                 <p14:cNvPr id="445" name="Ink 444">
@@ -36514,7 +36514,7 @@
               </p14:xfrm>
             </p:contentPart>
           </mc:Choice>
-          <mc:Fallback>
+          <mc:Fallback xmlns="">
             <p:pic>
               <p:nvPicPr>
                 <p:cNvPr id="445" name="Ink 444">
@@ -36545,8 +36545,8 @@
             </p:pic>
           </mc:Fallback>
         </mc:AlternateContent>
-        <mc:AlternateContent xmlns:mc="http://schemas.openxmlformats.org/markup-compatibility/2006">
-          <mc:Choice xmlns:p14="http://schemas.microsoft.com/office/powerpoint/2010/main" Requires="p14">
+        <mc:AlternateContent xmlns:mc="http://schemas.openxmlformats.org/markup-compatibility/2006" xmlns:p14="http://schemas.microsoft.com/office/powerpoint/2010/main">
+          <mc:Choice Requires="p14">
             <p:contentPart p14:bwMode="auto" r:id="rId124">
               <p14:nvContentPartPr>
                 <p14:cNvPr id="446" name="Ink 445">
@@ -36565,7 +36565,7 @@
               </p14:xfrm>
             </p:contentPart>
           </mc:Choice>
-          <mc:Fallback>
+          <mc:Fallback xmlns="">
             <p:pic>
               <p:nvPicPr>
                 <p:cNvPr id="446" name="Ink 445">
@@ -36597,8 +36597,8 @@
           </mc:Fallback>
         </mc:AlternateContent>
       </p:grpSp>
-      <mc:AlternateContent xmlns:mc="http://schemas.openxmlformats.org/markup-compatibility/2006">
-        <mc:Choice xmlns:p14="http://schemas.microsoft.com/office/powerpoint/2010/main" Requires="p14">
+      <mc:AlternateContent xmlns:mc="http://schemas.openxmlformats.org/markup-compatibility/2006" xmlns:p14="http://schemas.microsoft.com/office/powerpoint/2010/main">
+        <mc:Choice Requires="p14">
           <p:contentPart p14:bwMode="auto" r:id="rId126">
             <p14:nvContentPartPr>
               <p14:cNvPr id="467" name="Ink 466">
@@ -36617,7 +36617,7 @@
             </p14:xfrm>
           </p:contentPart>
         </mc:Choice>
-        <mc:Fallback>
+        <mc:Fallback xmlns="">
           <p:pic>
             <p:nvPicPr>
               <p:cNvPr id="467" name="Ink 466">
@@ -36648,8 +36648,8 @@
           </p:pic>
         </mc:Fallback>
       </mc:AlternateContent>
-      <mc:AlternateContent xmlns:mc="http://schemas.openxmlformats.org/markup-compatibility/2006">
-        <mc:Choice xmlns:p14="http://schemas.microsoft.com/office/powerpoint/2010/main" Requires="p14">
+      <mc:AlternateContent xmlns:mc="http://schemas.openxmlformats.org/markup-compatibility/2006" xmlns:p14="http://schemas.microsoft.com/office/powerpoint/2010/main">
+        <mc:Choice Requires="p14">
           <p:contentPart p14:bwMode="auto" r:id="rId128">
             <p14:nvContentPartPr>
               <p14:cNvPr id="468" name="Ink 467">
@@ -36668,7 +36668,7 @@
             </p14:xfrm>
           </p:contentPart>
         </mc:Choice>
-        <mc:Fallback>
+        <mc:Fallback xmlns="">
           <p:pic>
             <p:nvPicPr>
               <p:cNvPr id="468" name="Ink 467">
@@ -36699,8 +36699,8 @@
           </p:pic>
         </mc:Fallback>
       </mc:AlternateContent>
-      <mc:AlternateContent xmlns:mc="http://schemas.openxmlformats.org/markup-compatibility/2006">
-        <mc:Choice xmlns:p14="http://schemas.microsoft.com/office/powerpoint/2010/main" Requires="p14">
+      <mc:AlternateContent xmlns:mc="http://schemas.openxmlformats.org/markup-compatibility/2006" xmlns:p14="http://schemas.microsoft.com/office/powerpoint/2010/main">
+        <mc:Choice Requires="p14">
           <p:contentPart p14:bwMode="auto" r:id="rId130">
             <p14:nvContentPartPr>
               <p14:cNvPr id="469" name="Ink 468">
@@ -36719,7 +36719,7 @@
             </p14:xfrm>
           </p:contentPart>
         </mc:Choice>
-        <mc:Fallback>
+        <mc:Fallback xmlns="">
           <p:pic>
             <p:nvPicPr>
               <p:cNvPr id="469" name="Ink 468">
@@ -36770,8 +36770,8 @@
             <a:chExt cx="586800" cy="194400"/>
           </a:xfrm>
         </p:grpSpPr>
-        <mc:AlternateContent xmlns:mc="http://schemas.openxmlformats.org/markup-compatibility/2006">
-          <mc:Choice xmlns:p14="http://schemas.microsoft.com/office/powerpoint/2010/main" Requires="p14">
+        <mc:AlternateContent xmlns:mc="http://schemas.openxmlformats.org/markup-compatibility/2006" xmlns:p14="http://schemas.microsoft.com/office/powerpoint/2010/main">
+          <mc:Choice Requires="p14">
             <p:contentPart p14:bwMode="auto" r:id="rId132">
               <p14:nvContentPartPr>
                 <p14:cNvPr id="470" name="Ink 469">
@@ -36790,7 +36790,7 @@
               </p14:xfrm>
             </p:contentPart>
           </mc:Choice>
-          <mc:Fallback>
+          <mc:Fallback xmlns="">
             <p:pic>
               <p:nvPicPr>
                 <p:cNvPr id="470" name="Ink 469">
@@ -36821,8 +36821,8 @@
             </p:pic>
           </mc:Fallback>
         </mc:AlternateContent>
-        <mc:AlternateContent xmlns:mc="http://schemas.openxmlformats.org/markup-compatibility/2006">
-          <mc:Choice xmlns:p14="http://schemas.microsoft.com/office/powerpoint/2010/main" Requires="p14">
+        <mc:AlternateContent xmlns:mc="http://schemas.openxmlformats.org/markup-compatibility/2006" xmlns:p14="http://schemas.microsoft.com/office/powerpoint/2010/main">
+          <mc:Choice Requires="p14">
             <p:contentPart p14:bwMode="auto" r:id="rId134">
               <p14:nvContentPartPr>
                 <p14:cNvPr id="471" name="Ink 470">
@@ -36841,7 +36841,7 @@
               </p14:xfrm>
             </p:contentPart>
           </mc:Choice>
-          <mc:Fallback>
+          <mc:Fallback xmlns="">
             <p:pic>
               <p:nvPicPr>
                 <p:cNvPr id="471" name="Ink 470">
@@ -36872,8 +36872,8 @@
             </p:pic>
           </mc:Fallback>
         </mc:AlternateContent>
-        <mc:AlternateContent xmlns:mc="http://schemas.openxmlformats.org/markup-compatibility/2006">
-          <mc:Choice xmlns:p14="http://schemas.microsoft.com/office/powerpoint/2010/main" Requires="p14">
+        <mc:AlternateContent xmlns:mc="http://schemas.openxmlformats.org/markup-compatibility/2006" xmlns:p14="http://schemas.microsoft.com/office/powerpoint/2010/main">
+          <mc:Choice Requires="p14">
             <p:contentPart p14:bwMode="auto" r:id="rId136">
               <p14:nvContentPartPr>
                 <p14:cNvPr id="472" name="Ink 471">
@@ -36892,7 +36892,7 @@
               </p14:xfrm>
             </p:contentPart>
           </mc:Choice>
-          <mc:Fallback>
+          <mc:Fallback xmlns="">
             <p:pic>
               <p:nvPicPr>
                 <p:cNvPr id="472" name="Ink 471">
@@ -36923,8 +36923,8 @@
             </p:pic>
           </mc:Fallback>
         </mc:AlternateContent>
-        <mc:AlternateContent xmlns:mc="http://schemas.openxmlformats.org/markup-compatibility/2006">
-          <mc:Choice xmlns:p14="http://schemas.microsoft.com/office/powerpoint/2010/main" Requires="p14">
+        <mc:AlternateContent xmlns:mc="http://schemas.openxmlformats.org/markup-compatibility/2006" xmlns:p14="http://schemas.microsoft.com/office/powerpoint/2010/main">
+          <mc:Choice Requires="p14">
             <p:contentPart p14:bwMode="auto" r:id="rId138">
               <p14:nvContentPartPr>
                 <p14:cNvPr id="473" name="Ink 472">
@@ -36943,7 +36943,7 @@
               </p14:xfrm>
             </p:contentPart>
           </mc:Choice>
-          <mc:Fallback>
+          <mc:Fallback xmlns="">
             <p:pic>
               <p:nvPicPr>
                 <p:cNvPr id="473" name="Ink 472">
@@ -36975,8 +36975,8 @@
           </mc:Fallback>
         </mc:AlternateContent>
       </p:grpSp>
-      <mc:AlternateContent xmlns:mc="http://schemas.openxmlformats.org/markup-compatibility/2006">
-        <mc:Choice xmlns:p14="http://schemas.microsoft.com/office/powerpoint/2010/main" Requires="p14">
+      <mc:AlternateContent xmlns:mc="http://schemas.openxmlformats.org/markup-compatibility/2006" xmlns:p14="http://schemas.microsoft.com/office/powerpoint/2010/main">
+        <mc:Choice Requires="p14">
           <p:contentPart p14:bwMode="auto" r:id="rId140">
             <p14:nvContentPartPr>
               <p14:cNvPr id="475" name="Ink 474">
@@ -36995,7 +36995,7 @@
             </p14:xfrm>
           </p:contentPart>
         </mc:Choice>
-        <mc:Fallback>
+        <mc:Fallback xmlns="">
           <p:pic>
             <p:nvPicPr>
               <p:cNvPr id="475" name="Ink 474">
@@ -37026,8 +37026,8 @@
           </p:pic>
         </mc:Fallback>
       </mc:AlternateContent>
-      <mc:AlternateContent xmlns:mc="http://schemas.openxmlformats.org/markup-compatibility/2006">
-        <mc:Choice xmlns:p14="http://schemas.microsoft.com/office/powerpoint/2010/main" Requires="p14">
+      <mc:AlternateContent xmlns:mc="http://schemas.openxmlformats.org/markup-compatibility/2006" xmlns:p14="http://schemas.microsoft.com/office/powerpoint/2010/main">
+        <mc:Choice Requires="p14">
           <p:contentPart p14:bwMode="auto" r:id="rId142">
             <p14:nvContentPartPr>
               <p14:cNvPr id="476" name="Ink 475">
@@ -37046,7 +37046,7 @@
             </p14:xfrm>
           </p:contentPart>
         </mc:Choice>
-        <mc:Fallback>
+        <mc:Fallback xmlns="">
           <p:pic>
             <p:nvPicPr>
               <p:cNvPr id="476" name="Ink 475">
@@ -37077,8 +37077,8 @@
           </p:pic>
         </mc:Fallback>
       </mc:AlternateContent>
-      <mc:AlternateContent xmlns:mc="http://schemas.openxmlformats.org/markup-compatibility/2006">
-        <mc:Choice xmlns:p14="http://schemas.microsoft.com/office/powerpoint/2010/main" Requires="p14">
+      <mc:AlternateContent xmlns:mc="http://schemas.openxmlformats.org/markup-compatibility/2006" xmlns:p14="http://schemas.microsoft.com/office/powerpoint/2010/main">
+        <mc:Choice Requires="p14">
           <p:contentPart p14:bwMode="auto" r:id="rId144">
             <p14:nvContentPartPr>
               <p14:cNvPr id="477" name="Ink 476">
@@ -37097,7 +37097,7 @@
             </p14:xfrm>
           </p:contentPart>
         </mc:Choice>
-        <mc:Fallback>
+        <mc:Fallback xmlns="">
           <p:pic>
             <p:nvPicPr>
               <p:cNvPr id="477" name="Ink 476">
@@ -37128,8 +37128,8 @@
           </p:pic>
         </mc:Fallback>
       </mc:AlternateContent>
-      <mc:AlternateContent xmlns:mc="http://schemas.openxmlformats.org/markup-compatibility/2006">
-        <mc:Choice xmlns:p14="http://schemas.microsoft.com/office/powerpoint/2010/main" Requires="p14">
+      <mc:AlternateContent xmlns:mc="http://schemas.openxmlformats.org/markup-compatibility/2006" xmlns:p14="http://schemas.microsoft.com/office/powerpoint/2010/main">
+        <mc:Choice Requires="p14">
           <p:contentPart p14:bwMode="auto" r:id="rId146">
             <p14:nvContentPartPr>
               <p14:cNvPr id="478" name="Ink 477">
@@ -37148,7 +37148,7 @@
             </p14:xfrm>
           </p:contentPart>
         </mc:Choice>
-        <mc:Fallback>
+        <mc:Fallback xmlns="">
           <p:pic>
             <p:nvPicPr>
               <p:cNvPr id="478" name="Ink 477">
@@ -37179,8 +37179,8 @@
           </p:pic>
         </mc:Fallback>
       </mc:AlternateContent>
-      <mc:AlternateContent xmlns:mc="http://schemas.openxmlformats.org/markup-compatibility/2006">
-        <mc:Choice xmlns:p14="http://schemas.microsoft.com/office/powerpoint/2010/main" Requires="p14">
+      <mc:AlternateContent xmlns:mc="http://schemas.openxmlformats.org/markup-compatibility/2006" xmlns:p14="http://schemas.microsoft.com/office/powerpoint/2010/main">
+        <mc:Choice Requires="p14">
           <p:contentPart p14:bwMode="auto" r:id="rId148">
             <p14:nvContentPartPr>
               <p14:cNvPr id="479" name="Ink 478">
@@ -37199,7 +37199,7 @@
             </p14:xfrm>
           </p:contentPart>
         </mc:Choice>
-        <mc:Fallback>
+        <mc:Fallback xmlns="">
           <p:pic>
             <p:nvPicPr>
               <p:cNvPr id="479" name="Ink 478">
@@ -37250,8 +37250,8 @@
             <a:chExt cx="353520" cy="250920"/>
           </a:xfrm>
         </p:grpSpPr>
-        <mc:AlternateContent xmlns:mc="http://schemas.openxmlformats.org/markup-compatibility/2006">
-          <mc:Choice xmlns:p14="http://schemas.microsoft.com/office/powerpoint/2010/main" Requires="p14">
+        <mc:AlternateContent xmlns:mc="http://schemas.openxmlformats.org/markup-compatibility/2006" xmlns:p14="http://schemas.microsoft.com/office/powerpoint/2010/main">
+          <mc:Choice Requires="p14">
             <p:contentPart p14:bwMode="auto" r:id="rId150">
               <p14:nvContentPartPr>
                 <p14:cNvPr id="480" name="Ink 479">
@@ -37270,7 +37270,7 @@
               </p14:xfrm>
             </p:contentPart>
           </mc:Choice>
-          <mc:Fallback>
+          <mc:Fallback xmlns="">
             <p:pic>
               <p:nvPicPr>
                 <p:cNvPr id="480" name="Ink 479">
@@ -37301,8 +37301,8 @@
             </p:pic>
           </mc:Fallback>
         </mc:AlternateContent>
-        <mc:AlternateContent xmlns:mc="http://schemas.openxmlformats.org/markup-compatibility/2006">
-          <mc:Choice xmlns:p14="http://schemas.microsoft.com/office/powerpoint/2010/main" Requires="p14">
+        <mc:AlternateContent xmlns:mc="http://schemas.openxmlformats.org/markup-compatibility/2006" xmlns:p14="http://schemas.microsoft.com/office/powerpoint/2010/main">
+          <mc:Choice Requires="p14">
             <p:contentPart p14:bwMode="auto" r:id="rId152">
               <p14:nvContentPartPr>
                 <p14:cNvPr id="481" name="Ink 480">
@@ -37321,7 +37321,7 @@
               </p14:xfrm>
             </p:contentPart>
           </mc:Choice>
-          <mc:Fallback>
+          <mc:Fallback xmlns="">
             <p:pic>
               <p:nvPicPr>
                 <p:cNvPr id="481" name="Ink 480">
@@ -37352,8 +37352,8 @@
             </p:pic>
           </mc:Fallback>
         </mc:AlternateContent>
-        <mc:AlternateContent xmlns:mc="http://schemas.openxmlformats.org/markup-compatibility/2006">
-          <mc:Choice xmlns:p14="http://schemas.microsoft.com/office/powerpoint/2010/main" Requires="p14">
+        <mc:AlternateContent xmlns:mc="http://schemas.openxmlformats.org/markup-compatibility/2006" xmlns:p14="http://schemas.microsoft.com/office/powerpoint/2010/main">
+          <mc:Choice Requires="p14">
             <p:contentPart p14:bwMode="auto" r:id="rId154">
               <p14:nvContentPartPr>
                 <p14:cNvPr id="482" name="Ink 481">
@@ -37372,7 +37372,7 @@
               </p14:xfrm>
             </p:contentPart>
           </mc:Choice>
-          <mc:Fallback>
+          <mc:Fallback xmlns="">
             <p:pic>
               <p:nvPicPr>
                 <p:cNvPr id="482" name="Ink 481">
@@ -37404,8 +37404,8 @@
           </mc:Fallback>
         </mc:AlternateContent>
       </p:grpSp>
-      <mc:AlternateContent xmlns:mc="http://schemas.openxmlformats.org/markup-compatibility/2006">
-        <mc:Choice xmlns:p14="http://schemas.microsoft.com/office/powerpoint/2010/main" Requires="p14">
+      <mc:AlternateContent xmlns:mc="http://schemas.openxmlformats.org/markup-compatibility/2006" xmlns:p14="http://schemas.microsoft.com/office/powerpoint/2010/main">
+        <mc:Choice Requires="p14">
           <p:contentPart p14:bwMode="auto" r:id="rId156">
             <p14:nvContentPartPr>
               <p14:cNvPr id="484" name="Ink 483">
@@ -37424,7 +37424,7 @@
             </p14:xfrm>
           </p:contentPart>
         </mc:Choice>
-        <mc:Fallback>
+        <mc:Fallback xmlns="">
           <p:pic>
             <p:nvPicPr>
               <p:cNvPr id="484" name="Ink 483">
@@ -37455,8 +37455,8 @@
           </p:pic>
         </mc:Fallback>
       </mc:AlternateContent>
-      <mc:AlternateContent xmlns:mc="http://schemas.openxmlformats.org/markup-compatibility/2006">
-        <mc:Choice xmlns:p14="http://schemas.microsoft.com/office/powerpoint/2010/main" Requires="p14">
+      <mc:AlternateContent xmlns:mc="http://schemas.openxmlformats.org/markup-compatibility/2006" xmlns:p14="http://schemas.microsoft.com/office/powerpoint/2010/main">
+        <mc:Choice Requires="p14">
           <p:contentPart p14:bwMode="auto" r:id="rId158">
             <p14:nvContentPartPr>
               <p14:cNvPr id="485" name="Ink 484">
@@ -37475,7 +37475,7 @@
             </p14:xfrm>
           </p:contentPart>
         </mc:Choice>
-        <mc:Fallback>
+        <mc:Fallback xmlns="">
           <p:pic>
             <p:nvPicPr>
               <p:cNvPr id="485" name="Ink 484">
@@ -37506,8 +37506,8 @@
           </p:pic>
         </mc:Fallback>
       </mc:AlternateContent>
-      <mc:AlternateContent xmlns:mc="http://schemas.openxmlformats.org/markup-compatibility/2006">
-        <mc:Choice xmlns:p14="http://schemas.microsoft.com/office/powerpoint/2010/main" Requires="p14">
+      <mc:AlternateContent xmlns:mc="http://schemas.openxmlformats.org/markup-compatibility/2006" xmlns:p14="http://schemas.microsoft.com/office/powerpoint/2010/main">
+        <mc:Choice Requires="p14">
           <p:contentPart p14:bwMode="auto" r:id="rId160">
             <p14:nvContentPartPr>
               <p14:cNvPr id="489" name="Ink 488">
@@ -37526,7 +37526,7 @@
             </p14:xfrm>
           </p:contentPart>
         </mc:Choice>
-        <mc:Fallback>
+        <mc:Fallback xmlns="">
           <p:pic>
             <p:nvPicPr>
               <p:cNvPr id="489" name="Ink 488">
@@ -37577,8 +37577,8 @@
             <a:chExt cx="148680" cy="243000"/>
           </a:xfrm>
         </p:grpSpPr>
-        <mc:AlternateContent xmlns:mc="http://schemas.openxmlformats.org/markup-compatibility/2006">
-          <mc:Choice xmlns:p14="http://schemas.microsoft.com/office/powerpoint/2010/main" Requires="p14">
+        <mc:AlternateContent xmlns:mc="http://schemas.openxmlformats.org/markup-compatibility/2006" xmlns:p14="http://schemas.microsoft.com/office/powerpoint/2010/main">
+          <mc:Choice Requires="p14">
             <p:contentPart p14:bwMode="auto" r:id="rId162">
               <p14:nvContentPartPr>
                 <p14:cNvPr id="495" name="Ink 494">
@@ -37597,7 +37597,7 @@
               </p14:xfrm>
             </p:contentPart>
           </mc:Choice>
-          <mc:Fallback>
+          <mc:Fallback xmlns="">
             <p:pic>
               <p:nvPicPr>
                 <p:cNvPr id="495" name="Ink 494">
@@ -37628,8 +37628,8 @@
             </p:pic>
           </mc:Fallback>
         </mc:AlternateContent>
-        <mc:AlternateContent xmlns:mc="http://schemas.openxmlformats.org/markup-compatibility/2006">
-          <mc:Choice xmlns:p14="http://schemas.microsoft.com/office/powerpoint/2010/main" Requires="p14">
+        <mc:AlternateContent xmlns:mc="http://schemas.openxmlformats.org/markup-compatibility/2006" xmlns:p14="http://schemas.microsoft.com/office/powerpoint/2010/main">
+          <mc:Choice Requires="p14">
             <p:contentPart p14:bwMode="auto" r:id="rId164">
               <p14:nvContentPartPr>
                 <p14:cNvPr id="496" name="Ink 495">
@@ -37648,7 +37648,7 @@
               </p14:xfrm>
             </p:contentPart>
           </mc:Choice>
-          <mc:Fallback>
+          <mc:Fallback xmlns="">
             <p:pic>
               <p:nvPicPr>
                 <p:cNvPr id="496" name="Ink 495">
@@ -37700,8 +37700,8 @@
             <a:chExt cx="1837080" cy="696960"/>
           </a:xfrm>
         </p:grpSpPr>
-        <mc:AlternateContent xmlns:mc="http://schemas.openxmlformats.org/markup-compatibility/2006">
-          <mc:Choice xmlns:p14="http://schemas.microsoft.com/office/powerpoint/2010/main" Requires="p14">
+        <mc:AlternateContent xmlns:mc="http://schemas.openxmlformats.org/markup-compatibility/2006" xmlns:p14="http://schemas.microsoft.com/office/powerpoint/2010/main">
+          <mc:Choice Requires="p14">
             <p:contentPart p14:bwMode="auto" r:id="rId166">
               <p14:nvContentPartPr>
                 <p14:cNvPr id="486" name="Ink 485">
@@ -37720,7 +37720,7 @@
               </p14:xfrm>
             </p:contentPart>
           </mc:Choice>
-          <mc:Fallback>
+          <mc:Fallback xmlns="">
             <p:pic>
               <p:nvPicPr>
                 <p:cNvPr id="486" name="Ink 485">
@@ -37751,8 +37751,8 @@
             </p:pic>
           </mc:Fallback>
         </mc:AlternateContent>
-        <mc:AlternateContent xmlns:mc="http://schemas.openxmlformats.org/markup-compatibility/2006">
-          <mc:Choice xmlns:p14="http://schemas.microsoft.com/office/powerpoint/2010/main" Requires="p14">
+        <mc:AlternateContent xmlns:mc="http://schemas.openxmlformats.org/markup-compatibility/2006" xmlns:p14="http://schemas.microsoft.com/office/powerpoint/2010/main">
+          <mc:Choice Requires="p14">
             <p:contentPart p14:bwMode="auto" r:id="rId168">
               <p14:nvContentPartPr>
                 <p14:cNvPr id="487" name="Ink 486">
@@ -37771,7 +37771,7 @@
               </p14:xfrm>
             </p:contentPart>
           </mc:Choice>
-          <mc:Fallback>
+          <mc:Fallback xmlns="">
             <p:pic>
               <p:nvPicPr>
                 <p:cNvPr id="487" name="Ink 486">
@@ -37802,8 +37802,8 @@
             </p:pic>
           </mc:Fallback>
         </mc:AlternateContent>
-        <mc:AlternateContent xmlns:mc="http://schemas.openxmlformats.org/markup-compatibility/2006">
-          <mc:Choice xmlns:p14="http://schemas.microsoft.com/office/powerpoint/2010/main" Requires="p14">
+        <mc:AlternateContent xmlns:mc="http://schemas.openxmlformats.org/markup-compatibility/2006" xmlns:p14="http://schemas.microsoft.com/office/powerpoint/2010/main">
+          <mc:Choice Requires="p14">
             <p:contentPart p14:bwMode="auto" r:id="rId170">
               <p14:nvContentPartPr>
                 <p14:cNvPr id="490" name="Ink 489">
@@ -37822,7 +37822,7 @@
               </p14:xfrm>
             </p:contentPart>
           </mc:Choice>
-          <mc:Fallback>
+          <mc:Fallback xmlns="">
             <p:pic>
               <p:nvPicPr>
                 <p:cNvPr id="490" name="Ink 489">
@@ -37853,8 +37853,8 @@
             </p:pic>
           </mc:Fallback>
         </mc:AlternateContent>
-        <mc:AlternateContent xmlns:mc="http://schemas.openxmlformats.org/markup-compatibility/2006">
-          <mc:Choice xmlns:p14="http://schemas.microsoft.com/office/powerpoint/2010/main" Requires="p14">
+        <mc:AlternateContent xmlns:mc="http://schemas.openxmlformats.org/markup-compatibility/2006" xmlns:p14="http://schemas.microsoft.com/office/powerpoint/2010/main">
+          <mc:Choice Requires="p14">
             <p:contentPart p14:bwMode="auto" r:id="rId172">
               <p14:nvContentPartPr>
                 <p14:cNvPr id="491" name="Ink 490">
@@ -37873,7 +37873,7 @@
               </p14:xfrm>
             </p:contentPart>
           </mc:Choice>
-          <mc:Fallback>
+          <mc:Fallback xmlns="">
             <p:pic>
               <p:nvPicPr>
                 <p:cNvPr id="491" name="Ink 490">
@@ -37904,8 +37904,8 @@
             </p:pic>
           </mc:Fallback>
         </mc:AlternateContent>
-        <mc:AlternateContent xmlns:mc="http://schemas.openxmlformats.org/markup-compatibility/2006">
-          <mc:Choice xmlns:p14="http://schemas.microsoft.com/office/powerpoint/2010/main" Requires="p14">
+        <mc:AlternateContent xmlns:mc="http://schemas.openxmlformats.org/markup-compatibility/2006" xmlns:p14="http://schemas.microsoft.com/office/powerpoint/2010/main">
+          <mc:Choice Requires="p14">
             <p:contentPart p14:bwMode="auto" r:id="rId174">
               <p14:nvContentPartPr>
                 <p14:cNvPr id="492" name="Ink 491">
@@ -37924,7 +37924,7 @@
               </p14:xfrm>
             </p:contentPart>
           </mc:Choice>
-          <mc:Fallback>
+          <mc:Fallback xmlns="">
             <p:pic>
               <p:nvPicPr>
                 <p:cNvPr id="492" name="Ink 491">
@@ -37955,8 +37955,8 @@
             </p:pic>
           </mc:Fallback>
         </mc:AlternateContent>
-        <mc:AlternateContent xmlns:mc="http://schemas.openxmlformats.org/markup-compatibility/2006">
-          <mc:Choice xmlns:p14="http://schemas.microsoft.com/office/powerpoint/2010/main" Requires="p14">
+        <mc:AlternateContent xmlns:mc="http://schemas.openxmlformats.org/markup-compatibility/2006" xmlns:p14="http://schemas.microsoft.com/office/powerpoint/2010/main">
+          <mc:Choice Requires="p14">
             <p:contentPart p14:bwMode="auto" r:id="rId176">
               <p14:nvContentPartPr>
                 <p14:cNvPr id="493" name="Ink 492">
@@ -37975,7 +37975,7 @@
               </p14:xfrm>
             </p:contentPart>
           </mc:Choice>
-          <mc:Fallback>
+          <mc:Fallback xmlns="">
             <p:pic>
               <p:nvPicPr>
                 <p:cNvPr id="493" name="Ink 492">
@@ -38006,8 +38006,8 @@
             </p:pic>
           </mc:Fallback>
         </mc:AlternateContent>
-        <mc:AlternateContent xmlns:mc="http://schemas.openxmlformats.org/markup-compatibility/2006">
-          <mc:Choice xmlns:p14="http://schemas.microsoft.com/office/powerpoint/2010/main" Requires="p14">
+        <mc:AlternateContent xmlns:mc="http://schemas.openxmlformats.org/markup-compatibility/2006" xmlns:p14="http://schemas.microsoft.com/office/powerpoint/2010/main">
+          <mc:Choice Requires="p14">
             <p:contentPart p14:bwMode="auto" r:id="rId178">
               <p14:nvContentPartPr>
                 <p14:cNvPr id="498" name="Ink 497">
@@ -38026,7 +38026,7 @@
               </p14:xfrm>
             </p:contentPart>
           </mc:Choice>
-          <mc:Fallback>
+          <mc:Fallback xmlns="">
             <p:pic>
               <p:nvPicPr>
                 <p:cNvPr id="498" name="Ink 497">
@@ -38057,8 +38057,8 @@
             </p:pic>
           </mc:Fallback>
         </mc:AlternateContent>
-        <mc:AlternateContent xmlns:mc="http://schemas.openxmlformats.org/markup-compatibility/2006">
-          <mc:Choice xmlns:p14="http://schemas.microsoft.com/office/powerpoint/2010/main" Requires="p14">
+        <mc:AlternateContent xmlns:mc="http://schemas.openxmlformats.org/markup-compatibility/2006" xmlns:p14="http://schemas.microsoft.com/office/powerpoint/2010/main">
+          <mc:Choice Requires="p14">
             <p:contentPart p14:bwMode="auto" r:id="rId180">
               <p14:nvContentPartPr>
                 <p14:cNvPr id="499" name="Ink 498">
@@ -38077,7 +38077,7 @@
               </p14:xfrm>
             </p:contentPart>
           </mc:Choice>
-          <mc:Fallback>
+          <mc:Fallback xmlns="">
             <p:pic>
               <p:nvPicPr>
                 <p:cNvPr id="499" name="Ink 498">
@@ -38108,8 +38108,8 @@
             </p:pic>
           </mc:Fallback>
         </mc:AlternateContent>
-        <mc:AlternateContent xmlns:mc="http://schemas.openxmlformats.org/markup-compatibility/2006">
-          <mc:Choice xmlns:p14="http://schemas.microsoft.com/office/powerpoint/2010/main" Requires="p14">
+        <mc:AlternateContent xmlns:mc="http://schemas.openxmlformats.org/markup-compatibility/2006" xmlns:p14="http://schemas.microsoft.com/office/powerpoint/2010/main">
+          <mc:Choice Requires="p14">
             <p:contentPart p14:bwMode="auto" r:id="rId182">
               <p14:nvContentPartPr>
                 <p14:cNvPr id="500" name="Ink 499">
@@ -38128,7 +38128,7 @@
               </p14:xfrm>
             </p:contentPart>
           </mc:Choice>
-          <mc:Fallback>
+          <mc:Fallback xmlns="">
             <p:pic>
               <p:nvPicPr>
                 <p:cNvPr id="500" name="Ink 499">
@@ -38159,8 +38159,8 @@
             </p:pic>
           </mc:Fallback>
         </mc:AlternateContent>
-        <mc:AlternateContent xmlns:mc="http://schemas.openxmlformats.org/markup-compatibility/2006">
-          <mc:Choice xmlns:p14="http://schemas.microsoft.com/office/powerpoint/2010/main" Requires="p14">
+        <mc:AlternateContent xmlns:mc="http://schemas.openxmlformats.org/markup-compatibility/2006" xmlns:p14="http://schemas.microsoft.com/office/powerpoint/2010/main">
+          <mc:Choice Requires="p14">
             <p:contentPart p14:bwMode="auto" r:id="rId184">
               <p14:nvContentPartPr>
                 <p14:cNvPr id="501" name="Ink 500">
@@ -38179,7 +38179,7 @@
               </p14:xfrm>
             </p:contentPart>
           </mc:Choice>
-          <mc:Fallback>
+          <mc:Fallback xmlns="">
             <p:pic>
               <p:nvPicPr>
                 <p:cNvPr id="501" name="Ink 500">
@@ -38211,8 +38211,8 @@
           </mc:Fallback>
         </mc:AlternateContent>
       </p:grpSp>
-      <mc:AlternateContent xmlns:mc="http://schemas.openxmlformats.org/markup-compatibility/2006">
-        <mc:Choice xmlns:p14="http://schemas.microsoft.com/office/powerpoint/2010/main" Requires="p14">
+      <mc:AlternateContent xmlns:mc="http://schemas.openxmlformats.org/markup-compatibility/2006" xmlns:p14="http://schemas.microsoft.com/office/powerpoint/2010/main">
+        <mc:Choice Requires="p14">
           <p:contentPart p14:bwMode="auto" r:id="rId186">
             <p14:nvContentPartPr>
               <p14:cNvPr id="503" name="Ink 502">
@@ -38231,7 +38231,7 @@
             </p14:xfrm>
           </p:contentPart>
         </mc:Choice>
-        <mc:Fallback>
+        <mc:Fallback xmlns="">
           <p:pic>
             <p:nvPicPr>
               <p:cNvPr id="503" name="Ink 502">
@@ -38282,8 +38282,8 @@
             <a:chExt cx="749880" cy="319320"/>
           </a:xfrm>
         </p:grpSpPr>
-        <mc:AlternateContent xmlns:mc="http://schemas.openxmlformats.org/markup-compatibility/2006">
-          <mc:Choice xmlns:p14="http://schemas.microsoft.com/office/powerpoint/2010/main" Requires="p14">
+        <mc:AlternateContent xmlns:mc="http://schemas.openxmlformats.org/markup-compatibility/2006" xmlns:p14="http://schemas.microsoft.com/office/powerpoint/2010/main">
+          <mc:Choice Requires="p14">
             <p:contentPart p14:bwMode="auto" r:id="rId188">
               <p14:nvContentPartPr>
                 <p14:cNvPr id="514" name="Ink 513">
@@ -38302,7 +38302,7 @@
               </p14:xfrm>
             </p:contentPart>
           </mc:Choice>
-          <mc:Fallback>
+          <mc:Fallback xmlns="">
             <p:pic>
               <p:nvPicPr>
                 <p:cNvPr id="514" name="Ink 513">
@@ -38333,8 +38333,8 @@
             </p:pic>
           </mc:Fallback>
         </mc:AlternateContent>
-        <mc:AlternateContent xmlns:mc="http://schemas.openxmlformats.org/markup-compatibility/2006">
-          <mc:Choice xmlns:p14="http://schemas.microsoft.com/office/powerpoint/2010/main" Requires="p14">
+        <mc:AlternateContent xmlns:mc="http://schemas.openxmlformats.org/markup-compatibility/2006" xmlns:p14="http://schemas.microsoft.com/office/powerpoint/2010/main">
+          <mc:Choice Requires="p14">
             <p:contentPart p14:bwMode="auto" r:id="rId190">
               <p14:nvContentPartPr>
                 <p14:cNvPr id="515" name="Ink 514">
@@ -38353,7 +38353,7 @@
               </p14:xfrm>
             </p:contentPart>
           </mc:Choice>
-          <mc:Fallback>
+          <mc:Fallback xmlns="">
             <p:pic>
               <p:nvPicPr>
                 <p:cNvPr id="515" name="Ink 514">
@@ -38384,8 +38384,8 @@
             </p:pic>
           </mc:Fallback>
         </mc:AlternateContent>
-        <mc:AlternateContent xmlns:mc="http://schemas.openxmlformats.org/markup-compatibility/2006">
-          <mc:Choice xmlns:p14="http://schemas.microsoft.com/office/powerpoint/2010/main" Requires="p14">
+        <mc:AlternateContent xmlns:mc="http://schemas.openxmlformats.org/markup-compatibility/2006" xmlns:p14="http://schemas.microsoft.com/office/powerpoint/2010/main">
+          <mc:Choice Requires="p14">
             <p:contentPart p14:bwMode="auto" r:id="rId192">
               <p14:nvContentPartPr>
                 <p14:cNvPr id="517" name="Ink 516">
@@ -38404,7 +38404,7 @@
               </p14:xfrm>
             </p:contentPart>
           </mc:Choice>
-          <mc:Fallback>
+          <mc:Fallback xmlns="">
             <p:pic>
               <p:nvPicPr>
                 <p:cNvPr id="517" name="Ink 516">
@@ -38435,8 +38435,8 @@
             </p:pic>
           </mc:Fallback>
         </mc:AlternateContent>
-        <mc:AlternateContent xmlns:mc="http://schemas.openxmlformats.org/markup-compatibility/2006">
-          <mc:Choice xmlns:p14="http://schemas.microsoft.com/office/powerpoint/2010/main" Requires="p14">
+        <mc:AlternateContent xmlns:mc="http://schemas.openxmlformats.org/markup-compatibility/2006" xmlns:p14="http://schemas.microsoft.com/office/powerpoint/2010/main">
+          <mc:Choice Requires="p14">
             <p:contentPart p14:bwMode="auto" r:id="rId194">
               <p14:nvContentPartPr>
                 <p14:cNvPr id="518" name="Ink 517">
@@ -38455,7 +38455,7 @@
               </p14:xfrm>
             </p:contentPart>
           </mc:Choice>
-          <mc:Fallback>
+          <mc:Fallback xmlns="">
             <p:pic>
               <p:nvPicPr>
                 <p:cNvPr id="518" name="Ink 517">
@@ -38507,8 +38507,8 @@
             <a:chExt cx="632160" cy="260280"/>
           </a:xfrm>
         </p:grpSpPr>
-        <mc:AlternateContent xmlns:mc="http://schemas.openxmlformats.org/markup-compatibility/2006">
-          <mc:Choice xmlns:p14="http://schemas.microsoft.com/office/powerpoint/2010/main" Requires="p14">
+        <mc:AlternateContent xmlns:mc="http://schemas.openxmlformats.org/markup-compatibility/2006" xmlns:p14="http://schemas.microsoft.com/office/powerpoint/2010/main">
+          <mc:Choice Requires="p14">
             <p:contentPart p14:bwMode="auto" r:id="rId196">
               <p14:nvContentPartPr>
                 <p14:cNvPr id="520" name="Ink 519">
@@ -38527,7 +38527,7 @@
               </p14:xfrm>
             </p:contentPart>
           </mc:Choice>
-          <mc:Fallback>
+          <mc:Fallback xmlns="">
             <p:pic>
               <p:nvPicPr>
                 <p:cNvPr id="520" name="Ink 519">
@@ -38558,8 +38558,8 @@
             </p:pic>
           </mc:Fallback>
         </mc:AlternateContent>
-        <mc:AlternateContent xmlns:mc="http://schemas.openxmlformats.org/markup-compatibility/2006">
-          <mc:Choice xmlns:p14="http://schemas.microsoft.com/office/powerpoint/2010/main" Requires="p14">
+        <mc:AlternateContent xmlns:mc="http://schemas.openxmlformats.org/markup-compatibility/2006" xmlns:p14="http://schemas.microsoft.com/office/powerpoint/2010/main">
+          <mc:Choice Requires="p14">
             <p:contentPart p14:bwMode="auto" r:id="rId198">
               <p14:nvContentPartPr>
                 <p14:cNvPr id="521" name="Ink 520">
@@ -38578,7 +38578,7 @@
               </p14:xfrm>
             </p:contentPart>
           </mc:Choice>
-          <mc:Fallback>
+          <mc:Fallback xmlns="">
             <p:pic>
               <p:nvPicPr>
                 <p:cNvPr id="521" name="Ink 520">
@@ -38609,8 +38609,8 @@
             </p:pic>
           </mc:Fallback>
         </mc:AlternateContent>
-        <mc:AlternateContent xmlns:mc="http://schemas.openxmlformats.org/markup-compatibility/2006">
-          <mc:Choice xmlns:p14="http://schemas.microsoft.com/office/powerpoint/2010/main" Requires="p14">
+        <mc:AlternateContent xmlns:mc="http://schemas.openxmlformats.org/markup-compatibility/2006" xmlns:p14="http://schemas.microsoft.com/office/powerpoint/2010/main">
+          <mc:Choice Requires="p14">
             <p:contentPart p14:bwMode="auto" r:id="rId200">
               <p14:nvContentPartPr>
                 <p14:cNvPr id="523" name="Ink 522">
@@ -38629,7 +38629,7 @@
               </p14:xfrm>
             </p:contentPart>
           </mc:Choice>
-          <mc:Fallback>
+          <mc:Fallback xmlns="">
             <p:pic>
               <p:nvPicPr>
                 <p:cNvPr id="523" name="Ink 522">
@@ -38681,8 +38681,8 @@
             <a:chExt cx="585720" cy="437400"/>
           </a:xfrm>
         </p:grpSpPr>
-        <mc:AlternateContent xmlns:mc="http://schemas.openxmlformats.org/markup-compatibility/2006">
-          <mc:Choice xmlns:p14="http://schemas.microsoft.com/office/powerpoint/2010/main" Requires="p14">
+        <mc:AlternateContent xmlns:mc="http://schemas.openxmlformats.org/markup-compatibility/2006" xmlns:p14="http://schemas.microsoft.com/office/powerpoint/2010/main">
+          <mc:Choice Requires="p14">
             <p:contentPart p14:bwMode="auto" r:id="rId202">
               <p14:nvContentPartPr>
                 <p14:cNvPr id="525" name="Ink 524">
@@ -38701,7 +38701,7 @@
               </p14:xfrm>
             </p:contentPart>
           </mc:Choice>
-          <mc:Fallback>
+          <mc:Fallback xmlns="">
             <p:pic>
               <p:nvPicPr>
                 <p:cNvPr id="525" name="Ink 524">
@@ -38732,8 +38732,8 @@
             </p:pic>
           </mc:Fallback>
         </mc:AlternateContent>
-        <mc:AlternateContent xmlns:mc="http://schemas.openxmlformats.org/markup-compatibility/2006">
-          <mc:Choice xmlns:p14="http://schemas.microsoft.com/office/powerpoint/2010/main" Requires="p14">
+        <mc:AlternateContent xmlns:mc="http://schemas.openxmlformats.org/markup-compatibility/2006" xmlns:p14="http://schemas.microsoft.com/office/powerpoint/2010/main">
+          <mc:Choice Requires="p14">
             <p:contentPart p14:bwMode="auto" r:id="rId204">
               <p14:nvContentPartPr>
                 <p14:cNvPr id="526" name="Ink 525">
@@ -38752,7 +38752,7 @@
               </p14:xfrm>
             </p:contentPart>
           </mc:Choice>
-          <mc:Fallback>
+          <mc:Fallback xmlns="">
             <p:pic>
               <p:nvPicPr>
                 <p:cNvPr id="526" name="Ink 525">
@@ -38783,8 +38783,8 @@
             </p:pic>
           </mc:Fallback>
         </mc:AlternateContent>
-        <mc:AlternateContent xmlns:mc="http://schemas.openxmlformats.org/markup-compatibility/2006">
-          <mc:Choice xmlns:p14="http://schemas.microsoft.com/office/powerpoint/2010/main" Requires="p14">
+        <mc:AlternateContent xmlns:mc="http://schemas.openxmlformats.org/markup-compatibility/2006" xmlns:p14="http://schemas.microsoft.com/office/powerpoint/2010/main">
+          <mc:Choice Requires="p14">
             <p:contentPart p14:bwMode="auto" r:id="rId206">
               <p14:nvContentPartPr>
                 <p14:cNvPr id="527" name="Ink 526">
@@ -38803,7 +38803,7 @@
               </p14:xfrm>
             </p:contentPart>
           </mc:Choice>
-          <mc:Fallback>
+          <mc:Fallback xmlns="">
             <p:pic>
               <p:nvPicPr>
                 <p:cNvPr id="527" name="Ink 526">
@@ -38834,8 +38834,8 @@
             </p:pic>
           </mc:Fallback>
         </mc:AlternateContent>
-        <mc:AlternateContent xmlns:mc="http://schemas.openxmlformats.org/markup-compatibility/2006">
-          <mc:Choice xmlns:p14="http://schemas.microsoft.com/office/powerpoint/2010/main" Requires="p14">
+        <mc:AlternateContent xmlns:mc="http://schemas.openxmlformats.org/markup-compatibility/2006" xmlns:p14="http://schemas.microsoft.com/office/powerpoint/2010/main">
+          <mc:Choice Requires="p14">
             <p:contentPart p14:bwMode="auto" r:id="rId208">
               <p14:nvContentPartPr>
                 <p14:cNvPr id="529" name="Ink 528">
@@ -38854,7 +38854,7 @@
               </p14:xfrm>
             </p:contentPart>
           </mc:Choice>
-          <mc:Fallback>
+          <mc:Fallback xmlns="">
             <p:pic>
               <p:nvPicPr>
                 <p:cNvPr id="529" name="Ink 528">
@@ -38885,8 +38885,8 @@
             </p:pic>
           </mc:Fallback>
         </mc:AlternateContent>
-        <mc:AlternateContent xmlns:mc="http://schemas.openxmlformats.org/markup-compatibility/2006">
-          <mc:Choice xmlns:p14="http://schemas.microsoft.com/office/powerpoint/2010/main" Requires="p14">
+        <mc:AlternateContent xmlns:mc="http://schemas.openxmlformats.org/markup-compatibility/2006" xmlns:p14="http://schemas.microsoft.com/office/powerpoint/2010/main">
+          <mc:Choice Requires="p14">
             <p:contentPart p14:bwMode="auto" r:id="rId210">
               <p14:nvContentPartPr>
                 <p14:cNvPr id="530" name="Ink 529">
@@ -38905,7 +38905,7 @@
               </p14:xfrm>
             </p:contentPart>
           </mc:Choice>
-          <mc:Fallback>
+          <mc:Fallback xmlns="">
             <p:pic>
               <p:nvPicPr>
                 <p:cNvPr id="530" name="Ink 529">
@@ -38957,8 +38957,8 @@
             <a:chExt cx="608760" cy="286920"/>
           </a:xfrm>
         </p:grpSpPr>
-        <mc:AlternateContent xmlns:mc="http://schemas.openxmlformats.org/markup-compatibility/2006">
-          <mc:Choice xmlns:p14="http://schemas.microsoft.com/office/powerpoint/2010/main" Requires="p14">
+        <mc:AlternateContent xmlns:mc="http://schemas.openxmlformats.org/markup-compatibility/2006" xmlns:p14="http://schemas.microsoft.com/office/powerpoint/2010/main">
+          <mc:Choice Requires="p14">
             <p:contentPart p14:bwMode="auto" r:id="rId212">
               <p14:nvContentPartPr>
                 <p14:cNvPr id="531" name="Ink 530">
@@ -38977,7 +38977,7 @@
               </p14:xfrm>
             </p:contentPart>
           </mc:Choice>
-          <mc:Fallback>
+          <mc:Fallback xmlns="">
             <p:pic>
               <p:nvPicPr>
                 <p:cNvPr id="531" name="Ink 530">
@@ -39008,8 +39008,8 @@
             </p:pic>
           </mc:Fallback>
         </mc:AlternateContent>
-        <mc:AlternateContent xmlns:mc="http://schemas.openxmlformats.org/markup-compatibility/2006">
-          <mc:Choice xmlns:p14="http://schemas.microsoft.com/office/powerpoint/2010/main" Requires="p14">
+        <mc:AlternateContent xmlns:mc="http://schemas.openxmlformats.org/markup-compatibility/2006" xmlns:p14="http://schemas.microsoft.com/office/powerpoint/2010/main">
+          <mc:Choice Requires="p14">
             <p:contentPart p14:bwMode="auto" r:id="rId214">
               <p14:nvContentPartPr>
                 <p14:cNvPr id="532" name="Ink 531">
@@ -39028,7 +39028,7 @@
               </p14:xfrm>
             </p:contentPart>
           </mc:Choice>
-          <mc:Fallback>
+          <mc:Fallback xmlns="">
             <p:pic>
               <p:nvPicPr>
                 <p:cNvPr id="532" name="Ink 531">
@@ -39059,8 +39059,8 @@
             </p:pic>
           </mc:Fallback>
         </mc:AlternateContent>
-        <mc:AlternateContent xmlns:mc="http://schemas.openxmlformats.org/markup-compatibility/2006">
-          <mc:Choice xmlns:p14="http://schemas.microsoft.com/office/powerpoint/2010/main" Requires="p14">
+        <mc:AlternateContent xmlns:mc="http://schemas.openxmlformats.org/markup-compatibility/2006" xmlns:p14="http://schemas.microsoft.com/office/powerpoint/2010/main">
+          <mc:Choice Requires="p14">
             <p:contentPart p14:bwMode="auto" r:id="rId216">
               <p14:nvContentPartPr>
                 <p14:cNvPr id="533" name="Ink 532">
@@ -39079,7 +39079,7 @@
               </p14:xfrm>
             </p:contentPart>
           </mc:Choice>
-          <mc:Fallback>
+          <mc:Fallback xmlns="">
             <p:pic>
               <p:nvPicPr>
                 <p:cNvPr id="533" name="Ink 532">
@@ -39131,8 +39131,8 @@
             <a:chExt cx="737280" cy="506520"/>
           </a:xfrm>
         </p:grpSpPr>
-        <mc:AlternateContent xmlns:mc="http://schemas.openxmlformats.org/markup-compatibility/2006">
-          <mc:Choice xmlns:p14="http://schemas.microsoft.com/office/powerpoint/2010/main" Requires="p14">
+        <mc:AlternateContent xmlns:mc="http://schemas.openxmlformats.org/markup-compatibility/2006" xmlns:p14="http://schemas.microsoft.com/office/powerpoint/2010/main">
+          <mc:Choice Requires="p14">
             <p:contentPart p14:bwMode="auto" r:id="rId218">
               <p14:nvContentPartPr>
                 <p14:cNvPr id="508" name="Ink 507">
@@ -39151,7 +39151,7 @@
               </p14:xfrm>
             </p:contentPart>
           </mc:Choice>
-          <mc:Fallback>
+          <mc:Fallback xmlns="">
             <p:pic>
               <p:nvPicPr>
                 <p:cNvPr id="508" name="Ink 507">
@@ -39182,8 +39182,8 @@
             </p:pic>
           </mc:Fallback>
         </mc:AlternateContent>
-        <mc:AlternateContent xmlns:mc="http://schemas.openxmlformats.org/markup-compatibility/2006">
-          <mc:Choice xmlns:p14="http://schemas.microsoft.com/office/powerpoint/2010/main" Requires="p14">
+        <mc:AlternateContent xmlns:mc="http://schemas.openxmlformats.org/markup-compatibility/2006" xmlns:p14="http://schemas.microsoft.com/office/powerpoint/2010/main">
+          <mc:Choice Requires="p14">
             <p:contentPart p14:bwMode="auto" r:id="rId220">
               <p14:nvContentPartPr>
                 <p14:cNvPr id="509" name="Ink 508">
@@ -39202,7 +39202,7 @@
               </p14:xfrm>
             </p:contentPart>
           </mc:Choice>
-          <mc:Fallback>
+          <mc:Fallback xmlns="">
             <p:pic>
               <p:nvPicPr>
                 <p:cNvPr id="509" name="Ink 508">
@@ -39233,8 +39233,8 @@
             </p:pic>
           </mc:Fallback>
         </mc:AlternateContent>
-        <mc:AlternateContent xmlns:mc="http://schemas.openxmlformats.org/markup-compatibility/2006">
-          <mc:Choice xmlns:p14="http://schemas.microsoft.com/office/powerpoint/2010/main" Requires="p14">
+        <mc:AlternateContent xmlns:mc="http://schemas.openxmlformats.org/markup-compatibility/2006" xmlns:p14="http://schemas.microsoft.com/office/powerpoint/2010/main">
+          <mc:Choice Requires="p14">
             <p:contentPart p14:bwMode="auto" r:id="rId222">
               <p14:nvContentPartPr>
                 <p14:cNvPr id="510" name="Ink 509">
@@ -39253,7 +39253,7 @@
               </p14:xfrm>
             </p:contentPart>
           </mc:Choice>
-          <mc:Fallback>
+          <mc:Fallback xmlns="">
             <p:pic>
               <p:nvPicPr>
                 <p:cNvPr id="510" name="Ink 509">
@@ -39284,8 +39284,8 @@
             </p:pic>
           </mc:Fallback>
         </mc:AlternateContent>
-        <mc:AlternateContent xmlns:mc="http://schemas.openxmlformats.org/markup-compatibility/2006">
-          <mc:Choice xmlns:p14="http://schemas.microsoft.com/office/powerpoint/2010/main" Requires="p14">
+        <mc:AlternateContent xmlns:mc="http://schemas.openxmlformats.org/markup-compatibility/2006" xmlns:p14="http://schemas.microsoft.com/office/powerpoint/2010/main">
+          <mc:Choice Requires="p14">
             <p:contentPart p14:bwMode="auto" r:id="rId224">
               <p14:nvContentPartPr>
                 <p14:cNvPr id="537" name="Ink 536">
@@ -39304,7 +39304,7 @@
               </p14:xfrm>
             </p:contentPart>
           </mc:Choice>
-          <mc:Fallback>
+          <mc:Fallback xmlns="">
             <p:pic>
               <p:nvPicPr>
                 <p:cNvPr id="537" name="Ink 536">
@@ -39336,8 +39336,8 @@
           </mc:Fallback>
         </mc:AlternateContent>
       </p:grpSp>
-      <mc:AlternateContent xmlns:mc="http://schemas.openxmlformats.org/markup-compatibility/2006">
-        <mc:Choice xmlns:p14="http://schemas.microsoft.com/office/powerpoint/2010/main" Requires="p14">
+      <mc:AlternateContent xmlns:mc="http://schemas.openxmlformats.org/markup-compatibility/2006" xmlns:p14="http://schemas.microsoft.com/office/powerpoint/2010/main">
+        <mc:Choice Requires="p14">
           <p:contentPart p14:bwMode="auto" r:id="rId226">
             <p14:nvContentPartPr>
               <p14:cNvPr id="539" name="Ink 538">
@@ -39356,7 +39356,7 @@
             </p14:xfrm>
           </p:contentPart>
         </mc:Choice>
-        <mc:Fallback>
+        <mc:Fallback xmlns="">
           <p:pic>
             <p:nvPicPr>
               <p:cNvPr id="539" name="Ink 538">
@@ -39387,8 +39387,8 @@
           </p:pic>
         </mc:Fallback>
       </mc:AlternateContent>
-      <mc:AlternateContent xmlns:mc="http://schemas.openxmlformats.org/markup-compatibility/2006">
-        <mc:Choice xmlns:p14="http://schemas.microsoft.com/office/powerpoint/2010/main" Requires="p14">
+      <mc:AlternateContent xmlns:mc="http://schemas.openxmlformats.org/markup-compatibility/2006" xmlns:p14="http://schemas.microsoft.com/office/powerpoint/2010/main">
+        <mc:Choice Requires="p14">
           <p:contentPart p14:bwMode="auto" r:id="rId228">
             <p14:nvContentPartPr>
               <p14:cNvPr id="540" name="Ink 539">
@@ -39407,7 +39407,7 @@
             </p14:xfrm>
           </p:contentPart>
         </mc:Choice>
-        <mc:Fallback>
+        <mc:Fallback xmlns="">
           <p:pic>
             <p:nvPicPr>
               <p:cNvPr id="540" name="Ink 539">
@@ -39438,8 +39438,8 @@
           </p:pic>
         </mc:Fallback>
       </mc:AlternateContent>
-      <mc:AlternateContent xmlns:mc="http://schemas.openxmlformats.org/markup-compatibility/2006">
-        <mc:Choice xmlns:p14="http://schemas.microsoft.com/office/powerpoint/2010/main" Requires="p14">
+      <mc:AlternateContent xmlns:mc="http://schemas.openxmlformats.org/markup-compatibility/2006" xmlns:p14="http://schemas.microsoft.com/office/powerpoint/2010/main">
+        <mc:Choice Requires="p14">
           <p:contentPart p14:bwMode="auto" r:id="rId230">
             <p14:nvContentPartPr>
               <p14:cNvPr id="541" name="Ink 540">
@@ -39458,7 +39458,7 @@
             </p14:xfrm>
           </p:contentPart>
         </mc:Choice>
-        <mc:Fallback>
+        <mc:Fallback xmlns="">
           <p:pic>
             <p:nvPicPr>
               <p:cNvPr id="541" name="Ink 540">
@@ -39489,8 +39489,8 @@
           </p:pic>
         </mc:Fallback>
       </mc:AlternateContent>
-      <mc:AlternateContent xmlns:mc="http://schemas.openxmlformats.org/markup-compatibility/2006">
-        <mc:Choice xmlns:p14="http://schemas.microsoft.com/office/powerpoint/2010/main" Requires="p14">
+      <mc:AlternateContent xmlns:mc="http://schemas.openxmlformats.org/markup-compatibility/2006" xmlns:p14="http://schemas.microsoft.com/office/powerpoint/2010/main">
+        <mc:Choice Requires="p14">
           <p:contentPart p14:bwMode="auto" r:id="rId232">
             <p14:nvContentPartPr>
               <p14:cNvPr id="542" name="Ink 541">
@@ -39509,7 +39509,7 @@
             </p14:xfrm>
           </p:contentPart>
         </mc:Choice>
-        <mc:Fallback>
+        <mc:Fallback xmlns="">
           <p:pic>
             <p:nvPicPr>
               <p:cNvPr id="542" name="Ink 541">
@@ -39540,8 +39540,8 @@
           </p:pic>
         </mc:Fallback>
       </mc:AlternateContent>
-      <mc:AlternateContent xmlns:mc="http://schemas.openxmlformats.org/markup-compatibility/2006">
-        <mc:Choice xmlns:p14="http://schemas.microsoft.com/office/powerpoint/2010/main" Requires="p14">
+      <mc:AlternateContent xmlns:mc="http://schemas.openxmlformats.org/markup-compatibility/2006" xmlns:p14="http://schemas.microsoft.com/office/powerpoint/2010/main">
+        <mc:Choice Requires="p14">
           <p:contentPart p14:bwMode="auto" r:id="rId234">
             <p14:nvContentPartPr>
               <p14:cNvPr id="543" name="Ink 542">
@@ -39560,7 +39560,7 @@
             </p14:xfrm>
           </p:contentPart>
         </mc:Choice>
-        <mc:Fallback>
+        <mc:Fallback xmlns="">
           <p:pic>
             <p:nvPicPr>
               <p:cNvPr id="543" name="Ink 542">
@@ -39591,8 +39591,8 @@
           </p:pic>
         </mc:Fallback>
       </mc:AlternateContent>
-      <mc:AlternateContent xmlns:mc="http://schemas.openxmlformats.org/markup-compatibility/2006">
-        <mc:Choice xmlns:p14="http://schemas.microsoft.com/office/powerpoint/2010/main" Requires="p14">
+      <mc:AlternateContent xmlns:mc="http://schemas.openxmlformats.org/markup-compatibility/2006" xmlns:p14="http://schemas.microsoft.com/office/powerpoint/2010/main">
+        <mc:Choice Requires="p14">
           <p:contentPart p14:bwMode="auto" r:id="rId236">
             <p14:nvContentPartPr>
               <p14:cNvPr id="544" name="Ink 543">
@@ -39611,7 +39611,7 @@
             </p14:xfrm>
           </p:contentPart>
         </mc:Choice>
-        <mc:Fallback>
+        <mc:Fallback xmlns="">
           <p:pic>
             <p:nvPicPr>
               <p:cNvPr id="544" name="Ink 543">
@@ -39642,8 +39642,8 @@
           </p:pic>
         </mc:Fallback>
       </mc:AlternateContent>
-      <mc:AlternateContent xmlns:mc="http://schemas.openxmlformats.org/markup-compatibility/2006">
-        <mc:Choice xmlns:p14="http://schemas.microsoft.com/office/powerpoint/2010/main" Requires="p14">
+      <mc:AlternateContent xmlns:mc="http://schemas.openxmlformats.org/markup-compatibility/2006" xmlns:p14="http://schemas.microsoft.com/office/powerpoint/2010/main">
+        <mc:Choice Requires="p14">
           <p:contentPart p14:bwMode="auto" r:id="rId238">
             <p14:nvContentPartPr>
               <p14:cNvPr id="545" name="Ink 544">
@@ -39662,7 +39662,7 @@
             </p14:xfrm>
           </p:contentPart>
         </mc:Choice>
-        <mc:Fallback>
+        <mc:Fallback xmlns="">
           <p:pic>
             <p:nvPicPr>
               <p:cNvPr id="545" name="Ink 544">
@@ -39693,8 +39693,8 @@
           </p:pic>
         </mc:Fallback>
       </mc:AlternateContent>
-      <mc:AlternateContent xmlns:mc="http://schemas.openxmlformats.org/markup-compatibility/2006">
-        <mc:Choice xmlns:p14="http://schemas.microsoft.com/office/powerpoint/2010/main" Requires="p14">
+      <mc:AlternateContent xmlns:mc="http://schemas.openxmlformats.org/markup-compatibility/2006" xmlns:p14="http://schemas.microsoft.com/office/powerpoint/2010/main">
+        <mc:Choice Requires="p14">
           <p:contentPart p14:bwMode="auto" r:id="rId240">
             <p14:nvContentPartPr>
               <p14:cNvPr id="546" name="Ink 545">
@@ -39713,7 +39713,7 @@
             </p14:xfrm>
           </p:contentPart>
         </mc:Choice>
-        <mc:Fallback>
+        <mc:Fallback xmlns="">
           <p:pic>
             <p:nvPicPr>
               <p:cNvPr id="546" name="Ink 545">
@@ -39744,8 +39744,8 @@
           </p:pic>
         </mc:Fallback>
       </mc:AlternateContent>
-      <mc:AlternateContent xmlns:mc="http://schemas.openxmlformats.org/markup-compatibility/2006">
-        <mc:Choice xmlns:p14="http://schemas.microsoft.com/office/powerpoint/2010/main" Requires="p14">
+      <mc:AlternateContent xmlns:mc="http://schemas.openxmlformats.org/markup-compatibility/2006" xmlns:p14="http://schemas.microsoft.com/office/powerpoint/2010/main">
+        <mc:Choice Requires="p14">
           <p:contentPart p14:bwMode="auto" r:id="rId242">
             <p14:nvContentPartPr>
               <p14:cNvPr id="547" name="Ink 546">
@@ -39764,7 +39764,7 @@
             </p14:xfrm>
           </p:contentPart>
         </mc:Choice>
-        <mc:Fallback>
+        <mc:Fallback xmlns="">
           <p:pic>
             <p:nvPicPr>
               <p:cNvPr id="547" name="Ink 546">
@@ -39795,8 +39795,8 @@
           </p:pic>
         </mc:Fallback>
       </mc:AlternateContent>
-      <mc:AlternateContent xmlns:mc="http://schemas.openxmlformats.org/markup-compatibility/2006">
-        <mc:Choice xmlns:p14="http://schemas.microsoft.com/office/powerpoint/2010/main" Requires="p14">
+      <mc:AlternateContent xmlns:mc="http://schemas.openxmlformats.org/markup-compatibility/2006" xmlns:p14="http://schemas.microsoft.com/office/powerpoint/2010/main">
+        <mc:Choice Requires="p14">
           <p:contentPart p14:bwMode="auto" r:id="rId244">
             <p14:nvContentPartPr>
               <p14:cNvPr id="548" name="Ink 547">
@@ -39815,7 +39815,7 @@
             </p14:xfrm>
           </p:contentPart>
         </mc:Choice>
-        <mc:Fallback>
+        <mc:Fallback xmlns="">
           <p:pic>
             <p:nvPicPr>
               <p:cNvPr id="548" name="Ink 547">
@@ -39866,8 +39866,8 @@
             <a:chExt cx="2899800" cy="653760"/>
           </a:xfrm>
         </p:grpSpPr>
-        <mc:AlternateContent xmlns:mc="http://schemas.openxmlformats.org/markup-compatibility/2006">
-          <mc:Choice xmlns:p14="http://schemas.microsoft.com/office/powerpoint/2010/main" Requires="p14">
+        <mc:AlternateContent xmlns:mc="http://schemas.openxmlformats.org/markup-compatibility/2006" xmlns:p14="http://schemas.microsoft.com/office/powerpoint/2010/main">
+          <mc:Choice Requires="p14">
             <p:contentPart p14:bwMode="auto" r:id="rId246">
               <p14:nvContentPartPr>
                 <p14:cNvPr id="549" name="Ink 548">
@@ -39886,7 +39886,7 @@
               </p14:xfrm>
             </p:contentPart>
           </mc:Choice>
-          <mc:Fallback>
+          <mc:Fallback xmlns="">
             <p:pic>
               <p:nvPicPr>
                 <p:cNvPr id="549" name="Ink 548">
@@ -39917,8 +39917,8 @@
             </p:pic>
           </mc:Fallback>
         </mc:AlternateContent>
-        <mc:AlternateContent xmlns:mc="http://schemas.openxmlformats.org/markup-compatibility/2006">
-          <mc:Choice xmlns:p14="http://schemas.microsoft.com/office/powerpoint/2010/main" Requires="p14">
+        <mc:AlternateContent xmlns:mc="http://schemas.openxmlformats.org/markup-compatibility/2006" xmlns:p14="http://schemas.microsoft.com/office/powerpoint/2010/main">
+          <mc:Choice Requires="p14">
             <p:contentPart p14:bwMode="auto" r:id="rId248">
               <p14:nvContentPartPr>
                 <p14:cNvPr id="550" name="Ink 549">
@@ -39937,7 +39937,7 @@
               </p14:xfrm>
             </p:contentPart>
           </mc:Choice>
-          <mc:Fallback>
+          <mc:Fallback xmlns="">
             <p:pic>
               <p:nvPicPr>
                 <p:cNvPr id="550" name="Ink 549">
@@ -39968,8 +39968,8 @@
             </p:pic>
           </mc:Fallback>
         </mc:AlternateContent>
-        <mc:AlternateContent xmlns:mc="http://schemas.openxmlformats.org/markup-compatibility/2006">
-          <mc:Choice xmlns:p14="http://schemas.microsoft.com/office/powerpoint/2010/main" Requires="p14">
+        <mc:AlternateContent xmlns:mc="http://schemas.openxmlformats.org/markup-compatibility/2006" xmlns:p14="http://schemas.microsoft.com/office/powerpoint/2010/main">
+          <mc:Choice Requires="p14">
             <p:contentPart p14:bwMode="auto" r:id="rId250">
               <p14:nvContentPartPr>
                 <p14:cNvPr id="551" name="Ink 550">
@@ -39988,7 +39988,7 @@
               </p14:xfrm>
             </p:contentPart>
           </mc:Choice>
-          <mc:Fallback>
+          <mc:Fallback xmlns="">
             <p:pic>
               <p:nvPicPr>
                 <p:cNvPr id="551" name="Ink 550">
@@ -40019,8 +40019,8 @@
             </p:pic>
           </mc:Fallback>
         </mc:AlternateContent>
-        <mc:AlternateContent xmlns:mc="http://schemas.openxmlformats.org/markup-compatibility/2006">
-          <mc:Choice xmlns:p14="http://schemas.microsoft.com/office/powerpoint/2010/main" Requires="p14">
+        <mc:AlternateContent xmlns:mc="http://schemas.openxmlformats.org/markup-compatibility/2006" xmlns:p14="http://schemas.microsoft.com/office/powerpoint/2010/main">
+          <mc:Choice Requires="p14">
             <p:contentPart p14:bwMode="auto" r:id="rId252">
               <p14:nvContentPartPr>
                 <p14:cNvPr id="552" name="Ink 551">
@@ -40039,7 +40039,7 @@
               </p14:xfrm>
             </p:contentPart>
           </mc:Choice>
-          <mc:Fallback>
+          <mc:Fallback xmlns="">
             <p:pic>
               <p:nvPicPr>
                 <p:cNvPr id="552" name="Ink 551">
@@ -40070,8 +40070,8 @@
             </p:pic>
           </mc:Fallback>
         </mc:AlternateContent>
-        <mc:AlternateContent xmlns:mc="http://schemas.openxmlformats.org/markup-compatibility/2006">
-          <mc:Choice xmlns:p14="http://schemas.microsoft.com/office/powerpoint/2010/main" Requires="p14">
+        <mc:AlternateContent xmlns:mc="http://schemas.openxmlformats.org/markup-compatibility/2006" xmlns:p14="http://schemas.microsoft.com/office/powerpoint/2010/main">
+          <mc:Choice Requires="p14">
             <p:contentPart p14:bwMode="auto" r:id="rId254">
               <p14:nvContentPartPr>
                 <p14:cNvPr id="553" name="Ink 552">
@@ -40090,7 +40090,7 @@
               </p14:xfrm>
             </p:contentPart>
           </mc:Choice>
-          <mc:Fallback>
+          <mc:Fallback xmlns="">
             <p:pic>
               <p:nvPicPr>
                 <p:cNvPr id="553" name="Ink 552">
@@ -40121,8 +40121,8 @@
             </p:pic>
           </mc:Fallback>
         </mc:AlternateContent>
-        <mc:AlternateContent xmlns:mc="http://schemas.openxmlformats.org/markup-compatibility/2006">
-          <mc:Choice xmlns:p14="http://schemas.microsoft.com/office/powerpoint/2010/main" Requires="p14">
+        <mc:AlternateContent xmlns:mc="http://schemas.openxmlformats.org/markup-compatibility/2006" xmlns:p14="http://schemas.microsoft.com/office/powerpoint/2010/main">
+          <mc:Choice Requires="p14">
             <p:contentPart p14:bwMode="auto" r:id="rId256">
               <p14:nvContentPartPr>
                 <p14:cNvPr id="554" name="Ink 553">
@@ -40141,7 +40141,7 @@
               </p14:xfrm>
             </p:contentPart>
           </mc:Choice>
-          <mc:Fallback>
+          <mc:Fallback xmlns="">
             <p:pic>
               <p:nvPicPr>
                 <p:cNvPr id="554" name="Ink 553">
@@ -40172,8 +40172,8 @@
             </p:pic>
           </mc:Fallback>
         </mc:AlternateContent>
-        <mc:AlternateContent xmlns:mc="http://schemas.openxmlformats.org/markup-compatibility/2006">
-          <mc:Choice xmlns:p14="http://schemas.microsoft.com/office/powerpoint/2010/main" Requires="p14">
+        <mc:AlternateContent xmlns:mc="http://schemas.openxmlformats.org/markup-compatibility/2006" xmlns:p14="http://schemas.microsoft.com/office/powerpoint/2010/main">
+          <mc:Choice Requires="p14">
             <p:contentPart p14:bwMode="auto" r:id="rId258">
               <p14:nvContentPartPr>
                 <p14:cNvPr id="555" name="Ink 554">
@@ -40192,7 +40192,7 @@
               </p14:xfrm>
             </p:contentPart>
           </mc:Choice>
-          <mc:Fallback>
+          <mc:Fallback xmlns="">
             <p:pic>
               <p:nvPicPr>
                 <p:cNvPr id="555" name="Ink 554">
@@ -40223,8 +40223,8 @@
             </p:pic>
           </mc:Fallback>
         </mc:AlternateContent>
-        <mc:AlternateContent xmlns:mc="http://schemas.openxmlformats.org/markup-compatibility/2006">
-          <mc:Choice xmlns:p14="http://schemas.microsoft.com/office/powerpoint/2010/main" Requires="p14">
+        <mc:AlternateContent xmlns:mc="http://schemas.openxmlformats.org/markup-compatibility/2006" xmlns:p14="http://schemas.microsoft.com/office/powerpoint/2010/main">
+          <mc:Choice Requires="p14">
             <p:contentPart p14:bwMode="auto" r:id="rId260">
               <p14:nvContentPartPr>
                 <p14:cNvPr id="556" name="Ink 555">
@@ -40243,7 +40243,7 @@
               </p14:xfrm>
             </p:contentPart>
           </mc:Choice>
-          <mc:Fallback>
+          <mc:Fallback xmlns="">
             <p:pic>
               <p:nvPicPr>
                 <p:cNvPr id="556" name="Ink 555">
@@ -40274,8 +40274,8 @@
             </p:pic>
           </mc:Fallback>
         </mc:AlternateContent>
-        <mc:AlternateContent xmlns:mc="http://schemas.openxmlformats.org/markup-compatibility/2006">
-          <mc:Choice xmlns:p14="http://schemas.microsoft.com/office/powerpoint/2010/main" Requires="p14">
+        <mc:AlternateContent xmlns:mc="http://schemas.openxmlformats.org/markup-compatibility/2006" xmlns:p14="http://schemas.microsoft.com/office/powerpoint/2010/main">
+          <mc:Choice Requires="p14">
             <p:contentPart p14:bwMode="auto" r:id="rId262">
               <p14:nvContentPartPr>
                 <p14:cNvPr id="557" name="Ink 556">
@@ -40294,7 +40294,7 @@
               </p14:xfrm>
             </p:contentPart>
           </mc:Choice>
-          <mc:Fallback>
+          <mc:Fallback xmlns="">
             <p:pic>
               <p:nvPicPr>
                 <p:cNvPr id="557" name="Ink 556">
@@ -40325,8 +40325,8 @@
             </p:pic>
           </mc:Fallback>
         </mc:AlternateContent>
-        <mc:AlternateContent xmlns:mc="http://schemas.openxmlformats.org/markup-compatibility/2006">
-          <mc:Choice xmlns:p14="http://schemas.microsoft.com/office/powerpoint/2010/main" Requires="p14">
+        <mc:AlternateContent xmlns:mc="http://schemas.openxmlformats.org/markup-compatibility/2006" xmlns:p14="http://schemas.microsoft.com/office/powerpoint/2010/main">
+          <mc:Choice Requires="p14">
             <p:contentPart p14:bwMode="auto" r:id="rId264">
               <p14:nvContentPartPr>
                 <p14:cNvPr id="558" name="Ink 557">
@@ -40345,7 +40345,7 @@
               </p14:xfrm>
             </p:contentPart>
           </mc:Choice>
-          <mc:Fallback>
+          <mc:Fallback xmlns="">
             <p:pic>
               <p:nvPicPr>
                 <p:cNvPr id="558" name="Ink 557">
@@ -40376,8 +40376,8 @@
             </p:pic>
           </mc:Fallback>
         </mc:AlternateContent>
-        <mc:AlternateContent xmlns:mc="http://schemas.openxmlformats.org/markup-compatibility/2006">
-          <mc:Choice xmlns:p14="http://schemas.microsoft.com/office/powerpoint/2010/main" Requires="p14">
+        <mc:AlternateContent xmlns:mc="http://schemas.openxmlformats.org/markup-compatibility/2006" xmlns:p14="http://schemas.microsoft.com/office/powerpoint/2010/main">
+          <mc:Choice Requires="p14">
             <p:contentPart p14:bwMode="auto" r:id="rId266">
               <p14:nvContentPartPr>
                 <p14:cNvPr id="559" name="Ink 558">
@@ -40396,7 +40396,7 @@
               </p14:xfrm>
             </p:contentPart>
           </mc:Choice>
-          <mc:Fallback>
+          <mc:Fallback xmlns="">
             <p:pic>
               <p:nvPicPr>
                 <p:cNvPr id="559" name="Ink 558">
@@ -40427,8 +40427,8 @@
             </p:pic>
           </mc:Fallback>
         </mc:AlternateContent>
-        <mc:AlternateContent xmlns:mc="http://schemas.openxmlformats.org/markup-compatibility/2006">
-          <mc:Choice xmlns:p14="http://schemas.microsoft.com/office/powerpoint/2010/main" Requires="p14">
+        <mc:AlternateContent xmlns:mc="http://schemas.openxmlformats.org/markup-compatibility/2006" xmlns:p14="http://schemas.microsoft.com/office/powerpoint/2010/main">
+          <mc:Choice Requires="p14">
             <p:contentPart p14:bwMode="auto" r:id="rId268">
               <p14:nvContentPartPr>
                 <p14:cNvPr id="560" name="Ink 559">
@@ -40447,7 +40447,7 @@
               </p14:xfrm>
             </p:contentPart>
           </mc:Choice>
-          <mc:Fallback>
+          <mc:Fallback xmlns="">
             <p:pic>
               <p:nvPicPr>
                 <p:cNvPr id="560" name="Ink 559">
@@ -40478,8 +40478,8 @@
             </p:pic>
           </mc:Fallback>
         </mc:AlternateContent>
-        <mc:AlternateContent xmlns:mc="http://schemas.openxmlformats.org/markup-compatibility/2006">
-          <mc:Choice xmlns:p14="http://schemas.microsoft.com/office/powerpoint/2010/main" Requires="p14">
+        <mc:AlternateContent xmlns:mc="http://schemas.openxmlformats.org/markup-compatibility/2006" xmlns:p14="http://schemas.microsoft.com/office/powerpoint/2010/main">
+          <mc:Choice Requires="p14">
             <p:contentPart p14:bwMode="auto" r:id="rId270">
               <p14:nvContentPartPr>
                 <p14:cNvPr id="561" name="Ink 560">
@@ -40498,7 +40498,7 @@
               </p14:xfrm>
             </p:contentPart>
           </mc:Choice>
-          <mc:Fallback>
+          <mc:Fallback xmlns="">
             <p:pic>
               <p:nvPicPr>
                 <p:cNvPr id="561" name="Ink 560">
@@ -40529,8 +40529,8 @@
             </p:pic>
           </mc:Fallback>
         </mc:AlternateContent>
-        <mc:AlternateContent xmlns:mc="http://schemas.openxmlformats.org/markup-compatibility/2006">
-          <mc:Choice xmlns:p14="http://schemas.microsoft.com/office/powerpoint/2010/main" Requires="p14">
+        <mc:AlternateContent xmlns:mc="http://schemas.openxmlformats.org/markup-compatibility/2006" xmlns:p14="http://schemas.microsoft.com/office/powerpoint/2010/main">
+          <mc:Choice Requires="p14">
             <p:contentPart p14:bwMode="auto" r:id="rId272">
               <p14:nvContentPartPr>
                 <p14:cNvPr id="562" name="Ink 561">
@@ -40549,7 +40549,7 @@
               </p14:xfrm>
             </p:contentPart>
           </mc:Choice>
-          <mc:Fallback>
+          <mc:Fallback xmlns="">
             <p:pic>
               <p:nvPicPr>
                 <p:cNvPr id="562" name="Ink 561">
@@ -40580,8 +40580,8 @@
             </p:pic>
           </mc:Fallback>
         </mc:AlternateContent>
-        <mc:AlternateContent xmlns:mc="http://schemas.openxmlformats.org/markup-compatibility/2006">
-          <mc:Choice xmlns:p14="http://schemas.microsoft.com/office/powerpoint/2010/main" Requires="p14">
+        <mc:AlternateContent xmlns:mc="http://schemas.openxmlformats.org/markup-compatibility/2006" xmlns:p14="http://schemas.microsoft.com/office/powerpoint/2010/main">
+          <mc:Choice Requires="p14">
             <p:contentPart p14:bwMode="auto" r:id="rId274">
               <p14:nvContentPartPr>
                 <p14:cNvPr id="563" name="Ink 562">
@@ -40600,7 +40600,7 @@
               </p14:xfrm>
             </p:contentPart>
           </mc:Choice>
-          <mc:Fallback>
+          <mc:Fallback xmlns="">
             <p:pic>
               <p:nvPicPr>
                 <p:cNvPr id="563" name="Ink 562">
@@ -40631,8 +40631,8 @@
             </p:pic>
           </mc:Fallback>
         </mc:AlternateContent>
-        <mc:AlternateContent xmlns:mc="http://schemas.openxmlformats.org/markup-compatibility/2006">
-          <mc:Choice xmlns:p14="http://schemas.microsoft.com/office/powerpoint/2010/main" Requires="p14">
+        <mc:AlternateContent xmlns:mc="http://schemas.openxmlformats.org/markup-compatibility/2006" xmlns:p14="http://schemas.microsoft.com/office/powerpoint/2010/main">
+          <mc:Choice Requires="p14">
             <p:contentPart p14:bwMode="auto" r:id="rId276">
               <p14:nvContentPartPr>
                 <p14:cNvPr id="564" name="Ink 563">
@@ -40651,7 +40651,7 @@
               </p14:xfrm>
             </p:contentPart>
           </mc:Choice>
-          <mc:Fallback>
+          <mc:Fallback xmlns="">
             <p:pic>
               <p:nvPicPr>
                 <p:cNvPr id="564" name="Ink 563">
@@ -40682,8 +40682,8 @@
             </p:pic>
           </mc:Fallback>
         </mc:AlternateContent>
-        <mc:AlternateContent xmlns:mc="http://schemas.openxmlformats.org/markup-compatibility/2006">
-          <mc:Choice xmlns:p14="http://schemas.microsoft.com/office/powerpoint/2010/main" Requires="p14">
+        <mc:AlternateContent xmlns:mc="http://schemas.openxmlformats.org/markup-compatibility/2006" xmlns:p14="http://schemas.microsoft.com/office/powerpoint/2010/main">
+          <mc:Choice Requires="p14">
             <p:contentPart p14:bwMode="auto" r:id="rId278">
               <p14:nvContentPartPr>
                 <p14:cNvPr id="565" name="Ink 564">
@@ -40702,7 +40702,7 @@
               </p14:xfrm>
             </p:contentPart>
           </mc:Choice>
-          <mc:Fallback>
+          <mc:Fallback xmlns="">
             <p:pic>
               <p:nvPicPr>
                 <p:cNvPr id="565" name="Ink 564">
@@ -40733,8 +40733,8 @@
             </p:pic>
           </mc:Fallback>
         </mc:AlternateContent>
-        <mc:AlternateContent xmlns:mc="http://schemas.openxmlformats.org/markup-compatibility/2006">
-          <mc:Choice xmlns:p14="http://schemas.microsoft.com/office/powerpoint/2010/main" Requires="p14">
+        <mc:AlternateContent xmlns:mc="http://schemas.openxmlformats.org/markup-compatibility/2006" xmlns:p14="http://schemas.microsoft.com/office/powerpoint/2010/main">
+          <mc:Choice Requires="p14">
             <p:contentPart p14:bwMode="auto" r:id="rId280">
               <p14:nvContentPartPr>
                 <p14:cNvPr id="566" name="Ink 565">
@@ -40753,7 +40753,7 @@
               </p14:xfrm>
             </p:contentPart>
           </mc:Choice>
-          <mc:Fallback>
+          <mc:Fallback xmlns="">
             <p:pic>
               <p:nvPicPr>
                 <p:cNvPr id="566" name="Ink 565">
@@ -40784,8 +40784,8 @@
             </p:pic>
           </mc:Fallback>
         </mc:AlternateContent>
-        <mc:AlternateContent xmlns:mc="http://schemas.openxmlformats.org/markup-compatibility/2006">
-          <mc:Choice xmlns:p14="http://schemas.microsoft.com/office/powerpoint/2010/main" Requires="p14">
+        <mc:AlternateContent xmlns:mc="http://schemas.openxmlformats.org/markup-compatibility/2006" xmlns:p14="http://schemas.microsoft.com/office/powerpoint/2010/main">
+          <mc:Choice Requires="p14">
             <p:contentPart p14:bwMode="auto" r:id="rId282">
               <p14:nvContentPartPr>
                 <p14:cNvPr id="567" name="Ink 566">
@@ -40804,7 +40804,7 @@
               </p14:xfrm>
             </p:contentPart>
           </mc:Choice>
-          <mc:Fallback>
+          <mc:Fallback xmlns="">
             <p:pic>
               <p:nvPicPr>
                 <p:cNvPr id="567" name="Ink 566">
@@ -40835,8 +40835,8 @@
             </p:pic>
           </mc:Fallback>
         </mc:AlternateContent>
-        <mc:AlternateContent xmlns:mc="http://schemas.openxmlformats.org/markup-compatibility/2006">
-          <mc:Choice xmlns:p14="http://schemas.microsoft.com/office/powerpoint/2010/main" Requires="p14">
+        <mc:AlternateContent xmlns:mc="http://schemas.openxmlformats.org/markup-compatibility/2006" xmlns:p14="http://schemas.microsoft.com/office/powerpoint/2010/main">
+          <mc:Choice Requires="p14">
             <p:contentPart p14:bwMode="auto" r:id="rId284">
               <p14:nvContentPartPr>
                 <p14:cNvPr id="570" name="Ink 569">
@@ -40855,7 +40855,7 @@
               </p14:xfrm>
             </p:contentPart>
           </mc:Choice>
-          <mc:Fallback>
+          <mc:Fallback xmlns="">
             <p:pic>
               <p:nvPicPr>
                 <p:cNvPr id="570" name="Ink 569">
@@ -40886,8 +40886,8 @@
             </p:pic>
           </mc:Fallback>
         </mc:AlternateContent>
-        <mc:AlternateContent xmlns:mc="http://schemas.openxmlformats.org/markup-compatibility/2006">
-          <mc:Choice xmlns:p14="http://schemas.microsoft.com/office/powerpoint/2010/main" Requires="p14">
+        <mc:AlternateContent xmlns:mc="http://schemas.openxmlformats.org/markup-compatibility/2006" xmlns:p14="http://schemas.microsoft.com/office/powerpoint/2010/main">
+          <mc:Choice Requires="p14">
             <p:contentPart p14:bwMode="auto" r:id="rId286">
               <p14:nvContentPartPr>
                 <p14:cNvPr id="571" name="Ink 570">
@@ -40906,7 +40906,7 @@
               </p14:xfrm>
             </p:contentPart>
           </mc:Choice>
-          <mc:Fallback>
+          <mc:Fallback xmlns="">
             <p:pic>
               <p:nvPicPr>
                 <p:cNvPr id="571" name="Ink 570">
@@ -40937,8 +40937,8 @@
             </p:pic>
           </mc:Fallback>
         </mc:AlternateContent>
-        <mc:AlternateContent xmlns:mc="http://schemas.openxmlformats.org/markup-compatibility/2006">
-          <mc:Choice xmlns:p14="http://schemas.microsoft.com/office/powerpoint/2010/main" Requires="p14">
+        <mc:AlternateContent xmlns:mc="http://schemas.openxmlformats.org/markup-compatibility/2006" xmlns:p14="http://schemas.microsoft.com/office/powerpoint/2010/main">
+          <mc:Choice Requires="p14">
             <p:contentPart p14:bwMode="auto" r:id="rId288">
               <p14:nvContentPartPr>
                 <p14:cNvPr id="572" name="Ink 571">
@@ -40957,7 +40957,7 @@
               </p14:xfrm>
             </p:contentPart>
           </mc:Choice>
-          <mc:Fallback>
+          <mc:Fallback xmlns="">
             <p:pic>
               <p:nvPicPr>
                 <p:cNvPr id="572" name="Ink 571">
@@ -40988,8 +40988,8 @@
             </p:pic>
           </mc:Fallback>
         </mc:AlternateContent>
-        <mc:AlternateContent xmlns:mc="http://schemas.openxmlformats.org/markup-compatibility/2006">
-          <mc:Choice xmlns:p14="http://schemas.microsoft.com/office/powerpoint/2010/main" Requires="p14">
+        <mc:AlternateContent xmlns:mc="http://schemas.openxmlformats.org/markup-compatibility/2006" xmlns:p14="http://schemas.microsoft.com/office/powerpoint/2010/main">
+          <mc:Choice Requires="p14">
             <p:contentPart p14:bwMode="auto" r:id="rId290">
               <p14:nvContentPartPr>
                 <p14:cNvPr id="573" name="Ink 572">
@@ -41008,7 +41008,7 @@
               </p14:xfrm>
             </p:contentPart>
           </mc:Choice>
-          <mc:Fallback>
+          <mc:Fallback xmlns="">
             <p:pic>
               <p:nvPicPr>
                 <p:cNvPr id="573" name="Ink 572">
@@ -41039,8 +41039,8 @@
             </p:pic>
           </mc:Fallback>
         </mc:AlternateContent>
-        <mc:AlternateContent xmlns:mc="http://schemas.openxmlformats.org/markup-compatibility/2006">
-          <mc:Choice xmlns:p14="http://schemas.microsoft.com/office/powerpoint/2010/main" Requires="p14">
+        <mc:AlternateContent xmlns:mc="http://schemas.openxmlformats.org/markup-compatibility/2006" xmlns:p14="http://schemas.microsoft.com/office/powerpoint/2010/main">
+          <mc:Choice Requires="p14">
             <p:contentPart p14:bwMode="auto" r:id="rId292">
               <p14:nvContentPartPr>
                 <p14:cNvPr id="574" name="Ink 573">
@@ -41059,7 +41059,7 @@
               </p14:xfrm>
             </p:contentPart>
           </mc:Choice>
-          <mc:Fallback>
+          <mc:Fallback xmlns="">
             <p:pic>
               <p:nvPicPr>
                 <p:cNvPr id="574" name="Ink 573">
@@ -41090,8 +41090,8 @@
             </p:pic>
           </mc:Fallback>
         </mc:AlternateContent>
-        <mc:AlternateContent xmlns:mc="http://schemas.openxmlformats.org/markup-compatibility/2006">
-          <mc:Choice xmlns:p14="http://schemas.microsoft.com/office/powerpoint/2010/main" Requires="p14">
+        <mc:AlternateContent xmlns:mc="http://schemas.openxmlformats.org/markup-compatibility/2006" xmlns:p14="http://schemas.microsoft.com/office/powerpoint/2010/main">
+          <mc:Choice Requires="p14">
             <p:contentPart p14:bwMode="auto" r:id="rId294">
               <p14:nvContentPartPr>
                 <p14:cNvPr id="575" name="Ink 574">
@@ -41110,7 +41110,7 @@
               </p14:xfrm>
             </p:contentPart>
           </mc:Choice>
-          <mc:Fallback>
+          <mc:Fallback xmlns="">
             <p:pic>
               <p:nvPicPr>
                 <p:cNvPr id="575" name="Ink 574">
@@ -41141,8 +41141,8 @@
             </p:pic>
           </mc:Fallback>
         </mc:AlternateContent>
-        <mc:AlternateContent xmlns:mc="http://schemas.openxmlformats.org/markup-compatibility/2006">
-          <mc:Choice xmlns:p14="http://schemas.microsoft.com/office/powerpoint/2010/main" Requires="p14">
+        <mc:AlternateContent xmlns:mc="http://schemas.openxmlformats.org/markup-compatibility/2006" xmlns:p14="http://schemas.microsoft.com/office/powerpoint/2010/main">
+          <mc:Choice Requires="p14">
             <p:contentPart p14:bwMode="auto" r:id="rId296">
               <p14:nvContentPartPr>
                 <p14:cNvPr id="576" name="Ink 575">
@@ -41161,7 +41161,7 @@
               </p14:xfrm>
             </p:contentPart>
           </mc:Choice>
-          <mc:Fallback>
+          <mc:Fallback xmlns="">
             <p:pic>
               <p:nvPicPr>
                 <p:cNvPr id="576" name="Ink 575">
@@ -41192,8 +41192,8 @@
             </p:pic>
           </mc:Fallback>
         </mc:AlternateContent>
-        <mc:AlternateContent xmlns:mc="http://schemas.openxmlformats.org/markup-compatibility/2006">
-          <mc:Choice xmlns:p14="http://schemas.microsoft.com/office/powerpoint/2010/main" Requires="p14">
+        <mc:AlternateContent xmlns:mc="http://schemas.openxmlformats.org/markup-compatibility/2006" xmlns:p14="http://schemas.microsoft.com/office/powerpoint/2010/main">
+          <mc:Choice Requires="p14">
             <p:contentPart p14:bwMode="auto" r:id="rId298">
               <p14:nvContentPartPr>
                 <p14:cNvPr id="577" name="Ink 576">
@@ -41212,7 +41212,7 @@
               </p14:xfrm>
             </p:contentPart>
           </mc:Choice>
-          <mc:Fallback>
+          <mc:Fallback xmlns="">
             <p:pic>
               <p:nvPicPr>
                 <p:cNvPr id="577" name="Ink 576">
@@ -41243,8 +41243,8 @@
             </p:pic>
           </mc:Fallback>
         </mc:AlternateContent>
-        <mc:AlternateContent xmlns:mc="http://schemas.openxmlformats.org/markup-compatibility/2006">
-          <mc:Choice xmlns:p14="http://schemas.microsoft.com/office/powerpoint/2010/main" Requires="p14">
+        <mc:AlternateContent xmlns:mc="http://schemas.openxmlformats.org/markup-compatibility/2006" xmlns:p14="http://schemas.microsoft.com/office/powerpoint/2010/main">
+          <mc:Choice Requires="p14">
             <p:contentPart p14:bwMode="auto" r:id="rId300">
               <p14:nvContentPartPr>
                 <p14:cNvPr id="578" name="Ink 577">
@@ -41263,7 +41263,7 @@
               </p14:xfrm>
             </p:contentPart>
           </mc:Choice>
-          <mc:Fallback>
+          <mc:Fallback xmlns="">
             <p:pic>
               <p:nvPicPr>
                 <p:cNvPr id="578" name="Ink 577">
@@ -41294,8 +41294,8 @@
             </p:pic>
           </mc:Fallback>
         </mc:AlternateContent>
-        <mc:AlternateContent xmlns:mc="http://schemas.openxmlformats.org/markup-compatibility/2006">
-          <mc:Choice xmlns:p14="http://schemas.microsoft.com/office/powerpoint/2010/main" Requires="p14">
+        <mc:AlternateContent xmlns:mc="http://schemas.openxmlformats.org/markup-compatibility/2006" xmlns:p14="http://schemas.microsoft.com/office/powerpoint/2010/main">
+          <mc:Choice Requires="p14">
             <p:contentPart p14:bwMode="auto" r:id="rId302">
               <p14:nvContentPartPr>
                 <p14:cNvPr id="579" name="Ink 578">
@@ -41314,7 +41314,7 @@
               </p14:xfrm>
             </p:contentPart>
           </mc:Choice>
-          <mc:Fallback>
+          <mc:Fallback xmlns="">
             <p:pic>
               <p:nvPicPr>
                 <p:cNvPr id="579" name="Ink 578">
@@ -41345,8 +41345,8 @@
             </p:pic>
           </mc:Fallback>
         </mc:AlternateContent>
-        <mc:AlternateContent xmlns:mc="http://schemas.openxmlformats.org/markup-compatibility/2006">
-          <mc:Choice xmlns:p14="http://schemas.microsoft.com/office/powerpoint/2010/main" Requires="p14">
+        <mc:AlternateContent xmlns:mc="http://schemas.openxmlformats.org/markup-compatibility/2006" xmlns:p14="http://schemas.microsoft.com/office/powerpoint/2010/main">
+          <mc:Choice Requires="p14">
             <p:contentPart p14:bwMode="auto" r:id="rId304">
               <p14:nvContentPartPr>
                 <p14:cNvPr id="580" name="Ink 579">
@@ -41365,7 +41365,7 @@
               </p14:xfrm>
             </p:contentPart>
           </mc:Choice>
-          <mc:Fallback>
+          <mc:Fallback xmlns="">
             <p:pic>
               <p:nvPicPr>
                 <p:cNvPr id="580" name="Ink 579">
@@ -41396,8 +41396,8 @@
             </p:pic>
           </mc:Fallback>
         </mc:AlternateContent>
-        <mc:AlternateContent xmlns:mc="http://schemas.openxmlformats.org/markup-compatibility/2006">
-          <mc:Choice xmlns:p14="http://schemas.microsoft.com/office/powerpoint/2010/main" Requires="p14">
+        <mc:AlternateContent xmlns:mc="http://schemas.openxmlformats.org/markup-compatibility/2006" xmlns:p14="http://schemas.microsoft.com/office/powerpoint/2010/main">
+          <mc:Choice Requires="p14">
             <p:contentPart p14:bwMode="auto" r:id="rId306">
               <p14:nvContentPartPr>
                 <p14:cNvPr id="581" name="Ink 580">
@@ -41416,7 +41416,7 @@
               </p14:xfrm>
             </p:contentPart>
           </mc:Choice>
-          <mc:Fallback>
+          <mc:Fallback xmlns="">
             <p:pic>
               <p:nvPicPr>
                 <p:cNvPr id="581" name="Ink 580">
@@ -41468,8 +41468,8 @@
             <a:chExt cx="527400" cy="207360"/>
           </a:xfrm>
         </p:grpSpPr>
-        <mc:AlternateContent xmlns:mc="http://schemas.openxmlformats.org/markup-compatibility/2006">
-          <mc:Choice xmlns:p14="http://schemas.microsoft.com/office/powerpoint/2010/main" Requires="p14">
+        <mc:AlternateContent xmlns:mc="http://schemas.openxmlformats.org/markup-compatibility/2006" xmlns:p14="http://schemas.microsoft.com/office/powerpoint/2010/main">
+          <mc:Choice Requires="p14">
             <p:contentPart p14:bwMode="auto" r:id="rId308">
               <p14:nvContentPartPr>
                 <p14:cNvPr id="583" name="Ink 582">
@@ -41488,7 +41488,7 @@
               </p14:xfrm>
             </p:contentPart>
           </mc:Choice>
-          <mc:Fallback>
+          <mc:Fallback xmlns="">
             <p:pic>
               <p:nvPicPr>
                 <p:cNvPr id="583" name="Ink 582">
@@ -41519,8 +41519,8 @@
             </p:pic>
           </mc:Fallback>
         </mc:AlternateContent>
-        <mc:AlternateContent xmlns:mc="http://schemas.openxmlformats.org/markup-compatibility/2006">
-          <mc:Choice xmlns:p14="http://schemas.microsoft.com/office/powerpoint/2010/main" Requires="p14">
+        <mc:AlternateContent xmlns:mc="http://schemas.openxmlformats.org/markup-compatibility/2006" xmlns:p14="http://schemas.microsoft.com/office/powerpoint/2010/main">
+          <mc:Choice Requires="p14">
             <p:contentPart p14:bwMode="auto" r:id="rId310">
               <p14:nvContentPartPr>
                 <p14:cNvPr id="584" name="Ink 583">
@@ -41539,7 +41539,7 @@
               </p14:xfrm>
             </p:contentPart>
           </mc:Choice>
-          <mc:Fallback>
+          <mc:Fallback xmlns="">
             <p:pic>
               <p:nvPicPr>
                 <p:cNvPr id="584" name="Ink 583">
@@ -41570,8 +41570,8 @@
             </p:pic>
           </mc:Fallback>
         </mc:AlternateContent>
-        <mc:AlternateContent xmlns:mc="http://schemas.openxmlformats.org/markup-compatibility/2006">
-          <mc:Choice xmlns:p14="http://schemas.microsoft.com/office/powerpoint/2010/main" Requires="p14">
+        <mc:AlternateContent xmlns:mc="http://schemas.openxmlformats.org/markup-compatibility/2006" xmlns:p14="http://schemas.microsoft.com/office/powerpoint/2010/main">
+          <mc:Choice Requires="p14">
             <p:contentPart p14:bwMode="auto" r:id="rId312">
               <p14:nvContentPartPr>
                 <p14:cNvPr id="585" name="Ink 584">
@@ -41590,7 +41590,7 @@
               </p14:xfrm>
             </p:contentPart>
           </mc:Choice>
-          <mc:Fallback>
+          <mc:Fallback xmlns="">
             <p:pic>
               <p:nvPicPr>
                 <p:cNvPr id="585" name="Ink 584">
@@ -41622,8 +41622,8 @@
           </mc:Fallback>
         </mc:AlternateContent>
       </p:grpSp>
-      <mc:AlternateContent xmlns:mc="http://schemas.openxmlformats.org/markup-compatibility/2006">
-        <mc:Choice xmlns:p14="http://schemas.microsoft.com/office/powerpoint/2010/main" Requires="p14">
+      <mc:AlternateContent xmlns:mc="http://schemas.openxmlformats.org/markup-compatibility/2006" xmlns:p14="http://schemas.microsoft.com/office/powerpoint/2010/main">
+        <mc:Choice Requires="p14">
           <p:contentPart p14:bwMode="auto" r:id="rId314">
             <p14:nvContentPartPr>
               <p14:cNvPr id="587" name="Ink 586">
@@ -41642,7 +41642,7 @@
             </p14:xfrm>
           </p:contentPart>
         </mc:Choice>
-        <mc:Fallback>
+        <mc:Fallback xmlns="">
           <p:pic>
             <p:nvPicPr>
               <p:cNvPr id="587" name="Ink 586">
@@ -41693,8 +41693,8 @@
             <a:chExt cx="426240" cy="336600"/>
           </a:xfrm>
         </p:grpSpPr>
-        <mc:AlternateContent xmlns:mc="http://schemas.openxmlformats.org/markup-compatibility/2006">
-          <mc:Choice xmlns:p14="http://schemas.microsoft.com/office/powerpoint/2010/main" Requires="p14">
+        <mc:AlternateContent xmlns:mc="http://schemas.openxmlformats.org/markup-compatibility/2006" xmlns:p14="http://schemas.microsoft.com/office/powerpoint/2010/main">
+          <mc:Choice Requires="p14">
             <p:contentPart p14:bwMode="auto" r:id="rId316">
               <p14:nvContentPartPr>
                 <p14:cNvPr id="588" name="Ink 587">
@@ -41713,7 +41713,7 @@
               </p14:xfrm>
             </p:contentPart>
           </mc:Choice>
-          <mc:Fallback>
+          <mc:Fallback xmlns="">
             <p:pic>
               <p:nvPicPr>
                 <p:cNvPr id="588" name="Ink 587">
@@ -41744,8 +41744,8 @@
             </p:pic>
           </mc:Fallback>
         </mc:AlternateContent>
-        <mc:AlternateContent xmlns:mc="http://schemas.openxmlformats.org/markup-compatibility/2006">
-          <mc:Choice xmlns:p14="http://schemas.microsoft.com/office/powerpoint/2010/main" Requires="p14">
+        <mc:AlternateContent xmlns:mc="http://schemas.openxmlformats.org/markup-compatibility/2006" xmlns:p14="http://schemas.microsoft.com/office/powerpoint/2010/main">
+          <mc:Choice Requires="p14">
             <p:contentPart p14:bwMode="auto" r:id="rId318">
               <p14:nvContentPartPr>
                 <p14:cNvPr id="589" name="Ink 588">
@@ -41764,7 +41764,7 @@
               </p14:xfrm>
             </p:contentPart>
           </mc:Choice>
-          <mc:Fallback>
+          <mc:Fallback xmlns="">
             <p:pic>
               <p:nvPicPr>
                 <p:cNvPr id="589" name="Ink 588">
@@ -41796,8 +41796,8 @@
           </mc:Fallback>
         </mc:AlternateContent>
       </p:grpSp>
-      <mc:AlternateContent xmlns:mc="http://schemas.openxmlformats.org/markup-compatibility/2006">
-        <mc:Choice xmlns:p14="http://schemas.microsoft.com/office/powerpoint/2010/main" Requires="p14">
+      <mc:AlternateContent xmlns:mc="http://schemas.openxmlformats.org/markup-compatibility/2006" xmlns:p14="http://schemas.microsoft.com/office/powerpoint/2010/main">
+        <mc:Choice Requires="p14">
           <p:contentPart p14:bwMode="auto" r:id="rId320">
             <p14:nvContentPartPr>
               <p14:cNvPr id="591" name="Ink 590">
@@ -41816,7 +41816,7 @@
             </p14:xfrm>
           </p:contentPart>
         </mc:Choice>
-        <mc:Fallback>
+        <mc:Fallback xmlns="">
           <p:pic>
             <p:nvPicPr>
               <p:cNvPr id="591" name="Ink 590">
@@ -41847,8 +41847,8 @@
           </p:pic>
         </mc:Fallback>
       </mc:AlternateContent>
-      <mc:AlternateContent xmlns:mc="http://schemas.openxmlformats.org/markup-compatibility/2006">
-        <mc:Choice xmlns:p14="http://schemas.microsoft.com/office/powerpoint/2010/main" Requires="p14">
+      <mc:AlternateContent xmlns:mc="http://schemas.openxmlformats.org/markup-compatibility/2006" xmlns:p14="http://schemas.microsoft.com/office/powerpoint/2010/main">
+        <mc:Choice Requires="p14">
           <p:contentPart p14:bwMode="auto" r:id="rId322">
             <p14:nvContentPartPr>
               <p14:cNvPr id="592" name="Ink 591">
@@ -41867,7 +41867,7 @@
             </p14:xfrm>
           </p:contentPart>
         </mc:Choice>
-        <mc:Fallback>
+        <mc:Fallback xmlns="">
           <p:pic>
             <p:nvPicPr>
               <p:cNvPr id="592" name="Ink 591">
@@ -41898,8 +41898,8 @@
           </p:pic>
         </mc:Fallback>
       </mc:AlternateContent>
-      <mc:AlternateContent xmlns:mc="http://schemas.openxmlformats.org/markup-compatibility/2006">
-        <mc:Choice xmlns:p14="http://schemas.microsoft.com/office/powerpoint/2010/main" Requires="p14">
+      <mc:AlternateContent xmlns:mc="http://schemas.openxmlformats.org/markup-compatibility/2006" xmlns:p14="http://schemas.microsoft.com/office/powerpoint/2010/main">
+        <mc:Choice Requires="p14">
           <p:contentPart p14:bwMode="auto" r:id="rId324">
             <p14:nvContentPartPr>
               <p14:cNvPr id="593" name="Ink 592">
@@ -41918,7 +41918,7 @@
             </p14:xfrm>
           </p:contentPart>
         </mc:Choice>
-        <mc:Fallback>
+        <mc:Fallback xmlns="">
           <p:pic>
             <p:nvPicPr>
               <p:cNvPr id="593" name="Ink 592">
@@ -41949,8 +41949,8 @@
           </p:pic>
         </mc:Fallback>
       </mc:AlternateContent>
-      <mc:AlternateContent xmlns:mc="http://schemas.openxmlformats.org/markup-compatibility/2006">
-        <mc:Choice xmlns:p14="http://schemas.microsoft.com/office/powerpoint/2010/main" Requires="p14">
+      <mc:AlternateContent xmlns:mc="http://schemas.openxmlformats.org/markup-compatibility/2006" xmlns:p14="http://schemas.microsoft.com/office/powerpoint/2010/main">
+        <mc:Choice Requires="p14">
           <p:contentPart p14:bwMode="auto" r:id="rId326">
             <p14:nvContentPartPr>
               <p14:cNvPr id="594" name="Ink 593">
@@ -41969,7 +41969,7 @@
             </p14:xfrm>
           </p:contentPart>
         </mc:Choice>
-        <mc:Fallback>
+        <mc:Fallback xmlns="">
           <p:pic>
             <p:nvPicPr>
               <p:cNvPr id="594" name="Ink 593">
@@ -42000,8 +42000,8 @@
           </p:pic>
         </mc:Fallback>
       </mc:AlternateContent>
-      <mc:AlternateContent xmlns:mc="http://schemas.openxmlformats.org/markup-compatibility/2006">
-        <mc:Choice xmlns:p14="http://schemas.microsoft.com/office/powerpoint/2010/main" Requires="p14">
+      <mc:AlternateContent xmlns:mc="http://schemas.openxmlformats.org/markup-compatibility/2006" xmlns:p14="http://schemas.microsoft.com/office/powerpoint/2010/main">
+        <mc:Choice Requires="p14">
           <p:contentPart p14:bwMode="auto" r:id="rId328">
             <p14:nvContentPartPr>
               <p14:cNvPr id="595" name="Ink 594">
@@ -42020,7 +42020,7 @@
             </p14:xfrm>
           </p:contentPart>
         </mc:Choice>
-        <mc:Fallback>
+        <mc:Fallback xmlns="">
           <p:pic>
             <p:nvPicPr>
               <p:cNvPr id="595" name="Ink 594">
@@ -42051,8 +42051,8 @@
           </p:pic>
         </mc:Fallback>
       </mc:AlternateContent>
-      <mc:AlternateContent xmlns:mc="http://schemas.openxmlformats.org/markup-compatibility/2006">
-        <mc:Choice xmlns:p14="http://schemas.microsoft.com/office/powerpoint/2010/main" Requires="p14">
+      <mc:AlternateContent xmlns:mc="http://schemas.openxmlformats.org/markup-compatibility/2006" xmlns:p14="http://schemas.microsoft.com/office/powerpoint/2010/main">
+        <mc:Choice Requires="p14">
           <p:contentPart p14:bwMode="auto" r:id="rId330">
             <p14:nvContentPartPr>
               <p14:cNvPr id="596" name="Ink 595">
@@ -42071,7 +42071,7 @@
             </p14:xfrm>
           </p:contentPart>
         </mc:Choice>
-        <mc:Fallback>
+        <mc:Fallback xmlns="">
           <p:pic>
             <p:nvPicPr>
               <p:cNvPr id="596" name="Ink 595">
@@ -42102,8 +42102,8 @@
           </p:pic>
         </mc:Fallback>
       </mc:AlternateContent>
-      <mc:AlternateContent xmlns:mc="http://schemas.openxmlformats.org/markup-compatibility/2006">
-        <mc:Choice xmlns:p14="http://schemas.microsoft.com/office/powerpoint/2010/main" Requires="p14">
+      <mc:AlternateContent xmlns:mc="http://schemas.openxmlformats.org/markup-compatibility/2006" xmlns:p14="http://schemas.microsoft.com/office/powerpoint/2010/main">
+        <mc:Choice Requires="p14">
           <p:contentPart p14:bwMode="auto" r:id="rId332">
             <p14:nvContentPartPr>
               <p14:cNvPr id="598" name="Ink 597">
@@ -42122,7 +42122,7 @@
             </p14:xfrm>
           </p:contentPart>
         </mc:Choice>
-        <mc:Fallback>
+        <mc:Fallback xmlns="">
           <p:pic>
             <p:nvPicPr>
               <p:cNvPr id="598" name="Ink 597">
@@ -42153,8 +42153,8 @@
           </p:pic>
         </mc:Fallback>
       </mc:AlternateContent>
-      <mc:AlternateContent xmlns:mc="http://schemas.openxmlformats.org/markup-compatibility/2006">
-        <mc:Choice xmlns:p14="http://schemas.microsoft.com/office/powerpoint/2010/main" Requires="p14">
+      <mc:AlternateContent xmlns:mc="http://schemas.openxmlformats.org/markup-compatibility/2006" xmlns:p14="http://schemas.microsoft.com/office/powerpoint/2010/main">
+        <mc:Choice Requires="p14">
           <p:contentPart p14:bwMode="auto" r:id="rId334">
             <p14:nvContentPartPr>
               <p14:cNvPr id="599" name="Ink 598">
@@ -42173,7 +42173,7 @@
             </p14:xfrm>
           </p:contentPart>
         </mc:Choice>
-        <mc:Fallback>
+        <mc:Fallback xmlns="">
           <p:pic>
             <p:nvPicPr>
               <p:cNvPr id="599" name="Ink 598">
@@ -42204,8 +42204,8 @@
           </p:pic>
         </mc:Fallback>
       </mc:AlternateContent>
-      <mc:AlternateContent xmlns:mc="http://schemas.openxmlformats.org/markup-compatibility/2006">
-        <mc:Choice xmlns:p14="http://schemas.microsoft.com/office/powerpoint/2010/main" Requires="p14">
+      <mc:AlternateContent xmlns:mc="http://schemas.openxmlformats.org/markup-compatibility/2006" xmlns:p14="http://schemas.microsoft.com/office/powerpoint/2010/main">
+        <mc:Choice Requires="p14">
           <p:contentPart p14:bwMode="auto" r:id="rId336">
             <p14:nvContentPartPr>
               <p14:cNvPr id="600" name="Ink 599">
@@ -42224,7 +42224,7 @@
             </p14:xfrm>
           </p:contentPart>
         </mc:Choice>
-        <mc:Fallback>
+        <mc:Fallback xmlns="">
           <p:pic>
             <p:nvPicPr>
               <p:cNvPr id="600" name="Ink 599">
@@ -42255,8 +42255,8 @@
           </p:pic>
         </mc:Fallback>
       </mc:AlternateContent>
-      <mc:AlternateContent xmlns:mc="http://schemas.openxmlformats.org/markup-compatibility/2006">
-        <mc:Choice xmlns:p14="http://schemas.microsoft.com/office/powerpoint/2010/main" Requires="p14">
+      <mc:AlternateContent xmlns:mc="http://schemas.openxmlformats.org/markup-compatibility/2006" xmlns:p14="http://schemas.microsoft.com/office/powerpoint/2010/main">
+        <mc:Choice Requires="p14">
           <p:contentPart p14:bwMode="auto" r:id="rId338">
             <p14:nvContentPartPr>
               <p14:cNvPr id="601" name="Ink 600">
@@ -42275,7 +42275,7 @@
             </p14:xfrm>
           </p:contentPart>
         </mc:Choice>
-        <mc:Fallback>
+        <mc:Fallback xmlns="">
           <p:pic>
             <p:nvPicPr>
               <p:cNvPr id="601" name="Ink 600">
@@ -42306,8 +42306,8 @@
           </p:pic>
         </mc:Fallback>
       </mc:AlternateContent>
-      <mc:AlternateContent xmlns:mc="http://schemas.openxmlformats.org/markup-compatibility/2006">
-        <mc:Choice xmlns:p14="http://schemas.microsoft.com/office/powerpoint/2010/main" Requires="p14">
+      <mc:AlternateContent xmlns:mc="http://schemas.openxmlformats.org/markup-compatibility/2006" xmlns:p14="http://schemas.microsoft.com/office/powerpoint/2010/main">
+        <mc:Choice Requires="p14">
           <p:contentPart p14:bwMode="auto" r:id="rId340">
             <p14:nvContentPartPr>
               <p14:cNvPr id="602" name="Ink 601">
@@ -42326,7 +42326,7 @@
             </p14:xfrm>
           </p:contentPart>
         </mc:Choice>
-        <mc:Fallback>
+        <mc:Fallback xmlns="">
           <p:pic>
             <p:nvPicPr>
               <p:cNvPr id="602" name="Ink 601">
@@ -42357,8 +42357,8 @@
           </p:pic>
         </mc:Fallback>
       </mc:AlternateContent>
-      <mc:AlternateContent xmlns:mc="http://schemas.openxmlformats.org/markup-compatibility/2006">
-        <mc:Choice xmlns:p14="http://schemas.microsoft.com/office/powerpoint/2010/main" Requires="p14">
+      <mc:AlternateContent xmlns:mc="http://schemas.openxmlformats.org/markup-compatibility/2006" xmlns:p14="http://schemas.microsoft.com/office/powerpoint/2010/main">
+        <mc:Choice Requires="p14">
           <p:contentPart p14:bwMode="auto" r:id="rId342">
             <p14:nvContentPartPr>
               <p14:cNvPr id="603" name="Ink 602">
@@ -42377,7 +42377,7 @@
             </p14:xfrm>
           </p:contentPart>
         </mc:Choice>
-        <mc:Fallback>
+        <mc:Fallback xmlns="">
           <p:pic>
             <p:nvPicPr>
               <p:cNvPr id="603" name="Ink 602">
@@ -42408,8 +42408,8 @@
           </p:pic>
         </mc:Fallback>
       </mc:AlternateContent>
-      <mc:AlternateContent xmlns:mc="http://schemas.openxmlformats.org/markup-compatibility/2006">
-        <mc:Choice xmlns:p14="http://schemas.microsoft.com/office/powerpoint/2010/main" Requires="p14">
+      <mc:AlternateContent xmlns:mc="http://schemas.openxmlformats.org/markup-compatibility/2006" xmlns:p14="http://schemas.microsoft.com/office/powerpoint/2010/main">
+        <mc:Choice Requires="p14">
           <p:contentPart p14:bwMode="auto" r:id="rId344">
             <p14:nvContentPartPr>
               <p14:cNvPr id="604" name="Ink 603">
@@ -42428,7 +42428,7 @@
             </p14:xfrm>
           </p:contentPart>
         </mc:Choice>
-        <mc:Fallback>
+        <mc:Fallback xmlns="">
           <p:pic>
             <p:nvPicPr>
               <p:cNvPr id="604" name="Ink 603">
@@ -42459,8 +42459,8 @@
           </p:pic>
         </mc:Fallback>
       </mc:AlternateContent>
-      <mc:AlternateContent xmlns:mc="http://schemas.openxmlformats.org/markup-compatibility/2006">
-        <mc:Choice xmlns:p14="http://schemas.microsoft.com/office/powerpoint/2010/main" Requires="p14">
+      <mc:AlternateContent xmlns:mc="http://schemas.openxmlformats.org/markup-compatibility/2006" xmlns:p14="http://schemas.microsoft.com/office/powerpoint/2010/main">
+        <mc:Choice Requires="p14">
           <p:contentPart p14:bwMode="auto" r:id="rId346">
             <p14:nvContentPartPr>
               <p14:cNvPr id="605" name="Ink 604">
@@ -42479,7 +42479,7 @@
             </p14:xfrm>
           </p:contentPart>
         </mc:Choice>
-        <mc:Fallback>
+        <mc:Fallback xmlns="">
           <p:pic>
             <p:nvPicPr>
               <p:cNvPr id="605" name="Ink 604">
@@ -42510,8 +42510,8 @@
           </p:pic>
         </mc:Fallback>
       </mc:AlternateContent>
-      <mc:AlternateContent xmlns:mc="http://schemas.openxmlformats.org/markup-compatibility/2006">
-        <mc:Choice xmlns:p14="http://schemas.microsoft.com/office/powerpoint/2010/main" Requires="p14">
+      <mc:AlternateContent xmlns:mc="http://schemas.openxmlformats.org/markup-compatibility/2006" xmlns:p14="http://schemas.microsoft.com/office/powerpoint/2010/main">
+        <mc:Choice Requires="p14">
           <p:contentPart p14:bwMode="auto" r:id="rId348">
             <p14:nvContentPartPr>
               <p14:cNvPr id="606" name="Ink 605">
@@ -42530,7 +42530,7 @@
             </p14:xfrm>
           </p:contentPart>
         </mc:Choice>
-        <mc:Fallback>
+        <mc:Fallback xmlns="">
           <p:pic>
             <p:nvPicPr>
               <p:cNvPr id="606" name="Ink 605">
@@ -42561,8 +42561,8 @@
           </p:pic>
         </mc:Fallback>
       </mc:AlternateContent>
-      <mc:AlternateContent xmlns:mc="http://schemas.openxmlformats.org/markup-compatibility/2006">
-        <mc:Choice xmlns:p14="http://schemas.microsoft.com/office/powerpoint/2010/main" Requires="p14">
+      <mc:AlternateContent xmlns:mc="http://schemas.openxmlformats.org/markup-compatibility/2006" xmlns:p14="http://schemas.microsoft.com/office/powerpoint/2010/main">
+        <mc:Choice Requires="p14">
           <p:contentPart p14:bwMode="auto" r:id="rId350">
             <p14:nvContentPartPr>
               <p14:cNvPr id="607" name="Ink 606">
@@ -42581,7 +42581,7 @@
             </p14:xfrm>
           </p:contentPart>
         </mc:Choice>
-        <mc:Fallback>
+        <mc:Fallback xmlns="">
           <p:pic>
             <p:nvPicPr>
               <p:cNvPr id="607" name="Ink 606">
